--- a/Concurrent_v1.pptx
+++ b/Concurrent_v1.pptx
@@ -5,7 +5,7 @@
     <p:sldMasterId id="2147483696" r:id="rId1"/>
   </p:sldMasterIdLst>
   <p:notesMasterIdLst>
-    <p:notesMasterId r:id="rId53"/>
+    <p:notesMasterId r:id="rId54"/>
   </p:notesMasterIdLst>
   <p:sldIdLst>
     <p:sldId id="299" r:id="rId2"/>
@@ -26,39 +26,40 @@
     <p:sldId id="319" r:id="rId17"/>
     <p:sldId id="317" r:id="rId18"/>
     <p:sldId id="318" r:id="rId19"/>
-    <p:sldId id="303" r:id="rId20"/>
-    <p:sldId id="300" r:id="rId21"/>
-    <p:sldId id="301" r:id="rId22"/>
-    <p:sldId id="302" r:id="rId23"/>
-    <p:sldId id="257" r:id="rId24"/>
-    <p:sldId id="291" r:id="rId25"/>
-    <p:sldId id="292" r:id="rId26"/>
-    <p:sldId id="289" r:id="rId27"/>
-    <p:sldId id="290" r:id="rId28"/>
-    <p:sldId id="263" r:id="rId29"/>
-    <p:sldId id="264" r:id="rId30"/>
-    <p:sldId id="258" r:id="rId31"/>
-    <p:sldId id="259" r:id="rId32"/>
-    <p:sldId id="261" r:id="rId33"/>
-    <p:sldId id="266" r:id="rId34"/>
-    <p:sldId id="270" r:id="rId35"/>
-    <p:sldId id="272" r:id="rId36"/>
-    <p:sldId id="294" r:id="rId37"/>
-    <p:sldId id="296" r:id="rId38"/>
-    <p:sldId id="293" r:id="rId39"/>
-    <p:sldId id="297" r:id="rId40"/>
-    <p:sldId id="269" r:id="rId41"/>
-    <p:sldId id="278" r:id="rId42"/>
-    <p:sldId id="279" r:id="rId43"/>
-    <p:sldId id="298" r:id="rId44"/>
-    <p:sldId id="283" r:id="rId45"/>
-    <p:sldId id="284" r:id="rId46"/>
-    <p:sldId id="285" r:id="rId47"/>
-    <p:sldId id="286" r:id="rId48"/>
-    <p:sldId id="287" r:id="rId49"/>
-    <p:sldId id="274" r:id="rId50"/>
-    <p:sldId id="277" r:id="rId51"/>
-    <p:sldId id="280" r:id="rId52"/>
+    <p:sldId id="321" r:id="rId20"/>
+    <p:sldId id="303" r:id="rId21"/>
+    <p:sldId id="300" r:id="rId22"/>
+    <p:sldId id="301" r:id="rId23"/>
+    <p:sldId id="302" r:id="rId24"/>
+    <p:sldId id="257" r:id="rId25"/>
+    <p:sldId id="291" r:id="rId26"/>
+    <p:sldId id="292" r:id="rId27"/>
+    <p:sldId id="289" r:id="rId28"/>
+    <p:sldId id="290" r:id="rId29"/>
+    <p:sldId id="263" r:id="rId30"/>
+    <p:sldId id="264" r:id="rId31"/>
+    <p:sldId id="258" r:id="rId32"/>
+    <p:sldId id="259" r:id="rId33"/>
+    <p:sldId id="261" r:id="rId34"/>
+    <p:sldId id="266" r:id="rId35"/>
+    <p:sldId id="270" r:id="rId36"/>
+    <p:sldId id="272" r:id="rId37"/>
+    <p:sldId id="294" r:id="rId38"/>
+    <p:sldId id="296" r:id="rId39"/>
+    <p:sldId id="293" r:id="rId40"/>
+    <p:sldId id="297" r:id="rId41"/>
+    <p:sldId id="269" r:id="rId42"/>
+    <p:sldId id="278" r:id="rId43"/>
+    <p:sldId id="279" r:id="rId44"/>
+    <p:sldId id="298" r:id="rId45"/>
+    <p:sldId id="283" r:id="rId46"/>
+    <p:sldId id="284" r:id="rId47"/>
+    <p:sldId id="285" r:id="rId48"/>
+    <p:sldId id="286" r:id="rId49"/>
+    <p:sldId id="287" r:id="rId50"/>
+    <p:sldId id="274" r:id="rId51"/>
+    <p:sldId id="277" r:id="rId52"/>
+    <p:sldId id="280" r:id="rId53"/>
   </p:sldIdLst>
   <p:sldSz cx="12192000" cy="6858000"/>
   <p:notesSz cx="6858000" cy="9144000"/>
@@ -192,6 +193,7 @@
             <p14:sldId id="319"/>
             <p14:sldId id="317"/>
             <p14:sldId id="318"/>
+            <p14:sldId id="321"/>
           </p14:sldIdLst>
         </p14:section>
         <p14:section name="Базовые концепции" id="{F58B88C2-C97E-4EA5-BECB-DA88DE9DFF01}">
@@ -2664,7 +2666,7 @@
           <a:p>
             <a:fld id="{5F729189-23CE-4022-A357-B9239DF82E10}" type="slidenum">
               <a:rPr lang="ru-RU" smtClean="0"/>
-              <a:t>19</a:t>
+              <a:t>20</a:t>
             </a:fld>
             <a:endParaRPr lang="ru-RU"/>
           </a:p>
@@ -2969,7 +2971,7 @@
           <a:p>
             <a:fld id="{5F729189-23CE-4022-A357-B9239DF82E10}" type="slidenum">
               <a:rPr lang="ru-RU" smtClean="0"/>
-              <a:t>23</a:t>
+              <a:t>24</a:t>
             </a:fld>
             <a:endParaRPr lang="ru-RU"/>
           </a:p>
@@ -3054,7 +3056,7 @@
           <a:p>
             <a:fld id="{5F729189-23CE-4022-A357-B9239DF82E10}" type="slidenum">
               <a:rPr lang="ru-RU" smtClean="0"/>
-              <a:t>24</a:t>
+              <a:t>25</a:t>
             </a:fld>
             <a:endParaRPr lang="ru-RU"/>
           </a:p>
@@ -3139,7 +3141,7 @@
           <a:p>
             <a:fld id="{5F729189-23CE-4022-A357-B9239DF82E10}" type="slidenum">
               <a:rPr lang="ru-RU" smtClean="0"/>
-              <a:t>25</a:t>
+              <a:t>26</a:t>
             </a:fld>
             <a:endParaRPr lang="ru-RU"/>
           </a:p>
@@ -3360,7 +3362,7 @@
           <a:p>
             <a:fld id="{5F729189-23CE-4022-A357-B9239DF82E10}" type="slidenum">
               <a:rPr lang="ru-RU" smtClean="0"/>
-              <a:t>26</a:t>
+              <a:t>27</a:t>
             </a:fld>
             <a:endParaRPr lang="ru-RU"/>
           </a:p>
@@ -3445,7 +3447,7 @@
           <a:p>
             <a:fld id="{5F729189-23CE-4022-A357-B9239DF82E10}" type="slidenum">
               <a:rPr lang="ru-RU" smtClean="0"/>
-              <a:t>27</a:t>
+              <a:t>28</a:t>
             </a:fld>
             <a:endParaRPr lang="ru-RU"/>
           </a:p>
@@ -3812,7 +3814,7 @@
           <a:p>
             <a:fld id="{5F729189-23CE-4022-A357-B9239DF82E10}" type="slidenum">
               <a:rPr lang="ru-RU" smtClean="0"/>
-              <a:t>28</a:t>
+              <a:t>29</a:t>
             </a:fld>
             <a:endParaRPr lang="ru-RU"/>
           </a:p>
@@ -4126,7 +4128,7 @@
           <a:p>
             <a:fld id="{5F729189-23CE-4022-A357-B9239DF82E10}" type="slidenum">
               <a:rPr lang="ru-RU" smtClean="0"/>
-              <a:t>29</a:t>
+              <a:t>30</a:t>
             </a:fld>
             <a:endParaRPr lang="ru-RU"/>
           </a:p>
@@ -4233,7 +4235,7 @@
           <a:p>
             <a:fld id="{5F729189-23CE-4022-A357-B9239DF82E10}" type="slidenum">
               <a:rPr lang="ru-RU" smtClean="0"/>
-              <a:t>30</a:t>
+              <a:t>31</a:t>
             </a:fld>
             <a:endParaRPr lang="ru-RU"/>
           </a:p>
@@ -4366,7 +4368,7 @@
           <a:p>
             <a:fld id="{5F729189-23CE-4022-A357-B9239DF82E10}" type="slidenum">
               <a:rPr lang="ru-RU" smtClean="0"/>
-              <a:t>31</a:t>
+              <a:t>32</a:t>
             </a:fld>
             <a:endParaRPr lang="ru-RU"/>
           </a:p>
@@ -4640,7 +4642,7 @@
           <a:p>
             <a:fld id="{5F729189-23CE-4022-A357-B9239DF82E10}" type="slidenum">
               <a:rPr lang="ru-RU" smtClean="0"/>
-              <a:t>32</a:t>
+              <a:t>33</a:t>
             </a:fld>
             <a:endParaRPr lang="ru-RU"/>
           </a:p>
@@ -5033,7 +5035,7 @@
           <a:p>
             <a:fld id="{5F729189-23CE-4022-A357-B9239DF82E10}" type="slidenum">
               <a:rPr lang="ru-RU" smtClean="0"/>
-              <a:t>33</a:t>
+              <a:t>34</a:t>
             </a:fld>
             <a:endParaRPr lang="ru-RU"/>
           </a:p>
@@ -5127,7 +5129,7 @@
           <a:p>
             <a:fld id="{5F729189-23CE-4022-A357-B9239DF82E10}" type="slidenum">
               <a:rPr lang="ru-RU" smtClean="0"/>
-              <a:t>34</a:t>
+              <a:t>35</a:t>
             </a:fld>
             <a:endParaRPr lang="ru-RU"/>
           </a:p>
@@ -5335,7 +5337,7 @@
           <a:p>
             <a:fld id="{5F729189-23CE-4022-A357-B9239DF82E10}" type="slidenum">
               <a:rPr lang="ru-RU" smtClean="0"/>
-              <a:t>35</a:t>
+              <a:t>36</a:t>
             </a:fld>
             <a:endParaRPr lang="ru-RU"/>
           </a:p>
@@ -6003,7 +6005,7 @@
           <a:p>
             <a:fld id="{5F729189-23CE-4022-A357-B9239DF82E10}" type="slidenum">
               <a:rPr lang="ru-RU" smtClean="0"/>
-              <a:t>36</a:t>
+              <a:t>37</a:t>
             </a:fld>
             <a:endParaRPr lang="ru-RU"/>
           </a:p>
@@ -6365,7 +6367,7 @@
           <a:p>
             <a:fld id="{5F729189-23CE-4022-A357-B9239DF82E10}" type="slidenum">
               <a:rPr lang="ru-RU" smtClean="0"/>
-              <a:t>37</a:t>
+              <a:t>38</a:t>
             </a:fld>
             <a:endParaRPr lang="ru-RU"/>
           </a:p>
@@ -6756,7 +6758,7 @@
           <a:p>
             <a:fld id="{5F729189-23CE-4022-A357-B9239DF82E10}" type="slidenum">
               <a:rPr lang="ru-RU" smtClean="0"/>
-              <a:t>40</a:t>
+              <a:t>41</a:t>
             </a:fld>
             <a:endParaRPr lang="ru-RU"/>
           </a:p>
@@ -7909,7 +7911,7 @@
           <a:p>
             <a:fld id="{5F729189-23CE-4022-A357-B9239DF82E10}" type="slidenum">
               <a:rPr lang="ru-RU" smtClean="0"/>
-              <a:t>41</a:t>
+              <a:t>42</a:t>
             </a:fld>
             <a:endParaRPr lang="ru-RU"/>
           </a:p>
@@ -8362,7 +8364,7 @@
           <a:p>
             <a:fld id="{5F729189-23CE-4022-A357-B9239DF82E10}" type="slidenum">
               <a:rPr lang="ru-RU" smtClean="0"/>
-              <a:t>42</a:t>
+              <a:t>43</a:t>
             </a:fld>
             <a:endParaRPr lang="ru-RU"/>
           </a:p>
@@ -8446,7 +8448,7 @@
           <a:p>
             <a:fld id="{5F729189-23CE-4022-A357-B9239DF82E10}" type="slidenum">
               <a:rPr lang="ru-RU" smtClean="0"/>
-              <a:t>43</a:t>
+              <a:t>44</a:t>
             </a:fld>
             <a:endParaRPr lang="ru-RU"/>
           </a:p>
@@ -8530,7 +8532,7 @@
           <a:p>
             <a:fld id="{5F729189-23CE-4022-A357-B9239DF82E10}" type="slidenum">
               <a:rPr lang="ru-RU" smtClean="0"/>
-              <a:t>44</a:t>
+              <a:t>45</a:t>
             </a:fld>
             <a:endParaRPr lang="ru-RU"/>
           </a:p>
@@ -9110,7 +9112,7 @@
           <a:p>
             <a:fld id="{5F729189-23CE-4022-A357-B9239DF82E10}" type="slidenum">
               <a:rPr lang="ru-RU" smtClean="0"/>
-              <a:t>45</a:t>
+              <a:t>46</a:t>
             </a:fld>
             <a:endParaRPr lang="ru-RU"/>
           </a:p>
@@ -9194,7 +9196,7 @@
           <a:p>
             <a:fld id="{5F729189-23CE-4022-A357-B9239DF82E10}" type="slidenum">
               <a:rPr lang="ru-RU" smtClean="0"/>
-              <a:t>46</a:t>
+              <a:t>47</a:t>
             </a:fld>
             <a:endParaRPr lang="ru-RU"/>
           </a:p>
@@ -9278,7 +9280,7 @@
           <a:p>
             <a:fld id="{5F729189-23CE-4022-A357-B9239DF82E10}" type="slidenum">
               <a:rPr lang="ru-RU" smtClean="0"/>
-              <a:t>47</a:t>
+              <a:t>48</a:t>
             </a:fld>
             <a:endParaRPr lang="ru-RU"/>
           </a:p>
@@ -9362,7 +9364,7 @@
           <a:p>
             <a:fld id="{5F729189-23CE-4022-A357-B9239DF82E10}" type="slidenum">
               <a:rPr lang="ru-RU" smtClean="0"/>
-              <a:t>48</a:t>
+              <a:t>49</a:t>
             </a:fld>
             <a:endParaRPr lang="ru-RU"/>
           </a:p>
@@ -9735,7 +9737,7 @@
           <a:p>
             <a:fld id="{5F729189-23CE-4022-A357-B9239DF82E10}" type="slidenum">
               <a:rPr lang="ru-RU" smtClean="0"/>
-              <a:t>49</a:t>
+              <a:t>50</a:t>
             </a:fld>
             <a:endParaRPr lang="ru-RU"/>
           </a:p>
@@ -9819,7 +9821,7 @@
           <a:p>
             <a:fld id="{5F729189-23CE-4022-A357-B9239DF82E10}" type="slidenum">
               <a:rPr lang="ru-RU" smtClean="0"/>
-              <a:t>51</a:t>
+              <a:t>52</a:t>
             </a:fld>
             <a:endParaRPr lang="ru-RU"/>
           </a:p>
@@ -18547,8 +18549,13 @@
           <a:p>
             <a:r>
               <a:rPr lang="ru-RU" dirty="0"/>
-              <a:t>Блокирующие очереди</a:t>
-            </a:r>
+              <a:t>Блокирующие очереди </a:t>
+            </a:r>
+            <a:r>
+              <a:rPr lang="en-US" dirty="0"/>
+              <a:t>#1</a:t>
+            </a:r>
+            <a:endParaRPr lang="ru-RU" dirty="0"/>
           </a:p>
         </p:txBody>
       </p:sp>
@@ -19238,6 +19245,11 @@
               <a:rPr lang="ru-RU" dirty="0"/>
               <a:t>Блокирующие очереди</a:t>
             </a:r>
+            <a:r>
+              <a:rPr lang="en-US" dirty="0"/>
+              <a:t> #2</a:t>
+            </a:r>
+            <a:endParaRPr lang="ru-RU" dirty="0"/>
           </a:p>
         </p:txBody>
       </p:sp>
@@ -19923,7 +19935,7 @@
           <p:cNvPr id="2" name="Заголовок 1">
             <a:extLst>
               <a:ext uri="{FF2B5EF4-FFF2-40B4-BE49-F238E27FC236}">
-                <a16:creationId xmlns:a16="http://schemas.microsoft.com/office/drawing/2014/main" id="{D540EF41-A1F3-00F0-5B51-360564BB0ED4}"/>
+                <a16:creationId xmlns:a16="http://schemas.microsoft.com/office/drawing/2014/main" id="{F9B676A1-AB0F-42F8-729E-F655300139F5}"/>
               </a:ext>
             </a:extLst>
           </p:cNvPr>
@@ -19936,31 +19948,656 @@
         </p:nvSpPr>
         <p:spPr/>
         <p:txBody>
-          <a:bodyPr>
+          <a:bodyPr/>
+          <a:lstStyle/>
+          <a:p>
+            <a:r>
+              <a:rPr lang="ru-RU" dirty="0"/>
+              <a:t>Блокирующие очереди</a:t>
+            </a:r>
+            <a:r>
+              <a:rPr lang="en-US" dirty="0"/>
+              <a:t> #3</a:t>
+            </a:r>
+            <a:endParaRPr lang="ru-RU" dirty="0"/>
+          </a:p>
+        </p:txBody>
+      </p:sp>
+      <p:sp>
+        <p:nvSpPr>
+          <p:cNvPr id="4" name="Объект 2">
+            <a:extLst>
+              <a:ext uri="{FF2B5EF4-FFF2-40B4-BE49-F238E27FC236}">
+                <a16:creationId xmlns:a16="http://schemas.microsoft.com/office/drawing/2014/main" id="{6E779858-FD22-2BA8-2335-77F0117CAD00}"/>
+              </a:ext>
+            </a:extLst>
+          </p:cNvPr>
+          <p:cNvSpPr txBox="1">
+            <a:spLocks/>
+          </p:cNvSpPr>
+          <p:nvPr/>
+        </p:nvSpPr>
+        <p:spPr>
+          <a:xfrm>
+            <a:off x="515938" y="657225"/>
+            <a:ext cx="11160125" cy="1468138"/>
+          </a:xfrm>
+          <a:prstGeom prst="rect">
+            <a:avLst/>
+          </a:prstGeom>
+          <a:solidFill>
+            <a:srgbClr val="171717"/>
+          </a:solidFill>
+        </p:spPr>
+        <p:txBody>
+          <a:bodyPr vert="horz" lIns="91440" tIns="45720" rIns="91440" bIns="45720" rtlCol="0">
             <a:normAutofit/>
           </a:bodyPr>
-          <a:lstStyle/>
-          <a:p>
-            <a:r>
-              <a:rPr lang="en-US" b="1" i="0" dirty="0">
-                <a:solidFill>
-                  <a:srgbClr val="FFFFFF"/>
-                </a:solidFill>
-                <a:effectLst/>
-                <a:latin typeface="Arial" panose="020B0604020202020204" pitchFamily="34" charset="0"/>
-              </a:rPr>
-              <a:t>Executor</a:t>
-            </a:r>
-            <a:endParaRPr lang="ru-RU" dirty="0"/>
+          <a:lstStyle>
+            <a:lvl1pPr marL="228600" indent="-228600" algn="l" defTabSz="914400" rtl="0" eaLnBrk="1" latinLnBrk="0" hangingPunct="1">
+              <a:lnSpc>
+                <a:spcPct val="90000"/>
+              </a:lnSpc>
+              <a:spcBef>
+                <a:spcPts val="1000"/>
+              </a:spcBef>
+              <a:buFont typeface="Arial" panose="020B0604020202020204" pitchFamily="34" charset="0"/>
+              <a:buChar char="•"/>
+              <a:defRPr sz="1600" kern="1200">
+                <a:solidFill>
+                  <a:schemeClr val="tx1"/>
+                </a:solidFill>
+                <a:latin typeface="Arial" panose="020B0604020202020204" pitchFamily="34" charset="0"/>
+                <a:ea typeface="+mn-ea"/>
+                <a:cs typeface="Arial" panose="020B0604020202020204" pitchFamily="34" charset="0"/>
+              </a:defRPr>
+            </a:lvl1pPr>
+            <a:lvl2pPr marL="685800" indent="-228600" algn="l" defTabSz="914400" rtl="0" eaLnBrk="1" latinLnBrk="0" hangingPunct="1">
+              <a:lnSpc>
+                <a:spcPct val="90000"/>
+              </a:lnSpc>
+              <a:spcBef>
+                <a:spcPts val="500"/>
+              </a:spcBef>
+              <a:buFont typeface="Arial" panose="020B0604020202020204" pitchFamily="34" charset="0"/>
+              <a:buChar char="•"/>
+              <a:defRPr sz="1600" kern="1200">
+                <a:solidFill>
+                  <a:schemeClr val="tx1"/>
+                </a:solidFill>
+                <a:latin typeface="Arial" panose="020B0604020202020204" pitchFamily="34" charset="0"/>
+                <a:ea typeface="+mn-ea"/>
+                <a:cs typeface="Arial" panose="020B0604020202020204" pitchFamily="34" charset="0"/>
+              </a:defRPr>
+            </a:lvl2pPr>
+            <a:lvl3pPr marL="1143000" indent="-228600" algn="l" defTabSz="914400" rtl="0" eaLnBrk="1" latinLnBrk="0" hangingPunct="1">
+              <a:lnSpc>
+                <a:spcPct val="90000"/>
+              </a:lnSpc>
+              <a:spcBef>
+                <a:spcPts val="500"/>
+              </a:spcBef>
+              <a:buFont typeface="Arial" panose="020B0604020202020204" pitchFamily="34" charset="0"/>
+              <a:buChar char="•"/>
+              <a:defRPr sz="1600" kern="1200">
+                <a:solidFill>
+                  <a:schemeClr val="tx1"/>
+                </a:solidFill>
+                <a:latin typeface="Arial" panose="020B0604020202020204" pitchFamily="34" charset="0"/>
+                <a:ea typeface="+mn-ea"/>
+                <a:cs typeface="Arial" panose="020B0604020202020204" pitchFamily="34" charset="0"/>
+              </a:defRPr>
+            </a:lvl3pPr>
+            <a:lvl4pPr marL="1600200" indent="-228600" algn="l" defTabSz="914400" rtl="0" eaLnBrk="1" latinLnBrk="0" hangingPunct="1">
+              <a:lnSpc>
+                <a:spcPct val="90000"/>
+              </a:lnSpc>
+              <a:spcBef>
+                <a:spcPts val="500"/>
+              </a:spcBef>
+              <a:buFont typeface="Arial" panose="020B0604020202020204" pitchFamily="34" charset="0"/>
+              <a:buChar char="•"/>
+              <a:defRPr sz="1400" kern="1200">
+                <a:solidFill>
+                  <a:schemeClr val="tx1"/>
+                </a:solidFill>
+                <a:latin typeface="Arial" panose="020B0604020202020204" pitchFamily="34" charset="0"/>
+                <a:ea typeface="+mn-ea"/>
+                <a:cs typeface="Arial" panose="020B0604020202020204" pitchFamily="34" charset="0"/>
+              </a:defRPr>
+            </a:lvl4pPr>
+            <a:lvl5pPr marL="2057400" indent="-228600" algn="l" defTabSz="914400" rtl="0" eaLnBrk="1" latinLnBrk="0" hangingPunct="1">
+              <a:lnSpc>
+                <a:spcPct val="90000"/>
+              </a:lnSpc>
+              <a:spcBef>
+                <a:spcPts val="500"/>
+              </a:spcBef>
+              <a:buFont typeface="Arial" panose="020B0604020202020204" pitchFamily="34" charset="0"/>
+              <a:buChar char="•"/>
+              <a:defRPr sz="1400" kern="1200">
+                <a:solidFill>
+                  <a:schemeClr val="tx1"/>
+                </a:solidFill>
+                <a:latin typeface="Arial" panose="020B0604020202020204" pitchFamily="34" charset="0"/>
+                <a:ea typeface="+mn-ea"/>
+                <a:cs typeface="Arial" panose="020B0604020202020204" pitchFamily="34" charset="0"/>
+              </a:defRPr>
+            </a:lvl5pPr>
+            <a:lvl6pPr marL="2514600" indent="-228600" algn="l" defTabSz="914400" rtl="0" eaLnBrk="1" latinLnBrk="0" hangingPunct="1">
+              <a:lnSpc>
+                <a:spcPct val="90000"/>
+              </a:lnSpc>
+              <a:spcBef>
+                <a:spcPts val="500"/>
+              </a:spcBef>
+              <a:buFont typeface="Arial" panose="020B0604020202020204" pitchFamily="34" charset="0"/>
+              <a:buChar char="•"/>
+              <a:defRPr sz="1800" kern="1200">
+                <a:solidFill>
+                  <a:schemeClr val="tx1"/>
+                </a:solidFill>
+                <a:latin typeface="+mn-lt"/>
+                <a:ea typeface="+mn-ea"/>
+                <a:cs typeface="+mn-cs"/>
+              </a:defRPr>
+            </a:lvl6pPr>
+            <a:lvl7pPr marL="2971800" indent="-228600" algn="l" defTabSz="914400" rtl="0" eaLnBrk="1" latinLnBrk="0" hangingPunct="1">
+              <a:lnSpc>
+                <a:spcPct val="90000"/>
+              </a:lnSpc>
+              <a:spcBef>
+                <a:spcPts val="500"/>
+              </a:spcBef>
+              <a:buFont typeface="Arial" panose="020B0604020202020204" pitchFamily="34" charset="0"/>
+              <a:buChar char="•"/>
+              <a:defRPr sz="1800" kern="1200">
+                <a:solidFill>
+                  <a:schemeClr val="tx1"/>
+                </a:solidFill>
+                <a:latin typeface="+mn-lt"/>
+                <a:ea typeface="+mn-ea"/>
+                <a:cs typeface="+mn-cs"/>
+              </a:defRPr>
+            </a:lvl7pPr>
+            <a:lvl8pPr marL="3429000" indent="-228600" algn="l" defTabSz="914400" rtl="0" eaLnBrk="1" latinLnBrk="0" hangingPunct="1">
+              <a:lnSpc>
+                <a:spcPct val="90000"/>
+              </a:lnSpc>
+              <a:spcBef>
+                <a:spcPts val="500"/>
+              </a:spcBef>
+              <a:buFont typeface="Arial" panose="020B0604020202020204" pitchFamily="34" charset="0"/>
+              <a:buChar char="•"/>
+              <a:defRPr sz="1800" kern="1200">
+                <a:solidFill>
+                  <a:schemeClr val="tx1"/>
+                </a:solidFill>
+                <a:latin typeface="+mn-lt"/>
+                <a:ea typeface="+mn-ea"/>
+                <a:cs typeface="+mn-cs"/>
+              </a:defRPr>
+            </a:lvl8pPr>
+            <a:lvl9pPr marL="3886200" indent="-228600" algn="l" defTabSz="914400" rtl="0" eaLnBrk="1" latinLnBrk="0" hangingPunct="1">
+              <a:lnSpc>
+                <a:spcPct val="90000"/>
+              </a:lnSpc>
+              <a:spcBef>
+                <a:spcPts val="500"/>
+              </a:spcBef>
+              <a:buFont typeface="Arial" panose="020B0604020202020204" pitchFamily="34" charset="0"/>
+              <a:buChar char="•"/>
+              <a:defRPr sz="1800" kern="1200">
+                <a:solidFill>
+                  <a:schemeClr val="tx1"/>
+                </a:solidFill>
+                <a:latin typeface="+mn-lt"/>
+                <a:ea typeface="+mn-ea"/>
+                <a:cs typeface="+mn-cs"/>
+              </a:defRPr>
+            </a:lvl9pPr>
+          </a:lstStyle>
+          <a:p>
+            <a:pPr marL="0" indent="0" algn="l">
+              <a:buNone/>
+            </a:pPr>
+            <a:r>
+              <a:rPr lang="en-US" dirty="0">
+                <a:solidFill>
+                  <a:srgbClr val="BC5CFF"/>
+                </a:solidFill>
+              </a:rPr>
+              <a:t>3. </a:t>
+            </a:r>
+            <a:r>
+              <a:rPr lang="en-US" dirty="0" err="1">
+                <a:solidFill>
+                  <a:srgbClr val="BC5CFF"/>
+                </a:solidFill>
+              </a:rPr>
+              <a:t>LinkedTransferQueue</a:t>
+            </a:r>
+            <a:endParaRPr lang="en-US" dirty="0">
+              <a:solidFill>
+                <a:srgbClr val="BC5CFF"/>
+              </a:solidFill>
+            </a:endParaRPr>
+          </a:p>
+          <a:p>
+            <a:pPr marL="0" indent="0" algn="l">
+              <a:buNone/>
+            </a:pPr>
+            <a:r>
+              <a:rPr lang="ru-RU" dirty="0">
+                <a:solidFill>
+                  <a:srgbClr val="DDDDDD"/>
+                </a:solidFill>
+              </a:rPr>
+              <a:t>Расширяет </a:t>
+            </a:r>
+            <a:r>
+              <a:rPr lang="ru-RU" dirty="0" err="1">
+                <a:solidFill>
+                  <a:srgbClr val="CC7832"/>
+                </a:solidFill>
+              </a:rPr>
+              <a:t>BlockingQueue</a:t>
+            </a:r>
+            <a:r>
+              <a:rPr lang="ru-RU" dirty="0">
+                <a:solidFill>
+                  <a:srgbClr val="DDDDDD"/>
+                </a:solidFill>
+              </a:rPr>
+              <a:t> с гарантией, что элемент будет передан потребителю.</a:t>
+            </a:r>
+            <a:endParaRPr lang="en-US" dirty="0">
+              <a:solidFill>
+                <a:srgbClr val="DDDDDD"/>
+              </a:solidFill>
+            </a:endParaRPr>
+          </a:p>
+          <a:p>
+            <a:pPr marL="0" indent="0" algn="l">
+              <a:buNone/>
+            </a:pPr>
+            <a:r>
+              <a:rPr lang="ru-RU" dirty="0">
+                <a:solidFill>
+                  <a:srgbClr val="DDDDDD"/>
+                </a:solidFill>
+              </a:rPr>
+              <a:t>Гибрид </a:t>
+            </a:r>
+            <a:r>
+              <a:rPr lang="ru-RU" dirty="0" err="1">
+                <a:solidFill>
+                  <a:srgbClr val="CC7832"/>
+                </a:solidFill>
+              </a:rPr>
+              <a:t>SynchronousQueue</a:t>
+            </a:r>
+            <a:r>
+              <a:rPr lang="ru-RU" dirty="0">
+                <a:solidFill>
+                  <a:srgbClr val="DDDDDD"/>
+                </a:solidFill>
+              </a:rPr>
+              <a:t> и обычной очереди</a:t>
+            </a:r>
+          </a:p>
+          <a:p>
+            <a:pPr marL="0" indent="0" algn="l">
+              <a:buNone/>
+            </a:pPr>
+            <a:r>
+              <a:rPr lang="ru-RU" dirty="0">
+                <a:solidFill>
+                  <a:srgbClr val="DDDDDD"/>
+                </a:solidFill>
+              </a:rPr>
+              <a:t>Метод </a:t>
+            </a:r>
+            <a:r>
+              <a:rPr lang="ru-RU" dirty="0" err="1">
+                <a:solidFill>
+                  <a:srgbClr val="FF423F"/>
+                </a:solidFill>
+              </a:rPr>
+              <a:t>transfer</a:t>
+            </a:r>
+            <a:r>
+              <a:rPr lang="ru-RU" dirty="0">
+                <a:solidFill>
+                  <a:srgbClr val="DDDDDD"/>
+                </a:solidFill>
+              </a:rPr>
+              <a:t>() блокируется, пока элемент не будет получен</a:t>
+            </a:r>
+            <a:r>
+              <a:rPr lang="en-US" dirty="0">
+                <a:solidFill>
+                  <a:srgbClr val="DDDDDD"/>
+                </a:solidFill>
+              </a:rPr>
+              <a:t>,</a:t>
+            </a:r>
+          </a:p>
+          <a:p>
+            <a:pPr marL="0" indent="0" algn="l">
+              <a:buNone/>
+            </a:pPr>
+            <a:endParaRPr lang="en-US" dirty="0">
+              <a:solidFill>
+                <a:srgbClr val="DDDDDD"/>
+              </a:solidFill>
+            </a:endParaRPr>
+          </a:p>
+        </p:txBody>
+      </p:sp>
+      <p:sp>
+        <p:nvSpPr>
+          <p:cNvPr id="8" name="Объект 2">
+            <a:extLst>
+              <a:ext uri="{FF2B5EF4-FFF2-40B4-BE49-F238E27FC236}">
+                <a16:creationId xmlns:a16="http://schemas.microsoft.com/office/drawing/2014/main" id="{BD0CD93A-CE8D-7678-9DC1-EF97C379E2A6}"/>
+              </a:ext>
+            </a:extLst>
+          </p:cNvPr>
+          <p:cNvSpPr txBox="1">
+            <a:spLocks/>
+          </p:cNvSpPr>
+          <p:nvPr/>
+        </p:nvSpPr>
+        <p:spPr>
+          <a:xfrm>
+            <a:off x="515934" y="3386481"/>
+            <a:ext cx="11160125" cy="1468138"/>
+          </a:xfrm>
+          <a:prstGeom prst="rect">
+            <a:avLst/>
+          </a:prstGeom>
+          <a:solidFill>
+            <a:srgbClr val="171717"/>
+          </a:solidFill>
+        </p:spPr>
+        <p:txBody>
+          <a:bodyPr vert="horz" lIns="91440" tIns="45720" rIns="91440" bIns="45720" rtlCol="0">
+            <a:normAutofit/>
+          </a:bodyPr>
+          <a:lstStyle>
+            <a:lvl1pPr marL="228600" indent="-228600" algn="l" defTabSz="914400" rtl="0" eaLnBrk="1" latinLnBrk="0" hangingPunct="1">
+              <a:lnSpc>
+                <a:spcPct val="90000"/>
+              </a:lnSpc>
+              <a:spcBef>
+                <a:spcPts val="1000"/>
+              </a:spcBef>
+              <a:buFont typeface="Arial" panose="020B0604020202020204" pitchFamily="34" charset="0"/>
+              <a:buChar char="•"/>
+              <a:defRPr sz="1600" kern="1200">
+                <a:solidFill>
+                  <a:schemeClr val="tx1"/>
+                </a:solidFill>
+                <a:latin typeface="Arial" panose="020B0604020202020204" pitchFamily="34" charset="0"/>
+                <a:ea typeface="+mn-ea"/>
+                <a:cs typeface="Arial" panose="020B0604020202020204" pitchFamily="34" charset="0"/>
+              </a:defRPr>
+            </a:lvl1pPr>
+            <a:lvl2pPr marL="685800" indent="-228600" algn="l" defTabSz="914400" rtl="0" eaLnBrk="1" latinLnBrk="0" hangingPunct="1">
+              <a:lnSpc>
+                <a:spcPct val="90000"/>
+              </a:lnSpc>
+              <a:spcBef>
+                <a:spcPts val="500"/>
+              </a:spcBef>
+              <a:buFont typeface="Arial" panose="020B0604020202020204" pitchFamily="34" charset="0"/>
+              <a:buChar char="•"/>
+              <a:defRPr sz="1600" kern="1200">
+                <a:solidFill>
+                  <a:schemeClr val="tx1"/>
+                </a:solidFill>
+                <a:latin typeface="Arial" panose="020B0604020202020204" pitchFamily="34" charset="0"/>
+                <a:ea typeface="+mn-ea"/>
+                <a:cs typeface="Arial" panose="020B0604020202020204" pitchFamily="34" charset="0"/>
+              </a:defRPr>
+            </a:lvl2pPr>
+            <a:lvl3pPr marL="1143000" indent="-228600" algn="l" defTabSz="914400" rtl="0" eaLnBrk="1" latinLnBrk="0" hangingPunct="1">
+              <a:lnSpc>
+                <a:spcPct val="90000"/>
+              </a:lnSpc>
+              <a:spcBef>
+                <a:spcPts val="500"/>
+              </a:spcBef>
+              <a:buFont typeface="Arial" panose="020B0604020202020204" pitchFamily="34" charset="0"/>
+              <a:buChar char="•"/>
+              <a:defRPr sz="1600" kern="1200">
+                <a:solidFill>
+                  <a:schemeClr val="tx1"/>
+                </a:solidFill>
+                <a:latin typeface="Arial" panose="020B0604020202020204" pitchFamily="34" charset="0"/>
+                <a:ea typeface="+mn-ea"/>
+                <a:cs typeface="Arial" panose="020B0604020202020204" pitchFamily="34" charset="0"/>
+              </a:defRPr>
+            </a:lvl3pPr>
+            <a:lvl4pPr marL="1600200" indent="-228600" algn="l" defTabSz="914400" rtl="0" eaLnBrk="1" latinLnBrk="0" hangingPunct="1">
+              <a:lnSpc>
+                <a:spcPct val="90000"/>
+              </a:lnSpc>
+              <a:spcBef>
+                <a:spcPts val="500"/>
+              </a:spcBef>
+              <a:buFont typeface="Arial" panose="020B0604020202020204" pitchFamily="34" charset="0"/>
+              <a:buChar char="•"/>
+              <a:defRPr sz="1400" kern="1200">
+                <a:solidFill>
+                  <a:schemeClr val="tx1"/>
+                </a:solidFill>
+                <a:latin typeface="Arial" panose="020B0604020202020204" pitchFamily="34" charset="0"/>
+                <a:ea typeface="+mn-ea"/>
+                <a:cs typeface="Arial" panose="020B0604020202020204" pitchFamily="34" charset="0"/>
+              </a:defRPr>
+            </a:lvl4pPr>
+            <a:lvl5pPr marL="2057400" indent="-228600" algn="l" defTabSz="914400" rtl="0" eaLnBrk="1" latinLnBrk="0" hangingPunct="1">
+              <a:lnSpc>
+                <a:spcPct val="90000"/>
+              </a:lnSpc>
+              <a:spcBef>
+                <a:spcPts val="500"/>
+              </a:spcBef>
+              <a:buFont typeface="Arial" panose="020B0604020202020204" pitchFamily="34" charset="0"/>
+              <a:buChar char="•"/>
+              <a:defRPr sz="1400" kern="1200">
+                <a:solidFill>
+                  <a:schemeClr val="tx1"/>
+                </a:solidFill>
+                <a:latin typeface="Arial" panose="020B0604020202020204" pitchFamily="34" charset="0"/>
+                <a:ea typeface="+mn-ea"/>
+                <a:cs typeface="Arial" panose="020B0604020202020204" pitchFamily="34" charset="0"/>
+              </a:defRPr>
+            </a:lvl5pPr>
+            <a:lvl6pPr marL="2514600" indent="-228600" algn="l" defTabSz="914400" rtl="0" eaLnBrk="1" latinLnBrk="0" hangingPunct="1">
+              <a:lnSpc>
+                <a:spcPct val="90000"/>
+              </a:lnSpc>
+              <a:spcBef>
+                <a:spcPts val="500"/>
+              </a:spcBef>
+              <a:buFont typeface="Arial" panose="020B0604020202020204" pitchFamily="34" charset="0"/>
+              <a:buChar char="•"/>
+              <a:defRPr sz="1800" kern="1200">
+                <a:solidFill>
+                  <a:schemeClr val="tx1"/>
+                </a:solidFill>
+                <a:latin typeface="+mn-lt"/>
+                <a:ea typeface="+mn-ea"/>
+                <a:cs typeface="+mn-cs"/>
+              </a:defRPr>
+            </a:lvl6pPr>
+            <a:lvl7pPr marL="2971800" indent="-228600" algn="l" defTabSz="914400" rtl="0" eaLnBrk="1" latinLnBrk="0" hangingPunct="1">
+              <a:lnSpc>
+                <a:spcPct val="90000"/>
+              </a:lnSpc>
+              <a:spcBef>
+                <a:spcPts val="500"/>
+              </a:spcBef>
+              <a:buFont typeface="Arial" panose="020B0604020202020204" pitchFamily="34" charset="0"/>
+              <a:buChar char="•"/>
+              <a:defRPr sz="1800" kern="1200">
+                <a:solidFill>
+                  <a:schemeClr val="tx1"/>
+                </a:solidFill>
+                <a:latin typeface="+mn-lt"/>
+                <a:ea typeface="+mn-ea"/>
+                <a:cs typeface="+mn-cs"/>
+              </a:defRPr>
+            </a:lvl7pPr>
+            <a:lvl8pPr marL="3429000" indent="-228600" algn="l" defTabSz="914400" rtl="0" eaLnBrk="1" latinLnBrk="0" hangingPunct="1">
+              <a:lnSpc>
+                <a:spcPct val="90000"/>
+              </a:lnSpc>
+              <a:spcBef>
+                <a:spcPts val="500"/>
+              </a:spcBef>
+              <a:buFont typeface="Arial" panose="020B0604020202020204" pitchFamily="34" charset="0"/>
+              <a:buChar char="•"/>
+              <a:defRPr sz="1800" kern="1200">
+                <a:solidFill>
+                  <a:schemeClr val="tx1"/>
+                </a:solidFill>
+                <a:latin typeface="+mn-lt"/>
+                <a:ea typeface="+mn-ea"/>
+                <a:cs typeface="+mn-cs"/>
+              </a:defRPr>
+            </a:lvl8pPr>
+            <a:lvl9pPr marL="3886200" indent="-228600" algn="l" defTabSz="914400" rtl="0" eaLnBrk="1" latinLnBrk="0" hangingPunct="1">
+              <a:lnSpc>
+                <a:spcPct val="90000"/>
+              </a:lnSpc>
+              <a:spcBef>
+                <a:spcPts val="500"/>
+              </a:spcBef>
+              <a:buFont typeface="Arial" panose="020B0604020202020204" pitchFamily="34" charset="0"/>
+              <a:buChar char="•"/>
+              <a:defRPr sz="1800" kern="1200">
+                <a:solidFill>
+                  <a:schemeClr val="tx1"/>
+                </a:solidFill>
+                <a:latin typeface="+mn-lt"/>
+                <a:ea typeface="+mn-ea"/>
+                <a:cs typeface="+mn-cs"/>
+              </a:defRPr>
+            </a:lvl9pPr>
+          </a:lstStyle>
+          <a:p>
+            <a:pPr marL="0" indent="0" algn="l">
+              <a:buNone/>
+            </a:pPr>
+            <a:r>
+              <a:rPr lang="en-US" dirty="0">
+                <a:solidFill>
+                  <a:srgbClr val="BC5CFF"/>
+                </a:solidFill>
+              </a:rPr>
+              <a:t>4. </a:t>
+            </a:r>
+            <a:r>
+              <a:rPr lang="ru-RU" dirty="0" err="1">
+                <a:solidFill>
+                  <a:srgbClr val="BC5CFF"/>
+                </a:solidFill>
+              </a:rPr>
+              <a:t>SynchronousQueue</a:t>
+            </a:r>
+            <a:endParaRPr lang="ru-RU" dirty="0">
+              <a:solidFill>
+                <a:srgbClr val="BC5CFF"/>
+              </a:solidFill>
+            </a:endParaRPr>
+          </a:p>
+          <a:p>
+            <a:r>
+              <a:rPr lang="ru-RU" dirty="0">
+                <a:solidFill>
+                  <a:srgbClr val="DDDDDD"/>
+                </a:solidFill>
+              </a:rPr>
+              <a:t>Очередь без емкости (размер = 0)</a:t>
+            </a:r>
+          </a:p>
+          <a:p>
+            <a:r>
+              <a:rPr lang="ru-RU" dirty="0">
+                <a:solidFill>
+                  <a:srgbClr val="DDDDDD"/>
+                </a:solidFill>
+              </a:rPr>
+              <a:t>Элемент передается напрямую от производителя к потребителю</a:t>
+            </a:r>
+          </a:p>
+          <a:p>
+            <a:r>
+              <a:rPr lang="ru-RU" dirty="0">
+                <a:solidFill>
+                  <a:srgbClr val="DDDDDD"/>
+                </a:solidFill>
+              </a:rPr>
+              <a:t>Полезно для обмена</a:t>
+            </a:r>
+            <a:r>
+              <a:rPr lang="en-US" dirty="0">
+                <a:solidFill>
+                  <a:srgbClr val="DDDDDD"/>
+                </a:solidFill>
+              </a:rPr>
+              <a:t> </a:t>
+            </a:r>
+            <a:r>
+              <a:rPr lang="ru-RU" dirty="0">
+                <a:solidFill>
+                  <a:srgbClr val="DDDDDD"/>
+                </a:solidFill>
+              </a:rPr>
+              <a:t>одиночными данными между потоками</a:t>
+            </a:r>
           </a:p>
         </p:txBody>
       </p:sp>
       <p:pic>
         <p:nvPicPr>
-          <p:cNvPr id="6" name="Рисунок 5">
+          <p:cNvPr id="5" name="Рисунок 4">
             <a:extLst>
               <a:ext uri="{FF2B5EF4-FFF2-40B4-BE49-F238E27FC236}">
-                <a16:creationId xmlns:a16="http://schemas.microsoft.com/office/drawing/2014/main" id="{24B670FE-5FD5-60F1-0007-7820D430C538}"/>
+                <a16:creationId xmlns:a16="http://schemas.microsoft.com/office/drawing/2014/main" id="{EF091779-219B-8051-836A-6EE966589494}"/>
+              </a:ext>
+            </a:extLst>
+          </p:cNvPr>
+          <p:cNvPicPr>
+            <a:picLocks noChangeAspect="1"/>
+          </p:cNvPicPr>
+          <p:nvPr/>
+        </p:nvPicPr>
+        <p:blipFill>
+          <a:blip r:embed="rId2"/>
+          <a:srcRect r="8463"/>
+          <a:stretch/>
+        </p:blipFill>
+        <p:spPr>
+          <a:xfrm>
+            <a:off x="515936" y="2125363"/>
+            <a:ext cx="11160124" cy="836892"/>
+          </a:xfrm>
+          <a:prstGeom prst="rect">
+            <a:avLst/>
+          </a:prstGeom>
+        </p:spPr>
+      </p:pic>
+      <p:pic>
+        <p:nvPicPr>
+          <p:cNvPr id="9" name="Рисунок 8">
+            <a:extLst>
+              <a:ext uri="{FF2B5EF4-FFF2-40B4-BE49-F238E27FC236}">
+                <a16:creationId xmlns:a16="http://schemas.microsoft.com/office/drawing/2014/main" id="{F748D033-739F-A621-D896-001493D540F7}"/>
               </a:ext>
             </a:extLst>
           </p:cNvPr>
@@ -19971,14 +20608,13 @@
         </p:nvPicPr>
         <p:blipFill>
           <a:blip r:embed="rId3"/>
-          <a:stretch>
-            <a:fillRect/>
-          </a:stretch>
+          <a:srcRect r="8262"/>
+          <a:stretch/>
         </p:blipFill>
         <p:spPr>
           <a:xfrm>
-            <a:off x="515938" y="657225"/>
-            <a:ext cx="6601746" cy="5496692"/>
+            <a:off x="515936" y="4867089"/>
+            <a:ext cx="11160127" cy="1333686"/>
           </a:xfrm>
           <a:prstGeom prst="rect">
             <a:avLst/>
@@ -19988,7 +20624,7 @@
     </p:spTree>
     <p:extLst>
       <p:ext uri="{BB962C8B-B14F-4D97-AF65-F5344CB8AC3E}">
-        <p14:creationId xmlns:p14="http://schemas.microsoft.com/office/powerpoint/2010/main" val="363103308"/>
+        <p14:creationId xmlns:p14="http://schemas.microsoft.com/office/powerpoint/2010/main" val="3030038459"/>
       </p:ext>
     </p:extLst>
   </p:cSld>
@@ -20654,42 +21290,59 @@
         </p:nvSpPr>
         <p:spPr/>
         <p:txBody>
-          <a:bodyPr/>
+          <a:bodyPr>
+            <a:normAutofit/>
+          </a:bodyPr>
           <a:lstStyle/>
           <a:p>
-            <a:endParaRPr lang="ru-RU"/>
+            <a:r>
+              <a:rPr lang="en-US" b="1" i="0" dirty="0">
+                <a:solidFill>
+                  <a:srgbClr val="FFFFFF"/>
+                </a:solidFill>
+                <a:effectLst/>
+                <a:latin typeface="Arial" panose="020B0604020202020204" pitchFamily="34" charset="0"/>
+              </a:rPr>
+              <a:t>Executor</a:t>
+            </a:r>
+            <a:endParaRPr lang="ru-RU" dirty="0"/>
           </a:p>
         </p:txBody>
       </p:sp>
-      <p:sp>
-        <p:nvSpPr>
-          <p:cNvPr id="3" name="Объект 2">
+      <p:pic>
+        <p:nvPicPr>
+          <p:cNvPr id="6" name="Рисунок 5">
             <a:extLst>
               <a:ext uri="{FF2B5EF4-FFF2-40B4-BE49-F238E27FC236}">
-                <a16:creationId xmlns:a16="http://schemas.microsoft.com/office/drawing/2014/main" id="{8F30FB53-4203-506F-E34F-FA812323F0AD}"/>
+                <a16:creationId xmlns:a16="http://schemas.microsoft.com/office/drawing/2014/main" id="{24B670FE-5FD5-60F1-0007-7820D430C538}"/>
               </a:ext>
             </a:extLst>
           </p:cNvPr>
-          <p:cNvSpPr>
-            <a:spLocks noGrp="1"/>
-          </p:cNvSpPr>
-          <p:nvPr>
-            <p:ph idx="1"/>
-          </p:nvPr>
-        </p:nvSpPr>
-        <p:spPr/>
-        <p:txBody>
-          <a:bodyPr/>
-          <a:lstStyle/>
-          <a:p>
-            <a:endParaRPr lang="ru-RU"/>
-          </a:p>
-        </p:txBody>
-      </p:sp>
+          <p:cNvPicPr>
+            <a:picLocks noChangeAspect="1"/>
+          </p:cNvPicPr>
+          <p:nvPr/>
+        </p:nvPicPr>
+        <p:blipFill>
+          <a:blip r:embed="rId3"/>
+          <a:stretch>
+            <a:fillRect/>
+          </a:stretch>
+        </p:blipFill>
+        <p:spPr>
+          <a:xfrm>
+            <a:off x="515938" y="657225"/>
+            <a:ext cx="6601746" cy="5496692"/>
+          </a:xfrm>
+          <a:prstGeom prst="rect">
+            <a:avLst/>
+          </a:prstGeom>
+        </p:spPr>
+      </p:pic>
     </p:spTree>
     <p:extLst>
       <p:ext uri="{BB962C8B-B14F-4D97-AF65-F5344CB8AC3E}">
-        <p14:creationId xmlns:p14="http://schemas.microsoft.com/office/powerpoint/2010/main" val="4227429880"/>
+        <p14:creationId xmlns:p14="http://schemas.microsoft.com/office/powerpoint/2010/main" val="363103308"/>
       </p:ext>
     </p:extLst>
   </p:cSld>
@@ -20769,7 +21422,7 @@
     </p:spTree>
     <p:extLst>
       <p:ext uri="{BB962C8B-B14F-4D97-AF65-F5344CB8AC3E}">
-        <p14:creationId xmlns:p14="http://schemas.microsoft.com/office/powerpoint/2010/main" val="2014309152"/>
+        <p14:creationId xmlns:p14="http://schemas.microsoft.com/office/powerpoint/2010/main" val="4227429880"/>
       </p:ext>
     </p:extLst>
   </p:cSld>
@@ -20849,7 +21502,7 @@
     </p:spTree>
     <p:extLst>
       <p:ext uri="{BB962C8B-B14F-4D97-AF65-F5344CB8AC3E}">
-        <p14:creationId xmlns:p14="http://schemas.microsoft.com/office/powerpoint/2010/main" val="1655053402"/>
+        <p14:creationId xmlns:p14="http://schemas.microsoft.com/office/powerpoint/2010/main" val="2014309152"/>
       </p:ext>
     </p:extLst>
   </p:cSld>
@@ -20881,7 +21534,7 @@
           <p:cNvPr id="2" name="Заголовок 1">
             <a:extLst>
               <a:ext uri="{FF2B5EF4-FFF2-40B4-BE49-F238E27FC236}">
-                <a16:creationId xmlns:a16="http://schemas.microsoft.com/office/drawing/2014/main" id="{F9A2C4CE-E016-E239-B40A-B2269830C351}"/>
+                <a16:creationId xmlns:a16="http://schemas.microsoft.com/office/drawing/2014/main" id="{D540EF41-A1F3-00F0-5B51-360564BB0ED4}"/>
               </a:ext>
             </a:extLst>
           </p:cNvPr>
@@ -20897,47 +21550,39 @@
           <a:bodyPr/>
           <a:lstStyle/>
           <a:p>
-            <a:r>
-              <a:rPr lang="ru-RU" dirty="0"/>
-              <a:t>Коллекции</a:t>
-            </a:r>
+            <a:endParaRPr lang="ru-RU"/>
           </a:p>
         </p:txBody>
       </p:sp>
-      <p:pic>
-        <p:nvPicPr>
-          <p:cNvPr id="6" name="Рисунок 5">
+      <p:sp>
+        <p:nvSpPr>
+          <p:cNvPr id="3" name="Объект 2">
             <a:extLst>
               <a:ext uri="{FF2B5EF4-FFF2-40B4-BE49-F238E27FC236}">
-                <a16:creationId xmlns:a16="http://schemas.microsoft.com/office/drawing/2014/main" id="{1FB21E27-E3EF-29BD-6FC6-130144280B65}"/>
+                <a16:creationId xmlns:a16="http://schemas.microsoft.com/office/drawing/2014/main" id="{8F30FB53-4203-506F-E34F-FA812323F0AD}"/>
               </a:ext>
             </a:extLst>
           </p:cNvPr>
-          <p:cNvPicPr>
-            <a:picLocks noChangeAspect="1"/>
-          </p:cNvPicPr>
-          <p:nvPr/>
-        </p:nvPicPr>
-        <p:blipFill>
-          <a:blip r:embed="rId3"/>
-          <a:stretch>
-            <a:fillRect/>
-          </a:stretch>
-        </p:blipFill>
-        <p:spPr>
-          <a:xfrm>
-            <a:off x="1238250" y="657225"/>
-            <a:ext cx="9715500" cy="4848225"/>
-          </a:xfrm>
-          <a:prstGeom prst="rect">
-            <a:avLst/>
-          </a:prstGeom>
-        </p:spPr>
-      </p:pic>
+          <p:cNvSpPr>
+            <a:spLocks noGrp="1"/>
+          </p:cNvSpPr>
+          <p:nvPr>
+            <p:ph idx="1"/>
+          </p:nvPr>
+        </p:nvSpPr>
+        <p:spPr/>
+        <p:txBody>
+          <a:bodyPr/>
+          <a:lstStyle/>
+          <a:p>
+            <a:endParaRPr lang="ru-RU"/>
+          </a:p>
+        </p:txBody>
+      </p:sp>
     </p:spTree>
     <p:extLst>
       <p:ext uri="{BB962C8B-B14F-4D97-AF65-F5344CB8AC3E}">
-        <p14:creationId xmlns:p14="http://schemas.microsoft.com/office/powerpoint/2010/main" val="347755227"/>
+        <p14:creationId xmlns:p14="http://schemas.microsoft.com/office/powerpoint/2010/main" val="1655053402"/>
       </p:ext>
     </p:extLst>
   </p:cSld>
@@ -20994,10 +21639,10 @@
       </p:sp>
       <p:pic>
         <p:nvPicPr>
-          <p:cNvPr id="5" name="Рисунок 4">
+          <p:cNvPr id="6" name="Рисунок 5">
             <a:extLst>
               <a:ext uri="{FF2B5EF4-FFF2-40B4-BE49-F238E27FC236}">
-                <a16:creationId xmlns:a16="http://schemas.microsoft.com/office/drawing/2014/main" id="{C0A83A64-C258-0A07-618A-452317BF4773}"/>
+                <a16:creationId xmlns:a16="http://schemas.microsoft.com/office/drawing/2014/main" id="{1FB21E27-E3EF-29BD-6FC6-130144280B65}"/>
               </a:ext>
             </a:extLst>
           </p:cNvPr>
@@ -21014,8 +21659,8 @@
         </p:blipFill>
         <p:spPr>
           <a:xfrm>
-            <a:off x="1271587" y="966787"/>
-            <a:ext cx="9648825" cy="4924425"/>
+            <a:off x="1238250" y="657225"/>
+            <a:ext cx="9715500" cy="4848225"/>
           </a:xfrm>
           <a:prstGeom prst="rect">
             <a:avLst/>
@@ -21025,7 +21670,7 @@
     </p:spTree>
     <p:extLst>
       <p:ext uri="{BB962C8B-B14F-4D97-AF65-F5344CB8AC3E}">
-        <p14:creationId xmlns:p14="http://schemas.microsoft.com/office/powerpoint/2010/main" val="3896647978"/>
+        <p14:creationId xmlns:p14="http://schemas.microsoft.com/office/powerpoint/2010/main" val="347755227"/>
       </p:ext>
     </p:extLst>
   </p:cSld>
@@ -21075,6 +21720,94 @@
           <a:p>
             <a:r>
               <a:rPr lang="ru-RU" dirty="0"/>
+              <a:t>Коллекции</a:t>
+            </a:r>
+          </a:p>
+        </p:txBody>
+      </p:sp>
+      <p:pic>
+        <p:nvPicPr>
+          <p:cNvPr id="5" name="Рисунок 4">
+            <a:extLst>
+              <a:ext uri="{FF2B5EF4-FFF2-40B4-BE49-F238E27FC236}">
+                <a16:creationId xmlns:a16="http://schemas.microsoft.com/office/drawing/2014/main" id="{C0A83A64-C258-0A07-618A-452317BF4773}"/>
+              </a:ext>
+            </a:extLst>
+          </p:cNvPr>
+          <p:cNvPicPr>
+            <a:picLocks noChangeAspect="1"/>
+          </p:cNvPicPr>
+          <p:nvPr/>
+        </p:nvPicPr>
+        <p:blipFill>
+          <a:blip r:embed="rId3"/>
+          <a:stretch>
+            <a:fillRect/>
+          </a:stretch>
+        </p:blipFill>
+        <p:spPr>
+          <a:xfrm>
+            <a:off x="1271587" y="966787"/>
+            <a:ext cx="9648825" cy="4924425"/>
+          </a:xfrm>
+          <a:prstGeom prst="rect">
+            <a:avLst/>
+          </a:prstGeom>
+        </p:spPr>
+      </p:pic>
+    </p:spTree>
+    <p:extLst>
+      <p:ext uri="{BB962C8B-B14F-4D97-AF65-F5344CB8AC3E}">
+        <p14:creationId xmlns:p14="http://schemas.microsoft.com/office/powerpoint/2010/main" val="3896647978"/>
+      </p:ext>
+    </p:extLst>
+  </p:cSld>
+  <p:clrMapOvr>
+    <a:masterClrMapping/>
+  </p:clrMapOvr>
+</p:sld>
+</file>
+
+<file path=ppt/slides/slide26.xml><?xml version="1.0" encoding="utf-8"?>
+<p:sld xmlns:a="http://schemas.openxmlformats.org/drawingml/2006/main" xmlns:r="http://schemas.openxmlformats.org/officeDocument/2006/relationships" xmlns:p="http://schemas.openxmlformats.org/presentationml/2006/main">
+  <p:cSld>
+    <p:spTree>
+      <p:nvGrpSpPr>
+        <p:cNvPr id="1" name=""/>
+        <p:cNvGrpSpPr/>
+        <p:nvPr/>
+      </p:nvGrpSpPr>
+      <p:grpSpPr>
+        <a:xfrm>
+          <a:off x="0" y="0"/>
+          <a:ext cx="0" cy="0"/>
+          <a:chOff x="0" y="0"/>
+          <a:chExt cx="0" cy="0"/>
+        </a:xfrm>
+      </p:grpSpPr>
+      <p:sp>
+        <p:nvSpPr>
+          <p:cNvPr id="2" name="Заголовок 1">
+            <a:extLst>
+              <a:ext uri="{FF2B5EF4-FFF2-40B4-BE49-F238E27FC236}">
+                <a16:creationId xmlns:a16="http://schemas.microsoft.com/office/drawing/2014/main" id="{F9A2C4CE-E016-E239-B40A-B2269830C351}"/>
+              </a:ext>
+            </a:extLst>
+          </p:cNvPr>
+          <p:cNvSpPr>
+            <a:spLocks noGrp="1"/>
+          </p:cNvSpPr>
+          <p:nvPr>
+            <p:ph type="title"/>
+          </p:nvPr>
+        </p:nvSpPr>
+        <p:spPr/>
+        <p:txBody>
+          <a:bodyPr/>
+          <a:lstStyle/>
+          <a:p>
+            <a:r>
+              <a:rPr lang="ru-RU" dirty="0"/>
               <a:t>Коллекции - сложность</a:t>
             </a:r>
           </a:p>
@@ -21140,7 +21873,7 @@
 </p:sld>
 </file>
 
-<file path=ppt/slides/slide26.xml><?xml version="1.0" encoding="utf-8"?>
+<file path=ppt/slides/slide27.xml><?xml version="1.0" encoding="utf-8"?>
 <p:sld xmlns:a="http://schemas.openxmlformats.org/drawingml/2006/main" xmlns:r="http://schemas.openxmlformats.org/officeDocument/2006/relationships" xmlns:p="http://schemas.openxmlformats.org/presentationml/2006/main">
   <p:cSld>
     <p:spTree>
@@ -21667,7 +22400,7 @@
 </p:sld>
 </file>
 
-<file path=ppt/slides/slide27.xml><?xml version="1.0" encoding="utf-8"?>
+<file path=ppt/slides/slide28.xml><?xml version="1.0" encoding="utf-8"?>
 <p:sld xmlns:a="http://schemas.openxmlformats.org/drawingml/2006/main" xmlns:r="http://schemas.openxmlformats.org/officeDocument/2006/relationships" xmlns:p="http://schemas.openxmlformats.org/presentationml/2006/main">
   <p:cSld>
     <p:spTree>
@@ -22113,7 +22846,7 @@
 </p:sld>
 </file>
 
-<file path=ppt/slides/slide28.xml><?xml version="1.0" encoding="utf-8"?>
+<file path=ppt/slides/slide29.xml><?xml version="1.0" encoding="utf-8"?>
 <p:sld xmlns:a="http://schemas.openxmlformats.org/drawingml/2006/main" xmlns:r="http://schemas.openxmlformats.org/officeDocument/2006/relationships" xmlns:p="http://schemas.openxmlformats.org/presentationml/2006/main">
   <p:cSld>
     <p:spTree>
@@ -22440,246 +23173,6 @@
     <p:extLst>
       <p:ext uri="{BB962C8B-B14F-4D97-AF65-F5344CB8AC3E}">
         <p14:creationId xmlns:p14="http://schemas.microsoft.com/office/powerpoint/2010/main" val="3781518294"/>
-      </p:ext>
-    </p:extLst>
-  </p:cSld>
-  <p:clrMapOvr>
-    <a:masterClrMapping/>
-  </p:clrMapOvr>
-</p:sld>
-</file>
-
-<file path=ppt/slides/slide29.xml><?xml version="1.0" encoding="utf-8"?>
-<p:sld xmlns:a="http://schemas.openxmlformats.org/drawingml/2006/main" xmlns:r="http://schemas.openxmlformats.org/officeDocument/2006/relationships" xmlns:p="http://schemas.openxmlformats.org/presentationml/2006/main">
-  <p:cSld>
-    <p:spTree>
-      <p:nvGrpSpPr>
-        <p:cNvPr id="1" name=""/>
-        <p:cNvGrpSpPr/>
-        <p:nvPr/>
-      </p:nvGrpSpPr>
-      <p:grpSpPr>
-        <a:xfrm>
-          <a:off x="0" y="0"/>
-          <a:ext cx="0" cy="0"/>
-          <a:chOff x="0" y="0"/>
-          <a:chExt cx="0" cy="0"/>
-        </a:xfrm>
-      </p:grpSpPr>
-      <p:sp>
-        <p:nvSpPr>
-          <p:cNvPr id="2" name="Заголовок 1">
-            <a:extLst>
-              <a:ext uri="{FF2B5EF4-FFF2-40B4-BE49-F238E27FC236}">
-                <a16:creationId xmlns:a16="http://schemas.microsoft.com/office/drawing/2014/main" id="{A011C973-55B4-2E37-09A5-8645F3BDF9C2}"/>
-              </a:ext>
-            </a:extLst>
-          </p:cNvPr>
-          <p:cNvSpPr>
-            <a:spLocks noGrp="1"/>
-          </p:cNvSpPr>
-          <p:nvPr>
-            <p:ph type="title"/>
-          </p:nvPr>
-        </p:nvSpPr>
-        <p:spPr/>
-        <p:txBody>
-          <a:bodyPr/>
-          <a:lstStyle/>
-          <a:p>
-            <a:r>
-              <a:rPr lang="en-US" dirty="0"/>
-              <a:t>ArrayList </a:t>
-            </a:r>
-            <a:r>
-              <a:rPr lang="ru-RU" dirty="0"/>
-              <a:t>устройство</a:t>
-            </a:r>
-          </a:p>
-        </p:txBody>
-      </p:sp>
-      <p:sp>
-        <p:nvSpPr>
-          <p:cNvPr id="5" name="Объект 2">
-            <a:extLst>
-              <a:ext uri="{FF2B5EF4-FFF2-40B4-BE49-F238E27FC236}">
-                <a16:creationId xmlns:a16="http://schemas.microsoft.com/office/drawing/2014/main" id="{194B5D5E-7937-FA5F-96D3-C887EAB0ACD0}"/>
-              </a:ext>
-            </a:extLst>
-          </p:cNvPr>
-          <p:cNvSpPr>
-            <a:spLocks noGrp="1"/>
-          </p:cNvSpPr>
-          <p:nvPr>
-            <p:ph idx="1"/>
-          </p:nvPr>
-        </p:nvSpPr>
-        <p:spPr>
-          <a:xfrm>
-            <a:off x="515938" y="1296970"/>
-            <a:ext cx="5104220" cy="2996632"/>
-          </a:xfrm>
-        </p:spPr>
-        <p:txBody>
-          <a:bodyPr>
-            <a:normAutofit/>
-          </a:bodyPr>
-          <a:lstStyle/>
-          <a:p>
-            <a:pPr marL="0" indent="0">
-              <a:buNone/>
-            </a:pPr>
-            <a:endParaRPr lang="en-US" dirty="0">
-              <a:solidFill>
-                <a:srgbClr val="DDDDDD"/>
-              </a:solidFill>
-            </a:endParaRPr>
-          </a:p>
-          <a:p>
-            <a:pPr marL="0" indent="0" algn="l">
-              <a:buNone/>
-            </a:pPr>
-            <a:r>
-              <a:rPr lang="ru-RU" b="0" i="0" dirty="0">
-                <a:solidFill>
-                  <a:srgbClr val="DDDDDD"/>
-                </a:solidFill>
-                <a:effectLst/>
-                <a:latin typeface="Arial" panose="020B0604020202020204" pitchFamily="34" charset="0"/>
-              </a:rPr>
-              <a:t>При вставке в середину </a:t>
-            </a:r>
-          </a:p>
-          <a:p>
-            <a:pPr marL="342900" indent="-342900" algn="l">
-              <a:buFont typeface="+mj-lt"/>
-              <a:buAutoNum type="arabicPeriod"/>
-            </a:pPr>
-            <a:r>
-              <a:rPr lang="ru-RU" dirty="0">
-                <a:solidFill>
-                  <a:srgbClr val="DDDDDD"/>
-                </a:solidFill>
-              </a:rPr>
-              <a:t>В</a:t>
-            </a:r>
-            <a:r>
-              <a:rPr lang="ru-RU" b="0" i="0" dirty="0">
-                <a:solidFill>
-                  <a:srgbClr val="DDDDDD"/>
-                </a:solidFill>
-                <a:effectLst/>
-                <a:latin typeface="Arial" panose="020B0604020202020204" pitchFamily="34" charset="0"/>
-              </a:rPr>
-              <a:t>се элементы массива начиная с 5-го будут сдвинуты (скопированы) на 1 элемент к концу массива.</a:t>
-            </a:r>
-          </a:p>
-          <a:p>
-            <a:pPr marL="342900" indent="-342900" algn="l">
-              <a:buFont typeface="+mj-lt"/>
-              <a:buAutoNum type="arabicPeriod"/>
-            </a:pPr>
-            <a:r>
-              <a:rPr lang="ru-RU" b="0" i="0" dirty="0">
-                <a:solidFill>
-                  <a:srgbClr val="DDDDDD"/>
-                </a:solidFill>
-                <a:effectLst/>
-                <a:latin typeface="Arial" panose="020B0604020202020204" pitchFamily="34" charset="0"/>
-              </a:rPr>
-              <a:t>записывается в 5-ю ячейку значение 10,000.</a:t>
-            </a:r>
-          </a:p>
-          <a:p>
-            <a:pPr marL="342900" indent="-342900" algn="l">
-              <a:buFont typeface="+mj-lt"/>
-              <a:buAutoNum type="arabicPeriod"/>
-            </a:pPr>
-            <a:endParaRPr lang="ru-RU" dirty="0">
-              <a:solidFill>
-                <a:srgbClr val="DDDDDD"/>
-              </a:solidFill>
-            </a:endParaRPr>
-          </a:p>
-          <a:p>
-            <a:pPr marL="0" indent="0" algn="l">
-              <a:buNone/>
-            </a:pPr>
-            <a:r>
-              <a:rPr lang="ru-RU" dirty="0">
-                <a:solidFill>
-                  <a:srgbClr val="DDDDDD"/>
-                </a:solidFill>
-              </a:rPr>
-              <a:t>Операция удаления аналогична вставке, только процесс обратный.</a:t>
-            </a:r>
-          </a:p>
-        </p:txBody>
-      </p:sp>
-      <p:pic>
-        <p:nvPicPr>
-          <p:cNvPr id="7" name="Рисунок 6">
-            <a:extLst>
-              <a:ext uri="{FF2B5EF4-FFF2-40B4-BE49-F238E27FC236}">
-                <a16:creationId xmlns:a16="http://schemas.microsoft.com/office/drawing/2014/main" id="{306E98D3-9381-8F71-34D4-5554B34F203E}"/>
-              </a:ext>
-            </a:extLst>
-          </p:cNvPr>
-          <p:cNvPicPr>
-            <a:picLocks noChangeAspect="1"/>
-          </p:cNvPicPr>
-          <p:nvPr/>
-        </p:nvPicPr>
-        <p:blipFill>
-          <a:blip r:embed="rId3"/>
-          <a:stretch>
-            <a:fillRect/>
-          </a:stretch>
-        </p:blipFill>
-        <p:spPr>
-          <a:xfrm>
-            <a:off x="5869758" y="1296970"/>
-            <a:ext cx="5623184" cy="3882551"/>
-          </a:xfrm>
-          <a:prstGeom prst="rect">
-            <a:avLst/>
-          </a:prstGeom>
-        </p:spPr>
-      </p:pic>
-      <p:pic>
-        <p:nvPicPr>
-          <p:cNvPr id="10" name="Рисунок 9">
-            <a:extLst>
-              <a:ext uri="{FF2B5EF4-FFF2-40B4-BE49-F238E27FC236}">
-                <a16:creationId xmlns:a16="http://schemas.microsoft.com/office/drawing/2014/main" id="{409EBB4D-85E1-D30D-0389-F9A93CA20C14}"/>
-              </a:ext>
-            </a:extLst>
-          </p:cNvPr>
-          <p:cNvPicPr>
-            <a:picLocks noChangeAspect="1"/>
-          </p:cNvPicPr>
-          <p:nvPr/>
-        </p:nvPicPr>
-        <p:blipFill>
-          <a:blip r:embed="rId4"/>
-          <a:stretch>
-            <a:fillRect/>
-          </a:stretch>
-        </p:blipFill>
-        <p:spPr>
-          <a:xfrm>
-            <a:off x="515938" y="657225"/>
-            <a:ext cx="5982535" cy="476316"/>
-          </a:xfrm>
-          <a:prstGeom prst="rect">
-            <a:avLst/>
-          </a:prstGeom>
-        </p:spPr>
-      </p:pic>
-    </p:spTree>
-    <p:extLst>
-      <p:ext uri="{BB962C8B-B14F-4D97-AF65-F5344CB8AC3E}">
-        <p14:creationId xmlns:p14="http://schemas.microsoft.com/office/powerpoint/2010/main" val="2696475899"/>
       </p:ext>
     </p:extLst>
   </p:cSld>
@@ -23206,6 +23699,246 @@
           <p:cNvPr id="2" name="Заголовок 1">
             <a:extLst>
               <a:ext uri="{FF2B5EF4-FFF2-40B4-BE49-F238E27FC236}">
+                <a16:creationId xmlns:a16="http://schemas.microsoft.com/office/drawing/2014/main" id="{A011C973-55B4-2E37-09A5-8645F3BDF9C2}"/>
+              </a:ext>
+            </a:extLst>
+          </p:cNvPr>
+          <p:cNvSpPr>
+            <a:spLocks noGrp="1"/>
+          </p:cNvSpPr>
+          <p:nvPr>
+            <p:ph type="title"/>
+          </p:nvPr>
+        </p:nvSpPr>
+        <p:spPr/>
+        <p:txBody>
+          <a:bodyPr/>
+          <a:lstStyle/>
+          <a:p>
+            <a:r>
+              <a:rPr lang="en-US" dirty="0"/>
+              <a:t>ArrayList </a:t>
+            </a:r>
+            <a:r>
+              <a:rPr lang="ru-RU" dirty="0"/>
+              <a:t>устройство</a:t>
+            </a:r>
+          </a:p>
+        </p:txBody>
+      </p:sp>
+      <p:sp>
+        <p:nvSpPr>
+          <p:cNvPr id="5" name="Объект 2">
+            <a:extLst>
+              <a:ext uri="{FF2B5EF4-FFF2-40B4-BE49-F238E27FC236}">
+                <a16:creationId xmlns:a16="http://schemas.microsoft.com/office/drawing/2014/main" id="{194B5D5E-7937-FA5F-96D3-C887EAB0ACD0}"/>
+              </a:ext>
+            </a:extLst>
+          </p:cNvPr>
+          <p:cNvSpPr>
+            <a:spLocks noGrp="1"/>
+          </p:cNvSpPr>
+          <p:nvPr>
+            <p:ph idx="1"/>
+          </p:nvPr>
+        </p:nvSpPr>
+        <p:spPr>
+          <a:xfrm>
+            <a:off x="515938" y="1296970"/>
+            <a:ext cx="5104220" cy="2996632"/>
+          </a:xfrm>
+        </p:spPr>
+        <p:txBody>
+          <a:bodyPr>
+            <a:normAutofit/>
+          </a:bodyPr>
+          <a:lstStyle/>
+          <a:p>
+            <a:pPr marL="0" indent="0">
+              <a:buNone/>
+            </a:pPr>
+            <a:endParaRPr lang="en-US" dirty="0">
+              <a:solidFill>
+                <a:srgbClr val="DDDDDD"/>
+              </a:solidFill>
+            </a:endParaRPr>
+          </a:p>
+          <a:p>
+            <a:pPr marL="0" indent="0" algn="l">
+              <a:buNone/>
+            </a:pPr>
+            <a:r>
+              <a:rPr lang="ru-RU" b="0" i="0" dirty="0">
+                <a:solidFill>
+                  <a:srgbClr val="DDDDDD"/>
+                </a:solidFill>
+                <a:effectLst/>
+                <a:latin typeface="Arial" panose="020B0604020202020204" pitchFamily="34" charset="0"/>
+              </a:rPr>
+              <a:t>При вставке в середину </a:t>
+            </a:r>
+          </a:p>
+          <a:p>
+            <a:pPr marL="342900" indent="-342900" algn="l">
+              <a:buFont typeface="+mj-lt"/>
+              <a:buAutoNum type="arabicPeriod"/>
+            </a:pPr>
+            <a:r>
+              <a:rPr lang="ru-RU" dirty="0">
+                <a:solidFill>
+                  <a:srgbClr val="DDDDDD"/>
+                </a:solidFill>
+              </a:rPr>
+              <a:t>В</a:t>
+            </a:r>
+            <a:r>
+              <a:rPr lang="ru-RU" b="0" i="0" dirty="0">
+                <a:solidFill>
+                  <a:srgbClr val="DDDDDD"/>
+                </a:solidFill>
+                <a:effectLst/>
+                <a:latin typeface="Arial" panose="020B0604020202020204" pitchFamily="34" charset="0"/>
+              </a:rPr>
+              <a:t>се элементы массива начиная с 5-го будут сдвинуты (скопированы) на 1 элемент к концу массива.</a:t>
+            </a:r>
+          </a:p>
+          <a:p>
+            <a:pPr marL="342900" indent="-342900" algn="l">
+              <a:buFont typeface="+mj-lt"/>
+              <a:buAutoNum type="arabicPeriod"/>
+            </a:pPr>
+            <a:r>
+              <a:rPr lang="ru-RU" b="0" i="0" dirty="0">
+                <a:solidFill>
+                  <a:srgbClr val="DDDDDD"/>
+                </a:solidFill>
+                <a:effectLst/>
+                <a:latin typeface="Arial" panose="020B0604020202020204" pitchFamily="34" charset="0"/>
+              </a:rPr>
+              <a:t>записывается в 5-ю ячейку значение 10,000.</a:t>
+            </a:r>
+          </a:p>
+          <a:p>
+            <a:pPr marL="342900" indent="-342900" algn="l">
+              <a:buFont typeface="+mj-lt"/>
+              <a:buAutoNum type="arabicPeriod"/>
+            </a:pPr>
+            <a:endParaRPr lang="ru-RU" dirty="0">
+              <a:solidFill>
+                <a:srgbClr val="DDDDDD"/>
+              </a:solidFill>
+            </a:endParaRPr>
+          </a:p>
+          <a:p>
+            <a:pPr marL="0" indent="0" algn="l">
+              <a:buNone/>
+            </a:pPr>
+            <a:r>
+              <a:rPr lang="ru-RU" dirty="0">
+                <a:solidFill>
+                  <a:srgbClr val="DDDDDD"/>
+                </a:solidFill>
+              </a:rPr>
+              <a:t>Операция удаления аналогична вставке, только процесс обратный.</a:t>
+            </a:r>
+          </a:p>
+        </p:txBody>
+      </p:sp>
+      <p:pic>
+        <p:nvPicPr>
+          <p:cNvPr id="7" name="Рисунок 6">
+            <a:extLst>
+              <a:ext uri="{FF2B5EF4-FFF2-40B4-BE49-F238E27FC236}">
+                <a16:creationId xmlns:a16="http://schemas.microsoft.com/office/drawing/2014/main" id="{306E98D3-9381-8F71-34D4-5554B34F203E}"/>
+              </a:ext>
+            </a:extLst>
+          </p:cNvPr>
+          <p:cNvPicPr>
+            <a:picLocks noChangeAspect="1"/>
+          </p:cNvPicPr>
+          <p:nvPr/>
+        </p:nvPicPr>
+        <p:blipFill>
+          <a:blip r:embed="rId3"/>
+          <a:stretch>
+            <a:fillRect/>
+          </a:stretch>
+        </p:blipFill>
+        <p:spPr>
+          <a:xfrm>
+            <a:off x="5869758" y="1296970"/>
+            <a:ext cx="5623184" cy="3882551"/>
+          </a:xfrm>
+          <a:prstGeom prst="rect">
+            <a:avLst/>
+          </a:prstGeom>
+        </p:spPr>
+      </p:pic>
+      <p:pic>
+        <p:nvPicPr>
+          <p:cNvPr id="10" name="Рисунок 9">
+            <a:extLst>
+              <a:ext uri="{FF2B5EF4-FFF2-40B4-BE49-F238E27FC236}">
+                <a16:creationId xmlns:a16="http://schemas.microsoft.com/office/drawing/2014/main" id="{409EBB4D-85E1-D30D-0389-F9A93CA20C14}"/>
+              </a:ext>
+            </a:extLst>
+          </p:cNvPr>
+          <p:cNvPicPr>
+            <a:picLocks noChangeAspect="1"/>
+          </p:cNvPicPr>
+          <p:nvPr/>
+        </p:nvPicPr>
+        <p:blipFill>
+          <a:blip r:embed="rId4"/>
+          <a:stretch>
+            <a:fillRect/>
+          </a:stretch>
+        </p:blipFill>
+        <p:spPr>
+          <a:xfrm>
+            <a:off x="515938" y="657225"/>
+            <a:ext cx="5982535" cy="476316"/>
+          </a:xfrm>
+          <a:prstGeom prst="rect">
+            <a:avLst/>
+          </a:prstGeom>
+        </p:spPr>
+      </p:pic>
+    </p:spTree>
+    <p:extLst>
+      <p:ext uri="{BB962C8B-B14F-4D97-AF65-F5344CB8AC3E}">
+        <p14:creationId xmlns:p14="http://schemas.microsoft.com/office/powerpoint/2010/main" val="2696475899"/>
+      </p:ext>
+    </p:extLst>
+  </p:cSld>
+  <p:clrMapOvr>
+    <a:masterClrMapping/>
+  </p:clrMapOvr>
+</p:sld>
+</file>
+
+<file path=ppt/slides/slide31.xml><?xml version="1.0" encoding="utf-8"?>
+<p:sld xmlns:a="http://schemas.openxmlformats.org/drawingml/2006/main" xmlns:r="http://schemas.openxmlformats.org/officeDocument/2006/relationships" xmlns:p="http://schemas.openxmlformats.org/presentationml/2006/main">
+  <p:cSld>
+    <p:spTree>
+      <p:nvGrpSpPr>
+        <p:cNvPr id="1" name=""/>
+        <p:cNvGrpSpPr/>
+        <p:nvPr/>
+      </p:nvGrpSpPr>
+      <p:grpSpPr>
+        <a:xfrm>
+          <a:off x="0" y="0"/>
+          <a:ext cx="0" cy="0"/>
+          <a:chOff x="0" y="0"/>
+          <a:chExt cx="0" cy="0"/>
+        </a:xfrm>
+      </p:grpSpPr>
+      <p:sp>
+        <p:nvSpPr>
+          <p:cNvPr id="2" name="Заголовок 1">
+            <a:extLst>
+              <a:ext uri="{FF2B5EF4-FFF2-40B4-BE49-F238E27FC236}">
                 <a16:creationId xmlns:a16="http://schemas.microsoft.com/office/drawing/2014/main" id="{E2FE65B6-44BA-6974-F610-DAB03FCD3803}"/>
               </a:ext>
             </a:extLst>
@@ -23729,7 +24462,7 @@
 </p:sld>
 </file>
 
-<file path=ppt/slides/slide31.xml><?xml version="1.0" encoding="utf-8"?>
+<file path=ppt/slides/slide32.xml><?xml version="1.0" encoding="utf-8"?>
 <p:sld xmlns:a="http://schemas.openxmlformats.org/drawingml/2006/main" xmlns:r="http://schemas.openxmlformats.org/officeDocument/2006/relationships" xmlns:p="http://schemas.openxmlformats.org/presentationml/2006/main">
   <p:cSld>
     <p:spTree>
@@ -26105,7 +26838,7 @@
 </p:sld>
 </file>
 
-<file path=ppt/slides/slide32.xml><?xml version="1.0" encoding="utf-8"?>
+<file path=ppt/slides/slide33.xml><?xml version="1.0" encoding="utf-8"?>
 <p:sld xmlns:a="http://schemas.openxmlformats.org/drawingml/2006/main" xmlns:r="http://schemas.openxmlformats.org/officeDocument/2006/relationships" xmlns:p="http://schemas.openxmlformats.org/presentationml/2006/main">
   <p:cSld>
     <p:spTree>
@@ -26399,7 +27132,7 @@
 </p:sld>
 </file>
 
-<file path=ppt/slides/slide33.xml><?xml version="1.0" encoding="utf-8"?>
+<file path=ppt/slides/slide34.xml><?xml version="1.0" encoding="utf-8"?>
 <p:sld xmlns:a="http://schemas.openxmlformats.org/drawingml/2006/main" xmlns:r="http://schemas.openxmlformats.org/officeDocument/2006/relationships" xmlns:p="http://schemas.openxmlformats.org/presentationml/2006/main">
   <p:cSld>
     <p:spTree>
@@ -26885,7 +27618,7 @@
 </p:sld>
 </file>
 
-<file path=ppt/slides/slide34.xml><?xml version="1.0" encoding="utf-8"?>
+<file path=ppt/slides/slide35.xml><?xml version="1.0" encoding="utf-8"?>
 <p:sld xmlns:a="http://schemas.openxmlformats.org/drawingml/2006/main" xmlns:r="http://schemas.openxmlformats.org/officeDocument/2006/relationships" xmlns:p="http://schemas.openxmlformats.org/presentationml/2006/main">
   <p:cSld>
     <p:spTree>
@@ -27634,7 +28367,7 @@
 </p:sld>
 </file>
 
-<file path=ppt/slides/slide35.xml><?xml version="1.0" encoding="utf-8"?>
+<file path=ppt/slides/slide36.xml><?xml version="1.0" encoding="utf-8"?>
 <p:sld xmlns:a="http://schemas.openxmlformats.org/drawingml/2006/main" xmlns:r="http://schemas.openxmlformats.org/officeDocument/2006/relationships" xmlns:p="http://schemas.openxmlformats.org/presentationml/2006/main">
   <p:cSld>
     <p:spTree>
@@ -28002,7 +28735,7 @@
 </p:sld>
 </file>
 
-<file path=ppt/slides/slide36.xml><?xml version="1.0" encoding="utf-8"?>
+<file path=ppt/slides/slide37.xml><?xml version="1.0" encoding="utf-8"?>
 <p:sld xmlns:a="http://schemas.openxmlformats.org/drawingml/2006/main" xmlns:r="http://schemas.openxmlformats.org/officeDocument/2006/relationships" xmlns:p="http://schemas.openxmlformats.org/presentationml/2006/main">
   <p:cSld>
     <p:spTree>
@@ -28568,7 +29301,7 @@
 </p:sld>
 </file>
 
-<file path=ppt/slides/slide37.xml><?xml version="1.0" encoding="utf-8"?>
+<file path=ppt/slides/slide38.xml><?xml version="1.0" encoding="utf-8"?>
 <p:sld xmlns:a="http://schemas.openxmlformats.org/drawingml/2006/main" xmlns:r="http://schemas.openxmlformats.org/officeDocument/2006/relationships" xmlns:p="http://schemas.openxmlformats.org/presentationml/2006/main">
   <p:cSld>
     <p:spTree>
@@ -29143,7 +29876,7 @@
 </p:sld>
 </file>
 
-<file path=ppt/slides/slide38.xml><?xml version="1.0" encoding="utf-8"?>
+<file path=ppt/slides/slide39.xml><?xml version="1.0" encoding="utf-8"?>
 <p:sld xmlns:a="http://schemas.openxmlformats.org/drawingml/2006/main" xmlns:r="http://schemas.openxmlformats.org/officeDocument/2006/relationships" xmlns:p="http://schemas.openxmlformats.org/presentationml/2006/main">
   <p:cSld>
     <p:spTree>
@@ -29695,7 +30428,760 @@
 </p:sld>
 </file>
 
-<file path=ppt/slides/slide39.xml><?xml version="1.0" encoding="utf-8"?>
+<file path=ppt/slides/slide4.xml><?xml version="1.0" encoding="utf-8"?>
+<p:sld xmlns:a="http://schemas.openxmlformats.org/drawingml/2006/main" xmlns:r="http://schemas.openxmlformats.org/officeDocument/2006/relationships" xmlns:p="http://schemas.openxmlformats.org/presentationml/2006/main">
+  <p:cSld>
+    <p:spTree>
+      <p:nvGrpSpPr>
+        <p:cNvPr id="1" name=""/>
+        <p:cNvGrpSpPr/>
+        <p:nvPr/>
+      </p:nvGrpSpPr>
+      <p:grpSpPr>
+        <a:xfrm>
+          <a:off x="0" y="0"/>
+          <a:ext cx="0" cy="0"/>
+          <a:chOff x="0" y="0"/>
+          <a:chExt cx="0" cy="0"/>
+        </a:xfrm>
+      </p:grpSpPr>
+      <p:sp>
+        <p:nvSpPr>
+          <p:cNvPr id="2" name="Заголовок 1">
+            <a:extLst>
+              <a:ext uri="{FF2B5EF4-FFF2-40B4-BE49-F238E27FC236}">
+                <a16:creationId xmlns:a16="http://schemas.microsoft.com/office/drawing/2014/main" id="{D540EF41-A1F3-00F0-5B51-360564BB0ED4}"/>
+              </a:ext>
+            </a:extLst>
+          </p:cNvPr>
+          <p:cNvSpPr>
+            <a:spLocks noGrp="1"/>
+          </p:cNvSpPr>
+          <p:nvPr>
+            <p:ph type="title"/>
+          </p:nvPr>
+        </p:nvSpPr>
+        <p:spPr/>
+        <p:txBody>
+          <a:bodyPr/>
+          <a:lstStyle/>
+          <a:p>
+            <a:pPr algn="l"/>
+            <a:r>
+              <a:rPr lang="en-US" b="1" i="0" dirty="0">
+                <a:solidFill>
+                  <a:srgbClr val="F8FAFF"/>
+                </a:solidFill>
+                <a:effectLst/>
+                <a:latin typeface="DeepSeek-CJK-patch"/>
+              </a:rPr>
+              <a:t>ABA-</a:t>
+            </a:r>
+            <a:r>
+              <a:rPr lang="ru-RU" b="1" i="0" dirty="0">
+                <a:solidFill>
+                  <a:srgbClr val="F8FAFF"/>
+                </a:solidFill>
+                <a:effectLst/>
+                <a:latin typeface="DeepSeek-CJK-patch"/>
+              </a:rPr>
+              <a:t>проблема в </a:t>
+            </a:r>
+            <a:r>
+              <a:rPr lang="en-US" b="1" i="0" dirty="0">
+                <a:solidFill>
+                  <a:srgbClr val="F8FAFF"/>
+                </a:solidFill>
+                <a:effectLst/>
+                <a:latin typeface="DeepSeek-CJK-patch"/>
+              </a:rPr>
+              <a:t>CAS</a:t>
+            </a:r>
+          </a:p>
+        </p:txBody>
+      </p:sp>
+      <p:sp>
+        <p:nvSpPr>
+          <p:cNvPr id="4" name="Объект 2">
+            <a:extLst>
+              <a:ext uri="{FF2B5EF4-FFF2-40B4-BE49-F238E27FC236}">
+                <a16:creationId xmlns:a16="http://schemas.microsoft.com/office/drawing/2014/main" id="{2955B486-B609-4A1B-BEAB-14F9CBD39354}"/>
+              </a:ext>
+            </a:extLst>
+          </p:cNvPr>
+          <p:cNvSpPr txBox="1">
+            <a:spLocks/>
+          </p:cNvSpPr>
+          <p:nvPr/>
+        </p:nvSpPr>
+        <p:spPr>
+          <a:xfrm>
+            <a:off x="515939" y="657225"/>
+            <a:ext cx="11160124" cy="5768290"/>
+          </a:xfrm>
+          <a:prstGeom prst="rect">
+            <a:avLst/>
+          </a:prstGeom>
+          <a:solidFill>
+            <a:srgbClr val="171717"/>
+          </a:solidFill>
+        </p:spPr>
+        <p:txBody>
+          <a:bodyPr vert="horz" lIns="91440" tIns="45720" rIns="91440" bIns="45720" rtlCol="0">
+            <a:normAutofit/>
+          </a:bodyPr>
+          <a:lstStyle>
+            <a:lvl1pPr marL="228600" indent="-228600" algn="l" defTabSz="914400" rtl="0" eaLnBrk="1" latinLnBrk="0" hangingPunct="1">
+              <a:lnSpc>
+                <a:spcPct val="90000"/>
+              </a:lnSpc>
+              <a:spcBef>
+                <a:spcPts val="1000"/>
+              </a:spcBef>
+              <a:buFont typeface="Arial" panose="020B0604020202020204" pitchFamily="34" charset="0"/>
+              <a:buChar char="•"/>
+              <a:defRPr sz="1600" kern="1200">
+                <a:solidFill>
+                  <a:schemeClr val="tx1"/>
+                </a:solidFill>
+                <a:latin typeface="Arial" panose="020B0604020202020204" pitchFamily="34" charset="0"/>
+                <a:ea typeface="+mn-ea"/>
+                <a:cs typeface="Arial" panose="020B0604020202020204" pitchFamily="34" charset="0"/>
+              </a:defRPr>
+            </a:lvl1pPr>
+            <a:lvl2pPr marL="685800" indent="-228600" algn="l" defTabSz="914400" rtl="0" eaLnBrk="1" latinLnBrk="0" hangingPunct="1">
+              <a:lnSpc>
+                <a:spcPct val="90000"/>
+              </a:lnSpc>
+              <a:spcBef>
+                <a:spcPts val="500"/>
+              </a:spcBef>
+              <a:buFont typeface="Arial" panose="020B0604020202020204" pitchFamily="34" charset="0"/>
+              <a:buChar char="•"/>
+              <a:defRPr sz="1600" kern="1200">
+                <a:solidFill>
+                  <a:schemeClr val="tx1"/>
+                </a:solidFill>
+                <a:latin typeface="Arial" panose="020B0604020202020204" pitchFamily="34" charset="0"/>
+                <a:ea typeface="+mn-ea"/>
+                <a:cs typeface="Arial" panose="020B0604020202020204" pitchFamily="34" charset="0"/>
+              </a:defRPr>
+            </a:lvl2pPr>
+            <a:lvl3pPr marL="1143000" indent="-228600" algn="l" defTabSz="914400" rtl="0" eaLnBrk="1" latinLnBrk="0" hangingPunct="1">
+              <a:lnSpc>
+                <a:spcPct val="90000"/>
+              </a:lnSpc>
+              <a:spcBef>
+                <a:spcPts val="500"/>
+              </a:spcBef>
+              <a:buFont typeface="Arial" panose="020B0604020202020204" pitchFamily="34" charset="0"/>
+              <a:buChar char="•"/>
+              <a:defRPr sz="1600" kern="1200">
+                <a:solidFill>
+                  <a:schemeClr val="tx1"/>
+                </a:solidFill>
+                <a:latin typeface="Arial" panose="020B0604020202020204" pitchFamily="34" charset="0"/>
+                <a:ea typeface="+mn-ea"/>
+                <a:cs typeface="Arial" panose="020B0604020202020204" pitchFamily="34" charset="0"/>
+              </a:defRPr>
+            </a:lvl3pPr>
+            <a:lvl4pPr marL="1600200" indent="-228600" algn="l" defTabSz="914400" rtl="0" eaLnBrk="1" latinLnBrk="0" hangingPunct="1">
+              <a:lnSpc>
+                <a:spcPct val="90000"/>
+              </a:lnSpc>
+              <a:spcBef>
+                <a:spcPts val="500"/>
+              </a:spcBef>
+              <a:buFont typeface="Arial" panose="020B0604020202020204" pitchFamily="34" charset="0"/>
+              <a:buChar char="•"/>
+              <a:defRPr sz="1400" kern="1200">
+                <a:solidFill>
+                  <a:schemeClr val="tx1"/>
+                </a:solidFill>
+                <a:latin typeface="Arial" panose="020B0604020202020204" pitchFamily="34" charset="0"/>
+                <a:ea typeface="+mn-ea"/>
+                <a:cs typeface="Arial" panose="020B0604020202020204" pitchFamily="34" charset="0"/>
+              </a:defRPr>
+            </a:lvl4pPr>
+            <a:lvl5pPr marL="2057400" indent="-228600" algn="l" defTabSz="914400" rtl="0" eaLnBrk="1" latinLnBrk="0" hangingPunct="1">
+              <a:lnSpc>
+                <a:spcPct val="90000"/>
+              </a:lnSpc>
+              <a:spcBef>
+                <a:spcPts val="500"/>
+              </a:spcBef>
+              <a:buFont typeface="Arial" panose="020B0604020202020204" pitchFamily="34" charset="0"/>
+              <a:buChar char="•"/>
+              <a:defRPr sz="1400" kern="1200">
+                <a:solidFill>
+                  <a:schemeClr val="tx1"/>
+                </a:solidFill>
+                <a:latin typeface="Arial" panose="020B0604020202020204" pitchFamily="34" charset="0"/>
+                <a:ea typeface="+mn-ea"/>
+                <a:cs typeface="Arial" panose="020B0604020202020204" pitchFamily="34" charset="0"/>
+              </a:defRPr>
+            </a:lvl5pPr>
+            <a:lvl6pPr marL="2514600" indent="-228600" algn="l" defTabSz="914400" rtl="0" eaLnBrk="1" latinLnBrk="0" hangingPunct="1">
+              <a:lnSpc>
+                <a:spcPct val="90000"/>
+              </a:lnSpc>
+              <a:spcBef>
+                <a:spcPts val="500"/>
+              </a:spcBef>
+              <a:buFont typeface="Arial" panose="020B0604020202020204" pitchFamily="34" charset="0"/>
+              <a:buChar char="•"/>
+              <a:defRPr sz="1800" kern="1200">
+                <a:solidFill>
+                  <a:schemeClr val="tx1"/>
+                </a:solidFill>
+                <a:latin typeface="+mn-lt"/>
+                <a:ea typeface="+mn-ea"/>
+                <a:cs typeface="+mn-cs"/>
+              </a:defRPr>
+            </a:lvl6pPr>
+            <a:lvl7pPr marL="2971800" indent="-228600" algn="l" defTabSz="914400" rtl="0" eaLnBrk="1" latinLnBrk="0" hangingPunct="1">
+              <a:lnSpc>
+                <a:spcPct val="90000"/>
+              </a:lnSpc>
+              <a:spcBef>
+                <a:spcPts val="500"/>
+              </a:spcBef>
+              <a:buFont typeface="Arial" panose="020B0604020202020204" pitchFamily="34" charset="0"/>
+              <a:buChar char="•"/>
+              <a:defRPr sz="1800" kern="1200">
+                <a:solidFill>
+                  <a:schemeClr val="tx1"/>
+                </a:solidFill>
+                <a:latin typeface="+mn-lt"/>
+                <a:ea typeface="+mn-ea"/>
+                <a:cs typeface="+mn-cs"/>
+              </a:defRPr>
+            </a:lvl7pPr>
+            <a:lvl8pPr marL="3429000" indent="-228600" algn="l" defTabSz="914400" rtl="0" eaLnBrk="1" latinLnBrk="0" hangingPunct="1">
+              <a:lnSpc>
+                <a:spcPct val="90000"/>
+              </a:lnSpc>
+              <a:spcBef>
+                <a:spcPts val="500"/>
+              </a:spcBef>
+              <a:buFont typeface="Arial" panose="020B0604020202020204" pitchFamily="34" charset="0"/>
+              <a:buChar char="•"/>
+              <a:defRPr sz="1800" kern="1200">
+                <a:solidFill>
+                  <a:schemeClr val="tx1"/>
+                </a:solidFill>
+                <a:latin typeface="+mn-lt"/>
+                <a:ea typeface="+mn-ea"/>
+                <a:cs typeface="+mn-cs"/>
+              </a:defRPr>
+            </a:lvl8pPr>
+            <a:lvl9pPr marL="3886200" indent="-228600" algn="l" defTabSz="914400" rtl="0" eaLnBrk="1" latinLnBrk="0" hangingPunct="1">
+              <a:lnSpc>
+                <a:spcPct val="90000"/>
+              </a:lnSpc>
+              <a:spcBef>
+                <a:spcPts val="500"/>
+              </a:spcBef>
+              <a:buFont typeface="Arial" panose="020B0604020202020204" pitchFamily="34" charset="0"/>
+              <a:buChar char="•"/>
+              <a:defRPr sz="1800" kern="1200">
+                <a:solidFill>
+                  <a:schemeClr val="tx1"/>
+                </a:solidFill>
+                <a:latin typeface="+mn-lt"/>
+                <a:ea typeface="+mn-ea"/>
+                <a:cs typeface="+mn-cs"/>
+              </a:defRPr>
+            </a:lvl9pPr>
+          </a:lstStyle>
+          <a:p>
+            <a:pPr marL="0" indent="0" algn="l">
+              <a:buNone/>
+            </a:pPr>
+            <a:r>
+              <a:rPr lang="ru-RU" dirty="0">
+                <a:solidFill>
+                  <a:srgbClr val="BC5CFF"/>
+                </a:solidFill>
+              </a:rPr>
+              <a:t>ABA-проблема </a:t>
+            </a:r>
+            <a:r>
+              <a:rPr lang="ru-RU" dirty="0">
+                <a:solidFill>
+                  <a:srgbClr val="DDDDDD"/>
+                </a:solidFill>
+              </a:rPr>
+              <a:t>— это классическая ситуация в многопоточном программировании, когда механизм </a:t>
+            </a:r>
+            <a:r>
+              <a:rPr lang="ru-RU" dirty="0">
+                <a:solidFill>
+                  <a:srgbClr val="BC5CFF"/>
+                </a:solidFill>
+              </a:rPr>
+              <a:t>CAS (</a:t>
+            </a:r>
+            <a:r>
+              <a:rPr lang="ru-RU" dirty="0" err="1">
+                <a:solidFill>
+                  <a:srgbClr val="BC5CFF"/>
+                </a:solidFill>
+              </a:rPr>
+              <a:t>Compare</a:t>
+            </a:r>
+            <a:r>
+              <a:rPr lang="ru-RU" dirty="0">
+                <a:solidFill>
+                  <a:srgbClr val="BC5CFF"/>
+                </a:solidFill>
+              </a:rPr>
+              <a:t>-And-</a:t>
+            </a:r>
+            <a:r>
+              <a:rPr lang="ru-RU" dirty="0" err="1">
+                <a:solidFill>
+                  <a:srgbClr val="BC5CFF"/>
+                </a:solidFill>
+              </a:rPr>
+              <a:t>Swap</a:t>
+            </a:r>
+            <a:r>
+              <a:rPr lang="ru-RU" dirty="0">
+                <a:solidFill>
+                  <a:srgbClr val="BC5CFF"/>
+                </a:solidFill>
+              </a:rPr>
+              <a:t>) </a:t>
+            </a:r>
+            <a:r>
+              <a:rPr lang="ru-RU" dirty="0">
+                <a:solidFill>
+                  <a:srgbClr val="DDDDDD"/>
+                </a:solidFill>
+              </a:rPr>
+              <a:t>ошибочно считает операцию успешной, даже если состояние системы изменилось.</a:t>
+            </a:r>
+          </a:p>
+          <a:p>
+            <a:pPr marL="0" indent="0">
+              <a:buNone/>
+            </a:pPr>
+            <a:r>
+              <a:rPr lang="ru-RU" dirty="0">
+                <a:solidFill>
+                  <a:srgbClr val="DDDDDD"/>
+                </a:solidFill>
+              </a:rPr>
+              <a:t>Суть проблемы</a:t>
+            </a:r>
+          </a:p>
+          <a:p>
+            <a:r>
+              <a:rPr lang="ru-RU" dirty="0">
+                <a:solidFill>
+                  <a:srgbClr val="BC5CFF"/>
+                </a:solidFill>
+              </a:rPr>
+              <a:t>Поток 1</a:t>
+            </a:r>
+            <a:r>
+              <a:rPr lang="ru-RU" dirty="0">
+                <a:solidFill>
+                  <a:srgbClr val="DDDDDD"/>
+                </a:solidFill>
+              </a:rPr>
+              <a:t> читает значение переменной: </a:t>
+            </a:r>
+            <a:r>
+              <a:rPr lang="ru-RU" dirty="0">
+                <a:solidFill>
+                  <a:srgbClr val="FF423F"/>
+                </a:solidFill>
+              </a:rPr>
+              <a:t>A</a:t>
+            </a:r>
+            <a:r>
+              <a:rPr lang="ru-RU" dirty="0">
+                <a:solidFill>
+                  <a:srgbClr val="DDDDDD"/>
+                </a:solidFill>
+              </a:rPr>
+              <a:t>.</a:t>
+            </a:r>
+          </a:p>
+          <a:p>
+            <a:r>
+              <a:rPr lang="ru-RU" dirty="0">
+                <a:solidFill>
+                  <a:srgbClr val="BC5CFF"/>
+                </a:solidFill>
+              </a:rPr>
+              <a:t>Поток 2 </a:t>
+            </a:r>
+            <a:r>
+              <a:rPr lang="ru-RU" dirty="0">
+                <a:solidFill>
+                  <a:srgbClr val="DDDDDD"/>
+                </a:solidFill>
+              </a:rPr>
+              <a:t>изменяет значение:</a:t>
+            </a:r>
+          </a:p>
+          <a:p>
+            <a:pPr lvl="1"/>
+            <a:r>
+              <a:rPr lang="ru-RU" dirty="0">
+                <a:solidFill>
+                  <a:srgbClr val="DDDDDD"/>
+                </a:solidFill>
+              </a:rPr>
+              <a:t>Сначала </a:t>
+            </a:r>
+            <a:r>
+              <a:rPr lang="ru-RU" dirty="0">
+                <a:solidFill>
+                  <a:srgbClr val="FF423F"/>
+                </a:solidFill>
+              </a:rPr>
+              <a:t>A → B </a:t>
+            </a:r>
+            <a:r>
+              <a:rPr lang="ru-RU" dirty="0">
+                <a:solidFill>
+                  <a:srgbClr val="DDDDDD"/>
+                </a:solidFill>
+              </a:rPr>
+              <a:t>(первое изменение).</a:t>
+            </a:r>
+          </a:p>
+          <a:p>
+            <a:pPr lvl="1"/>
+            <a:r>
+              <a:rPr lang="ru-RU" dirty="0">
+                <a:solidFill>
+                  <a:srgbClr val="DDDDDD"/>
+                </a:solidFill>
+              </a:rPr>
+              <a:t>Затем </a:t>
+            </a:r>
+            <a:r>
+              <a:rPr lang="ru-RU" dirty="0">
+                <a:solidFill>
+                  <a:srgbClr val="FF423F"/>
+                </a:solidFill>
+              </a:rPr>
+              <a:t>B → A </a:t>
+            </a:r>
+            <a:r>
+              <a:rPr lang="ru-RU" dirty="0">
+                <a:solidFill>
+                  <a:srgbClr val="DDDDDD"/>
+                </a:solidFill>
+              </a:rPr>
+              <a:t>(возвращает старое значение).</a:t>
+            </a:r>
+          </a:p>
+          <a:p>
+            <a:r>
+              <a:rPr lang="ru-RU" dirty="0">
+                <a:solidFill>
+                  <a:srgbClr val="BC5CFF"/>
+                </a:solidFill>
+              </a:rPr>
+              <a:t>Поток 1 </a:t>
+            </a:r>
+            <a:r>
+              <a:rPr lang="ru-RU" dirty="0">
+                <a:solidFill>
+                  <a:srgbClr val="DDDDDD"/>
+                </a:solidFill>
+              </a:rPr>
+              <a:t>выполняет CAS:</a:t>
+            </a:r>
+          </a:p>
+          <a:p>
+            <a:pPr lvl="1"/>
+            <a:r>
+              <a:rPr lang="ru-RU" dirty="0">
+                <a:solidFill>
+                  <a:srgbClr val="DDDDDD"/>
+                </a:solidFill>
+              </a:rPr>
+              <a:t>Ожидаемое значение: </a:t>
+            </a:r>
+            <a:r>
+              <a:rPr lang="ru-RU" dirty="0">
+                <a:solidFill>
+                  <a:srgbClr val="FF423F"/>
+                </a:solidFill>
+              </a:rPr>
+              <a:t>A</a:t>
+            </a:r>
+          </a:p>
+          <a:p>
+            <a:pPr lvl="1"/>
+            <a:r>
+              <a:rPr lang="ru-RU" dirty="0">
+                <a:solidFill>
+                  <a:srgbClr val="DDDDDD"/>
+                </a:solidFill>
+              </a:rPr>
+              <a:t>Текущее значение: A (хотя между чтением и CAS-операцией оно успело побывать </a:t>
+            </a:r>
+            <a:r>
+              <a:rPr lang="ru-RU" dirty="0">
+                <a:solidFill>
+                  <a:srgbClr val="FF423F"/>
+                </a:solidFill>
+              </a:rPr>
+              <a:t>B</a:t>
+            </a:r>
+            <a:r>
+              <a:rPr lang="ru-RU" dirty="0">
+                <a:solidFill>
+                  <a:srgbClr val="DDDDDD"/>
+                </a:solidFill>
+              </a:rPr>
+              <a:t>) → </a:t>
+            </a:r>
+            <a:r>
+              <a:rPr lang="ru-RU" dirty="0">
+                <a:solidFill>
+                  <a:srgbClr val="FF423F"/>
+                </a:solidFill>
+              </a:rPr>
+              <a:t>CAS проходит успешно</a:t>
+            </a:r>
+            <a:r>
+              <a:rPr lang="ru-RU" dirty="0">
+                <a:solidFill>
+                  <a:srgbClr val="DDDDDD"/>
+                </a:solidFill>
+              </a:rPr>
+              <a:t>, хотя состояние системы изменилось!</a:t>
+            </a:r>
+          </a:p>
+          <a:p>
+            <a:pPr marL="0" indent="0" algn="l">
+              <a:buNone/>
+            </a:pPr>
+            <a:endParaRPr lang="ru-RU" dirty="0">
+              <a:solidFill>
+                <a:srgbClr val="DDDDDD"/>
+              </a:solidFill>
+            </a:endParaRPr>
+          </a:p>
+          <a:p>
+            <a:pPr marL="0" indent="0" algn="l">
+              <a:buNone/>
+            </a:pPr>
+            <a:r>
+              <a:rPr lang="ru-RU" dirty="0">
+                <a:solidFill>
+                  <a:srgbClr val="BC5CFF"/>
+                </a:solidFill>
+              </a:rPr>
+              <a:t>Решения ABA-проблемы</a:t>
+            </a:r>
+          </a:p>
+          <a:p>
+            <a:pPr marL="0" indent="0" algn="l">
+              <a:buNone/>
+            </a:pPr>
+            <a:r>
+              <a:rPr lang="ru-RU" dirty="0">
+                <a:solidFill>
+                  <a:srgbClr val="DDDDDD"/>
+                </a:solidFill>
+              </a:rPr>
+              <a:t>1. </a:t>
+            </a:r>
+            <a:r>
+              <a:rPr lang="ru-RU" dirty="0" err="1">
+                <a:solidFill>
+                  <a:srgbClr val="CC7832"/>
+                </a:solidFill>
+              </a:rPr>
+              <a:t>AtomicStampedReference</a:t>
+            </a:r>
+            <a:r>
+              <a:rPr lang="ru-RU" dirty="0">
+                <a:solidFill>
+                  <a:srgbClr val="CC7832"/>
+                </a:solidFill>
+              </a:rPr>
+              <a:t> </a:t>
+            </a:r>
+            <a:r>
+              <a:rPr lang="ru-RU" dirty="0">
+                <a:solidFill>
+                  <a:srgbClr val="DDDDDD"/>
+                </a:solidFill>
+              </a:rPr>
+              <a:t>(метка версии). Хранит значение + счётчик изменений (</a:t>
+            </a:r>
+            <a:r>
+              <a:rPr lang="ru-RU" dirty="0" err="1">
+                <a:solidFill>
+                  <a:srgbClr val="DDDDDD"/>
+                </a:solidFill>
+              </a:rPr>
+              <a:t>stamp</a:t>
+            </a:r>
+            <a:r>
+              <a:rPr lang="ru-RU" dirty="0">
+                <a:solidFill>
+                  <a:srgbClr val="DDDDDD"/>
+                </a:solidFill>
+              </a:rPr>
+              <a:t>).</a:t>
+            </a:r>
+          </a:p>
+          <a:p>
+            <a:pPr marL="0" indent="0" algn="l">
+              <a:buNone/>
+            </a:pPr>
+            <a:r>
+              <a:rPr lang="en-US" dirty="0">
+                <a:solidFill>
+                  <a:srgbClr val="DDDDDD"/>
+                </a:solidFill>
+              </a:rPr>
+              <a:t>2. </a:t>
+            </a:r>
+            <a:r>
+              <a:rPr lang="en-US" dirty="0" err="1">
+                <a:solidFill>
+                  <a:srgbClr val="CC7832"/>
+                </a:solidFill>
+              </a:rPr>
+              <a:t>AtomicMarkableReference</a:t>
+            </a:r>
+            <a:r>
+              <a:rPr lang="en-US" dirty="0">
+                <a:solidFill>
+                  <a:srgbClr val="DDDDDD"/>
+                </a:solidFill>
+              </a:rPr>
+              <a:t> (</a:t>
+            </a:r>
+            <a:r>
+              <a:rPr lang="ru-RU" dirty="0">
+                <a:solidFill>
+                  <a:srgbClr val="DDDDDD"/>
+                </a:solidFill>
+              </a:rPr>
+              <a:t>флажок). Хранит значение + </a:t>
+            </a:r>
+            <a:r>
+              <a:rPr lang="en-US" dirty="0" err="1">
+                <a:solidFill>
+                  <a:srgbClr val="DDDDDD"/>
+                </a:solidFill>
+              </a:rPr>
+              <a:t>boolean</a:t>
+            </a:r>
+            <a:r>
+              <a:rPr lang="en-US" dirty="0">
+                <a:solidFill>
+                  <a:srgbClr val="DDDDDD"/>
+                </a:solidFill>
+              </a:rPr>
+              <a:t>-</a:t>
+            </a:r>
+            <a:r>
+              <a:rPr lang="ru-RU" dirty="0">
+                <a:solidFill>
+                  <a:srgbClr val="DDDDDD"/>
+                </a:solidFill>
+              </a:rPr>
+              <a:t>флаг.</a:t>
+            </a:r>
+          </a:p>
+          <a:p>
+            <a:pPr marL="0" indent="0" algn="l">
+              <a:buNone/>
+            </a:pPr>
+            <a:r>
+              <a:rPr lang="ru-RU" dirty="0">
+                <a:solidFill>
+                  <a:srgbClr val="DDDDDD"/>
+                </a:solidFill>
+              </a:rPr>
+              <a:t>3</a:t>
+            </a:r>
+            <a:r>
+              <a:rPr lang="ru-RU" dirty="0">
+                <a:solidFill>
+                  <a:srgbClr val="CC7832"/>
+                </a:solidFill>
+              </a:rPr>
+              <a:t>. Использование неизменяемых объектов </a:t>
+            </a:r>
+            <a:r>
+              <a:rPr lang="ru-RU" dirty="0">
+                <a:solidFill>
+                  <a:srgbClr val="DDDDDD"/>
+                </a:solidFill>
+              </a:rPr>
+              <a:t>(</a:t>
+            </a:r>
+            <a:r>
+              <a:rPr lang="ru-RU" dirty="0" err="1">
+                <a:solidFill>
+                  <a:srgbClr val="DDDDDD"/>
+                </a:solidFill>
+              </a:rPr>
+              <a:t>Immutable</a:t>
+            </a:r>
+            <a:r>
+              <a:rPr lang="ru-RU" dirty="0">
+                <a:solidFill>
+                  <a:srgbClr val="DDDDDD"/>
+                </a:solidFill>
+              </a:rPr>
+              <a:t>). Если объект нельзя изменить, то ABA невозможна.</a:t>
+            </a:r>
+          </a:p>
+          <a:p>
+            <a:pPr marL="0" indent="0" algn="l">
+              <a:buNone/>
+            </a:pPr>
+            <a:endParaRPr lang="ru-RU" b="0" i="0" dirty="0">
+              <a:solidFill>
+                <a:srgbClr val="F8FAFF"/>
+              </a:solidFill>
+              <a:effectLst/>
+              <a:latin typeface="DeepSeek-CJK-patch"/>
+            </a:endParaRPr>
+          </a:p>
+          <a:p>
+            <a:pPr marL="0" indent="0" algn="l">
+              <a:buNone/>
+            </a:pPr>
+            <a:endParaRPr lang="en-US" dirty="0">
+              <a:solidFill>
+                <a:srgbClr val="DDDDDD"/>
+              </a:solidFill>
+            </a:endParaRPr>
+          </a:p>
+        </p:txBody>
+      </p:sp>
+    </p:spTree>
+    <p:extLst>
+      <p:ext uri="{BB962C8B-B14F-4D97-AF65-F5344CB8AC3E}">
+        <p14:creationId xmlns:p14="http://schemas.microsoft.com/office/powerpoint/2010/main" val="2933167173"/>
+      </p:ext>
+    </p:extLst>
+  </p:cSld>
+  <p:clrMapOvr>
+    <a:masterClrMapping/>
+  </p:clrMapOvr>
+</p:sld>
+</file>
+
+<file path=ppt/slides/slide40.xml><?xml version="1.0" encoding="utf-8"?>
 <p:sld xmlns:a="http://schemas.openxmlformats.org/drawingml/2006/main" xmlns:r="http://schemas.openxmlformats.org/officeDocument/2006/relationships" xmlns:p="http://schemas.openxmlformats.org/presentationml/2006/main">
   <p:cSld>
     <p:spTree>
@@ -30048,760 +31534,7 @@
 </p:sld>
 </file>
 
-<file path=ppt/slides/slide4.xml><?xml version="1.0" encoding="utf-8"?>
-<p:sld xmlns:a="http://schemas.openxmlformats.org/drawingml/2006/main" xmlns:r="http://schemas.openxmlformats.org/officeDocument/2006/relationships" xmlns:p="http://schemas.openxmlformats.org/presentationml/2006/main">
-  <p:cSld>
-    <p:spTree>
-      <p:nvGrpSpPr>
-        <p:cNvPr id="1" name=""/>
-        <p:cNvGrpSpPr/>
-        <p:nvPr/>
-      </p:nvGrpSpPr>
-      <p:grpSpPr>
-        <a:xfrm>
-          <a:off x="0" y="0"/>
-          <a:ext cx="0" cy="0"/>
-          <a:chOff x="0" y="0"/>
-          <a:chExt cx="0" cy="0"/>
-        </a:xfrm>
-      </p:grpSpPr>
-      <p:sp>
-        <p:nvSpPr>
-          <p:cNvPr id="2" name="Заголовок 1">
-            <a:extLst>
-              <a:ext uri="{FF2B5EF4-FFF2-40B4-BE49-F238E27FC236}">
-                <a16:creationId xmlns:a16="http://schemas.microsoft.com/office/drawing/2014/main" id="{D540EF41-A1F3-00F0-5B51-360564BB0ED4}"/>
-              </a:ext>
-            </a:extLst>
-          </p:cNvPr>
-          <p:cNvSpPr>
-            <a:spLocks noGrp="1"/>
-          </p:cNvSpPr>
-          <p:nvPr>
-            <p:ph type="title"/>
-          </p:nvPr>
-        </p:nvSpPr>
-        <p:spPr/>
-        <p:txBody>
-          <a:bodyPr/>
-          <a:lstStyle/>
-          <a:p>
-            <a:pPr algn="l"/>
-            <a:r>
-              <a:rPr lang="en-US" b="1" i="0" dirty="0">
-                <a:solidFill>
-                  <a:srgbClr val="F8FAFF"/>
-                </a:solidFill>
-                <a:effectLst/>
-                <a:latin typeface="DeepSeek-CJK-patch"/>
-              </a:rPr>
-              <a:t>ABA-</a:t>
-            </a:r>
-            <a:r>
-              <a:rPr lang="ru-RU" b="1" i="0" dirty="0">
-                <a:solidFill>
-                  <a:srgbClr val="F8FAFF"/>
-                </a:solidFill>
-                <a:effectLst/>
-                <a:latin typeface="DeepSeek-CJK-patch"/>
-              </a:rPr>
-              <a:t>проблема в </a:t>
-            </a:r>
-            <a:r>
-              <a:rPr lang="en-US" b="1" i="0" dirty="0">
-                <a:solidFill>
-                  <a:srgbClr val="F8FAFF"/>
-                </a:solidFill>
-                <a:effectLst/>
-                <a:latin typeface="DeepSeek-CJK-patch"/>
-              </a:rPr>
-              <a:t>CAS</a:t>
-            </a:r>
-          </a:p>
-        </p:txBody>
-      </p:sp>
-      <p:sp>
-        <p:nvSpPr>
-          <p:cNvPr id="4" name="Объект 2">
-            <a:extLst>
-              <a:ext uri="{FF2B5EF4-FFF2-40B4-BE49-F238E27FC236}">
-                <a16:creationId xmlns:a16="http://schemas.microsoft.com/office/drawing/2014/main" id="{2955B486-B609-4A1B-BEAB-14F9CBD39354}"/>
-              </a:ext>
-            </a:extLst>
-          </p:cNvPr>
-          <p:cNvSpPr txBox="1">
-            <a:spLocks/>
-          </p:cNvSpPr>
-          <p:nvPr/>
-        </p:nvSpPr>
-        <p:spPr>
-          <a:xfrm>
-            <a:off x="515939" y="657225"/>
-            <a:ext cx="11160124" cy="5768290"/>
-          </a:xfrm>
-          <a:prstGeom prst="rect">
-            <a:avLst/>
-          </a:prstGeom>
-          <a:solidFill>
-            <a:srgbClr val="171717"/>
-          </a:solidFill>
-        </p:spPr>
-        <p:txBody>
-          <a:bodyPr vert="horz" lIns="91440" tIns="45720" rIns="91440" bIns="45720" rtlCol="0">
-            <a:normAutofit/>
-          </a:bodyPr>
-          <a:lstStyle>
-            <a:lvl1pPr marL="228600" indent="-228600" algn="l" defTabSz="914400" rtl="0" eaLnBrk="1" latinLnBrk="0" hangingPunct="1">
-              <a:lnSpc>
-                <a:spcPct val="90000"/>
-              </a:lnSpc>
-              <a:spcBef>
-                <a:spcPts val="1000"/>
-              </a:spcBef>
-              <a:buFont typeface="Arial" panose="020B0604020202020204" pitchFamily="34" charset="0"/>
-              <a:buChar char="•"/>
-              <a:defRPr sz="1600" kern="1200">
-                <a:solidFill>
-                  <a:schemeClr val="tx1"/>
-                </a:solidFill>
-                <a:latin typeface="Arial" panose="020B0604020202020204" pitchFamily="34" charset="0"/>
-                <a:ea typeface="+mn-ea"/>
-                <a:cs typeface="Arial" panose="020B0604020202020204" pitchFamily="34" charset="0"/>
-              </a:defRPr>
-            </a:lvl1pPr>
-            <a:lvl2pPr marL="685800" indent="-228600" algn="l" defTabSz="914400" rtl="0" eaLnBrk="1" latinLnBrk="0" hangingPunct="1">
-              <a:lnSpc>
-                <a:spcPct val="90000"/>
-              </a:lnSpc>
-              <a:spcBef>
-                <a:spcPts val="500"/>
-              </a:spcBef>
-              <a:buFont typeface="Arial" panose="020B0604020202020204" pitchFamily="34" charset="0"/>
-              <a:buChar char="•"/>
-              <a:defRPr sz="1600" kern="1200">
-                <a:solidFill>
-                  <a:schemeClr val="tx1"/>
-                </a:solidFill>
-                <a:latin typeface="Arial" panose="020B0604020202020204" pitchFamily="34" charset="0"/>
-                <a:ea typeface="+mn-ea"/>
-                <a:cs typeface="Arial" panose="020B0604020202020204" pitchFamily="34" charset="0"/>
-              </a:defRPr>
-            </a:lvl2pPr>
-            <a:lvl3pPr marL="1143000" indent="-228600" algn="l" defTabSz="914400" rtl="0" eaLnBrk="1" latinLnBrk="0" hangingPunct="1">
-              <a:lnSpc>
-                <a:spcPct val="90000"/>
-              </a:lnSpc>
-              <a:spcBef>
-                <a:spcPts val="500"/>
-              </a:spcBef>
-              <a:buFont typeface="Arial" panose="020B0604020202020204" pitchFamily="34" charset="0"/>
-              <a:buChar char="•"/>
-              <a:defRPr sz="1600" kern="1200">
-                <a:solidFill>
-                  <a:schemeClr val="tx1"/>
-                </a:solidFill>
-                <a:latin typeface="Arial" panose="020B0604020202020204" pitchFamily="34" charset="0"/>
-                <a:ea typeface="+mn-ea"/>
-                <a:cs typeface="Arial" panose="020B0604020202020204" pitchFamily="34" charset="0"/>
-              </a:defRPr>
-            </a:lvl3pPr>
-            <a:lvl4pPr marL="1600200" indent="-228600" algn="l" defTabSz="914400" rtl="0" eaLnBrk="1" latinLnBrk="0" hangingPunct="1">
-              <a:lnSpc>
-                <a:spcPct val="90000"/>
-              </a:lnSpc>
-              <a:spcBef>
-                <a:spcPts val="500"/>
-              </a:spcBef>
-              <a:buFont typeface="Arial" panose="020B0604020202020204" pitchFamily="34" charset="0"/>
-              <a:buChar char="•"/>
-              <a:defRPr sz="1400" kern="1200">
-                <a:solidFill>
-                  <a:schemeClr val="tx1"/>
-                </a:solidFill>
-                <a:latin typeface="Arial" panose="020B0604020202020204" pitchFamily="34" charset="0"/>
-                <a:ea typeface="+mn-ea"/>
-                <a:cs typeface="Arial" panose="020B0604020202020204" pitchFamily="34" charset="0"/>
-              </a:defRPr>
-            </a:lvl4pPr>
-            <a:lvl5pPr marL="2057400" indent="-228600" algn="l" defTabSz="914400" rtl="0" eaLnBrk="1" latinLnBrk="0" hangingPunct="1">
-              <a:lnSpc>
-                <a:spcPct val="90000"/>
-              </a:lnSpc>
-              <a:spcBef>
-                <a:spcPts val="500"/>
-              </a:spcBef>
-              <a:buFont typeface="Arial" panose="020B0604020202020204" pitchFamily="34" charset="0"/>
-              <a:buChar char="•"/>
-              <a:defRPr sz="1400" kern="1200">
-                <a:solidFill>
-                  <a:schemeClr val="tx1"/>
-                </a:solidFill>
-                <a:latin typeface="Arial" panose="020B0604020202020204" pitchFamily="34" charset="0"/>
-                <a:ea typeface="+mn-ea"/>
-                <a:cs typeface="Arial" panose="020B0604020202020204" pitchFamily="34" charset="0"/>
-              </a:defRPr>
-            </a:lvl5pPr>
-            <a:lvl6pPr marL="2514600" indent="-228600" algn="l" defTabSz="914400" rtl="0" eaLnBrk="1" latinLnBrk="0" hangingPunct="1">
-              <a:lnSpc>
-                <a:spcPct val="90000"/>
-              </a:lnSpc>
-              <a:spcBef>
-                <a:spcPts val="500"/>
-              </a:spcBef>
-              <a:buFont typeface="Arial" panose="020B0604020202020204" pitchFamily="34" charset="0"/>
-              <a:buChar char="•"/>
-              <a:defRPr sz="1800" kern="1200">
-                <a:solidFill>
-                  <a:schemeClr val="tx1"/>
-                </a:solidFill>
-                <a:latin typeface="+mn-lt"/>
-                <a:ea typeface="+mn-ea"/>
-                <a:cs typeface="+mn-cs"/>
-              </a:defRPr>
-            </a:lvl6pPr>
-            <a:lvl7pPr marL="2971800" indent="-228600" algn="l" defTabSz="914400" rtl="0" eaLnBrk="1" latinLnBrk="0" hangingPunct="1">
-              <a:lnSpc>
-                <a:spcPct val="90000"/>
-              </a:lnSpc>
-              <a:spcBef>
-                <a:spcPts val="500"/>
-              </a:spcBef>
-              <a:buFont typeface="Arial" panose="020B0604020202020204" pitchFamily="34" charset="0"/>
-              <a:buChar char="•"/>
-              <a:defRPr sz="1800" kern="1200">
-                <a:solidFill>
-                  <a:schemeClr val="tx1"/>
-                </a:solidFill>
-                <a:latin typeface="+mn-lt"/>
-                <a:ea typeface="+mn-ea"/>
-                <a:cs typeface="+mn-cs"/>
-              </a:defRPr>
-            </a:lvl7pPr>
-            <a:lvl8pPr marL="3429000" indent="-228600" algn="l" defTabSz="914400" rtl="0" eaLnBrk="1" latinLnBrk="0" hangingPunct="1">
-              <a:lnSpc>
-                <a:spcPct val="90000"/>
-              </a:lnSpc>
-              <a:spcBef>
-                <a:spcPts val="500"/>
-              </a:spcBef>
-              <a:buFont typeface="Arial" panose="020B0604020202020204" pitchFamily="34" charset="0"/>
-              <a:buChar char="•"/>
-              <a:defRPr sz="1800" kern="1200">
-                <a:solidFill>
-                  <a:schemeClr val="tx1"/>
-                </a:solidFill>
-                <a:latin typeface="+mn-lt"/>
-                <a:ea typeface="+mn-ea"/>
-                <a:cs typeface="+mn-cs"/>
-              </a:defRPr>
-            </a:lvl8pPr>
-            <a:lvl9pPr marL="3886200" indent="-228600" algn="l" defTabSz="914400" rtl="0" eaLnBrk="1" latinLnBrk="0" hangingPunct="1">
-              <a:lnSpc>
-                <a:spcPct val="90000"/>
-              </a:lnSpc>
-              <a:spcBef>
-                <a:spcPts val="500"/>
-              </a:spcBef>
-              <a:buFont typeface="Arial" panose="020B0604020202020204" pitchFamily="34" charset="0"/>
-              <a:buChar char="•"/>
-              <a:defRPr sz="1800" kern="1200">
-                <a:solidFill>
-                  <a:schemeClr val="tx1"/>
-                </a:solidFill>
-                <a:latin typeface="+mn-lt"/>
-                <a:ea typeface="+mn-ea"/>
-                <a:cs typeface="+mn-cs"/>
-              </a:defRPr>
-            </a:lvl9pPr>
-          </a:lstStyle>
-          <a:p>
-            <a:pPr marL="0" indent="0" algn="l">
-              <a:buNone/>
-            </a:pPr>
-            <a:r>
-              <a:rPr lang="ru-RU" dirty="0">
-                <a:solidFill>
-                  <a:srgbClr val="BC5CFF"/>
-                </a:solidFill>
-              </a:rPr>
-              <a:t>ABA-проблема </a:t>
-            </a:r>
-            <a:r>
-              <a:rPr lang="ru-RU" dirty="0">
-                <a:solidFill>
-                  <a:srgbClr val="DDDDDD"/>
-                </a:solidFill>
-              </a:rPr>
-              <a:t>— это классическая ситуация в многопоточном программировании, когда механизм </a:t>
-            </a:r>
-            <a:r>
-              <a:rPr lang="ru-RU" dirty="0">
-                <a:solidFill>
-                  <a:srgbClr val="BC5CFF"/>
-                </a:solidFill>
-              </a:rPr>
-              <a:t>CAS (</a:t>
-            </a:r>
-            <a:r>
-              <a:rPr lang="ru-RU" dirty="0" err="1">
-                <a:solidFill>
-                  <a:srgbClr val="BC5CFF"/>
-                </a:solidFill>
-              </a:rPr>
-              <a:t>Compare</a:t>
-            </a:r>
-            <a:r>
-              <a:rPr lang="ru-RU" dirty="0">
-                <a:solidFill>
-                  <a:srgbClr val="BC5CFF"/>
-                </a:solidFill>
-              </a:rPr>
-              <a:t>-And-</a:t>
-            </a:r>
-            <a:r>
-              <a:rPr lang="ru-RU" dirty="0" err="1">
-                <a:solidFill>
-                  <a:srgbClr val="BC5CFF"/>
-                </a:solidFill>
-              </a:rPr>
-              <a:t>Swap</a:t>
-            </a:r>
-            <a:r>
-              <a:rPr lang="ru-RU" dirty="0">
-                <a:solidFill>
-                  <a:srgbClr val="BC5CFF"/>
-                </a:solidFill>
-              </a:rPr>
-              <a:t>) </a:t>
-            </a:r>
-            <a:r>
-              <a:rPr lang="ru-RU" dirty="0">
-                <a:solidFill>
-                  <a:srgbClr val="DDDDDD"/>
-                </a:solidFill>
-              </a:rPr>
-              <a:t>ошибочно считает операцию успешной, даже если состояние системы изменилось.</a:t>
-            </a:r>
-          </a:p>
-          <a:p>
-            <a:pPr marL="0" indent="0">
-              <a:buNone/>
-            </a:pPr>
-            <a:r>
-              <a:rPr lang="ru-RU" dirty="0">
-                <a:solidFill>
-                  <a:srgbClr val="DDDDDD"/>
-                </a:solidFill>
-              </a:rPr>
-              <a:t>Суть проблемы</a:t>
-            </a:r>
-          </a:p>
-          <a:p>
-            <a:r>
-              <a:rPr lang="ru-RU" dirty="0">
-                <a:solidFill>
-                  <a:srgbClr val="BC5CFF"/>
-                </a:solidFill>
-              </a:rPr>
-              <a:t>Поток 1</a:t>
-            </a:r>
-            <a:r>
-              <a:rPr lang="ru-RU" dirty="0">
-                <a:solidFill>
-                  <a:srgbClr val="DDDDDD"/>
-                </a:solidFill>
-              </a:rPr>
-              <a:t> читает значение переменной: </a:t>
-            </a:r>
-            <a:r>
-              <a:rPr lang="ru-RU" dirty="0">
-                <a:solidFill>
-                  <a:srgbClr val="FF423F"/>
-                </a:solidFill>
-              </a:rPr>
-              <a:t>A</a:t>
-            </a:r>
-            <a:r>
-              <a:rPr lang="ru-RU" dirty="0">
-                <a:solidFill>
-                  <a:srgbClr val="DDDDDD"/>
-                </a:solidFill>
-              </a:rPr>
-              <a:t>.</a:t>
-            </a:r>
-          </a:p>
-          <a:p>
-            <a:r>
-              <a:rPr lang="ru-RU" dirty="0">
-                <a:solidFill>
-                  <a:srgbClr val="BC5CFF"/>
-                </a:solidFill>
-              </a:rPr>
-              <a:t>Поток 2 </a:t>
-            </a:r>
-            <a:r>
-              <a:rPr lang="ru-RU" dirty="0">
-                <a:solidFill>
-                  <a:srgbClr val="DDDDDD"/>
-                </a:solidFill>
-              </a:rPr>
-              <a:t>изменяет значение:</a:t>
-            </a:r>
-          </a:p>
-          <a:p>
-            <a:pPr lvl="1"/>
-            <a:r>
-              <a:rPr lang="ru-RU" dirty="0">
-                <a:solidFill>
-                  <a:srgbClr val="DDDDDD"/>
-                </a:solidFill>
-              </a:rPr>
-              <a:t>Сначала </a:t>
-            </a:r>
-            <a:r>
-              <a:rPr lang="ru-RU" dirty="0">
-                <a:solidFill>
-                  <a:srgbClr val="FF423F"/>
-                </a:solidFill>
-              </a:rPr>
-              <a:t>A → B </a:t>
-            </a:r>
-            <a:r>
-              <a:rPr lang="ru-RU" dirty="0">
-                <a:solidFill>
-                  <a:srgbClr val="DDDDDD"/>
-                </a:solidFill>
-              </a:rPr>
-              <a:t>(первое изменение).</a:t>
-            </a:r>
-          </a:p>
-          <a:p>
-            <a:pPr lvl="1"/>
-            <a:r>
-              <a:rPr lang="ru-RU" dirty="0">
-                <a:solidFill>
-                  <a:srgbClr val="DDDDDD"/>
-                </a:solidFill>
-              </a:rPr>
-              <a:t>Затем </a:t>
-            </a:r>
-            <a:r>
-              <a:rPr lang="ru-RU" dirty="0">
-                <a:solidFill>
-                  <a:srgbClr val="FF423F"/>
-                </a:solidFill>
-              </a:rPr>
-              <a:t>B → A </a:t>
-            </a:r>
-            <a:r>
-              <a:rPr lang="ru-RU" dirty="0">
-                <a:solidFill>
-                  <a:srgbClr val="DDDDDD"/>
-                </a:solidFill>
-              </a:rPr>
-              <a:t>(возвращает старое значение).</a:t>
-            </a:r>
-          </a:p>
-          <a:p>
-            <a:r>
-              <a:rPr lang="ru-RU" dirty="0">
-                <a:solidFill>
-                  <a:srgbClr val="BC5CFF"/>
-                </a:solidFill>
-              </a:rPr>
-              <a:t>Поток 1 </a:t>
-            </a:r>
-            <a:r>
-              <a:rPr lang="ru-RU" dirty="0">
-                <a:solidFill>
-                  <a:srgbClr val="DDDDDD"/>
-                </a:solidFill>
-              </a:rPr>
-              <a:t>выполняет CAS:</a:t>
-            </a:r>
-          </a:p>
-          <a:p>
-            <a:pPr lvl="1"/>
-            <a:r>
-              <a:rPr lang="ru-RU" dirty="0">
-                <a:solidFill>
-                  <a:srgbClr val="DDDDDD"/>
-                </a:solidFill>
-              </a:rPr>
-              <a:t>Ожидаемое значение: </a:t>
-            </a:r>
-            <a:r>
-              <a:rPr lang="ru-RU" dirty="0">
-                <a:solidFill>
-                  <a:srgbClr val="FF423F"/>
-                </a:solidFill>
-              </a:rPr>
-              <a:t>A</a:t>
-            </a:r>
-          </a:p>
-          <a:p>
-            <a:pPr lvl="1"/>
-            <a:r>
-              <a:rPr lang="ru-RU" dirty="0">
-                <a:solidFill>
-                  <a:srgbClr val="DDDDDD"/>
-                </a:solidFill>
-              </a:rPr>
-              <a:t>Текущее значение: A (хотя между чтением и CAS-операцией оно успело побывать </a:t>
-            </a:r>
-            <a:r>
-              <a:rPr lang="ru-RU" dirty="0">
-                <a:solidFill>
-                  <a:srgbClr val="FF423F"/>
-                </a:solidFill>
-              </a:rPr>
-              <a:t>B</a:t>
-            </a:r>
-            <a:r>
-              <a:rPr lang="ru-RU" dirty="0">
-                <a:solidFill>
-                  <a:srgbClr val="DDDDDD"/>
-                </a:solidFill>
-              </a:rPr>
-              <a:t>) → </a:t>
-            </a:r>
-            <a:r>
-              <a:rPr lang="ru-RU" dirty="0">
-                <a:solidFill>
-                  <a:srgbClr val="FF423F"/>
-                </a:solidFill>
-              </a:rPr>
-              <a:t>CAS проходит успешно</a:t>
-            </a:r>
-            <a:r>
-              <a:rPr lang="ru-RU" dirty="0">
-                <a:solidFill>
-                  <a:srgbClr val="DDDDDD"/>
-                </a:solidFill>
-              </a:rPr>
-              <a:t>, хотя состояние системы изменилось!</a:t>
-            </a:r>
-          </a:p>
-          <a:p>
-            <a:pPr marL="0" indent="0" algn="l">
-              <a:buNone/>
-            </a:pPr>
-            <a:endParaRPr lang="ru-RU" dirty="0">
-              <a:solidFill>
-                <a:srgbClr val="DDDDDD"/>
-              </a:solidFill>
-            </a:endParaRPr>
-          </a:p>
-          <a:p>
-            <a:pPr marL="0" indent="0" algn="l">
-              <a:buNone/>
-            </a:pPr>
-            <a:r>
-              <a:rPr lang="ru-RU" dirty="0">
-                <a:solidFill>
-                  <a:srgbClr val="BC5CFF"/>
-                </a:solidFill>
-              </a:rPr>
-              <a:t>Решения ABA-проблемы</a:t>
-            </a:r>
-          </a:p>
-          <a:p>
-            <a:pPr marL="0" indent="0" algn="l">
-              <a:buNone/>
-            </a:pPr>
-            <a:r>
-              <a:rPr lang="ru-RU" dirty="0">
-                <a:solidFill>
-                  <a:srgbClr val="DDDDDD"/>
-                </a:solidFill>
-              </a:rPr>
-              <a:t>1. </a:t>
-            </a:r>
-            <a:r>
-              <a:rPr lang="ru-RU" dirty="0" err="1">
-                <a:solidFill>
-                  <a:srgbClr val="CC7832"/>
-                </a:solidFill>
-              </a:rPr>
-              <a:t>AtomicStampedReference</a:t>
-            </a:r>
-            <a:r>
-              <a:rPr lang="ru-RU" dirty="0">
-                <a:solidFill>
-                  <a:srgbClr val="CC7832"/>
-                </a:solidFill>
-              </a:rPr>
-              <a:t> </a:t>
-            </a:r>
-            <a:r>
-              <a:rPr lang="ru-RU" dirty="0">
-                <a:solidFill>
-                  <a:srgbClr val="DDDDDD"/>
-                </a:solidFill>
-              </a:rPr>
-              <a:t>(метка версии). Хранит значение + счётчик изменений (</a:t>
-            </a:r>
-            <a:r>
-              <a:rPr lang="ru-RU" dirty="0" err="1">
-                <a:solidFill>
-                  <a:srgbClr val="DDDDDD"/>
-                </a:solidFill>
-              </a:rPr>
-              <a:t>stamp</a:t>
-            </a:r>
-            <a:r>
-              <a:rPr lang="ru-RU" dirty="0">
-                <a:solidFill>
-                  <a:srgbClr val="DDDDDD"/>
-                </a:solidFill>
-              </a:rPr>
-              <a:t>).</a:t>
-            </a:r>
-          </a:p>
-          <a:p>
-            <a:pPr marL="0" indent="0" algn="l">
-              <a:buNone/>
-            </a:pPr>
-            <a:r>
-              <a:rPr lang="en-US" dirty="0">
-                <a:solidFill>
-                  <a:srgbClr val="DDDDDD"/>
-                </a:solidFill>
-              </a:rPr>
-              <a:t>2. </a:t>
-            </a:r>
-            <a:r>
-              <a:rPr lang="en-US" dirty="0" err="1">
-                <a:solidFill>
-                  <a:srgbClr val="CC7832"/>
-                </a:solidFill>
-              </a:rPr>
-              <a:t>AtomicMarkableReference</a:t>
-            </a:r>
-            <a:r>
-              <a:rPr lang="en-US" dirty="0">
-                <a:solidFill>
-                  <a:srgbClr val="DDDDDD"/>
-                </a:solidFill>
-              </a:rPr>
-              <a:t> (</a:t>
-            </a:r>
-            <a:r>
-              <a:rPr lang="ru-RU" dirty="0">
-                <a:solidFill>
-                  <a:srgbClr val="DDDDDD"/>
-                </a:solidFill>
-              </a:rPr>
-              <a:t>флажок). Хранит значение + </a:t>
-            </a:r>
-            <a:r>
-              <a:rPr lang="en-US" dirty="0" err="1">
-                <a:solidFill>
-                  <a:srgbClr val="DDDDDD"/>
-                </a:solidFill>
-              </a:rPr>
-              <a:t>boolean</a:t>
-            </a:r>
-            <a:r>
-              <a:rPr lang="en-US" dirty="0">
-                <a:solidFill>
-                  <a:srgbClr val="DDDDDD"/>
-                </a:solidFill>
-              </a:rPr>
-              <a:t>-</a:t>
-            </a:r>
-            <a:r>
-              <a:rPr lang="ru-RU" dirty="0">
-                <a:solidFill>
-                  <a:srgbClr val="DDDDDD"/>
-                </a:solidFill>
-              </a:rPr>
-              <a:t>флаг.</a:t>
-            </a:r>
-          </a:p>
-          <a:p>
-            <a:pPr marL="0" indent="0" algn="l">
-              <a:buNone/>
-            </a:pPr>
-            <a:r>
-              <a:rPr lang="ru-RU" dirty="0">
-                <a:solidFill>
-                  <a:srgbClr val="DDDDDD"/>
-                </a:solidFill>
-              </a:rPr>
-              <a:t>3</a:t>
-            </a:r>
-            <a:r>
-              <a:rPr lang="ru-RU" dirty="0">
-                <a:solidFill>
-                  <a:srgbClr val="CC7832"/>
-                </a:solidFill>
-              </a:rPr>
-              <a:t>. Использование неизменяемых объектов </a:t>
-            </a:r>
-            <a:r>
-              <a:rPr lang="ru-RU" dirty="0">
-                <a:solidFill>
-                  <a:srgbClr val="DDDDDD"/>
-                </a:solidFill>
-              </a:rPr>
-              <a:t>(</a:t>
-            </a:r>
-            <a:r>
-              <a:rPr lang="ru-RU" dirty="0" err="1">
-                <a:solidFill>
-                  <a:srgbClr val="DDDDDD"/>
-                </a:solidFill>
-              </a:rPr>
-              <a:t>Immutable</a:t>
-            </a:r>
-            <a:r>
-              <a:rPr lang="ru-RU" dirty="0">
-                <a:solidFill>
-                  <a:srgbClr val="DDDDDD"/>
-                </a:solidFill>
-              </a:rPr>
-              <a:t>). Если объект нельзя изменить, то ABA невозможна.</a:t>
-            </a:r>
-          </a:p>
-          <a:p>
-            <a:pPr marL="0" indent="0" algn="l">
-              <a:buNone/>
-            </a:pPr>
-            <a:endParaRPr lang="ru-RU" b="0" i="0" dirty="0">
-              <a:solidFill>
-                <a:srgbClr val="F8FAFF"/>
-              </a:solidFill>
-              <a:effectLst/>
-              <a:latin typeface="DeepSeek-CJK-patch"/>
-            </a:endParaRPr>
-          </a:p>
-          <a:p>
-            <a:pPr marL="0" indent="0" algn="l">
-              <a:buNone/>
-            </a:pPr>
-            <a:endParaRPr lang="en-US" dirty="0">
-              <a:solidFill>
-                <a:srgbClr val="DDDDDD"/>
-              </a:solidFill>
-            </a:endParaRPr>
-          </a:p>
-        </p:txBody>
-      </p:sp>
-    </p:spTree>
-    <p:extLst>
-      <p:ext uri="{BB962C8B-B14F-4D97-AF65-F5344CB8AC3E}">
-        <p14:creationId xmlns:p14="http://schemas.microsoft.com/office/powerpoint/2010/main" val="2933167173"/>
-      </p:ext>
-    </p:extLst>
-  </p:cSld>
-  <p:clrMapOvr>
-    <a:masterClrMapping/>
-  </p:clrMapOvr>
-</p:sld>
-</file>
-
-<file path=ppt/slides/slide40.xml><?xml version="1.0" encoding="utf-8"?>
+<file path=ppt/slides/slide41.xml><?xml version="1.0" encoding="utf-8"?>
 <p:sld xmlns:a="http://schemas.openxmlformats.org/drawingml/2006/main" xmlns:r="http://schemas.openxmlformats.org/officeDocument/2006/relationships" xmlns:p="http://schemas.openxmlformats.org/presentationml/2006/main">
   <p:cSld>
     <p:spTree>
@@ -31630,7 +32363,7 @@
 </p:sld>
 </file>
 
-<file path=ppt/slides/slide41.xml><?xml version="1.0" encoding="utf-8"?>
+<file path=ppt/slides/slide42.xml><?xml version="1.0" encoding="utf-8"?>
 <p:sld xmlns:a="http://schemas.openxmlformats.org/drawingml/2006/main" xmlns:r="http://schemas.openxmlformats.org/officeDocument/2006/relationships" xmlns:p="http://schemas.openxmlformats.org/presentationml/2006/main">
   <p:cSld>
     <p:spTree>
@@ -32705,7 +33438,7 @@
 </p:sld>
 </file>
 
-<file path=ppt/slides/slide42.xml><?xml version="1.0" encoding="utf-8"?>
+<file path=ppt/slides/slide43.xml><?xml version="1.0" encoding="utf-8"?>
 <p:sld xmlns:a="http://schemas.openxmlformats.org/drawingml/2006/main" xmlns:r="http://schemas.openxmlformats.org/officeDocument/2006/relationships" xmlns:p="http://schemas.openxmlformats.org/presentationml/2006/main">
   <p:cSld>
     <p:spTree>
@@ -33618,7 +34351,7 @@
 </p:sld>
 </file>
 
-<file path=ppt/slides/slide43.xml><?xml version="1.0" encoding="utf-8"?>
+<file path=ppt/slides/slide44.xml><?xml version="1.0" encoding="utf-8"?>
 <p:sld xmlns:a="http://schemas.openxmlformats.org/drawingml/2006/main" xmlns:r="http://schemas.openxmlformats.org/officeDocument/2006/relationships" xmlns:p="http://schemas.openxmlformats.org/presentationml/2006/main">
   <p:cSld>
     <p:spTree>
@@ -34061,7 +34794,7 @@
 </p:sld>
 </file>
 
-<file path=ppt/slides/slide44.xml><?xml version="1.0" encoding="utf-8"?>
+<file path=ppt/slides/slide45.xml><?xml version="1.0" encoding="utf-8"?>
 <p:sld xmlns:a="http://schemas.openxmlformats.org/drawingml/2006/main" xmlns:r="http://schemas.openxmlformats.org/officeDocument/2006/relationships" xmlns:p="http://schemas.openxmlformats.org/presentationml/2006/main">
   <p:cSld>
     <p:spTree>
@@ -35874,7 +36607,7 @@
 </p:sld>
 </file>
 
-<file path=ppt/slides/slide45.xml><?xml version="1.0" encoding="utf-8"?>
+<file path=ppt/slides/slide46.xml><?xml version="1.0" encoding="utf-8"?>
 <p:sld xmlns:a="http://schemas.openxmlformats.org/drawingml/2006/main" xmlns:r="http://schemas.openxmlformats.org/officeDocument/2006/relationships" xmlns:p="http://schemas.openxmlformats.org/presentationml/2006/main">
   <p:cSld>
     <p:spTree>
@@ -36524,7 +37257,7 @@
 </p:sld>
 </file>
 
-<file path=ppt/slides/slide46.xml><?xml version="1.0" encoding="utf-8"?>
+<file path=ppt/slides/slide47.xml><?xml version="1.0" encoding="utf-8"?>
 <p:sld xmlns:a="http://schemas.openxmlformats.org/drawingml/2006/main" xmlns:r="http://schemas.openxmlformats.org/officeDocument/2006/relationships" xmlns:p="http://schemas.openxmlformats.org/presentationml/2006/main">
   <p:cSld>
     <p:spTree>
@@ -37022,7 +37755,7 @@
 </p:sld>
 </file>
 
-<file path=ppt/slides/slide47.xml><?xml version="1.0" encoding="utf-8"?>
+<file path=ppt/slides/slide48.xml><?xml version="1.0" encoding="utf-8"?>
 <p:sld xmlns:a="http://schemas.openxmlformats.org/drawingml/2006/main" xmlns:r="http://schemas.openxmlformats.org/officeDocument/2006/relationships" xmlns:p="http://schemas.openxmlformats.org/presentationml/2006/main">
   <p:cSld>
     <p:spTree>
@@ -37520,7 +38253,7 @@
 </p:sld>
 </file>
 
-<file path=ppt/slides/slide48.xml><?xml version="1.0" encoding="utf-8"?>
+<file path=ppt/slides/slide49.xml><?xml version="1.0" encoding="utf-8"?>
 <p:sld xmlns:a="http://schemas.openxmlformats.org/drawingml/2006/main" xmlns:r="http://schemas.openxmlformats.org/officeDocument/2006/relationships" xmlns:p="http://schemas.openxmlformats.org/presentationml/2006/main">
   <p:cSld>
     <p:spTree>
@@ -39659,7 +40392,881 @@
 </p:sld>
 </file>
 
-<file path=ppt/slides/slide49.xml><?xml version="1.0" encoding="utf-8"?>
+<file path=ppt/slides/slide5.xml><?xml version="1.0" encoding="utf-8"?>
+<p:sld xmlns:a="http://schemas.openxmlformats.org/drawingml/2006/main" xmlns:r="http://schemas.openxmlformats.org/officeDocument/2006/relationships" xmlns:p="http://schemas.openxmlformats.org/presentationml/2006/main">
+  <p:cSld>
+    <p:spTree>
+      <p:nvGrpSpPr>
+        <p:cNvPr id="1" name=""/>
+        <p:cNvGrpSpPr/>
+        <p:nvPr/>
+      </p:nvGrpSpPr>
+      <p:grpSpPr>
+        <a:xfrm>
+          <a:off x="0" y="0"/>
+          <a:ext cx="0" cy="0"/>
+          <a:chOff x="0" y="0"/>
+          <a:chExt cx="0" cy="0"/>
+        </a:xfrm>
+      </p:grpSpPr>
+      <p:sp>
+        <p:nvSpPr>
+          <p:cNvPr id="2" name="Заголовок 1">
+            <a:extLst>
+              <a:ext uri="{FF2B5EF4-FFF2-40B4-BE49-F238E27FC236}">
+                <a16:creationId xmlns:a16="http://schemas.microsoft.com/office/drawing/2014/main" id="{2B1223E2-F313-984D-1EA8-D326A79AEED1}"/>
+              </a:ext>
+            </a:extLst>
+          </p:cNvPr>
+          <p:cNvSpPr>
+            <a:spLocks noGrp="1"/>
+          </p:cNvSpPr>
+          <p:nvPr>
+            <p:ph type="title"/>
+          </p:nvPr>
+        </p:nvSpPr>
+        <p:spPr/>
+        <p:txBody>
+          <a:bodyPr/>
+          <a:lstStyle/>
+          <a:p>
+            <a:r>
+              <a:rPr lang="en-US" b="1" i="1" dirty="0" err="1">
+                <a:effectLst/>
+                <a:latin typeface="Arial" panose="020B0604020202020204" pitchFamily="34" charset="0"/>
+              </a:rPr>
+              <a:t>ExecutorService</a:t>
+            </a:r>
+            <a:r>
+              <a:rPr lang="en-US" b="0" i="0" dirty="0">
+                <a:solidFill>
+                  <a:srgbClr val="DDDDDD"/>
+                </a:solidFill>
+                <a:effectLst/>
+                <a:latin typeface="Arial" panose="020B0604020202020204" pitchFamily="34" charset="0"/>
+              </a:rPr>
+              <a:t> </a:t>
+            </a:r>
+            <a:endParaRPr lang="ru-RU" dirty="0"/>
+          </a:p>
+        </p:txBody>
+      </p:sp>
+      <p:sp>
+        <p:nvSpPr>
+          <p:cNvPr id="6" name="Объект 2">
+            <a:extLst>
+              <a:ext uri="{FF2B5EF4-FFF2-40B4-BE49-F238E27FC236}">
+                <a16:creationId xmlns:a16="http://schemas.microsoft.com/office/drawing/2014/main" id="{0C4CE4D0-ACE7-0A5E-8357-1936211ED885}"/>
+              </a:ext>
+            </a:extLst>
+          </p:cNvPr>
+          <p:cNvSpPr txBox="1">
+            <a:spLocks/>
+          </p:cNvSpPr>
+          <p:nvPr/>
+        </p:nvSpPr>
+        <p:spPr>
+          <a:xfrm>
+            <a:off x="515939" y="657225"/>
+            <a:ext cx="11160124" cy="1638786"/>
+          </a:xfrm>
+          <a:prstGeom prst="rect">
+            <a:avLst/>
+          </a:prstGeom>
+          <a:solidFill>
+            <a:srgbClr val="171717"/>
+          </a:solidFill>
+        </p:spPr>
+        <p:txBody>
+          <a:bodyPr vert="horz" lIns="91440" tIns="45720" rIns="91440" bIns="45720" rtlCol="0">
+            <a:normAutofit/>
+          </a:bodyPr>
+          <a:lstStyle>
+            <a:lvl1pPr marL="228600" indent="-228600" algn="l" defTabSz="914400" rtl="0" eaLnBrk="1" latinLnBrk="0" hangingPunct="1">
+              <a:lnSpc>
+                <a:spcPct val="90000"/>
+              </a:lnSpc>
+              <a:spcBef>
+                <a:spcPts val="1000"/>
+              </a:spcBef>
+              <a:buFont typeface="Arial" panose="020B0604020202020204" pitchFamily="34" charset="0"/>
+              <a:buChar char="•"/>
+              <a:defRPr sz="1600" kern="1200">
+                <a:solidFill>
+                  <a:schemeClr val="tx1"/>
+                </a:solidFill>
+                <a:latin typeface="Arial" panose="020B0604020202020204" pitchFamily="34" charset="0"/>
+                <a:ea typeface="+mn-ea"/>
+                <a:cs typeface="Arial" panose="020B0604020202020204" pitchFamily="34" charset="0"/>
+              </a:defRPr>
+            </a:lvl1pPr>
+            <a:lvl2pPr marL="685800" indent="-228600" algn="l" defTabSz="914400" rtl="0" eaLnBrk="1" latinLnBrk="0" hangingPunct="1">
+              <a:lnSpc>
+                <a:spcPct val="90000"/>
+              </a:lnSpc>
+              <a:spcBef>
+                <a:spcPts val="500"/>
+              </a:spcBef>
+              <a:buFont typeface="Arial" panose="020B0604020202020204" pitchFamily="34" charset="0"/>
+              <a:buChar char="•"/>
+              <a:defRPr sz="1600" kern="1200">
+                <a:solidFill>
+                  <a:schemeClr val="tx1"/>
+                </a:solidFill>
+                <a:latin typeface="Arial" panose="020B0604020202020204" pitchFamily="34" charset="0"/>
+                <a:ea typeface="+mn-ea"/>
+                <a:cs typeface="Arial" panose="020B0604020202020204" pitchFamily="34" charset="0"/>
+              </a:defRPr>
+            </a:lvl2pPr>
+            <a:lvl3pPr marL="1143000" indent="-228600" algn="l" defTabSz="914400" rtl="0" eaLnBrk="1" latinLnBrk="0" hangingPunct="1">
+              <a:lnSpc>
+                <a:spcPct val="90000"/>
+              </a:lnSpc>
+              <a:spcBef>
+                <a:spcPts val="500"/>
+              </a:spcBef>
+              <a:buFont typeface="Arial" panose="020B0604020202020204" pitchFamily="34" charset="0"/>
+              <a:buChar char="•"/>
+              <a:defRPr sz="1600" kern="1200">
+                <a:solidFill>
+                  <a:schemeClr val="tx1"/>
+                </a:solidFill>
+                <a:latin typeface="Arial" panose="020B0604020202020204" pitchFamily="34" charset="0"/>
+                <a:ea typeface="+mn-ea"/>
+                <a:cs typeface="Arial" panose="020B0604020202020204" pitchFamily="34" charset="0"/>
+              </a:defRPr>
+            </a:lvl3pPr>
+            <a:lvl4pPr marL="1600200" indent="-228600" algn="l" defTabSz="914400" rtl="0" eaLnBrk="1" latinLnBrk="0" hangingPunct="1">
+              <a:lnSpc>
+                <a:spcPct val="90000"/>
+              </a:lnSpc>
+              <a:spcBef>
+                <a:spcPts val="500"/>
+              </a:spcBef>
+              <a:buFont typeface="Arial" panose="020B0604020202020204" pitchFamily="34" charset="0"/>
+              <a:buChar char="•"/>
+              <a:defRPr sz="1400" kern="1200">
+                <a:solidFill>
+                  <a:schemeClr val="tx1"/>
+                </a:solidFill>
+                <a:latin typeface="Arial" panose="020B0604020202020204" pitchFamily="34" charset="0"/>
+                <a:ea typeface="+mn-ea"/>
+                <a:cs typeface="Arial" panose="020B0604020202020204" pitchFamily="34" charset="0"/>
+              </a:defRPr>
+            </a:lvl4pPr>
+            <a:lvl5pPr marL="2057400" indent="-228600" algn="l" defTabSz="914400" rtl="0" eaLnBrk="1" latinLnBrk="0" hangingPunct="1">
+              <a:lnSpc>
+                <a:spcPct val="90000"/>
+              </a:lnSpc>
+              <a:spcBef>
+                <a:spcPts val="500"/>
+              </a:spcBef>
+              <a:buFont typeface="Arial" panose="020B0604020202020204" pitchFamily="34" charset="0"/>
+              <a:buChar char="•"/>
+              <a:defRPr sz="1400" kern="1200">
+                <a:solidFill>
+                  <a:schemeClr val="tx1"/>
+                </a:solidFill>
+                <a:latin typeface="Arial" panose="020B0604020202020204" pitchFamily="34" charset="0"/>
+                <a:ea typeface="+mn-ea"/>
+                <a:cs typeface="Arial" panose="020B0604020202020204" pitchFamily="34" charset="0"/>
+              </a:defRPr>
+            </a:lvl5pPr>
+            <a:lvl6pPr marL="2514600" indent="-228600" algn="l" defTabSz="914400" rtl="0" eaLnBrk="1" latinLnBrk="0" hangingPunct="1">
+              <a:lnSpc>
+                <a:spcPct val="90000"/>
+              </a:lnSpc>
+              <a:spcBef>
+                <a:spcPts val="500"/>
+              </a:spcBef>
+              <a:buFont typeface="Arial" panose="020B0604020202020204" pitchFamily="34" charset="0"/>
+              <a:buChar char="•"/>
+              <a:defRPr sz="1800" kern="1200">
+                <a:solidFill>
+                  <a:schemeClr val="tx1"/>
+                </a:solidFill>
+                <a:latin typeface="+mn-lt"/>
+                <a:ea typeface="+mn-ea"/>
+                <a:cs typeface="+mn-cs"/>
+              </a:defRPr>
+            </a:lvl6pPr>
+            <a:lvl7pPr marL="2971800" indent="-228600" algn="l" defTabSz="914400" rtl="0" eaLnBrk="1" latinLnBrk="0" hangingPunct="1">
+              <a:lnSpc>
+                <a:spcPct val="90000"/>
+              </a:lnSpc>
+              <a:spcBef>
+                <a:spcPts val="500"/>
+              </a:spcBef>
+              <a:buFont typeface="Arial" panose="020B0604020202020204" pitchFamily="34" charset="0"/>
+              <a:buChar char="•"/>
+              <a:defRPr sz="1800" kern="1200">
+                <a:solidFill>
+                  <a:schemeClr val="tx1"/>
+                </a:solidFill>
+                <a:latin typeface="+mn-lt"/>
+                <a:ea typeface="+mn-ea"/>
+                <a:cs typeface="+mn-cs"/>
+              </a:defRPr>
+            </a:lvl7pPr>
+            <a:lvl8pPr marL="3429000" indent="-228600" algn="l" defTabSz="914400" rtl="0" eaLnBrk="1" latinLnBrk="0" hangingPunct="1">
+              <a:lnSpc>
+                <a:spcPct val="90000"/>
+              </a:lnSpc>
+              <a:spcBef>
+                <a:spcPts val="500"/>
+              </a:spcBef>
+              <a:buFont typeface="Arial" panose="020B0604020202020204" pitchFamily="34" charset="0"/>
+              <a:buChar char="•"/>
+              <a:defRPr sz="1800" kern="1200">
+                <a:solidFill>
+                  <a:schemeClr val="tx1"/>
+                </a:solidFill>
+                <a:latin typeface="+mn-lt"/>
+                <a:ea typeface="+mn-ea"/>
+                <a:cs typeface="+mn-cs"/>
+              </a:defRPr>
+            </a:lvl8pPr>
+            <a:lvl9pPr marL="3886200" indent="-228600" algn="l" defTabSz="914400" rtl="0" eaLnBrk="1" latinLnBrk="0" hangingPunct="1">
+              <a:lnSpc>
+                <a:spcPct val="90000"/>
+              </a:lnSpc>
+              <a:spcBef>
+                <a:spcPts val="500"/>
+              </a:spcBef>
+              <a:buFont typeface="Arial" panose="020B0604020202020204" pitchFamily="34" charset="0"/>
+              <a:buChar char="•"/>
+              <a:defRPr sz="1800" kern="1200">
+                <a:solidFill>
+                  <a:schemeClr val="tx1"/>
+                </a:solidFill>
+                <a:latin typeface="+mn-lt"/>
+                <a:ea typeface="+mn-ea"/>
+                <a:cs typeface="+mn-cs"/>
+              </a:defRPr>
+            </a:lvl9pPr>
+          </a:lstStyle>
+          <a:p>
+            <a:pPr marL="0" indent="0" algn="l">
+              <a:buNone/>
+            </a:pPr>
+            <a:r>
+              <a:rPr lang="en-US" b="1" i="1" dirty="0" err="1">
+                <a:solidFill>
+                  <a:srgbClr val="BC5CFF"/>
+                </a:solidFill>
+                <a:effectLst/>
+                <a:latin typeface="Arial" panose="020B0604020202020204" pitchFamily="34" charset="0"/>
+              </a:rPr>
+              <a:t>ExecutorService</a:t>
+            </a:r>
+            <a:r>
+              <a:rPr lang="en-US" b="1" i="1" dirty="0">
+                <a:effectLst/>
+                <a:latin typeface="Arial" panose="020B0604020202020204" pitchFamily="34" charset="0"/>
+              </a:rPr>
+              <a:t> </a:t>
+            </a:r>
+            <a:r>
+              <a:rPr lang="ru-RU" b="1" i="1" dirty="0">
+                <a:effectLst/>
+                <a:latin typeface="Arial" panose="020B0604020202020204" pitchFamily="34" charset="0"/>
+              </a:rPr>
+              <a:t> - </a:t>
+            </a:r>
+            <a:r>
+              <a:rPr lang="ru-RU" dirty="0">
+                <a:solidFill>
+                  <a:srgbClr val="DDDDDD"/>
+                </a:solidFill>
+              </a:rPr>
+              <a:t>Это высокоуровневый инструмент в Java для управления потоками (</a:t>
+            </a:r>
+            <a:r>
+              <a:rPr lang="ru-RU" dirty="0" err="1">
+                <a:solidFill>
+                  <a:srgbClr val="FF423F"/>
+                </a:solidFill>
+              </a:rPr>
+              <a:t>threads</a:t>
+            </a:r>
+            <a:r>
+              <a:rPr lang="ru-RU" dirty="0">
+                <a:solidFill>
+                  <a:srgbClr val="DDDDDD"/>
+                </a:solidFill>
+              </a:rPr>
+              <a:t>). Вместо того чтобы вручную создавать и управлять потоками (как с </a:t>
+            </a:r>
+            <a:r>
+              <a:rPr lang="ru-RU" dirty="0" err="1">
+                <a:solidFill>
+                  <a:srgbClr val="FF423F"/>
+                </a:solidFill>
+              </a:rPr>
+              <a:t>Thread</a:t>
+            </a:r>
+            <a:r>
+              <a:rPr lang="ru-RU" dirty="0">
+                <a:solidFill>
+                  <a:srgbClr val="DDDDDD"/>
+                </a:solidFill>
+              </a:rPr>
+              <a:t>), мы просто говорим </a:t>
+            </a:r>
+            <a:r>
+              <a:rPr lang="ru-RU" dirty="0" err="1">
+                <a:solidFill>
+                  <a:srgbClr val="FF423F"/>
+                </a:solidFill>
+              </a:rPr>
+              <a:t>ExecutorService</a:t>
+            </a:r>
+            <a:r>
+              <a:rPr lang="ru-RU" dirty="0">
+                <a:solidFill>
+                  <a:srgbClr val="DDDDDD"/>
+                </a:solidFill>
+              </a:rPr>
+              <a:t>:</a:t>
+            </a:r>
+          </a:p>
+          <a:p>
+            <a:r>
+              <a:rPr lang="ru-RU" dirty="0">
+                <a:solidFill>
+                  <a:srgbClr val="DDDDDD"/>
+                </a:solidFill>
+              </a:rPr>
+              <a:t>Упрощает многопоточность.</a:t>
+            </a:r>
+          </a:p>
+          <a:p>
+            <a:r>
+              <a:rPr lang="ru-RU" dirty="0">
+                <a:solidFill>
+                  <a:srgbClr val="DDDDDD"/>
+                </a:solidFill>
+              </a:rPr>
+              <a:t>Автоматически управляет пулом потоков.</a:t>
+            </a:r>
+          </a:p>
+          <a:p>
+            <a:r>
+              <a:rPr lang="ru-RU" dirty="0">
+                <a:solidFill>
+                  <a:srgbClr val="DDDDDD"/>
+                </a:solidFill>
+              </a:rPr>
+              <a:t>Позволяет эффективно распределять задачи.</a:t>
+            </a:r>
+            <a:endParaRPr lang="en-US" dirty="0">
+              <a:solidFill>
+                <a:srgbClr val="DDDDDD"/>
+              </a:solidFill>
+            </a:endParaRPr>
+          </a:p>
+        </p:txBody>
+      </p:sp>
+      <p:pic>
+        <p:nvPicPr>
+          <p:cNvPr id="11" name="Рисунок 10">
+            <a:extLst>
+              <a:ext uri="{FF2B5EF4-FFF2-40B4-BE49-F238E27FC236}">
+                <a16:creationId xmlns:a16="http://schemas.microsoft.com/office/drawing/2014/main" id="{996F380D-EEC6-96D5-3DBA-9F9814DD34A8}"/>
+              </a:ext>
+            </a:extLst>
+          </p:cNvPr>
+          <p:cNvPicPr>
+            <a:picLocks noChangeAspect="1"/>
+          </p:cNvPicPr>
+          <p:nvPr/>
+        </p:nvPicPr>
+        <p:blipFill>
+          <a:blip r:embed="rId3"/>
+          <a:stretch>
+            <a:fillRect/>
+          </a:stretch>
+        </p:blipFill>
+        <p:spPr>
+          <a:xfrm>
+            <a:off x="515938" y="2296011"/>
+            <a:ext cx="11147718" cy="2347338"/>
+          </a:xfrm>
+          <a:prstGeom prst="rect">
+            <a:avLst/>
+          </a:prstGeom>
+        </p:spPr>
+      </p:pic>
+      <p:sp>
+        <p:nvSpPr>
+          <p:cNvPr id="12" name="Объект 2">
+            <a:extLst>
+              <a:ext uri="{FF2B5EF4-FFF2-40B4-BE49-F238E27FC236}">
+                <a16:creationId xmlns:a16="http://schemas.microsoft.com/office/drawing/2014/main" id="{1AFC1EB3-FDAA-A1AF-D25C-291F815BB9E1}"/>
+              </a:ext>
+            </a:extLst>
+          </p:cNvPr>
+          <p:cNvSpPr txBox="1">
+            <a:spLocks/>
+          </p:cNvSpPr>
+          <p:nvPr/>
+        </p:nvSpPr>
+        <p:spPr>
+          <a:xfrm>
+            <a:off x="528344" y="4643350"/>
+            <a:ext cx="11160124" cy="2214650"/>
+          </a:xfrm>
+          <a:prstGeom prst="rect">
+            <a:avLst/>
+          </a:prstGeom>
+          <a:solidFill>
+            <a:srgbClr val="171717"/>
+          </a:solidFill>
+        </p:spPr>
+        <p:txBody>
+          <a:bodyPr vert="horz" lIns="91440" tIns="45720" rIns="91440" bIns="45720" rtlCol="0">
+            <a:normAutofit/>
+          </a:bodyPr>
+          <a:lstStyle>
+            <a:lvl1pPr marL="228600" indent="-228600" algn="l" defTabSz="914400" rtl="0" eaLnBrk="1" latinLnBrk="0" hangingPunct="1">
+              <a:lnSpc>
+                <a:spcPct val="90000"/>
+              </a:lnSpc>
+              <a:spcBef>
+                <a:spcPts val="1000"/>
+              </a:spcBef>
+              <a:buFont typeface="Arial" panose="020B0604020202020204" pitchFamily="34" charset="0"/>
+              <a:buChar char="•"/>
+              <a:defRPr sz="1600" kern="1200">
+                <a:solidFill>
+                  <a:schemeClr val="tx1"/>
+                </a:solidFill>
+                <a:latin typeface="Arial" panose="020B0604020202020204" pitchFamily="34" charset="0"/>
+                <a:ea typeface="+mn-ea"/>
+                <a:cs typeface="Arial" panose="020B0604020202020204" pitchFamily="34" charset="0"/>
+              </a:defRPr>
+            </a:lvl1pPr>
+            <a:lvl2pPr marL="685800" indent="-228600" algn="l" defTabSz="914400" rtl="0" eaLnBrk="1" latinLnBrk="0" hangingPunct="1">
+              <a:lnSpc>
+                <a:spcPct val="90000"/>
+              </a:lnSpc>
+              <a:spcBef>
+                <a:spcPts val="500"/>
+              </a:spcBef>
+              <a:buFont typeface="Arial" panose="020B0604020202020204" pitchFamily="34" charset="0"/>
+              <a:buChar char="•"/>
+              <a:defRPr sz="1600" kern="1200">
+                <a:solidFill>
+                  <a:schemeClr val="tx1"/>
+                </a:solidFill>
+                <a:latin typeface="Arial" panose="020B0604020202020204" pitchFamily="34" charset="0"/>
+                <a:ea typeface="+mn-ea"/>
+                <a:cs typeface="Arial" panose="020B0604020202020204" pitchFamily="34" charset="0"/>
+              </a:defRPr>
+            </a:lvl2pPr>
+            <a:lvl3pPr marL="1143000" indent="-228600" algn="l" defTabSz="914400" rtl="0" eaLnBrk="1" latinLnBrk="0" hangingPunct="1">
+              <a:lnSpc>
+                <a:spcPct val="90000"/>
+              </a:lnSpc>
+              <a:spcBef>
+                <a:spcPts val="500"/>
+              </a:spcBef>
+              <a:buFont typeface="Arial" panose="020B0604020202020204" pitchFamily="34" charset="0"/>
+              <a:buChar char="•"/>
+              <a:defRPr sz="1600" kern="1200">
+                <a:solidFill>
+                  <a:schemeClr val="tx1"/>
+                </a:solidFill>
+                <a:latin typeface="Arial" panose="020B0604020202020204" pitchFamily="34" charset="0"/>
+                <a:ea typeface="+mn-ea"/>
+                <a:cs typeface="Arial" panose="020B0604020202020204" pitchFamily="34" charset="0"/>
+              </a:defRPr>
+            </a:lvl3pPr>
+            <a:lvl4pPr marL="1600200" indent="-228600" algn="l" defTabSz="914400" rtl="0" eaLnBrk="1" latinLnBrk="0" hangingPunct="1">
+              <a:lnSpc>
+                <a:spcPct val="90000"/>
+              </a:lnSpc>
+              <a:spcBef>
+                <a:spcPts val="500"/>
+              </a:spcBef>
+              <a:buFont typeface="Arial" panose="020B0604020202020204" pitchFamily="34" charset="0"/>
+              <a:buChar char="•"/>
+              <a:defRPr sz="1400" kern="1200">
+                <a:solidFill>
+                  <a:schemeClr val="tx1"/>
+                </a:solidFill>
+                <a:latin typeface="Arial" panose="020B0604020202020204" pitchFamily="34" charset="0"/>
+                <a:ea typeface="+mn-ea"/>
+                <a:cs typeface="Arial" panose="020B0604020202020204" pitchFamily="34" charset="0"/>
+              </a:defRPr>
+            </a:lvl4pPr>
+            <a:lvl5pPr marL="2057400" indent="-228600" algn="l" defTabSz="914400" rtl="0" eaLnBrk="1" latinLnBrk="0" hangingPunct="1">
+              <a:lnSpc>
+                <a:spcPct val="90000"/>
+              </a:lnSpc>
+              <a:spcBef>
+                <a:spcPts val="500"/>
+              </a:spcBef>
+              <a:buFont typeface="Arial" panose="020B0604020202020204" pitchFamily="34" charset="0"/>
+              <a:buChar char="•"/>
+              <a:defRPr sz="1400" kern="1200">
+                <a:solidFill>
+                  <a:schemeClr val="tx1"/>
+                </a:solidFill>
+                <a:latin typeface="Arial" panose="020B0604020202020204" pitchFamily="34" charset="0"/>
+                <a:ea typeface="+mn-ea"/>
+                <a:cs typeface="Arial" panose="020B0604020202020204" pitchFamily="34" charset="0"/>
+              </a:defRPr>
+            </a:lvl5pPr>
+            <a:lvl6pPr marL="2514600" indent="-228600" algn="l" defTabSz="914400" rtl="0" eaLnBrk="1" latinLnBrk="0" hangingPunct="1">
+              <a:lnSpc>
+                <a:spcPct val="90000"/>
+              </a:lnSpc>
+              <a:spcBef>
+                <a:spcPts val="500"/>
+              </a:spcBef>
+              <a:buFont typeface="Arial" panose="020B0604020202020204" pitchFamily="34" charset="0"/>
+              <a:buChar char="•"/>
+              <a:defRPr sz="1800" kern="1200">
+                <a:solidFill>
+                  <a:schemeClr val="tx1"/>
+                </a:solidFill>
+                <a:latin typeface="+mn-lt"/>
+                <a:ea typeface="+mn-ea"/>
+                <a:cs typeface="+mn-cs"/>
+              </a:defRPr>
+            </a:lvl6pPr>
+            <a:lvl7pPr marL="2971800" indent="-228600" algn="l" defTabSz="914400" rtl="0" eaLnBrk="1" latinLnBrk="0" hangingPunct="1">
+              <a:lnSpc>
+                <a:spcPct val="90000"/>
+              </a:lnSpc>
+              <a:spcBef>
+                <a:spcPts val="500"/>
+              </a:spcBef>
+              <a:buFont typeface="Arial" panose="020B0604020202020204" pitchFamily="34" charset="0"/>
+              <a:buChar char="•"/>
+              <a:defRPr sz="1800" kern="1200">
+                <a:solidFill>
+                  <a:schemeClr val="tx1"/>
+                </a:solidFill>
+                <a:latin typeface="+mn-lt"/>
+                <a:ea typeface="+mn-ea"/>
+                <a:cs typeface="+mn-cs"/>
+              </a:defRPr>
+            </a:lvl7pPr>
+            <a:lvl8pPr marL="3429000" indent="-228600" algn="l" defTabSz="914400" rtl="0" eaLnBrk="1" latinLnBrk="0" hangingPunct="1">
+              <a:lnSpc>
+                <a:spcPct val="90000"/>
+              </a:lnSpc>
+              <a:spcBef>
+                <a:spcPts val="500"/>
+              </a:spcBef>
+              <a:buFont typeface="Arial" panose="020B0604020202020204" pitchFamily="34" charset="0"/>
+              <a:buChar char="•"/>
+              <a:defRPr sz="1800" kern="1200">
+                <a:solidFill>
+                  <a:schemeClr val="tx1"/>
+                </a:solidFill>
+                <a:latin typeface="+mn-lt"/>
+                <a:ea typeface="+mn-ea"/>
+                <a:cs typeface="+mn-cs"/>
+              </a:defRPr>
+            </a:lvl8pPr>
+            <a:lvl9pPr marL="3886200" indent="-228600" algn="l" defTabSz="914400" rtl="0" eaLnBrk="1" latinLnBrk="0" hangingPunct="1">
+              <a:lnSpc>
+                <a:spcPct val="90000"/>
+              </a:lnSpc>
+              <a:spcBef>
+                <a:spcPts val="500"/>
+              </a:spcBef>
+              <a:buFont typeface="Arial" panose="020B0604020202020204" pitchFamily="34" charset="0"/>
+              <a:buChar char="•"/>
+              <a:defRPr sz="1800" kern="1200">
+                <a:solidFill>
+                  <a:schemeClr val="tx1"/>
+                </a:solidFill>
+                <a:latin typeface="+mn-lt"/>
+                <a:ea typeface="+mn-ea"/>
+                <a:cs typeface="+mn-cs"/>
+              </a:defRPr>
+            </a:lvl9pPr>
+          </a:lstStyle>
+          <a:p>
+            <a:pPr marL="0" indent="0" algn="l">
+              <a:buNone/>
+            </a:pPr>
+            <a:r>
+              <a:rPr lang="ru-RU" dirty="0">
+                <a:solidFill>
+                  <a:srgbClr val="DDDDDD"/>
+                </a:solidFill>
+              </a:rPr>
+              <a:t>Основные методы</a:t>
+            </a:r>
+            <a:endParaRPr lang="en-US" dirty="0">
+              <a:solidFill>
+                <a:srgbClr val="DDDDDD"/>
+              </a:solidFill>
+            </a:endParaRPr>
+          </a:p>
+          <a:p>
+            <a:pPr marL="0" indent="0" algn="l">
+              <a:lnSpc>
+                <a:spcPct val="100000"/>
+              </a:lnSpc>
+              <a:buNone/>
+            </a:pPr>
+            <a:r>
+              <a:rPr lang="ru-RU" dirty="0" err="1">
+                <a:solidFill>
+                  <a:srgbClr val="BC5CFF"/>
+                </a:solidFill>
+              </a:rPr>
+              <a:t>submit</a:t>
+            </a:r>
+            <a:r>
+              <a:rPr lang="ru-RU" dirty="0">
+                <a:solidFill>
+                  <a:srgbClr val="BC5CFF"/>
+                </a:solidFill>
+              </a:rPr>
+              <a:t>() </a:t>
+            </a:r>
+            <a:r>
+              <a:rPr lang="ru-RU" dirty="0">
+                <a:solidFill>
+                  <a:srgbClr val="DDDDDD"/>
+                </a:solidFill>
+              </a:rPr>
+              <a:t>— добавить задачу</a:t>
+            </a:r>
+            <a:r>
+              <a:rPr lang="en-US" dirty="0">
+                <a:solidFill>
+                  <a:srgbClr val="DDDDDD"/>
+                </a:solidFill>
+              </a:rPr>
+              <a:t>.	</a:t>
+            </a:r>
+            <a:r>
+              <a:rPr lang="ru-RU" dirty="0">
+                <a:solidFill>
+                  <a:srgbClr val="DDDDDD"/>
+                </a:solidFill>
+              </a:rPr>
+              <a:t>Принимает </a:t>
+            </a:r>
+            <a:r>
+              <a:rPr lang="ru-RU" dirty="0" err="1">
+                <a:solidFill>
+                  <a:srgbClr val="FF423F"/>
+                </a:solidFill>
+              </a:rPr>
+              <a:t>Runnable</a:t>
+            </a:r>
+            <a:r>
+              <a:rPr lang="ru-RU" dirty="0">
+                <a:solidFill>
+                  <a:srgbClr val="DDDDDD"/>
+                </a:solidFill>
+              </a:rPr>
+              <a:t> (без результата) или </a:t>
+            </a:r>
+            <a:r>
+              <a:rPr lang="ru-RU" dirty="0" err="1">
+                <a:solidFill>
+                  <a:srgbClr val="FF423F"/>
+                </a:solidFill>
+              </a:rPr>
+              <a:t>Callable</a:t>
+            </a:r>
+            <a:r>
+              <a:rPr lang="ru-RU" dirty="0">
+                <a:solidFill>
+                  <a:srgbClr val="DDDDDD"/>
+                </a:solidFill>
+              </a:rPr>
+              <a:t> (с результатом).</a:t>
+            </a:r>
+            <a:br>
+              <a:rPr lang="en-US" dirty="0">
+                <a:solidFill>
+                  <a:srgbClr val="DDDDDD"/>
+                </a:solidFill>
+              </a:rPr>
+            </a:br>
+            <a:r>
+              <a:rPr lang="en-US" dirty="0">
+                <a:solidFill>
+                  <a:srgbClr val="BC5CFF"/>
+                </a:solidFill>
+              </a:rPr>
+              <a:t>shutdown() </a:t>
+            </a:r>
+            <a:r>
+              <a:rPr lang="en-US" dirty="0">
+                <a:solidFill>
+                  <a:srgbClr val="DDDDDD"/>
+                </a:solidFill>
+              </a:rPr>
+              <a:t>— </a:t>
+            </a:r>
+            <a:r>
+              <a:rPr lang="ru-RU" dirty="0">
+                <a:solidFill>
+                  <a:srgbClr val="DDDDDD"/>
+                </a:solidFill>
+              </a:rPr>
+              <a:t>корректное завершение</a:t>
+            </a:r>
+            <a:r>
+              <a:rPr lang="en-US" dirty="0">
+                <a:solidFill>
+                  <a:srgbClr val="DDDDDD"/>
+                </a:solidFill>
+              </a:rPr>
+              <a:t>. </a:t>
+            </a:r>
+            <a:r>
+              <a:rPr lang="ru-RU" dirty="0">
+                <a:solidFill>
+                  <a:srgbClr val="DDDDDD"/>
+                </a:solidFill>
+              </a:rPr>
+              <a:t>Останавливает </a:t>
+            </a:r>
+            <a:r>
+              <a:rPr lang="ru-RU" dirty="0" err="1">
+                <a:solidFill>
+                  <a:srgbClr val="FF423F"/>
+                </a:solidFill>
+              </a:rPr>
+              <a:t>ExecutorService</a:t>
+            </a:r>
+            <a:r>
+              <a:rPr lang="ru-RU" dirty="0">
+                <a:solidFill>
+                  <a:srgbClr val="DDDDDD"/>
+                </a:solidFill>
+              </a:rPr>
+              <a:t>, но дожидается завершения всех задач.</a:t>
+            </a:r>
+            <a:br>
+              <a:rPr lang="en-US" dirty="0">
+                <a:solidFill>
+                  <a:srgbClr val="DDDDDD"/>
+                </a:solidFill>
+              </a:rPr>
+            </a:br>
+            <a:r>
+              <a:rPr lang="ru-RU" dirty="0" err="1">
+                <a:solidFill>
+                  <a:srgbClr val="BC5CFF"/>
+                </a:solidFill>
+              </a:rPr>
+              <a:t>shutdownNow</a:t>
+            </a:r>
+            <a:r>
+              <a:rPr lang="ru-RU" dirty="0">
+                <a:solidFill>
+                  <a:srgbClr val="BC5CFF"/>
+                </a:solidFill>
+              </a:rPr>
+              <a:t>() </a:t>
+            </a:r>
+            <a:r>
+              <a:rPr lang="ru-RU" dirty="0">
+                <a:solidFill>
+                  <a:srgbClr val="DDDDDD"/>
+                </a:solidFill>
+              </a:rPr>
+              <a:t>— принудительная остановка</a:t>
+            </a:r>
+            <a:r>
+              <a:rPr lang="en-US" dirty="0">
+                <a:solidFill>
+                  <a:srgbClr val="DDDDDD"/>
+                </a:solidFill>
+              </a:rPr>
+              <a:t>. </a:t>
+            </a:r>
+            <a:r>
+              <a:rPr lang="ru-RU" dirty="0">
+                <a:solidFill>
+                  <a:srgbClr val="DDDDDD"/>
+                </a:solidFill>
+              </a:rPr>
+              <a:t>Пытается остановить все выполняющиеся задачи (но не гарантирует).</a:t>
+            </a:r>
+            <a:br>
+              <a:rPr lang="en-US" dirty="0">
+                <a:solidFill>
+                  <a:srgbClr val="DDDDDD"/>
+                </a:solidFill>
+              </a:rPr>
+            </a:br>
+            <a:r>
+              <a:rPr lang="ru-RU" dirty="0" err="1">
+                <a:solidFill>
+                  <a:srgbClr val="BC5CFF"/>
+                </a:solidFill>
+              </a:rPr>
+              <a:t>awaitTermination</a:t>
+            </a:r>
+            <a:r>
+              <a:rPr lang="ru-RU" dirty="0">
+                <a:solidFill>
+                  <a:srgbClr val="BC5CFF"/>
+                </a:solidFill>
+              </a:rPr>
+              <a:t>() </a:t>
+            </a:r>
+            <a:r>
+              <a:rPr lang="ru-RU" dirty="0">
+                <a:solidFill>
+                  <a:srgbClr val="DDDDDD"/>
+                </a:solidFill>
+              </a:rPr>
+              <a:t>— ждём завершения</a:t>
+            </a:r>
+            <a:r>
+              <a:rPr lang="en-US" dirty="0">
+                <a:solidFill>
+                  <a:srgbClr val="DDDDDD"/>
+                </a:solidFill>
+              </a:rPr>
+              <a:t>. </a:t>
+            </a:r>
+            <a:r>
+              <a:rPr lang="ru-RU" dirty="0">
+                <a:solidFill>
+                  <a:srgbClr val="DDDDDD"/>
+                </a:solidFill>
+              </a:rPr>
+              <a:t>Блокирует текущий поток, пока все задачи не завершатся (или пока не истечёт таймаут).</a:t>
+            </a:r>
+            <a:endParaRPr lang="en-US" dirty="0">
+              <a:solidFill>
+                <a:srgbClr val="DDDDDD"/>
+              </a:solidFill>
+            </a:endParaRPr>
+          </a:p>
+        </p:txBody>
+      </p:sp>
+    </p:spTree>
+    <p:extLst>
+      <p:ext uri="{BB962C8B-B14F-4D97-AF65-F5344CB8AC3E}">
+        <p14:creationId xmlns:p14="http://schemas.microsoft.com/office/powerpoint/2010/main" val="365578748"/>
+      </p:ext>
+    </p:extLst>
+  </p:cSld>
+  <p:clrMapOvr>
+    <a:masterClrMapping/>
+  </p:clrMapOvr>
+</p:sld>
+</file>
+
+<file path=ppt/slides/slide50.xml><?xml version="1.0" encoding="utf-8"?>
 <p:sld xmlns:a="http://schemas.openxmlformats.org/drawingml/2006/main" xmlns:r="http://schemas.openxmlformats.org/officeDocument/2006/relationships" xmlns:p="http://schemas.openxmlformats.org/presentationml/2006/main">
   <p:cSld>
     <p:spTree>
@@ -41355,881 +42962,7 @@
 </p:sld>
 </file>
 
-<file path=ppt/slides/slide5.xml><?xml version="1.0" encoding="utf-8"?>
-<p:sld xmlns:a="http://schemas.openxmlformats.org/drawingml/2006/main" xmlns:r="http://schemas.openxmlformats.org/officeDocument/2006/relationships" xmlns:p="http://schemas.openxmlformats.org/presentationml/2006/main">
-  <p:cSld>
-    <p:spTree>
-      <p:nvGrpSpPr>
-        <p:cNvPr id="1" name=""/>
-        <p:cNvGrpSpPr/>
-        <p:nvPr/>
-      </p:nvGrpSpPr>
-      <p:grpSpPr>
-        <a:xfrm>
-          <a:off x="0" y="0"/>
-          <a:ext cx="0" cy="0"/>
-          <a:chOff x="0" y="0"/>
-          <a:chExt cx="0" cy="0"/>
-        </a:xfrm>
-      </p:grpSpPr>
-      <p:sp>
-        <p:nvSpPr>
-          <p:cNvPr id="2" name="Заголовок 1">
-            <a:extLst>
-              <a:ext uri="{FF2B5EF4-FFF2-40B4-BE49-F238E27FC236}">
-                <a16:creationId xmlns:a16="http://schemas.microsoft.com/office/drawing/2014/main" id="{2B1223E2-F313-984D-1EA8-D326A79AEED1}"/>
-              </a:ext>
-            </a:extLst>
-          </p:cNvPr>
-          <p:cNvSpPr>
-            <a:spLocks noGrp="1"/>
-          </p:cNvSpPr>
-          <p:nvPr>
-            <p:ph type="title"/>
-          </p:nvPr>
-        </p:nvSpPr>
-        <p:spPr/>
-        <p:txBody>
-          <a:bodyPr/>
-          <a:lstStyle/>
-          <a:p>
-            <a:r>
-              <a:rPr lang="en-US" b="1" i="1" dirty="0" err="1">
-                <a:effectLst/>
-                <a:latin typeface="Arial" panose="020B0604020202020204" pitchFamily="34" charset="0"/>
-              </a:rPr>
-              <a:t>ExecutorService</a:t>
-            </a:r>
-            <a:r>
-              <a:rPr lang="en-US" b="0" i="0" dirty="0">
-                <a:solidFill>
-                  <a:srgbClr val="DDDDDD"/>
-                </a:solidFill>
-                <a:effectLst/>
-                <a:latin typeface="Arial" panose="020B0604020202020204" pitchFamily="34" charset="0"/>
-              </a:rPr>
-              <a:t> </a:t>
-            </a:r>
-            <a:endParaRPr lang="ru-RU" dirty="0"/>
-          </a:p>
-        </p:txBody>
-      </p:sp>
-      <p:sp>
-        <p:nvSpPr>
-          <p:cNvPr id="6" name="Объект 2">
-            <a:extLst>
-              <a:ext uri="{FF2B5EF4-FFF2-40B4-BE49-F238E27FC236}">
-                <a16:creationId xmlns:a16="http://schemas.microsoft.com/office/drawing/2014/main" id="{0C4CE4D0-ACE7-0A5E-8357-1936211ED885}"/>
-              </a:ext>
-            </a:extLst>
-          </p:cNvPr>
-          <p:cNvSpPr txBox="1">
-            <a:spLocks/>
-          </p:cNvSpPr>
-          <p:nvPr/>
-        </p:nvSpPr>
-        <p:spPr>
-          <a:xfrm>
-            <a:off x="515939" y="657225"/>
-            <a:ext cx="11160124" cy="1638786"/>
-          </a:xfrm>
-          <a:prstGeom prst="rect">
-            <a:avLst/>
-          </a:prstGeom>
-          <a:solidFill>
-            <a:srgbClr val="171717"/>
-          </a:solidFill>
-        </p:spPr>
-        <p:txBody>
-          <a:bodyPr vert="horz" lIns="91440" tIns="45720" rIns="91440" bIns="45720" rtlCol="0">
-            <a:normAutofit/>
-          </a:bodyPr>
-          <a:lstStyle>
-            <a:lvl1pPr marL="228600" indent="-228600" algn="l" defTabSz="914400" rtl="0" eaLnBrk="1" latinLnBrk="0" hangingPunct="1">
-              <a:lnSpc>
-                <a:spcPct val="90000"/>
-              </a:lnSpc>
-              <a:spcBef>
-                <a:spcPts val="1000"/>
-              </a:spcBef>
-              <a:buFont typeface="Arial" panose="020B0604020202020204" pitchFamily="34" charset="0"/>
-              <a:buChar char="•"/>
-              <a:defRPr sz="1600" kern="1200">
-                <a:solidFill>
-                  <a:schemeClr val="tx1"/>
-                </a:solidFill>
-                <a:latin typeface="Arial" panose="020B0604020202020204" pitchFamily="34" charset="0"/>
-                <a:ea typeface="+mn-ea"/>
-                <a:cs typeface="Arial" panose="020B0604020202020204" pitchFamily="34" charset="0"/>
-              </a:defRPr>
-            </a:lvl1pPr>
-            <a:lvl2pPr marL="685800" indent="-228600" algn="l" defTabSz="914400" rtl="0" eaLnBrk="1" latinLnBrk="0" hangingPunct="1">
-              <a:lnSpc>
-                <a:spcPct val="90000"/>
-              </a:lnSpc>
-              <a:spcBef>
-                <a:spcPts val="500"/>
-              </a:spcBef>
-              <a:buFont typeface="Arial" panose="020B0604020202020204" pitchFamily="34" charset="0"/>
-              <a:buChar char="•"/>
-              <a:defRPr sz="1600" kern="1200">
-                <a:solidFill>
-                  <a:schemeClr val="tx1"/>
-                </a:solidFill>
-                <a:latin typeface="Arial" panose="020B0604020202020204" pitchFamily="34" charset="0"/>
-                <a:ea typeface="+mn-ea"/>
-                <a:cs typeface="Arial" panose="020B0604020202020204" pitchFamily="34" charset="0"/>
-              </a:defRPr>
-            </a:lvl2pPr>
-            <a:lvl3pPr marL="1143000" indent="-228600" algn="l" defTabSz="914400" rtl="0" eaLnBrk="1" latinLnBrk="0" hangingPunct="1">
-              <a:lnSpc>
-                <a:spcPct val="90000"/>
-              </a:lnSpc>
-              <a:spcBef>
-                <a:spcPts val="500"/>
-              </a:spcBef>
-              <a:buFont typeface="Arial" panose="020B0604020202020204" pitchFamily="34" charset="0"/>
-              <a:buChar char="•"/>
-              <a:defRPr sz="1600" kern="1200">
-                <a:solidFill>
-                  <a:schemeClr val="tx1"/>
-                </a:solidFill>
-                <a:latin typeface="Arial" panose="020B0604020202020204" pitchFamily="34" charset="0"/>
-                <a:ea typeface="+mn-ea"/>
-                <a:cs typeface="Arial" panose="020B0604020202020204" pitchFamily="34" charset="0"/>
-              </a:defRPr>
-            </a:lvl3pPr>
-            <a:lvl4pPr marL="1600200" indent="-228600" algn="l" defTabSz="914400" rtl="0" eaLnBrk="1" latinLnBrk="0" hangingPunct="1">
-              <a:lnSpc>
-                <a:spcPct val="90000"/>
-              </a:lnSpc>
-              <a:spcBef>
-                <a:spcPts val="500"/>
-              </a:spcBef>
-              <a:buFont typeface="Arial" panose="020B0604020202020204" pitchFamily="34" charset="0"/>
-              <a:buChar char="•"/>
-              <a:defRPr sz="1400" kern="1200">
-                <a:solidFill>
-                  <a:schemeClr val="tx1"/>
-                </a:solidFill>
-                <a:latin typeface="Arial" panose="020B0604020202020204" pitchFamily="34" charset="0"/>
-                <a:ea typeface="+mn-ea"/>
-                <a:cs typeface="Arial" panose="020B0604020202020204" pitchFamily="34" charset="0"/>
-              </a:defRPr>
-            </a:lvl4pPr>
-            <a:lvl5pPr marL="2057400" indent="-228600" algn="l" defTabSz="914400" rtl="0" eaLnBrk="1" latinLnBrk="0" hangingPunct="1">
-              <a:lnSpc>
-                <a:spcPct val="90000"/>
-              </a:lnSpc>
-              <a:spcBef>
-                <a:spcPts val="500"/>
-              </a:spcBef>
-              <a:buFont typeface="Arial" panose="020B0604020202020204" pitchFamily="34" charset="0"/>
-              <a:buChar char="•"/>
-              <a:defRPr sz="1400" kern="1200">
-                <a:solidFill>
-                  <a:schemeClr val="tx1"/>
-                </a:solidFill>
-                <a:latin typeface="Arial" panose="020B0604020202020204" pitchFamily="34" charset="0"/>
-                <a:ea typeface="+mn-ea"/>
-                <a:cs typeface="Arial" panose="020B0604020202020204" pitchFamily="34" charset="0"/>
-              </a:defRPr>
-            </a:lvl5pPr>
-            <a:lvl6pPr marL="2514600" indent="-228600" algn="l" defTabSz="914400" rtl="0" eaLnBrk="1" latinLnBrk="0" hangingPunct="1">
-              <a:lnSpc>
-                <a:spcPct val="90000"/>
-              </a:lnSpc>
-              <a:spcBef>
-                <a:spcPts val="500"/>
-              </a:spcBef>
-              <a:buFont typeface="Arial" panose="020B0604020202020204" pitchFamily="34" charset="0"/>
-              <a:buChar char="•"/>
-              <a:defRPr sz="1800" kern="1200">
-                <a:solidFill>
-                  <a:schemeClr val="tx1"/>
-                </a:solidFill>
-                <a:latin typeface="+mn-lt"/>
-                <a:ea typeface="+mn-ea"/>
-                <a:cs typeface="+mn-cs"/>
-              </a:defRPr>
-            </a:lvl6pPr>
-            <a:lvl7pPr marL="2971800" indent="-228600" algn="l" defTabSz="914400" rtl="0" eaLnBrk="1" latinLnBrk="0" hangingPunct="1">
-              <a:lnSpc>
-                <a:spcPct val="90000"/>
-              </a:lnSpc>
-              <a:spcBef>
-                <a:spcPts val="500"/>
-              </a:spcBef>
-              <a:buFont typeface="Arial" panose="020B0604020202020204" pitchFamily="34" charset="0"/>
-              <a:buChar char="•"/>
-              <a:defRPr sz="1800" kern="1200">
-                <a:solidFill>
-                  <a:schemeClr val="tx1"/>
-                </a:solidFill>
-                <a:latin typeface="+mn-lt"/>
-                <a:ea typeface="+mn-ea"/>
-                <a:cs typeface="+mn-cs"/>
-              </a:defRPr>
-            </a:lvl7pPr>
-            <a:lvl8pPr marL="3429000" indent="-228600" algn="l" defTabSz="914400" rtl="0" eaLnBrk="1" latinLnBrk="0" hangingPunct="1">
-              <a:lnSpc>
-                <a:spcPct val="90000"/>
-              </a:lnSpc>
-              <a:spcBef>
-                <a:spcPts val="500"/>
-              </a:spcBef>
-              <a:buFont typeface="Arial" panose="020B0604020202020204" pitchFamily="34" charset="0"/>
-              <a:buChar char="•"/>
-              <a:defRPr sz="1800" kern="1200">
-                <a:solidFill>
-                  <a:schemeClr val="tx1"/>
-                </a:solidFill>
-                <a:latin typeface="+mn-lt"/>
-                <a:ea typeface="+mn-ea"/>
-                <a:cs typeface="+mn-cs"/>
-              </a:defRPr>
-            </a:lvl8pPr>
-            <a:lvl9pPr marL="3886200" indent="-228600" algn="l" defTabSz="914400" rtl="0" eaLnBrk="1" latinLnBrk="0" hangingPunct="1">
-              <a:lnSpc>
-                <a:spcPct val="90000"/>
-              </a:lnSpc>
-              <a:spcBef>
-                <a:spcPts val="500"/>
-              </a:spcBef>
-              <a:buFont typeface="Arial" panose="020B0604020202020204" pitchFamily="34" charset="0"/>
-              <a:buChar char="•"/>
-              <a:defRPr sz="1800" kern="1200">
-                <a:solidFill>
-                  <a:schemeClr val="tx1"/>
-                </a:solidFill>
-                <a:latin typeface="+mn-lt"/>
-                <a:ea typeface="+mn-ea"/>
-                <a:cs typeface="+mn-cs"/>
-              </a:defRPr>
-            </a:lvl9pPr>
-          </a:lstStyle>
-          <a:p>
-            <a:pPr marL="0" indent="0" algn="l">
-              <a:buNone/>
-            </a:pPr>
-            <a:r>
-              <a:rPr lang="en-US" b="1" i="1" dirty="0" err="1">
-                <a:solidFill>
-                  <a:srgbClr val="BC5CFF"/>
-                </a:solidFill>
-                <a:effectLst/>
-                <a:latin typeface="Arial" panose="020B0604020202020204" pitchFamily="34" charset="0"/>
-              </a:rPr>
-              <a:t>ExecutorService</a:t>
-            </a:r>
-            <a:r>
-              <a:rPr lang="en-US" b="1" i="1" dirty="0">
-                <a:effectLst/>
-                <a:latin typeface="Arial" panose="020B0604020202020204" pitchFamily="34" charset="0"/>
-              </a:rPr>
-              <a:t> </a:t>
-            </a:r>
-            <a:r>
-              <a:rPr lang="ru-RU" b="1" i="1" dirty="0">
-                <a:effectLst/>
-                <a:latin typeface="Arial" panose="020B0604020202020204" pitchFamily="34" charset="0"/>
-              </a:rPr>
-              <a:t> - </a:t>
-            </a:r>
-            <a:r>
-              <a:rPr lang="ru-RU" dirty="0">
-                <a:solidFill>
-                  <a:srgbClr val="DDDDDD"/>
-                </a:solidFill>
-              </a:rPr>
-              <a:t>Это высокоуровневый инструмент в Java для управления потоками (</a:t>
-            </a:r>
-            <a:r>
-              <a:rPr lang="ru-RU" dirty="0" err="1">
-                <a:solidFill>
-                  <a:srgbClr val="FF423F"/>
-                </a:solidFill>
-              </a:rPr>
-              <a:t>threads</a:t>
-            </a:r>
-            <a:r>
-              <a:rPr lang="ru-RU" dirty="0">
-                <a:solidFill>
-                  <a:srgbClr val="DDDDDD"/>
-                </a:solidFill>
-              </a:rPr>
-              <a:t>). Вместо того чтобы вручную создавать и управлять потоками (как с </a:t>
-            </a:r>
-            <a:r>
-              <a:rPr lang="ru-RU" dirty="0" err="1">
-                <a:solidFill>
-                  <a:srgbClr val="FF423F"/>
-                </a:solidFill>
-              </a:rPr>
-              <a:t>Thread</a:t>
-            </a:r>
-            <a:r>
-              <a:rPr lang="ru-RU" dirty="0">
-                <a:solidFill>
-                  <a:srgbClr val="DDDDDD"/>
-                </a:solidFill>
-              </a:rPr>
-              <a:t>), мы просто говорим </a:t>
-            </a:r>
-            <a:r>
-              <a:rPr lang="ru-RU" dirty="0" err="1">
-                <a:solidFill>
-                  <a:srgbClr val="FF423F"/>
-                </a:solidFill>
-              </a:rPr>
-              <a:t>ExecutorService</a:t>
-            </a:r>
-            <a:r>
-              <a:rPr lang="ru-RU" dirty="0">
-                <a:solidFill>
-                  <a:srgbClr val="DDDDDD"/>
-                </a:solidFill>
-              </a:rPr>
-              <a:t>:</a:t>
-            </a:r>
-          </a:p>
-          <a:p>
-            <a:r>
-              <a:rPr lang="ru-RU" dirty="0">
-                <a:solidFill>
-                  <a:srgbClr val="DDDDDD"/>
-                </a:solidFill>
-              </a:rPr>
-              <a:t>Упрощает многопоточность.</a:t>
-            </a:r>
-          </a:p>
-          <a:p>
-            <a:r>
-              <a:rPr lang="ru-RU" dirty="0">
-                <a:solidFill>
-                  <a:srgbClr val="DDDDDD"/>
-                </a:solidFill>
-              </a:rPr>
-              <a:t>Автоматически управляет пулом потоков.</a:t>
-            </a:r>
-          </a:p>
-          <a:p>
-            <a:r>
-              <a:rPr lang="ru-RU" dirty="0">
-                <a:solidFill>
-                  <a:srgbClr val="DDDDDD"/>
-                </a:solidFill>
-              </a:rPr>
-              <a:t>Позволяет эффективно распределять задачи.</a:t>
-            </a:r>
-            <a:endParaRPr lang="en-US" dirty="0">
-              <a:solidFill>
-                <a:srgbClr val="DDDDDD"/>
-              </a:solidFill>
-            </a:endParaRPr>
-          </a:p>
-        </p:txBody>
-      </p:sp>
-      <p:pic>
-        <p:nvPicPr>
-          <p:cNvPr id="11" name="Рисунок 10">
-            <a:extLst>
-              <a:ext uri="{FF2B5EF4-FFF2-40B4-BE49-F238E27FC236}">
-                <a16:creationId xmlns:a16="http://schemas.microsoft.com/office/drawing/2014/main" id="{996F380D-EEC6-96D5-3DBA-9F9814DD34A8}"/>
-              </a:ext>
-            </a:extLst>
-          </p:cNvPr>
-          <p:cNvPicPr>
-            <a:picLocks noChangeAspect="1"/>
-          </p:cNvPicPr>
-          <p:nvPr/>
-        </p:nvPicPr>
-        <p:blipFill>
-          <a:blip r:embed="rId3"/>
-          <a:stretch>
-            <a:fillRect/>
-          </a:stretch>
-        </p:blipFill>
-        <p:spPr>
-          <a:xfrm>
-            <a:off x="515938" y="2296011"/>
-            <a:ext cx="11147718" cy="2347338"/>
-          </a:xfrm>
-          <a:prstGeom prst="rect">
-            <a:avLst/>
-          </a:prstGeom>
-        </p:spPr>
-      </p:pic>
-      <p:sp>
-        <p:nvSpPr>
-          <p:cNvPr id="12" name="Объект 2">
-            <a:extLst>
-              <a:ext uri="{FF2B5EF4-FFF2-40B4-BE49-F238E27FC236}">
-                <a16:creationId xmlns:a16="http://schemas.microsoft.com/office/drawing/2014/main" id="{1AFC1EB3-FDAA-A1AF-D25C-291F815BB9E1}"/>
-              </a:ext>
-            </a:extLst>
-          </p:cNvPr>
-          <p:cNvSpPr txBox="1">
-            <a:spLocks/>
-          </p:cNvSpPr>
-          <p:nvPr/>
-        </p:nvSpPr>
-        <p:spPr>
-          <a:xfrm>
-            <a:off x="528344" y="4643350"/>
-            <a:ext cx="11160124" cy="2214650"/>
-          </a:xfrm>
-          <a:prstGeom prst="rect">
-            <a:avLst/>
-          </a:prstGeom>
-          <a:solidFill>
-            <a:srgbClr val="171717"/>
-          </a:solidFill>
-        </p:spPr>
-        <p:txBody>
-          <a:bodyPr vert="horz" lIns="91440" tIns="45720" rIns="91440" bIns="45720" rtlCol="0">
-            <a:normAutofit/>
-          </a:bodyPr>
-          <a:lstStyle>
-            <a:lvl1pPr marL="228600" indent="-228600" algn="l" defTabSz="914400" rtl="0" eaLnBrk="1" latinLnBrk="0" hangingPunct="1">
-              <a:lnSpc>
-                <a:spcPct val="90000"/>
-              </a:lnSpc>
-              <a:spcBef>
-                <a:spcPts val="1000"/>
-              </a:spcBef>
-              <a:buFont typeface="Arial" panose="020B0604020202020204" pitchFamily="34" charset="0"/>
-              <a:buChar char="•"/>
-              <a:defRPr sz="1600" kern="1200">
-                <a:solidFill>
-                  <a:schemeClr val="tx1"/>
-                </a:solidFill>
-                <a:latin typeface="Arial" panose="020B0604020202020204" pitchFamily="34" charset="0"/>
-                <a:ea typeface="+mn-ea"/>
-                <a:cs typeface="Arial" panose="020B0604020202020204" pitchFamily="34" charset="0"/>
-              </a:defRPr>
-            </a:lvl1pPr>
-            <a:lvl2pPr marL="685800" indent="-228600" algn="l" defTabSz="914400" rtl="0" eaLnBrk="1" latinLnBrk="0" hangingPunct="1">
-              <a:lnSpc>
-                <a:spcPct val="90000"/>
-              </a:lnSpc>
-              <a:spcBef>
-                <a:spcPts val="500"/>
-              </a:spcBef>
-              <a:buFont typeface="Arial" panose="020B0604020202020204" pitchFamily="34" charset="0"/>
-              <a:buChar char="•"/>
-              <a:defRPr sz="1600" kern="1200">
-                <a:solidFill>
-                  <a:schemeClr val="tx1"/>
-                </a:solidFill>
-                <a:latin typeface="Arial" panose="020B0604020202020204" pitchFamily="34" charset="0"/>
-                <a:ea typeface="+mn-ea"/>
-                <a:cs typeface="Arial" panose="020B0604020202020204" pitchFamily="34" charset="0"/>
-              </a:defRPr>
-            </a:lvl2pPr>
-            <a:lvl3pPr marL="1143000" indent="-228600" algn="l" defTabSz="914400" rtl="0" eaLnBrk="1" latinLnBrk="0" hangingPunct="1">
-              <a:lnSpc>
-                <a:spcPct val="90000"/>
-              </a:lnSpc>
-              <a:spcBef>
-                <a:spcPts val="500"/>
-              </a:spcBef>
-              <a:buFont typeface="Arial" panose="020B0604020202020204" pitchFamily="34" charset="0"/>
-              <a:buChar char="•"/>
-              <a:defRPr sz="1600" kern="1200">
-                <a:solidFill>
-                  <a:schemeClr val="tx1"/>
-                </a:solidFill>
-                <a:latin typeface="Arial" panose="020B0604020202020204" pitchFamily="34" charset="0"/>
-                <a:ea typeface="+mn-ea"/>
-                <a:cs typeface="Arial" panose="020B0604020202020204" pitchFamily="34" charset="0"/>
-              </a:defRPr>
-            </a:lvl3pPr>
-            <a:lvl4pPr marL="1600200" indent="-228600" algn="l" defTabSz="914400" rtl="0" eaLnBrk="1" latinLnBrk="0" hangingPunct="1">
-              <a:lnSpc>
-                <a:spcPct val="90000"/>
-              </a:lnSpc>
-              <a:spcBef>
-                <a:spcPts val="500"/>
-              </a:spcBef>
-              <a:buFont typeface="Arial" panose="020B0604020202020204" pitchFamily="34" charset="0"/>
-              <a:buChar char="•"/>
-              <a:defRPr sz="1400" kern="1200">
-                <a:solidFill>
-                  <a:schemeClr val="tx1"/>
-                </a:solidFill>
-                <a:latin typeface="Arial" panose="020B0604020202020204" pitchFamily="34" charset="0"/>
-                <a:ea typeface="+mn-ea"/>
-                <a:cs typeface="Arial" panose="020B0604020202020204" pitchFamily="34" charset="0"/>
-              </a:defRPr>
-            </a:lvl4pPr>
-            <a:lvl5pPr marL="2057400" indent="-228600" algn="l" defTabSz="914400" rtl="0" eaLnBrk="1" latinLnBrk="0" hangingPunct="1">
-              <a:lnSpc>
-                <a:spcPct val="90000"/>
-              </a:lnSpc>
-              <a:spcBef>
-                <a:spcPts val="500"/>
-              </a:spcBef>
-              <a:buFont typeface="Arial" panose="020B0604020202020204" pitchFamily="34" charset="0"/>
-              <a:buChar char="•"/>
-              <a:defRPr sz="1400" kern="1200">
-                <a:solidFill>
-                  <a:schemeClr val="tx1"/>
-                </a:solidFill>
-                <a:latin typeface="Arial" panose="020B0604020202020204" pitchFamily="34" charset="0"/>
-                <a:ea typeface="+mn-ea"/>
-                <a:cs typeface="Arial" panose="020B0604020202020204" pitchFamily="34" charset="0"/>
-              </a:defRPr>
-            </a:lvl5pPr>
-            <a:lvl6pPr marL="2514600" indent="-228600" algn="l" defTabSz="914400" rtl="0" eaLnBrk="1" latinLnBrk="0" hangingPunct="1">
-              <a:lnSpc>
-                <a:spcPct val="90000"/>
-              </a:lnSpc>
-              <a:spcBef>
-                <a:spcPts val="500"/>
-              </a:spcBef>
-              <a:buFont typeface="Arial" panose="020B0604020202020204" pitchFamily="34" charset="0"/>
-              <a:buChar char="•"/>
-              <a:defRPr sz="1800" kern="1200">
-                <a:solidFill>
-                  <a:schemeClr val="tx1"/>
-                </a:solidFill>
-                <a:latin typeface="+mn-lt"/>
-                <a:ea typeface="+mn-ea"/>
-                <a:cs typeface="+mn-cs"/>
-              </a:defRPr>
-            </a:lvl6pPr>
-            <a:lvl7pPr marL="2971800" indent="-228600" algn="l" defTabSz="914400" rtl="0" eaLnBrk="1" latinLnBrk="0" hangingPunct="1">
-              <a:lnSpc>
-                <a:spcPct val="90000"/>
-              </a:lnSpc>
-              <a:spcBef>
-                <a:spcPts val="500"/>
-              </a:spcBef>
-              <a:buFont typeface="Arial" panose="020B0604020202020204" pitchFamily="34" charset="0"/>
-              <a:buChar char="•"/>
-              <a:defRPr sz="1800" kern="1200">
-                <a:solidFill>
-                  <a:schemeClr val="tx1"/>
-                </a:solidFill>
-                <a:latin typeface="+mn-lt"/>
-                <a:ea typeface="+mn-ea"/>
-                <a:cs typeface="+mn-cs"/>
-              </a:defRPr>
-            </a:lvl7pPr>
-            <a:lvl8pPr marL="3429000" indent="-228600" algn="l" defTabSz="914400" rtl="0" eaLnBrk="1" latinLnBrk="0" hangingPunct="1">
-              <a:lnSpc>
-                <a:spcPct val="90000"/>
-              </a:lnSpc>
-              <a:spcBef>
-                <a:spcPts val="500"/>
-              </a:spcBef>
-              <a:buFont typeface="Arial" panose="020B0604020202020204" pitchFamily="34" charset="0"/>
-              <a:buChar char="•"/>
-              <a:defRPr sz="1800" kern="1200">
-                <a:solidFill>
-                  <a:schemeClr val="tx1"/>
-                </a:solidFill>
-                <a:latin typeface="+mn-lt"/>
-                <a:ea typeface="+mn-ea"/>
-                <a:cs typeface="+mn-cs"/>
-              </a:defRPr>
-            </a:lvl8pPr>
-            <a:lvl9pPr marL="3886200" indent="-228600" algn="l" defTabSz="914400" rtl="0" eaLnBrk="1" latinLnBrk="0" hangingPunct="1">
-              <a:lnSpc>
-                <a:spcPct val="90000"/>
-              </a:lnSpc>
-              <a:spcBef>
-                <a:spcPts val="500"/>
-              </a:spcBef>
-              <a:buFont typeface="Arial" panose="020B0604020202020204" pitchFamily="34" charset="0"/>
-              <a:buChar char="•"/>
-              <a:defRPr sz="1800" kern="1200">
-                <a:solidFill>
-                  <a:schemeClr val="tx1"/>
-                </a:solidFill>
-                <a:latin typeface="+mn-lt"/>
-                <a:ea typeface="+mn-ea"/>
-                <a:cs typeface="+mn-cs"/>
-              </a:defRPr>
-            </a:lvl9pPr>
-          </a:lstStyle>
-          <a:p>
-            <a:pPr marL="0" indent="0" algn="l">
-              <a:buNone/>
-            </a:pPr>
-            <a:r>
-              <a:rPr lang="ru-RU" dirty="0">
-                <a:solidFill>
-                  <a:srgbClr val="DDDDDD"/>
-                </a:solidFill>
-              </a:rPr>
-              <a:t>Основные методы</a:t>
-            </a:r>
-            <a:endParaRPr lang="en-US" dirty="0">
-              <a:solidFill>
-                <a:srgbClr val="DDDDDD"/>
-              </a:solidFill>
-            </a:endParaRPr>
-          </a:p>
-          <a:p>
-            <a:pPr marL="0" indent="0" algn="l">
-              <a:lnSpc>
-                <a:spcPct val="100000"/>
-              </a:lnSpc>
-              <a:buNone/>
-            </a:pPr>
-            <a:r>
-              <a:rPr lang="ru-RU" dirty="0" err="1">
-                <a:solidFill>
-                  <a:srgbClr val="BC5CFF"/>
-                </a:solidFill>
-              </a:rPr>
-              <a:t>submit</a:t>
-            </a:r>
-            <a:r>
-              <a:rPr lang="ru-RU" dirty="0">
-                <a:solidFill>
-                  <a:srgbClr val="BC5CFF"/>
-                </a:solidFill>
-              </a:rPr>
-              <a:t>() </a:t>
-            </a:r>
-            <a:r>
-              <a:rPr lang="ru-RU" dirty="0">
-                <a:solidFill>
-                  <a:srgbClr val="DDDDDD"/>
-                </a:solidFill>
-              </a:rPr>
-              <a:t>— добавить задачу</a:t>
-            </a:r>
-            <a:r>
-              <a:rPr lang="en-US" dirty="0">
-                <a:solidFill>
-                  <a:srgbClr val="DDDDDD"/>
-                </a:solidFill>
-              </a:rPr>
-              <a:t>.	</a:t>
-            </a:r>
-            <a:r>
-              <a:rPr lang="ru-RU" dirty="0">
-                <a:solidFill>
-                  <a:srgbClr val="DDDDDD"/>
-                </a:solidFill>
-              </a:rPr>
-              <a:t>Принимает </a:t>
-            </a:r>
-            <a:r>
-              <a:rPr lang="ru-RU" dirty="0" err="1">
-                <a:solidFill>
-                  <a:srgbClr val="FF423F"/>
-                </a:solidFill>
-              </a:rPr>
-              <a:t>Runnable</a:t>
-            </a:r>
-            <a:r>
-              <a:rPr lang="ru-RU" dirty="0">
-                <a:solidFill>
-                  <a:srgbClr val="DDDDDD"/>
-                </a:solidFill>
-              </a:rPr>
-              <a:t> (без результата) или </a:t>
-            </a:r>
-            <a:r>
-              <a:rPr lang="ru-RU" dirty="0" err="1">
-                <a:solidFill>
-                  <a:srgbClr val="FF423F"/>
-                </a:solidFill>
-              </a:rPr>
-              <a:t>Callable</a:t>
-            </a:r>
-            <a:r>
-              <a:rPr lang="ru-RU" dirty="0">
-                <a:solidFill>
-                  <a:srgbClr val="DDDDDD"/>
-                </a:solidFill>
-              </a:rPr>
-              <a:t> (с результатом).</a:t>
-            </a:r>
-            <a:br>
-              <a:rPr lang="en-US" dirty="0">
-                <a:solidFill>
-                  <a:srgbClr val="DDDDDD"/>
-                </a:solidFill>
-              </a:rPr>
-            </a:br>
-            <a:r>
-              <a:rPr lang="en-US" dirty="0">
-                <a:solidFill>
-                  <a:srgbClr val="BC5CFF"/>
-                </a:solidFill>
-              </a:rPr>
-              <a:t>shutdown() </a:t>
-            </a:r>
-            <a:r>
-              <a:rPr lang="en-US" dirty="0">
-                <a:solidFill>
-                  <a:srgbClr val="DDDDDD"/>
-                </a:solidFill>
-              </a:rPr>
-              <a:t>— </a:t>
-            </a:r>
-            <a:r>
-              <a:rPr lang="ru-RU" dirty="0">
-                <a:solidFill>
-                  <a:srgbClr val="DDDDDD"/>
-                </a:solidFill>
-              </a:rPr>
-              <a:t>корректное завершение</a:t>
-            </a:r>
-            <a:r>
-              <a:rPr lang="en-US" dirty="0">
-                <a:solidFill>
-                  <a:srgbClr val="DDDDDD"/>
-                </a:solidFill>
-              </a:rPr>
-              <a:t>. </a:t>
-            </a:r>
-            <a:r>
-              <a:rPr lang="ru-RU" dirty="0">
-                <a:solidFill>
-                  <a:srgbClr val="DDDDDD"/>
-                </a:solidFill>
-              </a:rPr>
-              <a:t>Останавливает </a:t>
-            </a:r>
-            <a:r>
-              <a:rPr lang="ru-RU" dirty="0" err="1">
-                <a:solidFill>
-                  <a:srgbClr val="FF423F"/>
-                </a:solidFill>
-              </a:rPr>
-              <a:t>ExecutorService</a:t>
-            </a:r>
-            <a:r>
-              <a:rPr lang="ru-RU" dirty="0">
-                <a:solidFill>
-                  <a:srgbClr val="DDDDDD"/>
-                </a:solidFill>
-              </a:rPr>
-              <a:t>, но дожидается завершения всех задач.</a:t>
-            </a:r>
-            <a:br>
-              <a:rPr lang="en-US" dirty="0">
-                <a:solidFill>
-                  <a:srgbClr val="DDDDDD"/>
-                </a:solidFill>
-              </a:rPr>
-            </a:br>
-            <a:r>
-              <a:rPr lang="ru-RU" dirty="0" err="1">
-                <a:solidFill>
-                  <a:srgbClr val="BC5CFF"/>
-                </a:solidFill>
-              </a:rPr>
-              <a:t>shutdownNow</a:t>
-            </a:r>
-            <a:r>
-              <a:rPr lang="ru-RU" dirty="0">
-                <a:solidFill>
-                  <a:srgbClr val="BC5CFF"/>
-                </a:solidFill>
-              </a:rPr>
-              <a:t>() </a:t>
-            </a:r>
-            <a:r>
-              <a:rPr lang="ru-RU" dirty="0">
-                <a:solidFill>
-                  <a:srgbClr val="DDDDDD"/>
-                </a:solidFill>
-              </a:rPr>
-              <a:t>— принудительная остановка</a:t>
-            </a:r>
-            <a:r>
-              <a:rPr lang="en-US" dirty="0">
-                <a:solidFill>
-                  <a:srgbClr val="DDDDDD"/>
-                </a:solidFill>
-              </a:rPr>
-              <a:t>. </a:t>
-            </a:r>
-            <a:r>
-              <a:rPr lang="ru-RU" dirty="0">
-                <a:solidFill>
-                  <a:srgbClr val="DDDDDD"/>
-                </a:solidFill>
-              </a:rPr>
-              <a:t>Пытается остановить все выполняющиеся задачи (но не гарантирует).</a:t>
-            </a:r>
-            <a:br>
-              <a:rPr lang="en-US" dirty="0">
-                <a:solidFill>
-                  <a:srgbClr val="DDDDDD"/>
-                </a:solidFill>
-              </a:rPr>
-            </a:br>
-            <a:r>
-              <a:rPr lang="ru-RU" dirty="0" err="1">
-                <a:solidFill>
-                  <a:srgbClr val="BC5CFF"/>
-                </a:solidFill>
-              </a:rPr>
-              <a:t>awaitTermination</a:t>
-            </a:r>
-            <a:r>
-              <a:rPr lang="ru-RU" dirty="0">
-                <a:solidFill>
-                  <a:srgbClr val="BC5CFF"/>
-                </a:solidFill>
-              </a:rPr>
-              <a:t>() </a:t>
-            </a:r>
-            <a:r>
-              <a:rPr lang="ru-RU" dirty="0">
-                <a:solidFill>
-                  <a:srgbClr val="DDDDDD"/>
-                </a:solidFill>
-              </a:rPr>
-              <a:t>— ждём завершения</a:t>
-            </a:r>
-            <a:r>
-              <a:rPr lang="en-US" dirty="0">
-                <a:solidFill>
-                  <a:srgbClr val="DDDDDD"/>
-                </a:solidFill>
-              </a:rPr>
-              <a:t>. </a:t>
-            </a:r>
-            <a:r>
-              <a:rPr lang="ru-RU" dirty="0">
-                <a:solidFill>
-                  <a:srgbClr val="DDDDDD"/>
-                </a:solidFill>
-              </a:rPr>
-              <a:t>Блокирует текущий поток, пока все задачи не завершатся (или пока не истечёт таймаут).</a:t>
-            </a:r>
-            <a:endParaRPr lang="en-US" dirty="0">
-              <a:solidFill>
-                <a:srgbClr val="DDDDDD"/>
-              </a:solidFill>
-            </a:endParaRPr>
-          </a:p>
-        </p:txBody>
-      </p:sp>
-    </p:spTree>
-    <p:extLst>
-      <p:ext uri="{BB962C8B-B14F-4D97-AF65-F5344CB8AC3E}">
-        <p14:creationId xmlns:p14="http://schemas.microsoft.com/office/powerpoint/2010/main" val="365578748"/>
-      </p:ext>
-    </p:extLst>
-  </p:cSld>
-  <p:clrMapOvr>
-    <a:masterClrMapping/>
-  </p:clrMapOvr>
-</p:sld>
-</file>
-
-<file path=ppt/slides/slide50.xml><?xml version="1.0" encoding="utf-8"?>
+<file path=ppt/slides/slide51.xml><?xml version="1.0" encoding="utf-8"?>
 <p:sld xmlns:a="http://schemas.openxmlformats.org/drawingml/2006/main" xmlns:r="http://schemas.openxmlformats.org/officeDocument/2006/relationships" xmlns:p="http://schemas.openxmlformats.org/presentationml/2006/main">
   <p:cSld>
     <p:spTree>
@@ -42510,7 +43243,7 @@
 </p:sld>
 </file>
 
-<file path=ppt/slides/slide51.xml><?xml version="1.0" encoding="utf-8"?>
+<file path=ppt/slides/slide52.xml><?xml version="1.0" encoding="utf-8"?>
 <p:sld xmlns:a="http://schemas.openxmlformats.org/drawingml/2006/main" xmlns:r="http://schemas.openxmlformats.org/officeDocument/2006/relationships" xmlns:p="http://schemas.openxmlformats.org/presentationml/2006/main">
   <p:cSld>
     <p:spTree>

--- a/Concurrent_v1.pptx
+++ b/Concurrent_v1.pptx
@@ -5,7 +5,7 @@
     <p:sldMasterId id="2147483696" r:id="rId1"/>
   </p:sldMasterIdLst>
   <p:notesMasterIdLst>
-    <p:notesMasterId r:id="rId28"/>
+    <p:notesMasterId r:id="rId33"/>
   </p:notesMasterIdLst>
   <p:sldIdLst>
     <p:sldId id="299" r:id="rId2"/>
@@ -34,6 +34,11 @@
     <p:sldId id="325" r:id="rId25"/>
     <p:sldId id="326" r:id="rId26"/>
     <p:sldId id="327" r:id="rId27"/>
+    <p:sldId id="329" r:id="rId28"/>
+    <p:sldId id="330" r:id="rId29"/>
+    <p:sldId id="331" r:id="rId30"/>
+    <p:sldId id="332" r:id="rId31"/>
+    <p:sldId id="333" r:id="rId32"/>
   </p:sldIdLst>
   <p:sldSz cx="12192000" cy="6858000"/>
   <p:notesSz cx="6858000" cy="9144000"/>
@@ -179,6 +184,15 @@
             <p14:sldId id="325"/>
             <p14:sldId id="326"/>
             <p14:sldId id="327"/>
+            <p14:sldId id="329"/>
+          </p14:sldIdLst>
+        </p14:section>
+        <p14:section name="Locks" id="{F106686C-7472-4A20-BCD1-F9CD215FCA57}">
+          <p14:sldIdLst>
+            <p14:sldId id="330"/>
+            <p14:sldId id="331"/>
+            <p14:sldId id="332"/>
+            <p14:sldId id="333"/>
           </p14:sldIdLst>
         </p14:section>
       </p14:sectionLst>
@@ -272,7 +286,7 @@
           <a:p>
             <a:fld id="{547B99C5-9E73-4D85-8495-5EC431CC6481}" type="datetimeFigureOut">
               <a:rPr lang="ru-RU" smtClean="0"/>
-              <a:t>08.04.2025</a:t>
+              <a:t>15.04.2025</a:t>
             </a:fld>
             <a:endParaRPr lang="ru-RU"/>
           </a:p>
@@ -4426,6 +4440,36 @@
           <a:bodyPr/>
           <a:lstStyle/>
           <a:p>
+            <a:r>
+              <a:rPr lang="ru-RU" b="0" i="0" dirty="0">
+                <a:solidFill>
+                  <a:srgbClr val="000000"/>
+                </a:solidFill>
+                <a:effectLst/>
+                <a:latin typeface="Verdana" panose="020B0604030504040204" pitchFamily="34" charset="0"/>
+              </a:rPr>
+              <a:t>Объект синхронизации потоков </a:t>
+            </a:r>
+            <a:r>
+              <a:rPr lang="ru-RU" b="1" i="0" dirty="0" err="1">
+                <a:solidFill>
+                  <a:srgbClr val="2945A3"/>
+                </a:solidFill>
+                <a:effectLst/>
+                <a:latin typeface="Verdana" panose="020B0604030504040204" pitchFamily="34" charset="0"/>
+              </a:rPr>
+              <a:t>CountDownLatch</a:t>
+            </a:r>
+            <a:r>
+              <a:rPr lang="ru-RU" b="0" i="0" dirty="0">
+                <a:solidFill>
+                  <a:srgbClr val="000000"/>
+                </a:solidFill>
+                <a:effectLst/>
+                <a:latin typeface="Verdana" panose="020B0604030504040204" pitchFamily="34" charset="0"/>
+              </a:rPr>
+              <a:t> представляет собой «защелку с обратным отсчетом» : несколько потоков, выполняя определенный код, блокируются до тех пор, пока не будут выполнены заданные условия. Количество условий определяются счетчиком. Как только счетчик обнулится, т.е. будут выполнены все условия, самоблокировки выполняемых потоков снимаются, и они продолжают выполнение кода.</a:t>
+            </a:r>
             <a:endParaRPr lang="ru-RU" dirty="0"/>
           </a:p>
         </p:txBody>
@@ -4550,6 +4594,3795 @@
 </p:notes>
 </file>
 
+<file path=ppt/notesSlides/notesSlide20.xml><?xml version="1.0" encoding="utf-8"?>
+<p:notes xmlns:a="http://schemas.openxmlformats.org/drawingml/2006/main" xmlns:r="http://schemas.openxmlformats.org/officeDocument/2006/relationships" xmlns:p="http://schemas.openxmlformats.org/presentationml/2006/main">
+  <p:cSld>
+    <p:spTree>
+      <p:nvGrpSpPr>
+        <p:cNvPr id="1" name=""/>
+        <p:cNvGrpSpPr/>
+        <p:nvPr/>
+      </p:nvGrpSpPr>
+      <p:grpSpPr>
+        <a:xfrm>
+          <a:off x="0" y="0"/>
+          <a:ext cx="0" cy="0"/>
+          <a:chOff x="0" y="0"/>
+          <a:chExt cx="0" cy="0"/>
+        </a:xfrm>
+      </p:grpSpPr>
+      <p:sp>
+        <p:nvSpPr>
+          <p:cNvPr id="2" name="Образ слайда 1"/>
+          <p:cNvSpPr>
+            <a:spLocks noGrp="1" noRot="1" noChangeAspect="1"/>
+          </p:cNvSpPr>
+          <p:nvPr>
+            <p:ph type="sldImg"/>
+          </p:nvPr>
+        </p:nvSpPr>
+        <p:spPr/>
+      </p:sp>
+      <p:sp>
+        <p:nvSpPr>
+          <p:cNvPr id="3" name="Заметки 2"/>
+          <p:cNvSpPr>
+            <a:spLocks noGrp="1"/>
+          </p:cNvSpPr>
+          <p:nvPr>
+            <p:ph type="body" idx="1"/>
+          </p:nvPr>
+        </p:nvSpPr>
+        <p:spPr/>
+        <p:txBody>
+          <a:bodyPr/>
+          <a:lstStyle/>
+          <a:p>
+            <a:r>
+              <a:rPr lang="ru-RU" b="0" i="0" dirty="0">
+                <a:solidFill>
+                  <a:srgbClr val="000000"/>
+                </a:solidFill>
+                <a:effectLst/>
+                <a:latin typeface="Verdana" panose="020B0604030504040204" pitchFamily="34" charset="0"/>
+              </a:rPr>
+              <a:t>Объект синхронизации </a:t>
+            </a:r>
+            <a:r>
+              <a:rPr lang="ru-RU" b="1" i="0" dirty="0" err="1">
+                <a:solidFill>
+                  <a:srgbClr val="2945A3"/>
+                </a:solidFill>
+                <a:effectLst/>
+                <a:latin typeface="Verdana" panose="020B0604030504040204" pitchFamily="34" charset="0"/>
+              </a:rPr>
+              <a:t>CyclicBarrier</a:t>
+            </a:r>
+            <a:r>
+              <a:rPr lang="ru-RU" b="0" i="0" dirty="0">
+                <a:solidFill>
+                  <a:srgbClr val="000000"/>
+                </a:solidFill>
+                <a:effectLst/>
+                <a:latin typeface="Verdana" panose="020B0604030504040204" pitchFamily="34" charset="0"/>
+              </a:rPr>
+              <a:t> представляет собой барьерную синхронизацию, используемую, как правило, в распределённых вычислениях. Особенно эффективно использование барьеров при циклических расчетах. При барьерной синхронизации алгоритм расчета делят на несколько потоков. С помощью барьера организуют точку сбора частичных результатов вычислений, в которой подводится итог этапа вычислений.</a:t>
+            </a:r>
+          </a:p>
+          <a:p>
+            <a:endParaRPr lang="ru-RU" b="0" i="0" dirty="0">
+              <a:solidFill>
+                <a:srgbClr val="000000"/>
+              </a:solidFill>
+              <a:effectLst/>
+              <a:latin typeface="Verdana" panose="020B0604030504040204" pitchFamily="34" charset="0"/>
+            </a:endParaRPr>
+          </a:p>
+          <a:p>
+            <a:pPr algn="l"/>
+            <a:r>
+              <a:rPr lang="ru-RU" b="1" i="0" dirty="0">
+                <a:effectLst/>
+                <a:latin typeface="YS Text"/>
+              </a:rPr>
+              <a:t>Особенности и лучшие практики</a:t>
+            </a:r>
+            <a:endParaRPr lang="ru-RU" b="0" i="0" dirty="0">
+              <a:effectLst/>
+              <a:latin typeface="YS Text"/>
+            </a:endParaRPr>
+          </a:p>
+          <a:p>
+            <a:pPr algn="ctr"/>
+            <a:r>
+              <a:rPr lang="ru-RU" b="0" i="0" u="none" strike="noStrike" dirty="0">
+                <a:solidFill>
+                  <a:srgbClr val="5282FF"/>
+                </a:solidFill>
+                <a:effectLst/>
+                <a:latin typeface="YS Text"/>
+                <a:hlinkClick r:id="rId3"/>
+              </a:rPr>
+              <a:t>1. Повторное использование</a:t>
+            </a:r>
+          </a:p>
+          <a:p>
+            <a:pPr algn="l"/>
+            <a:r>
+              <a:rPr lang="ru-RU" b="1" i="0" dirty="0">
+                <a:effectLst/>
+                <a:latin typeface="YS Text"/>
+              </a:rPr>
+              <a:t>1. Повторное использование</a:t>
+            </a:r>
+            <a:endParaRPr lang="ru-RU" b="0" i="0" dirty="0">
+              <a:effectLst/>
+              <a:latin typeface="YS Text"/>
+            </a:endParaRPr>
+          </a:p>
+          <a:p>
+            <a:pPr algn="l"/>
+            <a:r>
+              <a:rPr lang="ru-RU" b="0" i="0" dirty="0">
+                <a:effectLst/>
+                <a:latin typeface="YS Text"/>
+              </a:rPr>
+              <a:t>Барьер автоматически сбрасывается после того, как все потоки его преодолеют:</a:t>
+            </a:r>
+          </a:p>
+          <a:p>
+            <a:pPr algn="l"/>
+            <a:r>
+              <a:rPr lang="ru-RU" b="0" i="0" dirty="0">
+                <a:effectLst/>
+                <a:latin typeface="YS Text"/>
+              </a:rPr>
+              <a:t>// Можно использовать в цикле </a:t>
+            </a:r>
+            <a:r>
+              <a:rPr lang="ru-RU" b="1" i="0" dirty="0" err="1">
+                <a:effectLst/>
+                <a:latin typeface="YS Text"/>
+              </a:rPr>
+              <a:t>for</a:t>
+            </a:r>
+            <a:r>
+              <a:rPr lang="ru-RU" b="0" i="0" dirty="0">
+                <a:effectLst/>
+                <a:latin typeface="YS Text"/>
+              </a:rPr>
+              <a:t> (</a:t>
+            </a:r>
+            <a:r>
+              <a:rPr lang="ru-RU" b="0" i="0" dirty="0" err="1">
+                <a:solidFill>
+                  <a:srgbClr val="E84945"/>
+                </a:solidFill>
+                <a:effectLst/>
+                <a:latin typeface="YS Text"/>
+              </a:rPr>
+              <a:t>int</a:t>
+            </a:r>
+            <a:r>
+              <a:rPr lang="ru-RU" b="0" i="0" dirty="0">
+                <a:effectLst/>
+                <a:latin typeface="YS Text"/>
+              </a:rPr>
+              <a:t> </a:t>
+            </a:r>
+            <a:r>
+              <a:rPr lang="ru-RU" b="0" i="0" dirty="0">
+                <a:solidFill>
+                  <a:srgbClr val="BC6060"/>
+                </a:solidFill>
+                <a:effectLst/>
+                <a:latin typeface="YS Text"/>
+              </a:rPr>
+              <a:t>i</a:t>
+            </a:r>
+            <a:r>
+              <a:rPr lang="ru-RU" b="0" i="0" dirty="0">
+                <a:effectLst/>
+                <a:latin typeface="YS Text"/>
+              </a:rPr>
+              <a:t> = </a:t>
+            </a:r>
+            <a:r>
+              <a:rPr lang="ru-RU" b="0" i="0" dirty="0">
+                <a:solidFill>
+                  <a:srgbClr val="E84945"/>
+                </a:solidFill>
+                <a:effectLst/>
+                <a:latin typeface="YS Text"/>
+              </a:rPr>
+              <a:t>0</a:t>
+            </a:r>
+            <a:r>
+              <a:rPr lang="ru-RU" b="0" i="0" dirty="0">
+                <a:effectLst/>
+                <a:latin typeface="YS Text"/>
+              </a:rPr>
+              <a:t>; i &lt; </a:t>
+            </a:r>
+            <a:r>
+              <a:rPr lang="ru-RU" b="0" i="0" dirty="0">
+                <a:solidFill>
+                  <a:srgbClr val="E84945"/>
+                </a:solidFill>
+                <a:effectLst/>
+                <a:latin typeface="YS Text"/>
+              </a:rPr>
+              <a:t>3</a:t>
+            </a:r>
+            <a:r>
+              <a:rPr lang="ru-RU" b="0" i="0" dirty="0">
+                <a:effectLst/>
+                <a:latin typeface="YS Text"/>
+              </a:rPr>
+              <a:t>; i++) { </a:t>
+            </a:r>
+            <a:r>
+              <a:rPr lang="ru-RU" b="0" i="0" dirty="0" err="1">
+                <a:effectLst/>
+                <a:latin typeface="YS Text"/>
+              </a:rPr>
+              <a:t>barrier.await</a:t>
+            </a:r>
+            <a:r>
+              <a:rPr lang="ru-RU" b="0" i="0" dirty="0">
+                <a:effectLst/>
+                <a:latin typeface="YS Text"/>
+              </a:rPr>
+              <a:t>(); // Барьер сбрасывается после каждого цикла } </a:t>
+            </a:r>
+          </a:p>
+          <a:p>
+            <a:pPr algn="ctr"/>
+            <a:r>
+              <a:rPr lang="ru-RU" b="0" i="0" u="none" strike="noStrike" dirty="0">
+                <a:solidFill>
+                  <a:srgbClr val="5282FF"/>
+                </a:solidFill>
+                <a:effectLst/>
+                <a:latin typeface="YS Text"/>
+                <a:hlinkClick r:id="rId4"/>
+              </a:rPr>
+              <a:t>2. Обработка исключений</a:t>
+            </a:r>
+          </a:p>
+          <a:p>
+            <a:pPr algn="l"/>
+            <a:r>
+              <a:rPr lang="ru-RU" b="1" i="0" dirty="0">
+                <a:effectLst/>
+                <a:latin typeface="YS Text"/>
+              </a:rPr>
+              <a:t>2. Обработка исключений</a:t>
+            </a:r>
+            <a:endParaRPr lang="ru-RU" b="0" i="0" dirty="0">
+              <a:effectLst/>
+              <a:latin typeface="YS Text"/>
+            </a:endParaRPr>
+          </a:p>
+          <a:p>
+            <a:pPr algn="l">
+              <a:buFont typeface="Arial" panose="020B0604020202020204" pitchFamily="34" charset="0"/>
+              <a:buChar char="•"/>
+            </a:pPr>
+            <a:r>
+              <a:rPr lang="ru-RU" b="0" i="0" dirty="0" err="1">
+                <a:effectLst/>
+                <a:latin typeface="YS Text"/>
+              </a:rPr>
+              <a:t>BrokenBarrierException</a:t>
+            </a:r>
+            <a:r>
+              <a:rPr lang="ru-RU" b="0" i="0" dirty="0">
+                <a:effectLst/>
+                <a:latin typeface="YS Text"/>
+              </a:rPr>
+              <a:t>: возникает если:</a:t>
+            </a:r>
+          </a:p>
+          <a:p>
+            <a:pPr marL="742950" lvl="1" indent="-285750" algn="l">
+              <a:buFont typeface="Arial" panose="020B0604020202020204" pitchFamily="34" charset="0"/>
+              <a:buChar char="•"/>
+            </a:pPr>
+            <a:r>
+              <a:rPr lang="ru-RU" b="0" i="0" dirty="0">
+                <a:effectLst/>
+                <a:latin typeface="YS Text"/>
+              </a:rPr>
+              <a:t>Поток был прерван во время ожидания</a:t>
+            </a:r>
+          </a:p>
+          <a:p>
+            <a:pPr marL="742950" lvl="1" indent="-285750" algn="l">
+              <a:buFont typeface="Arial" panose="020B0604020202020204" pitchFamily="34" charset="0"/>
+              <a:buChar char="•"/>
+            </a:pPr>
+            <a:r>
+              <a:rPr lang="ru-RU" b="0" i="0" dirty="0">
+                <a:effectLst/>
+                <a:latin typeface="YS Text"/>
+              </a:rPr>
+              <a:t>Барьер был сброшен (</a:t>
+            </a:r>
+            <a:r>
+              <a:rPr lang="ru-RU" b="0" i="0" dirty="0" err="1">
+                <a:effectLst/>
+                <a:latin typeface="YS Text"/>
+              </a:rPr>
+              <a:t>reset</a:t>
+            </a:r>
+            <a:r>
+              <a:rPr lang="ru-RU" b="0" i="0" dirty="0">
+                <a:effectLst/>
+                <a:latin typeface="YS Text"/>
+              </a:rPr>
+              <a:t>())</a:t>
+            </a:r>
+          </a:p>
+          <a:p>
+            <a:pPr marL="742950" lvl="1" indent="-285750" algn="l">
+              <a:buFont typeface="Arial" panose="020B0604020202020204" pitchFamily="34" charset="0"/>
+              <a:buChar char="•"/>
+            </a:pPr>
+            <a:r>
+              <a:rPr lang="ru-RU" b="0" i="0" dirty="0">
+                <a:effectLst/>
+                <a:latin typeface="YS Text"/>
+              </a:rPr>
+              <a:t>Один из потоков завершился с исключением</a:t>
+            </a:r>
+          </a:p>
+          <a:p>
+            <a:pPr algn="l">
+              <a:buFont typeface="Arial" panose="020B0604020202020204" pitchFamily="34" charset="0"/>
+              <a:buChar char="•"/>
+            </a:pPr>
+            <a:r>
+              <a:rPr lang="ru-RU" b="0" i="0" dirty="0" err="1">
+                <a:effectLst/>
+                <a:latin typeface="YS Text"/>
+              </a:rPr>
+              <a:t>TimeoutException</a:t>
+            </a:r>
+            <a:r>
+              <a:rPr lang="ru-RU" b="0" i="0" dirty="0">
+                <a:effectLst/>
+                <a:latin typeface="YS Text"/>
+              </a:rPr>
+              <a:t>: если превышено время ожидания</a:t>
+            </a:r>
+          </a:p>
+          <a:p>
+            <a:pPr algn="ctr"/>
+            <a:r>
+              <a:rPr lang="ru-RU" b="0" i="0" u="none" strike="noStrike" dirty="0">
+                <a:solidFill>
+                  <a:srgbClr val="5282FF"/>
+                </a:solidFill>
+                <a:effectLst/>
+                <a:latin typeface="YS Text"/>
+                <a:hlinkClick r:id="rId5"/>
+              </a:rPr>
+              <a:t>3. Барьерное действие</a:t>
+            </a:r>
+          </a:p>
+          <a:p>
+            <a:pPr algn="l"/>
+            <a:r>
+              <a:rPr lang="ru-RU" b="1" i="0" dirty="0">
+                <a:effectLst/>
+                <a:latin typeface="YS Text"/>
+              </a:rPr>
+              <a:t>3. Барьерное действие</a:t>
+            </a:r>
+            <a:endParaRPr lang="ru-RU" b="0" i="0" dirty="0">
+              <a:effectLst/>
+              <a:latin typeface="YS Text"/>
+            </a:endParaRPr>
+          </a:p>
+          <a:p>
+            <a:pPr algn="l"/>
+            <a:r>
+              <a:rPr lang="ru-RU" b="0" i="0" dirty="0">
+                <a:effectLst/>
+                <a:latin typeface="YS Text"/>
+              </a:rPr>
+              <a:t>Действие выполняется:</a:t>
+            </a:r>
+          </a:p>
+          <a:p>
+            <a:pPr algn="l">
+              <a:buFont typeface="Arial" panose="020B0604020202020204" pitchFamily="34" charset="0"/>
+              <a:buChar char="•"/>
+            </a:pPr>
+            <a:r>
+              <a:rPr lang="ru-RU" b="0" i="0" dirty="0">
+                <a:effectLst/>
+                <a:latin typeface="YS Text"/>
+              </a:rPr>
+              <a:t>После достижения барьера последним потоком</a:t>
+            </a:r>
+          </a:p>
+          <a:p>
+            <a:pPr algn="l">
+              <a:buFont typeface="Arial" panose="020B0604020202020204" pitchFamily="34" charset="0"/>
+              <a:buChar char="•"/>
+            </a:pPr>
+            <a:r>
+              <a:rPr lang="ru-RU" b="0" i="0" dirty="0">
+                <a:effectLst/>
+                <a:latin typeface="YS Text"/>
+              </a:rPr>
+              <a:t>Перед разблокировкой всех потоков</a:t>
+            </a:r>
+          </a:p>
+          <a:p>
+            <a:pPr algn="l">
+              <a:buFont typeface="Arial" panose="020B0604020202020204" pitchFamily="34" charset="0"/>
+              <a:buChar char="•"/>
+            </a:pPr>
+            <a:r>
+              <a:rPr lang="ru-RU" b="0" i="0" dirty="0">
+                <a:effectLst/>
+                <a:latin typeface="YS Text"/>
+              </a:rPr>
+              <a:t>В том же потоке, который последним достиг барьера</a:t>
+            </a:r>
+          </a:p>
+          <a:p>
+            <a:pPr algn="ctr"/>
+            <a:r>
+              <a:rPr lang="ru-RU" b="0" i="0" u="none" strike="noStrike" dirty="0">
+                <a:solidFill>
+                  <a:srgbClr val="5282FF"/>
+                </a:solidFill>
+                <a:effectLst/>
+                <a:latin typeface="YS Text"/>
+                <a:hlinkClick r:id="rId6"/>
+              </a:rPr>
+              <a:t>4. Сравнение с </a:t>
+            </a:r>
+            <a:r>
+              <a:rPr lang="ru-RU" b="0" i="0" u="none" strike="noStrike" dirty="0" err="1">
+                <a:solidFill>
+                  <a:srgbClr val="5282FF"/>
+                </a:solidFill>
+                <a:effectLst/>
+                <a:latin typeface="YS Text"/>
+                <a:hlinkClick r:id="rId6"/>
+              </a:rPr>
+              <a:t>Phaser</a:t>
+            </a:r>
+            <a:endParaRPr lang="ru-RU" b="0" i="0" u="none" strike="noStrike" dirty="0">
+              <a:solidFill>
+                <a:srgbClr val="5282FF"/>
+              </a:solidFill>
+              <a:effectLst/>
+              <a:latin typeface="YS Text"/>
+              <a:hlinkClick r:id="rId6"/>
+            </a:endParaRPr>
+          </a:p>
+          <a:p>
+            <a:pPr algn="l"/>
+            <a:r>
+              <a:rPr lang="ru-RU" b="1" i="0" dirty="0">
+                <a:effectLst/>
+                <a:latin typeface="YS Text"/>
+              </a:rPr>
+              <a:t>4. Сравнение с </a:t>
+            </a:r>
+            <a:r>
+              <a:rPr lang="ru-RU" b="1" i="0" dirty="0" err="1">
+                <a:effectLst/>
+                <a:latin typeface="YS Text"/>
+              </a:rPr>
+              <a:t>Phaser</a:t>
+            </a:r>
+            <a:endParaRPr lang="ru-RU" b="0" i="0" dirty="0">
+              <a:effectLst/>
+              <a:latin typeface="YS Text"/>
+            </a:endParaRPr>
+          </a:p>
+          <a:p>
+            <a:pPr algn="l"/>
+            <a:r>
+              <a:rPr lang="ru-RU" b="0" i="0" dirty="0">
+                <a:effectLst/>
+                <a:latin typeface="YS Text"/>
+              </a:rPr>
+              <a:t>Для более сложных сценариев (динамическое количество участников) лучше использовать </a:t>
+            </a:r>
+            <a:r>
+              <a:rPr lang="ru-RU" b="0" i="0" dirty="0" err="1">
+                <a:effectLst/>
+                <a:latin typeface="YS Text"/>
+              </a:rPr>
+              <a:t>Phaser</a:t>
+            </a:r>
+            <a:r>
+              <a:rPr lang="ru-RU" b="0" i="0" dirty="0">
+                <a:effectLst/>
+                <a:latin typeface="YS Text"/>
+              </a:rPr>
+              <a:t>.</a:t>
+            </a:r>
+          </a:p>
+          <a:p>
+            <a:pPr algn="ctr"/>
+            <a:r>
+              <a:rPr lang="ru-RU" b="0" i="0" u="none" strike="noStrike" dirty="0">
+                <a:solidFill>
+                  <a:srgbClr val="5282FF"/>
+                </a:solidFill>
+                <a:effectLst/>
+                <a:latin typeface="YS Text"/>
+                <a:hlinkClick r:id="rId7"/>
+              </a:rPr>
+              <a:t>🔹 Типичные </a:t>
+            </a:r>
+            <a:r>
+              <a:rPr lang="ru-RU" b="0" i="0" u="none" strike="noStrike" dirty="0" err="1">
+                <a:solidFill>
+                  <a:srgbClr val="5282FF"/>
+                </a:solidFill>
+                <a:effectLst/>
+                <a:latin typeface="YS Text"/>
+                <a:hlinkClick r:id="rId7"/>
+              </a:rPr>
+              <a:t>use-cases</a:t>
+            </a:r>
+            <a:endParaRPr lang="ru-RU" b="0" i="0" u="none" strike="noStrike" dirty="0">
+              <a:solidFill>
+                <a:srgbClr val="5282FF"/>
+              </a:solidFill>
+              <a:effectLst/>
+              <a:latin typeface="YS Text"/>
+              <a:hlinkClick r:id="rId7"/>
+            </a:endParaRPr>
+          </a:p>
+          <a:p>
+            <a:pPr algn="l"/>
+            <a:r>
+              <a:rPr lang="ru-RU" b="0" i="0" dirty="0">
+                <a:effectLst/>
+                <a:latin typeface="YS Text"/>
+              </a:rPr>
+              <a:t>🔹 </a:t>
+            </a:r>
+            <a:r>
+              <a:rPr lang="ru-RU" b="1" i="0" dirty="0">
+                <a:effectLst/>
+                <a:latin typeface="YS Text"/>
+              </a:rPr>
+              <a:t>Типичные </a:t>
+            </a:r>
+            <a:r>
+              <a:rPr lang="ru-RU" b="1" i="0" dirty="0" err="1">
+                <a:effectLst/>
+                <a:latin typeface="YS Text"/>
+              </a:rPr>
+              <a:t>use-cases</a:t>
+            </a:r>
+            <a:endParaRPr lang="ru-RU" b="0" i="0" dirty="0">
+              <a:effectLst/>
+              <a:latin typeface="YS Text"/>
+            </a:endParaRPr>
+          </a:p>
+          <a:p>
+            <a:pPr algn="l">
+              <a:buFont typeface="+mj-lt"/>
+              <a:buAutoNum type="arabicPeriod"/>
+            </a:pPr>
+            <a:r>
+              <a:rPr lang="ru-RU" b="1" i="0" dirty="0">
+                <a:effectLst/>
+                <a:latin typeface="YS Text"/>
+              </a:rPr>
+              <a:t>Параллельные вычисления</a:t>
+            </a:r>
+            <a:r>
+              <a:rPr lang="ru-RU" b="0" i="0" dirty="0">
+                <a:effectLst/>
+                <a:latin typeface="YS Text"/>
+              </a:rPr>
+              <a:t> - синхронизация этапов расчета</a:t>
+            </a:r>
+          </a:p>
+          <a:p>
+            <a:pPr algn="l">
+              <a:buFont typeface="+mj-lt"/>
+              <a:buAutoNum type="arabicPeriod"/>
+            </a:pPr>
+            <a:r>
+              <a:rPr lang="ru-RU" b="1" i="0" dirty="0">
+                <a:effectLst/>
+                <a:latin typeface="YS Text"/>
+              </a:rPr>
+              <a:t>Тестирование</a:t>
+            </a:r>
+            <a:r>
+              <a:rPr lang="ru-RU" b="0" i="0" dirty="0">
+                <a:effectLst/>
+                <a:latin typeface="YS Text"/>
+              </a:rPr>
+              <a:t> - одновременный старт множества тестовых потоков</a:t>
+            </a:r>
+          </a:p>
+          <a:p>
+            <a:pPr algn="l">
+              <a:buFont typeface="+mj-lt"/>
+              <a:buAutoNum type="arabicPeriod"/>
+            </a:pPr>
+            <a:r>
+              <a:rPr lang="ru-RU" b="1" i="0" dirty="0">
+                <a:effectLst/>
+                <a:latin typeface="YS Text"/>
+              </a:rPr>
+              <a:t>Имитация</a:t>
+            </a:r>
+            <a:r>
+              <a:rPr lang="ru-RU" b="0" i="0" dirty="0">
+                <a:effectLst/>
+                <a:latin typeface="YS Text"/>
+              </a:rPr>
+              <a:t> - моделирование событий, которые должны произойти одновременно</a:t>
+            </a:r>
+          </a:p>
+          <a:p>
+            <a:pPr algn="l">
+              <a:buFont typeface="+mj-lt"/>
+              <a:buAutoNum type="arabicPeriod"/>
+            </a:pPr>
+            <a:r>
+              <a:rPr lang="ru-RU" b="1" i="0" dirty="0">
+                <a:effectLst/>
+                <a:latin typeface="YS Text"/>
+              </a:rPr>
+              <a:t>Итеративная обработка</a:t>
+            </a:r>
+            <a:r>
+              <a:rPr lang="ru-RU" b="0" i="0" dirty="0">
+                <a:effectLst/>
+                <a:latin typeface="YS Text"/>
+              </a:rPr>
+              <a:t> - синхронизация между итерациями алгоритма</a:t>
+            </a:r>
+          </a:p>
+          <a:p>
+            <a:pPr algn="ctr"/>
+            <a:r>
+              <a:rPr lang="ru-RU" b="0" i="0" u="none" strike="noStrike" dirty="0">
+                <a:solidFill>
+                  <a:srgbClr val="5282FF"/>
+                </a:solidFill>
+                <a:effectLst/>
+                <a:latin typeface="YS Text"/>
+                <a:hlinkClick r:id="rId8"/>
+              </a:rPr>
+              <a:t>🔹 Потенциальные проблемы</a:t>
+            </a:r>
+          </a:p>
+          <a:p>
+            <a:pPr algn="l"/>
+            <a:r>
+              <a:rPr lang="ru-RU" b="0" i="0" dirty="0">
+                <a:effectLst/>
+                <a:latin typeface="YS Text"/>
+              </a:rPr>
+              <a:t>🔹 </a:t>
+            </a:r>
+            <a:r>
+              <a:rPr lang="ru-RU" b="1" i="0" dirty="0">
+                <a:effectLst/>
+                <a:latin typeface="YS Text"/>
+              </a:rPr>
+              <a:t>Потенциальные проблемы</a:t>
+            </a:r>
+            <a:endParaRPr lang="ru-RU" b="0" i="0" dirty="0">
+              <a:effectLst/>
+              <a:latin typeface="YS Text"/>
+            </a:endParaRPr>
+          </a:p>
+          <a:p>
+            <a:pPr algn="l">
+              <a:buFont typeface="+mj-lt"/>
+              <a:buAutoNum type="arabicPeriod"/>
+            </a:pPr>
+            <a:r>
+              <a:rPr lang="ru-RU" b="1" i="0" dirty="0">
+                <a:effectLst/>
+                <a:latin typeface="YS Text"/>
+              </a:rPr>
+              <a:t>Взаимоблокировки</a:t>
+            </a:r>
+            <a:r>
+              <a:rPr lang="ru-RU" b="0" i="0" dirty="0">
+                <a:effectLst/>
+                <a:latin typeface="YS Text"/>
+              </a:rPr>
+              <a:t> - если потоков меньше, чем </a:t>
+            </a:r>
+            <a:r>
+              <a:rPr lang="ru-RU" b="0" i="0" dirty="0" err="1">
+                <a:effectLst/>
+                <a:latin typeface="YS Text"/>
+              </a:rPr>
+              <a:t>parties</a:t>
+            </a:r>
+            <a:endParaRPr lang="ru-RU" b="0" i="0" dirty="0">
+              <a:effectLst/>
+              <a:latin typeface="YS Text"/>
+            </a:endParaRPr>
+          </a:p>
+          <a:p>
+            <a:pPr algn="l">
+              <a:buFont typeface="+mj-lt"/>
+              <a:buAutoNum type="arabicPeriod"/>
+            </a:pPr>
+            <a:r>
+              <a:rPr lang="ru-RU" b="1" i="0" dirty="0">
+                <a:effectLst/>
+                <a:latin typeface="YS Text"/>
+              </a:rPr>
+              <a:t>Неравномерная нагрузка</a:t>
+            </a:r>
+            <a:r>
+              <a:rPr lang="ru-RU" b="0" i="0" dirty="0">
+                <a:effectLst/>
+                <a:latin typeface="YS Text"/>
+              </a:rPr>
+              <a:t> - если один поток работает значительно дольше других</a:t>
+            </a:r>
+          </a:p>
+          <a:p>
+            <a:pPr algn="l">
+              <a:buFont typeface="+mj-lt"/>
+              <a:buAutoNum type="arabicPeriod"/>
+            </a:pPr>
+            <a:r>
+              <a:rPr lang="ru-RU" b="1" i="0" dirty="0">
+                <a:effectLst/>
+                <a:latin typeface="YS Text"/>
+              </a:rPr>
+              <a:t>Утечки потоков</a:t>
+            </a:r>
+            <a:r>
+              <a:rPr lang="ru-RU" b="0" i="0" dirty="0">
+                <a:effectLst/>
+                <a:latin typeface="YS Text"/>
+              </a:rPr>
+              <a:t> - при неправильной обработке исключений</a:t>
+            </a:r>
+          </a:p>
+          <a:p>
+            <a:pPr algn="l"/>
+            <a:r>
+              <a:rPr lang="ru-RU" b="0" i="0" dirty="0" err="1">
+                <a:effectLst/>
+                <a:latin typeface="YS Text"/>
+              </a:rPr>
+              <a:t>CyclicBarrier</a:t>
+            </a:r>
+            <a:r>
+              <a:rPr lang="ru-RU" b="0" i="0" dirty="0">
+                <a:effectLst/>
+                <a:latin typeface="YS Text"/>
+              </a:rPr>
+              <a:t> — мощный инструмент для синхронизации потоков в сложных сценариях, где требуется координация между несколькими участниками с возможностью повторного использования.</a:t>
+            </a:r>
+          </a:p>
+          <a:p>
+            <a:endParaRPr lang="ru-RU" dirty="0"/>
+          </a:p>
+        </p:txBody>
+      </p:sp>
+      <p:sp>
+        <p:nvSpPr>
+          <p:cNvPr id="4" name="Номер слайда 3"/>
+          <p:cNvSpPr>
+            <a:spLocks noGrp="1"/>
+          </p:cNvSpPr>
+          <p:nvPr>
+            <p:ph type="sldNum" sz="quarter" idx="5"/>
+          </p:nvPr>
+        </p:nvSpPr>
+        <p:spPr/>
+        <p:txBody>
+          <a:bodyPr/>
+          <a:lstStyle/>
+          <a:p>
+            <a:fld id="{5F729189-23CE-4022-A357-B9239DF82E10}" type="slidenum">
+              <a:rPr lang="ru-RU" smtClean="0"/>
+              <a:t>24</a:t>
+            </a:fld>
+            <a:endParaRPr lang="ru-RU"/>
+          </a:p>
+        </p:txBody>
+      </p:sp>
+    </p:spTree>
+    <p:extLst>
+      <p:ext uri="{BB962C8B-B14F-4D97-AF65-F5344CB8AC3E}">
+        <p14:creationId xmlns:p14="http://schemas.microsoft.com/office/powerpoint/2010/main" val="60614824"/>
+      </p:ext>
+    </p:extLst>
+  </p:cSld>
+  <p:clrMapOvr>
+    <a:masterClrMapping/>
+  </p:clrMapOvr>
+</p:notes>
+</file>
+
+<file path=ppt/notesSlides/notesSlide21.xml><?xml version="1.0" encoding="utf-8"?>
+<p:notes xmlns:a="http://schemas.openxmlformats.org/drawingml/2006/main" xmlns:r="http://schemas.openxmlformats.org/officeDocument/2006/relationships" xmlns:p="http://schemas.openxmlformats.org/presentationml/2006/main">
+  <p:cSld>
+    <p:spTree>
+      <p:nvGrpSpPr>
+        <p:cNvPr id="1" name=""/>
+        <p:cNvGrpSpPr/>
+        <p:nvPr/>
+      </p:nvGrpSpPr>
+      <p:grpSpPr>
+        <a:xfrm>
+          <a:off x="0" y="0"/>
+          <a:ext cx="0" cy="0"/>
+          <a:chOff x="0" y="0"/>
+          <a:chExt cx="0" cy="0"/>
+        </a:xfrm>
+      </p:grpSpPr>
+      <p:sp>
+        <p:nvSpPr>
+          <p:cNvPr id="2" name="Образ слайда 1"/>
+          <p:cNvSpPr>
+            <a:spLocks noGrp="1" noRot="1" noChangeAspect="1"/>
+          </p:cNvSpPr>
+          <p:nvPr>
+            <p:ph type="sldImg"/>
+          </p:nvPr>
+        </p:nvSpPr>
+        <p:spPr/>
+      </p:sp>
+      <p:sp>
+        <p:nvSpPr>
+          <p:cNvPr id="3" name="Заметки 2"/>
+          <p:cNvSpPr>
+            <a:spLocks noGrp="1"/>
+          </p:cNvSpPr>
+          <p:nvPr>
+            <p:ph type="body" idx="1"/>
+          </p:nvPr>
+        </p:nvSpPr>
+        <p:spPr/>
+        <p:txBody>
+          <a:bodyPr/>
+          <a:lstStyle/>
+          <a:p>
+            <a:pPr algn="l"/>
+            <a:r>
+              <a:rPr lang="ru-RU" b="1" i="0" dirty="0">
+                <a:effectLst/>
+                <a:latin typeface="YS Text"/>
+              </a:rPr>
+              <a:t> Ключевые характеристики</a:t>
+            </a:r>
+            <a:endParaRPr lang="ru-RU" b="0" i="0" dirty="0">
+              <a:effectLst/>
+              <a:latin typeface="YS Text"/>
+            </a:endParaRPr>
+          </a:p>
+          <a:p>
+            <a:pPr algn="l">
+              <a:buFont typeface="Arial" panose="020B0604020202020204" pitchFamily="34" charset="0"/>
+              <a:buChar char="•"/>
+            </a:pPr>
+            <a:r>
+              <a:rPr lang="ru-RU" b="0" i="0" dirty="0">
+                <a:effectLst/>
+                <a:latin typeface="YS Text"/>
+              </a:rPr>
+              <a:t>Работает строго между </a:t>
+            </a:r>
+            <a:r>
+              <a:rPr lang="ru-RU" b="1" i="0" dirty="0">
+                <a:effectLst/>
+                <a:latin typeface="YS Text"/>
+              </a:rPr>
+              <a:t>двумя потоками</a:t>
+            </a:r>
+            <a:endParaRPr lang="ru-RU" b="0" i="0" dirty="0">
+              <a:effectLst/>
+              <a:latin typeface="YS Text"/>
+            </a:endParaRPr>
+          </a:p>
+          <a:p>
+            <a:pPr algn="l">
+              <a:buFont typeface="Arial" panose="020B0604020202020204" pitchFamily="34" charset="0"/>
+              <a:buChar char="•"/>
+            </a:pPr>
+            <a:r>
+              <a:rPr lang="ru-RU" b="0" i="0" dirty="0">
+                <a:effectLst/>
+                <a:latin typeface="YS Text"/>
+              </a:rPr>
+              <a:t>Поток блокируется в </a:t>
+            </a:r>
+            <a:r>
+              <a:rPr lang="ru-RU" b="0" i="0" dirty="0" err="1">
+                <a:effectLst/>
+                <a:latin typeface="YS Text"/>
+              </a:rPr>
+              <a:t>exchange</a:t>
+            </a:r>
+            <a:r>
+              <a:rPr lang="ru-RU" b="0" i="0" dirty="0">
+                <a:effectLst/>
+                <a:latin typeface="YS Text"/>
+              </a:rPr>
+              <a:t>() до встречи со вторым потоком</a:t>
+            </a:r>
+          </a:p>
+          <a:p>
+            <a:pPr algn="l">
+              <a:buFont typeface="Arial" panose="020B0604020202020204" pitchFamily="34" charset="0"/>
+              <a:buChar char="•"/>
+            </a:pPr>
+            <a:r>
+              <a:rPr lang="ru-RU" b="0" i="0" dirty="0">
+                <a:effectLst/>
+                <a:latin typeface="YS Text"/>
+              </a:rPr>
+              <a:t>Поддерживает таймауты ожидания</a:t>
+            </a:r>
+          </a:p>
+          <a:p>
+            <a:pPr algn="l">
+              <a:buFont typeface="Arial" panose="020B0604020202020204" pitchFamily="34" charset="0"/>
+              <a:buChar char="•"/>
+            </a:pPr>
+            <a:r>
+              <a:rPr lang="ru-RU" b="0" i="0" dirty="0">
+                <a:effectLst/>
+                <a:latin typeface="YS Text"/>
+              </a:rPr>
+              <a:t>Можно передавать </a:t>
+            </a:r>
+            <a:r>
+              <a:rPr lang="ru-RU" b="0" i="0" dirty="0" err="1">
+                <a:effectLst/>
+                <a:latin typeface="YS Text"/>
+              </a:rPr>
+              <a:t>null</a:t>
+            </a:r>
+            <a:r>
+              <a:rPr lang="ru-RU" b="0" i="0" dirty="0">
+                <a:effectLst/>
+                <a:latin typeface="YS Text"/>
+              </a:rPr>
+              <a:t> значения</a:t>
+            </a:r>
+          </a:p>
+          <a:p>
+            <a:pPr algn="l">
+              <a:buFont typeface="Arial" panose="020B0604020202020204" pitchFamily="34" charset="0"/>
+              <a:buChar char="•"/>
+            </a:pPr>
+            <a:r>
+              <a:rPr lang="ru-RU" b="0" i="0" dirty="0" err="1">
+                <a:effectLst/>
+                <a:latin typeface="YS Text"/>
+              </a:rPr>
+              <a:t>Потокобезопасный</a:t>
+            </a:r>
+            <a:r>
+              <a:rPr lang="ru-RU" b="0" i="0" dirty="0">
+                <a:effectLst/>
+                <a:latin typeface="YS Text"/>
+              </a:rPr>
+              <a:t> (</a:t>
+            </a:r>
+            <a:r>
+              <a:rPr lang="ru-RU" b="0" i="0" dirty="0" err="1">
+                <a:effectLst/>
+                <a:latin typeface="YS Text"/>
+              </a:rPr>
+              <a:t>thread-safe</a:t>
+            </a:r>
+            <a:r>
+              <a:rPr lang="ru-RU" b="0" i="0" dirty="0">
+                <a:effectLst/>
+                <a:latin typeface="YS Text"/>
+              </a:rPr>
+              <a:t>)</a:t>
+            </a:r>
+          </a:p>
+          <a:p>
+            <a:pPr algn="l">
+              <a:buFont typeface="Arial" panose="020B0604020202020204" pitchFamily="34" charset="0"/>
+              <a:buChar char="•"/>
+            </a:pPr>
+            <a:endParaRPr lang="ru-RU" b="0" i="0" dirty="0">
+              <a:effectLst/>
+              <a:latin typeface="YS Text"/>
+            </a:endParaRPr>
+          </a:p>
+          <a:p>
+            <a:pPr algn="l">
+              <a:buFont typeface="Arial" panose="020B0604020202020204" pitchFamily="34" charset="0"/>
+              <a:buChar char="•"/>
+            </a:pPr>
+            <a:endParaRPr lang="ru-RU" b="0" i="0" dirty="0">
+              <a:effectLst/>
+              <a:latin typeface="YS Text"/>
+            </a:endParaRPr>
+          </a:p>
+          <a:p>
+            <a:pPr algn="l"/>
+            <a:r>
+              <a:rPr lang="ru-RU" b="1" i="0" dirty="0">
+                <a:solidFill>
+                  <a:srgbClr val="F8FAFF"/>
+                </a:solidFill>
+                <a:effectLst/>
+                <a:latin typeface="DeepSeek-CJK-patch"/>
+              </a:rPr>
+              <a:t>Особенности и лучшие практики</a:t>
+            </a:r>
+            <a:endParaRPr lang="ru-RU" b="0" i="0" dirty="0">
+              <a:solidFill>
+                <a:srgbClr val="F8FAFF"/>
+              </a:solidFill>
+              <a:effectLst/>
+              <a:latin typeface="DeepSeek-CJK-patch"/>
+            </a:endParaRPr>
+          </a:p>
+          <a:p>
+            <a:pPr algn="l"/>
+            <a:r>
+              <a:rPr lang="ru-RU" b="1" i="0" dirty="0">
+                <a:solidFill>
+                  <a:srgbClr val="F8FAFF"/>
+                </a:solidFill>
+                <a:effectLst/>
+                <a:latin typeface="DeepSeek-CJK-patch"/>
+              </a:rPr>
+              <a:t>1. Обработка исключений</a:t>
+            </a:r>
+            <a:endParaRPr lang="ru-RU" b="0" i="0" dirty="0">
+              <a:solidFill>
+                <a:srgbClr val="F8FAFF"/>
+              </a:solidFill>
+              <a:effectLst/>
+              <a:latin typeface="DeepSeek-CJK-patch"/>
+            </a:endParaRPr>
+          </a:p>
+          <a:p>
+            <a:pPr algn="l">
+              <a:buFont typeface="Arial" panose="020B0604020202020204" pitchFamily="34" charset="0"/>
+              <a:buChar char="•"/>
+            </a:pPr>
+            <a:r>
+              <a:rPr lang="ru-RU" b="0" i="0" dirty="0" err="1">
+                <a:solidFill>
+                  <a:srgbClr val="F8FAFF"/>
+                </a:solidFill>
+                <a:effectLst/>
+                <a:latin typeface="DeepSeek-CJK-patch"/>
+              </a:rPr>
+              <a:t>InterruptedException</a:t>
+            </a:r>
+            <a:r>
+              <a:rPr lang="ru-RU" b="0" i="0" dirty="0">
+                <a:solidFill>
+                  <a:srgbClr val="F8FAFF"/>
+                </a:solidFill>
+                <a:effectLst/>
+                <a:latin typeface="DeepSeek-CJK-patch"/>
+              </a:rPr>
+              <a:t> - если поток был прерван во время ожидания</a:t>
+            </a:r>
+          </a:p>
+          <a:p>
+            <a:pPr algn="l">
+              <a:buFont typeface="Arial" panose="020B0604020202020204" pitchFamily="34" charset="0"/>
+              <a:buChar char="•"/>
+            </a:pPr>
+            <a:r>
+              <a:rPr lang="ru-RU" b="0" i="0" dirty="0" err="1">
+                <a:solidFill>
+                  <a:srgbClr val="F8FAFF"/>
+                </a:solidFill>
+                <a:effectLst/>
+                <a:latin typeface="DeepSeek-CJK-patch"/>
+              </a:rPr>
+              <a:t>TimeoutException</a:t>
+            </a:r>
+            <a:r>
+              <a:rPr lang="ru-RU" b="0" i="0" dirty="0">
+                <a:solidFill>
+                  <a:srgbClr val="F8FAFF"/>
+                </a:solidFill>
+                <a:effectLst/>
+                <a:latin typeface="DeepSeek-CJK-patch"/>
+              </a:rPr>
+              <a:t> - при использовании </a:t>
+            </a:r>
+            <a:r>
+              <a:rPr lang="ru-RU" b="0" i="0" dirty="0" err="1">
+                <a:solidFill>
+                  <a:srgbClr val="F8FAFF"/>
+                </a:solidFill>
+                <a:effectLst/>
+                <a:latin typeface="DeepSeek-CJK-patch"/>
+              </a:rPr>
+              <a:t>exchange</a:t>
+            </a:r>
+            <a:r>
+              <a:rPr lang="ru-RU" b="0" i="0" dirty="0">
+                <a:solidFill>
+                  <a:srgbClr val="F8FAFF"/>
+                </a:solidFill>
+                <a:effectLst/>
+                <a:latin typeface="DeepSeek-CJK-patch"/>
+              </a:rPr>
+              <a:t>() с таймаутом</a:t>
+            </a:r>
+          </a:p>
+          <a:p>
+            <a:pPr algn="l"/>
+            <a:r>
+              <a:rPr lang="ru-RU" b="1" i="0" dirty="0">
+                <a:solidFill>
+                  <a:srgbClr val="F8FAFF"/>
+                </a:solidFill>
+                <a:effectLst/>
+                <a:latin typeface="DeepSeek-CJK-patch"/>
+              </a:rPr>
+              <a:t>2. </a:t>
+            </a:r>
+            <a:r>
+              <a:rPr lang="ru-RU" b="1" i="0" dirty="0" err="1">
+                <a:solidFill>
+                  <a:srgbClr val="F8FAFF"/>
+                </a:solidFill>
+                <a:effectLst/>
+                <a:latin typeface="DeepSeek-CJK-patch"/>
+              </a:rPr>
+              <a:t>Deadlock</a:t>
+            </a:r>
+            <a:r>
+              <a:rPr lang="ru-RU" b="1" i="0" dirty="0">
+                <a:solidFill>
+                  <a:srgbClr val="F8FAFF"/>
+                </a:solidFill>
+                <a:effectLst/>
+                <a:latin typeface="DeepSeek-CJK-patch"/>
+              </a:rPr>
+              <a:t> предупреждение</a:t>
+            </a:r>
+            <a:endParaRPr lang="ru-RU" b="0" i="0" dirty="0">
+              <a:solidFill>
+                <a:srgbClr val="F8FAFF"/>
+              </a:solidFill>
+              <a:effectLst/>
+              <a:latin typeface="DeepSeek-CJK-patch"/>
+            </a:endParaRPr>
+          </a:p>
+          <a:p>
+            <a:pPr algn="l">
+              <a:buFont typeface="Arial" panose="020B0604020202020204" pitchFamily="34" charset="0"/>
+              <a:buChar char="•"/>
+            </a:pPr>
+            <a:r>
+              <a:rPr lang="ru-RU" b="0" i="0" dirty="0">
+                <a:solidFill>
+                  <a:srgbClr val="F8FAFF"/>
+                </a:solidFill>
+                <a:effectLst/>
+                <a:latin typeface="DeepSeek-CJK-patch"/>
+              </a:rPr>
+              <a:t>Если один поток не доходит до </a:t>
+            </a:r>
+            <a:r>
+              <a:rPr lang="ru-RU" b="0" i="0" dirty="0" err="1">
+                <a:solidFill>
+                  <a:srgbClr val="F8FAFF"/>
+                </a:solidFill>
+                <a:effectLst/>
+                <a:latin typeface="DeepSeek-CJK-patch"/>
+              </a:rPr>
+              <a:t>exchange</a:t>
+            </a:r>
+            <a:r>
+              <a:rPr lang="ru-RU" b="0" i="0" dirty="0">
+                <a:solidFill>
+                  <a:srgbClr val="F8FAFF"/>
+                </a:solidFill>
+                <a:effectLst/>
+                <a:latin typeface="DeepSeek-CJK-patch"/>
+              </a:rPr>
+              <a:t>(), второй будет ждать вечно</a:t>
+            </a:r>
+          </a:p>
+          <a:p>
+            <a:pPr algn="l">
+              <a:buFont typeface="Arial" panose="020B0604020202020204" pitchFamily="34" charset="0"/>
+              <a:buChar char="•"/>
+            </a:pPr>
+            <a:r>
+              <a:rPr lang="ru-RU" b="0" i="0" dirty="0">
+                <a:solidFill>
+                  <a:srgbClr val="F8FAFF"/>
+                </a:solidFill>
+                <a:effectLst/>
+                <a:latin typeface="DeepSeek-CJK-patch"/>
+              </a:rPr>
+              <a:t>Всегда используйте таймауты в </a:t>
+            </a:r>
+            <a:r>
+              <a:rPr lang="ru-RU" b="0" i="0" dirty="0" err="1">
+                <a:solidFill>
+                  <a:srgbClr val="F8FAFF"/>
+                </a:solidFill>
+                <a:effectLst/>
+                <a:latin typeface="DeepSeek-CJK-patch"/>
+              </a:rPr>
+              <a:t>production</a:t>
+            </a:r>
+            <a:r>
+              <a:rPr lang="ru-RU" b="0" i="0" dirty="0">
+                <a:solidFill>
+                  <a:srgbClr val="F8FAFF"/>
+                </a:solidFill>
+                <a:effectLst/>
+                <a:latin typeface="DeepSeek-CJK-patch"/>
+              </a:rPr>
+              <a:t>-коде:</a:t>
+            </a:r>
+          </a:p>
+          <a:p>
+            <a:pPr algn="l"/>
+            <a:r>
+              <a:rPr lang="ru-RU" b="0" i="0" dirty="0" err="1">
+                <a:solidFill>
+                  <a:srgbClr val="FFFFFF"/>
+                </a:solidFill>
+                <a:effectLst/>
+                <a:latin typeface="DeepSeek-CJK-patch"/>
+              </a:rPr>
+              <a:t>java</a:t>
+            </a:r>
+            <a:endParaRPr lang="ru-RU" b="0" i="0" dirty="0">
+              <a:solidFill>
+                <a:srgbClr val="FFFFFF"/>
+              </a:solidFill>
+              <a:effectLst/>
+              <a:latin typeface="DeepSeek-CJK-patch"/>
+            </a:endParaRPr>
+          </a:p>
+          <a:p>
+            <a:pPr algn="l"/>
+            <a:r>
+              <a:rPr lang="ru-RU" b="0" i="0" dirty="0" err="1">
+                <a:solidFill>
+                  <a:srgbClr val="FFFFFF"/>
+                </a:solidFill>
+                <a:effectLst/>
+                <a:latin typeface="DeepSeek-CJK-patch"/>
+              </a:rPr>
+              <a:t>Copy</a:t>
+            </a:r>
+            <a:endParaRPr lang="ru-RU" b="0" i="0" dirty="0">
+              <a:solidFill>
+                <a:srgbClr val="FFFFFF"/>
+              </a:solidFill>
+              <a:effectLst/>
+              <a:latin typeface="DeepSeek-CJK-patch"/>
+            </a:endParaRPr>
+          </a:p>
+          <a:p>
+            <a:pPr algn="l"/>
+            <a:r>
+              <a:rPr lang="ru-RU" b="0" i="0" dirty="0" err="1">
+                <a:solidFill>
+                  <a:srgbClr val="FFFFFF"/>
+                </a:solidFill>
+                <a:effectLst/>
+                <a:latin typeface="DeepSeek-CJK-patch"/>
+              </a:rPr>
+              <a:t>buffer</a:t>
+            </a:r>
+            <a:r>
+              <a:rPr lang="ru-RU" b="0" i="0" dirty="0">
+                <a:solidFill>
+                  <a:srgbClr val="FFFFFF"/>
+                </a:solidFill>
+                <a:effectLst/>
+                <a:latin typeface="DeepSeek-CJK-patch"/>
+              </a:rPr>
+              <a:t> </a:t>
+            </a:r>
+            <a:r>
+              <a:rPr lang="ru-RU" b="0" i="0" dirty="0">
+                <a:solidFill>
+                  <a:srgbClr val="81A1C1"/>
+                </a:solidFill>
+                <a:effectLst/>
+                <a:latin typeface="DeepSeek-CJK-patch"/>
+              </a:rPr>
+              <a:t>=</a:t>
+            </a:r>
+            <a:r>
+              <a:rPr lang="ru-RU" b="0" i="0" dirty="0">
+                <a:solidFill>
+                  <a:srgbClr val="FFFFFF"/>
+                </a:solidFill>
+                <a:effectLst/>
+                <a:latin typeface="DeepSeek-CJK-patch"/>
+              </a:rPr>
+              <a:t> </a:t>
+            </a:r>
+            <a:r>
+              <a:rPr lang="ru-RU" b="0" i="0" dirty="0" err="1">
+                <a:solidFill>
+                  <a:srgbClr val="FFFFFF"/>
+                </a:solidFill>
+                <a:effectLst/>
+                <a:latin typeface="DeepSeek-CJK-patch"/>
+              </a:rPr>
+              <a:t>exchanger</a:t>
+            </a:r>
+            <a:r>
+              <a:rPr lang="ru-RU" b="0" i="0" dirty="0" err="1">
+                <a:solidFill>
+                  <a:srgbClr val="81A1C1"/>
+                </a:solidFill>
+                <a:effectLst/>
+                <a:latin typeface="DeepSeek-CJK-patch"/>
+              </a:rPr>
+              <a:t>.</a:t>
+            </a:r>
+            <a:r>
+              <a:rPr lang="ru-RU" b="0" i="0" dirty="0" err="1">
+                <a:solidFill>
+                  <a:srgbClr val="88C0D0"/>
+                </a:solidFill>
+                <a:effectLst/>
+                <a:latin typeface="DeepSeek-CJK-patch"/>
+              </a:rPr>
+              <a:t>exchange</a:t>
+            </a:r>
+            <a:r>
+              <a:rPr lang="ru-RU" b="0" i="0" dirty="0">
+                <a:solidFill>
+                  <a:srgbClr val="81A1C1"/>
+                </a:solidFill>
+                <a:effectLst/>
+                <a:latin typeface="DeepSeek-CJK-patch"/>
+              </a:rPr>
+              <a:t>(</a:t>
+            </a:r>
+            <a:r>
+              <a:rPr lang="ru-RU" b="0" i="0" dirty="0" err="1">
+                <a:solidFill>
+                  <a:srgbClr val="FFFFFF"/>
+                </a:solidFill>
+                <a:effectLst/>
+                <a:latin typeface="DeepSeek-CJK-patch"/>
+              </a:rPr>
+              <a:t>buffer</a:t>
+            </a:r>
+            <a:r>
+              <a:rPr lang="ru-RU" b="0" i="0" dirty="0">
+                <a:solidFill>
+                  <a:srgbClr val="81A1C1"/>
+                </a:solidFill>
+                <a:effectLst/>
+                <a:latin typeface="DeepSeek-CJK-patch"/>
+              </a:rPr>
+              <a:t>,</a:t>
+            </a:r>
+            <a:r>
+              <a:rPr lang="ru-RU" b="0" i="0" dirty="0">
+                <a:solidFill>
+                  <a:srgbClr val="FFFFFF"/>
+                </a:solidFill>
+                <a:effectLst/>
+                <a:latin typeface="DeepSeek-CJK-patch"/>
+              </a:rPr>
+              <a:t> </a:t>
+            </a:r>
+            <a:r>
+              <a:rPr lang="ru-RU" b="0" i="0" dirty="0">
+                <a:solidFill>
+                  <a:srgbClr val="B48EAD"/>
+                </a:solidFill>
+                <a:effectLst/>
+                <a:latin typeface="DeepSeek-CJK-patch"/>
+              </a:rPr>
+              <a:t>1</a:t>
+            </a:r>
+            <a:r>
+              <a:rPr lang="ru-RU" b="0" i="0" dirty="0">
+                <a:solidFill>
+                  <a:srgbClr val="81A1C1"/>
+                </a:solidFill>
+                <a:effectLst/>
+                <a:latin typeface="DeepSeek-CJK-patch"/>
+              </a:rPr>
+              <a:t>,</a:t>
+            </a:r>
+            <a:r>
+              <a:rPr lang="ru-RU" b="0" i="0" dirty="0">
+                <a:solidFill>
+                  <a:srgbClr val="FFFFFF"/>
+                </a:solidFill>
+                <a:effectLst/>
+                <a:latin typeface="DeepSeek-CJK-patch"/>
+              </a:rPr>
+              <a:t> </a:t>
+            </a:r>
+            <a:r>
+              <a:rPr lang="ru-RU" b="0" i="0" dirty="0" err="1">
+                <a:solidFill>
+                  <a:srgbClr val="88C0D0"/>
+                </a:solidFill>
+                <a:effectLst/>
+                <a:latin typeface="DeepSeek-CJK-patch"/>
+              </a:rPr>
+              <a:t>TimeUnit</a:t>
+            </a:r>
+            <a:r>
+              <a:rPr lang="ru-RU" b="0" i="0" dirty="0" err="1">
+                <a:solidFill>
+                  <a:srgbClr val="81A1C1"/>
+                </a:solidFill>
+                <a:effectLst/>
+                <a:latin typeface="DeepSeek-CJK-patch"/>
+              </a:rPr>
+              <a:t>.SECONDS</a:t>
+            </a:r>
+            <a:r>
+              <a:rPr lang="ru-RU" b="0" i="0" dirty="0">
+                <a:solidFill>
+                  <a:srgbClr val="81A1C1"/>
+                </a:solidFill>
+                <a:effectLst/>
+                <a:latin typeface="DeepSeek-CJK-patch"/>
+              </a:rPr>
+              <a:t>);</a:t>
+            </a:r>
+          </a:p>
+          <a:p>
+            <a:pPr algn="l"/>
+            <a:endParaRPr lang="ru-RU" b="0" i="0" dirty="0">
+              <a:solidFill>
+                <a:srgbClr val="FFFFFF"/>
+              </a:solidFill>
+              <a:effectLst/>
+              <a:latin typeface="DeepSeek-CJK-patch"/>
+            </a:endParaRPr>
+          </a:p>
+          <a:p>
+            <a:pPr algn="l"/>
+            <a:r>
+              <a:rPr lang="ru-RU" b="1" i="0" dirty="0">
+                <a:solidFill>
+                  <a:srgbClr val="F8FAFF"/>
+                </a:solidFill>
+                <a:effectLst/>
+                <a:latin typeface="DeepSeek-CJK-patch"/>
+              </a:rPr>
+              <a:t>3. Альтернативные сценарии использования</a:t>
+            </a:r>
+            <a:endParaRPr lang="ru-RU" b="0" i="0" dirty="0">
+              <a:solidFill>
+                <a:srgbClr val="F8FAFF"/>
+              </a:solidFill>
+              <a:effectLst/>
+              <a:latin typeface="DeepSeek-CJK-patch"/>
+            </a:endParaRPr>
+          </a:p>
+          <a:p>
+            <a:pPr lvl="1" algn="l">
+              <a:buFont typeface="+mj-lt"/>
+              <a:buAutoNum type="arabicPeriod"/>
+            </a:pPr>
+            <a:r>
+              <a:rPr lang="ru-RU" b="1" i="0" dirty="0">
+                <a:solidFill>
+                  <a:srgbClr val="F8FAFF"/>
+                </a:solidFill>
+                <a:effectLst/>
+                <a:latin typeface="DeepSeek-CJK-patch"/>
+              </a:rPr>
+              <a:t>Обмен буферами</a:t>
+            </a:r>
+            <a:r>
+              <a:rPr lang="ru-RU" b="0" i="0" dirty="0">
+                <a:solidFill>
+                  <a:srgbClr val="F8FAFF"/>
+                </a:solidFill>
+                <a:effectLst/>
+                <a:latin typeface="DeepSeek-CJK-patch"/>
+              </a:rPr>
+              <a:t> между потоком обработки и потоком записи</a:t>
+            </a:r>
+          </a:p>
+          <a:p>
+            <a:pPr lvl="1" algn="l">
+              <a:buFont typeface="+mj-lt"/>
+              <a:buAutoNum type="arabicPeriod"/>
+            </a:pPr>
+            <a:r>
+              <a:rPr lang="ru-RU" b="1" i="0" dirty="0">
+                <a:solidFill>
+                  <a:srgbClr val="F8FAFF"/>
+                </a:solidFill>
+                <a:effectLst/>
+                <a:latin typeface="DeepSeek-CJK-patch"/>
+              </a:rPr>
+              <a:t>Синхронизация вычислений</a:t>
+            </a:r>
+            <a:r>
+              <a:rPr lang="ru-RU" b="0" i="0" dirty="0">
+                <a:solidFill>
+                  <a:srgbClr val="F8FAFF"/>
+                </a:solidFill>
+                <a:effectLst/>
+                <a:latin typeface="DeepSeek-CJK-patch"/>
+              </a:rPr>
+              <a:t> - когда два потока должны обменяться промежуточными результатами</a:t>
+            </a:r>
+          </a:p>
+          <a:p>
+            <a:pPr lvl="1" algn="l">
+              <a:buFont typeface="+mj-lt"/>
+              <a:buAutoNum type="arabicPeriod"/>
+            </a:pPr>
+            <a:r>
+              <a:rPr lang="ru-RU" b="1" i="0" dirty="0">
+                <a:solidFill>
+                  <a:srgbClr val="F8FAFF"/>
+                </a:solidFill>
+                <a:effectLst/>
+                <a:latin typeface="DeepSeek-CJK-patch"/>
+              </a:rPr>
+              <a:t>Тестирование</a:t>
+            </a:r>
+            <a:r>
+              <a:rPr lang="ru-RU" b="0" i="0" dirty="0">
+                <a:solidFill>
+                  <a:srgbClr val="F8FAFF"/>
+                </a:solidFill>
+                <a:effectLst/>
+                <a:latin typeface="DeepSeek-CJK-patch"/>
+              </a:rPr>
+              <a:t> - для координации тестовых потоков</a:t>
+            </a:r>
+          </a:p>
+          <a:p>
+            <a:endParaRPr lang="ru-RU" dirty="0"/>
+          </a:p>
+          <a:p>
+            <a:pPr algn="l"/>
+            <a:r>
+              <a:rPr lang="ru-RU" b="1" i="0" dirty="0" err="1">
+                <a:solidFill>
+                  <a:srgbClr val="F8FAFF"/>
+                </a:solidFill>
+                <a:effectLst/>
+                <a:latin typeface="DeepSeek-CJK-patch"/>
+              </a:rPr>
+              <a:t>огда</a:t>
+            </a:r>
+            <a:r>
+              <a:rPr lang="ru-RU" b="1" i="0" dirty="0">
+                <a:solidFill>
+                  <a:srgbClr val="F8FAFF"/>
+                </a:solidFill>
+                <a:effectLst/>
+                <a:latin typeface="DeepSeek-CJK-patch"/>
+              </a:rPr>
+              <a:t> использовать </a:t>
+            </a:r>
+            <a:r>
+              <a:rPr lang="ru-RU" b="1" i="0" dirty="0" err="1">
+                <a:solidFill>
+                  <a:srgbClr val="F8FAFF"/>
+                </a:solidFill>
+                <a:effectLst/>
+                <a:latin typeface="DeepSeek-CJK-patch"/>
+              </a:rPr>
+              <a:t>Exchanger</a:t>
+            </a:r>
+            <a:r>
+              <a:rPr lang="ru-RU" b="1" i="0" dirty="0">
+                <a:solidFill>
+                  <a:srgbClr val="F8FAFF"/>
+                </a:solidFill>
+                <a:effectLst/>
+                <a:latin typeface="DeepSeek-CJK-patch"/>
+              </a:rPr>
+              <a:t>?</a:t>
+            </a:r>
+            <a:endParaRPr lang="ru-RU" b="0" i="0" dirty="0">
+              <a:solidFill>
+                <a:srgbClr val="F8FAFF"/>
+              </a:solidFill>
+              <a:effectLst/>
+              <a:latin typeface="DeepSeek-CJK-patch"/>
+            </a:endParaRPr>
+          </a:p>
+          <a:p>
+            <a:pPr algn="l">
+              <a:buFont typeface="Arial" panose="020B0604020202020204" pitchFamily="34" charset="0"/>
+              <a:buChar char="•"/>
+            </a:pPr>
+            <a:r>
+              <a:rPr lang="ru-RU" b="0" i="0" dirty="0">
+                <a:solidFill>
+                  <a:srgbClr val="F8FAFF"/>
+                </a:solidFill>
+                <a:effectLst/>
+                <a:latin typeface="DeepSeek-CJK-patch"/>
+              </a:rPr>
+              <a:t>Когда нужно </a:t>
+            </a:r>
+            <a:r>
+              <a:rPr lang="ru-RU" b="1" i="0" dirty="0">
+                <a:solidFill>
+                  <a:srgbClr val="F8FAFF"/>
+                </a:solidFill>
+                <a:effectLst/>
+                <a:latin typeface="DeepSeek-CJK-patch"/>
+              </a:rPr>
+              <a:t>точно два потока</a:t>
+            </a:r>
+            <a:r>
+              <a:rPr lang="ru-RU" b="0" i="0" dirty="0">
+                <a:solidFill>
+                  <a:srgbClr val="F8FAFF"/>
+                </a:solidFill>
+                <a:effectLst/>
+                <a:latin typeface="DeepSeek-CJK-patch"/>
+              </a:rPr>
+              <a:t> для обмена данными</a:t>
+            </a:r>
+          </a:p>
+          <a:p>
+            <a:pPr algn="l">
+              <a:buFont typeface="Arial" panose="020B0604020202020204" pitchFamily="34" charset="0"/>
+              <a:buChar char="•"/>
+            </a:pPr>
+            <a:r>
+              <a:rPr lang="ru-RU" b="0" i="0" dirty="0">
+                <a:solidFill>
+                  <a:srgbClr val="F8FAFF"/>
+                </a:solidFill>
+                <a:effectLst/>
+                <a:latin typeface="DeepSeek-CJK-patch"/>
+              </a:rPr>
+              <a:t>Для реализации </a:t>
+            </a:r>
+            <a:r>
+              <a:rPr lang="ru-RU" b="1" i="0" dirty="0">
+                <a:solidFill>
+                  <a:srgbClr val="F8FAFF"/>
+                </a:solidFill>
+                <a:effectLst/>
+                <a:latin typeface="DeepSeek-CJK-patch"/>
+              </a:rPr>
+              <a:t>шаблона "производитель-потребитель"</a:t>
+            </a:r>
+            <a:r>
+              <a:rPr lang="ru-RU" b="0" i="0" dirty="0">
+                <a:solidFill>
+                  <a:srgbClr val="F8FAFF"/>
+                </a:solidFill>
+                <a:effectLst/>
+                <a:latin typeface="DeepSeek-CJK-patch"/>
+              </a:rPr>
+              <a:t> с обменом буферами</a:t>
+            </a:r>
+          </a:p>
+          <a:p>
+            <a:pPr algn="l">
+              <a:buFont typeface="Arial" panose="020B0604020202020204" pitchFamily="34" charset="0"/>
+              <a:buChar char="•"/>
+            </a:pPr>
+            <a:r>
+              <a:rPr lang="ru-RU" b="0" i="0" dirty="0">
+                <a:solidFill>
+                  <a:srgbClr val="F8FAFF"/>
+                </a:solidFill>
+                <a:effectLst/>
+                <a:latin typeface="DeepSeek-CJK-patch"/>
+              </a:rPr>
+              <a:t>Когда потоки должны </a:t>
+            </a:r>
+            <a:r>
+              <a:rPr lang="ru-RU" b="1" i="0" dirty="0">
+                <a:solidFill>
+                  <a:srgbClr val="F8FAFF"/>
+                </a:solidFill>
+                <a:effectLst/>
+                <a:latin typeface="DeepSeek-CJK-patch"/>
+              </a:rPr>
+              <a:t>синхронизироваться и обменяться информацией</a:t>
+            </a:r>
+            <a:endParaRPr lang="ru-RU" b="0" i="0" dirty="0">
+              <a:solidFill>
+                <a:srgbClr val="F8FAFF"/>
+              </a:solidFill>
+              <a:effectLst/>
+              <a:latin typeface="DeepSeek-CJK-patch"/>
+            </a:endParaRPr>
+          </a:p>
+          <a:p>
+            <a:pPr algn="l"/>
+            <a:r>
+              <a:rPr lang="ru-RU" b="0" i="0" dirty="0" err="1">
+                <a:solidFill>
+                  <a:srgbClr val="F8FAFF"/>
+                </a:solidFill>
+                <a:effectLst/>
+                <a:latin typeface="DeepSeek-CJK-patch"/>
+              </a:rPr>
+              <a:t>Exchanger</a:t>
+            </a:r>
+            <a:r>
+              <a:rPr lang="ru-RU" b="0" i="0" dirty="0">
+                <a:solidFill>
+                  <a:srgbClr val="F8FAFF"/>
+                </a:solidFill>
+                <a:effectLst/>
+                <a:latin typeface="DeepSeek-CJK-patch"/>
+              </a:rPr>
+              <a:t> предоставляет элегантное решение для парной синхронизации потоков с передачей данных, устраняя необходимость вручную реализовывать блокировки и условия ожидания.</a:t>
+            </a:r>
+          </a:p>
+          <a:p>
+            <a:endParaRPr lang="ru-RU" dirty="0"/>
+          </a:p>
+        </p:txBody>
+      </p:sp>
+      <p:sp>
+        <p:nvSpPr>
+          <p:cNvPr id="4" name="Номер слайда 3"/>
+          <p:cNvSpPr>
+            <a:spLocks noGrp="1"/>
+          </p:cNvSpPr>
+          <p:nvPr>
+            <p:ph type="sldNum" sz="quarter" idx="5"/>
+          </p:nvPr>
+        </p:nvSpPr>
+        <p:spPr/>
+        <p:txBody>
+          <a:bodyPr/>
+          <a:lstStyle/>
+          <a:p>
+            <a:fld id="{5F729189-23CE-4022-A357-B9239DF82E10}" type="slidenum">
+              <a:rPr lang="ru-RU" smtClean="0"/>
+              <a:t>25</a:t>
+            </a:fld>
+            <a:endParaRPr lang="ru-RU"/>
+          </a:p>
+        </p:txBody>
+      </p:sp>
+    </p:spTree>
+    <p:extLst>
+      <p:ext uri="{BB962C8B-B14F-4D97-AF65-F5344CB8AC3E}">
+        <p14:creationId xmlns:p14="http://schemas.microsoft.com/office/powerpoint/2010/main" val="693068977"/>
+      </p:ext>
+    </p:extLst>
+  </p:cSld>
+  <p:clrMapOvr>
+    <a:masterClrMapping/>
+  </p:clrMapOvr>
+</p:notes>
+</file>
+
+<file path=ppt/notesSlides/notesSlide22.xml><?xml version="1.0" encoding="utf-8"?>
+<p:notes xmlns:a="http://schemas.openxmlformats.org/drawingml/2006/main" xmlns:r="http://schemas.openxmlformats.org/officeDocument/2006/relationships" xmlns:p="http://schemas.openxmlformats.org/presentationml/2006/main">
+  <p:cSld>
+    <p:spTree>
+      <p:nvGrpSpPr>
+        <p:cNvPr id="1" name=""/>
+        <p:cNvGrpSpPr/>
+        <p:nvPr/>
+      </p:nvGrpSpPr>
+      <p:grpSpPr>
+        <a:xfrm>
+          <a:off x="0" y="0"/>
+          <a:ext cx="0" cy="0"/>
+          <a:chOff x="0" y="0"/>
+          <a:chExt cx="0" cy="0"/>
+        </a:xfrm>
+      </p:grpSpPr>
+      <p:sp>
+        <p:nvSpPr>
+          <p:cNvPr id="2" name="Образ слайда 1"/>
+          <p:cNvSpPr>
+            <a:spLocks noGrp="1" noRot="1" noChangeAspect="1"/>
+          </p:cNvSpPr>
+          <p:nvPr>
+            <p:ph type="sldImg"/>
+          </p:nvPr>
+        </p:nvSpPr>
+        <p:spPr/>
+      </p:sp>
+      <p:sp>
+        <p:nvSpPr>
+          <p:cNvPr id="3" name="Заметки 2"/>
+          <p:cNvSpPr>
+            <a:spLocks noGrp="1"/>
+          </p:cNvSpPr>
+          <p:nvPr>
+            <p:ph type="body" idx="1"/>
+          </p:nvPr>
+        </p:nvSpPr>
+        <p:spPr/>
+        <p:txBody>
+          <a:bodyPr/>
+          <a:lstStyle/>
+          <a:p>
+            <a:r>
+              <a:rPr lang="ru-RU" b="0" i="0" dirty="0" err="1">
+                <a:solidFill>
+                  <a:srgbClr val="DDDDDD"/>
+                </a:solidFill>
+                <a:effectLst/>
+                <a:latin typeface="-apple-system"/>
+              </a:rPr>
+              <a:t>Phaser</a:t>
+            </a:r>
+            <a:r>
+              <a:rPr lang="ru-RU" b="0" i="0" dirty="0">
+                <a:solidFill>
+                  <a:srgbClr val="DDDDDD"/>
+                </a:solidFill>
+                <a:effectLst/>
+                <a:latin typeface="-apple-system"/>
+              </a:rPr>
+              <a:t> (фазер), как и </a:t>
+            </a:r>
+            <a:r>
+              <a:rPr lang="ru-RU" b="0" i="0" dirty="0" err="1">
+                <a:solidFill>
+                  <a:srgbClr val="DDDDDD"/>
+                </a:solidFill>
+                <a:effectLst/>
+                <a:latin typeface="-apple-system"/>
+              </a:rPr>
+              <a:t>CyclicBarrier</a:t>
+            </a:r>
+            <a:r>
+              <a:rPr lang="ru-RU" b="0" i="0" dirty="0">
+                <a:solidFill>
+                  <a:srgbClr val="DDDDDD"/>
+                </a:solidFill>
+                <a:effectLst/>
+                <a:latin typeface="-apple-system"/>
+              </a:rPr>
+              <a:t>, является реализацией шаблона синхронизации </a:t>
+            </a:r>
+            <a:r>
+              <a:rPr lang="ru-RU" b="0" i="0" u="none" strike="noStrike" dirty="0">
+                <a:solidFill>
+                  <a:srgbClr val="4CB7EB"/>
+                </a:solidFill>
+                <a:effectLst/>
+                <a:latin typeface="-apple-system"/>
+                <a:hlinkClick r:id="rId3"/>
+              </a:rPr>
+              <a:t>Барьер</a:t>
+            </a:r>
+            <a:r>
+              <a:rPr lang="ru-RU" b="0" i="0" dirty="0">
+                <a:solidFill>
+                  <a:srgbClr val="DDDDDD"/>
+                </a:solidFill>
+                <a:effectLst/>
+                <a:latin typeface="-apple-system"/>
+              </a:rPr>
+              <a:t>, но, в отличии от </a:t>
+            </a:r>
+            <a:r>
+              <a:rPr lang="ru-RU" b="0" i="0" dirty="0" err="1">
+                <a:solidFill>
+                  <a:srgbClr val="DDDDDD"/>
+                </a:solidFill>
+                <a:effectLst/>
+                <a:latin typeface="-apple-system"/>
+              </a:rPr>
+              <a:t>CyclicBarrier</a:t>
+            </a:r>
+            <a:r>
+              <a:rPr lang="ru-RU" b="0" i="0" dirty="0">
+                <a:solidFill>
+                  <a:srgbClr val="DDDDDD"/>
+                </a:solidFill>
+                <a:effectLst/>
+                <a:latin typeface="-apple-system"/>
+              </a:rPr>
+              <a:t>, предоставляет больше гибкости. Этот класс позволяет синхронизировать потоки, представляющие отдельную фазу или стадию выполнения общего действия. Как и </a:t>
+            </a:r>
+            <a:r>
+              <a:rPr lang="ru-RU" b="0" i="0" dirty="0" err="1">
+                <a:solidFill>
+                  <a:srgbClr val="DDDDDD"/>
+                </a:solidFill>
+                <a:effectLst/>
+                <a:latin typeface="-apple-system"/>
+              </a:rPr>
+              <a:t>CyclicBarrier</a:t>
+            </a:r>
+            <a:r>
+              <a:rPr lang="ru-RU" b="0" i="0" dirty="0">
+                <a:solidFill>
+                  <a:srgbClr val="DDDDDD"/>
+                </a:solidFill>
+                <a:effectLst/>
+                <a:latin typeface="-apple-system"/>
+              </a:rPr>
+              <a:t>, </a:t>
+            </a:r>
+            <a:r>
+              <a:rPr lang="ru-RU" b="0" i="0" dirty="0" err="1">
+                <a:solidFill>
+                  <a:srgbClr val="DDDDDD"/>
+                </a:solidFill>
+                <a:effectLst/>
+                <a:latin typeface="-apple-system"/>
+              </a:rPr>
+              <a:t>Phaser</a:t>
+            </a:r>
+            <a:r>
+              <a:rPr lang="ru-RU" b="0" i="0" dirty="0">
+                <a:solidFill>
+                  <a:srgbClr val="DDDDDD"/>
+                </a:solidFill>
+                <a:effectLst/>
+                <a:latin typeface="-apple-system"/>
+              </a:rPr>
+              <a:t> является точкой синхронизации, в которой встречаются потоки-участники. Когда все стороны прибыли, </a:t>
+            </a:r>
+            <a:r>
+              <a:rPr lang="ru-RU" b="0" i="0" dirty="0" err="1">
+                <a:solidFill>
+                  <a:srgbClr val="DDDDDD"/>
+                </a:solidFill>
+                <a:effectLst/>
+                <a:latin typeface="-apple-system"/>
+              </a:rPr>
+              <a:t>Phaser</a:t>
+            </a:r>
+            <a:r>
+              <a:rPr lang="ru-RU" b="0" i="0" dirty="0">
+                <a:solidFill>
+                  <a:srgbClr val="DDDDDD"/>
+                </a:solidFill>
+                <a:effectLst/>
+                <a:latin typeface="-apple-system"/>
+              </a:rPr>
+              <a:t> переходит к следующей фазе и снова ожидает ее завершения.</a:t>
+            </a:r>
+          </a:p>
+          <a:p>
+            <a:endParaRPr lang="ru-RU" b="0" i="0" dirty="0">
+              <a:solidFill>
+                <a:srgbClr val="DDDDDD"/>
+              </a:solidFill>
+              <a:effectLst/>
+              <a:latin typeface="-apple-system"/>
+            </a:endParaRPr>
+          </a:p>
+          <a:p>
+            <a:pPr algn="l"/>
+            <a:r>
+              <a:rPr lang="ru-RU" b="0" i="1" dirty="0">
+                <a:solidFill>
+                  <a:srgbClr val="000000"/>
+                </a:solidFill>
+                <a:effectLst/>
+                <a:latin typeface="Verdana" panose="020B0604030504040204" pitchFamily="34" charset="0"/>
+              </a:rPr>
+              <a:t>В качестве </a:t>
+            </a:r>
+            <a:r>
+              <a:rPr lang="ru-RU" b="1" i="1" dirty="0">
+                <a:solidFill>
+                  <a:srgbClr val="000000"/>
+                </a:solidFill>
+                <a:effectLst/>
+                <a:latin typeface="Verdana" panose="020B0604030504040204" pitchFamily="34" charset="0"/>
+              </a:rPr>
+              <a:t>первого примера</a:t>
+            </a:r>
+            <a:r>
+              <a:rPr lang="ru-RU" b="0" i="1" dirty="0">
+                <a:solidFill>
+                  <a:srgbClr val="000000"/>
+                </a:solidFill>
+                <a:effectLst/>
+                <a:latin typeface="Verdana" panose="020B0604030504040204" pitchFamily="34" charset="0"/>
+              </a:rPr>
+              <a:t> можно рассмотреть несколько потоков исполнения, реализующих процесс обработки заказов из трех стадий. На первой стадии отдельные потоки исполнения проверяют сведения о клиенте, наличие товара на складе и их стоимость. На второй стадии вычисляется стоимость заказа и стоимость доставки. На заключительной стадии подтверждается оплата и определяется ориентировочное время доставки. Во </a:t>
+            </a:r>
+            <a:r>
+              <a:rPr lang="ru-RU" b="1" i="1" dirty="0">
+                <a:solidFill>
+                  <a:srgbClr val="000000"/>
+                </a:solidFill>
+                <a:effectLst/>
+                <a:latin typeface="Verdana" panose="020B0604030504040204" pitchFamily="34" charset="0"/>
+              </a:rPr>
+              <a:t>втором примере</a:t>
+            </a:r>
+            <a:r>
+              <a:rPr lang="ru-RU" b="0" i="1" dirty="0">
+                <a:solidFill>
+                  <a:srgbClr val="000000"/>
+                </a:solidFill>
+                <a:effectLst/>
+                <a:latin typeface="Verdana" panose="020B0604030504040204" pitchFamily="34" charset="0"/>
+              </a:rPr>
+              <a:t> несколько потоков реализуют перевозку пассажиров городским транспортом. Пассажиры ожидают транспорт на разных остановках. Транспорт, останавливаясь на остановках, одних пассажиров «сажает», других «высаживает».\</a:t>
+            </a:r>
+          </a:p>
+          <a:p>
+            <a:pPr algn="l"/>
+            <a:endParaRPr lang="ru-RU" b="0" i="0" dirty="0">
+              <a:solidFill>
+                <a:srgbClr val="000000"/>
+              </a:solidFill>
+              <a:effectLst/>
+              <a:latin typeface="Verdana" panose="020B0604030504040204" pitchFamily="34" charset="0"/>
+            </a:endParaRPr>
+          </a:p>
+          <a:p>
+            <a:pPr algn="l"/>
+            <a:r>
+              <a:rPr lang="ru-RU" b="0" i="0" dirty="0">
+                <a:solidFill>
+                  <a:srgbClr val="000000"/>
+                </a:solidFill>
+                <a:effectLst/>
+                <a:latin typeface="Verdana" panose="020B0604030504040204" pitchFamily="34" charset="0"/>
+              </a:rPr>
+              <a:t>В этих примерах общим является то, что один объект синхронизации </a:t>
+            </a:r>
+            <a:r>
+              <a:rPr lang="ru-RU" b="0" i="1" dirty="0" err="1">
+                <a:solidFill>
+                  <a:srgbClr val="000000"/>
+                </a:solidFill>
+                <a:effectLst/>
+                <a:latin typeface="Verdana" panose="020B0604030504040204" pitchFamily="34" charset="0"/>
+              </a:rPr>
+              <a:t>Phaser</a:t>
+            </a:r>
+            <a:r>
+              <a:rPr lang="ru-RU" b="0" i="0" dirty="0">
+                <a:solidFill>
+                  <a:srgbClr val="000000"/>
+                </a:solidFill>
+                <a:effectLst/>
+                <a:latin typeface="Verdana" panose="020B0604030504040204" pitchFamily="34" charset="0"/>
+              </a:rPr>
+              <a:t>, исполняющий роль заказа и транспорта, играет главную роль, а другие потоки вступают в работу при определенном состоянии </a:t>
+            </a:r>
+            <a:r>
+              <a:rPr lang="ru-RU" b="0" i="1" dirty="0" err="1">
+                <a:solidFill>
+                  <a:srgbClr val="000000"/>
+                </a:solidFill>
+                <a:effectLst/>
+                <a:latin typeface="Verdana" panose="020B0604030504040204" pitchFamily="34" charset="0"/>
+              </a:rPr>
+              <a:t>Phaser</a:t>
+            </a:r>
+            <a:r>
+              <a:rPr lang="ru-RU" b="0" i="0" dirty="0">
+                <a:solidFill>
+                  <a:srgbClr val="000000"/>
+                </a:solidFill>
+                <a:effectLst/>
+                <a:latin typeface="Verdana" panose="020B0604030504040204" pitchFamily="34" charset="0"/>
+              </a:rPr>
+              <a:t>. Таким образом, класс </a:t>
+            </a:r>
+            <a:r>
+              <a:rPr lang="ru-RU" b="0" i="0" dirty="0" err="1">
+                <a:solidFill>
+                  <a:srgbClr val="000000"/>
+                </a:solidFill>
+                <a:effectLst/>
+                <a:latin typeface="Verdana" panose="020B0604030504040204" pitchFamily="34" charset="0"/>
+              </a:rPr>
+              <a:t>Phaser</a:t>
+            </a:r>
+            <a:r>
+              <a:rPr lang="ru-RU" b="0" i="0" dirty="0">
+                <a:solidFill>
+                  <a:srgbClr val="000000"/>
+                </a:solidFill>
+                <a:effectLst/>
+                <a:latin typeface="Verdana" panose="020B0604030504040204" pitchFamily="34" charset="0"/>
+              </a:rPr>
+              <a:t> позволяет определить объект синхронизации, ожидающий завершения определенной фазы. После этого он переходит к следующей фазе и снова ожидает ее завершения.</a:t>
+            </a:r>
+          </a:p>
+          <a:p>
+            <a:endParaRPr lang="ru-RU" b="0" i="0" dirty="0">
+              <a:solidFill>
+                <a:srgbClr val="DDDDDD"/>
+              </a:solidFill>
+              <a:effectLst/>
+              <a:latin typeface="-apple-system"/>
+            </a:endParaRPr>
+          </a:p>
+          <a:p>
+            <a:endParaRPr lang="ru-RU" b="0" i="0" dirty="0">
+              <a:solidFill>
+                <a:srgbClr val="DDDDDD"/>
+              </a:solidFill>
+              <a:effectLst/>
+              <a:latin typeface="-apple-system"/>
+            </a:endParaRPr>
+          </a:p>
+          <a:p>
+            <a:endParaRPr lang="ru-RU" b="0" i="0" dirty="0">
+              <a:solidFill>
+                <a:srgbClr val="DDDDDD"/>
+              </a:solidFill>
+              <a:effectLst/>
+              <a:latin typeface="-apple-system"/>
+            </a:endParaRPr>
+          </a:p>
+          <a:p>
+            <a:endParaRPr lang="ru-RU" b="0" i="0" dirty="0">
+              <a:solidFill>
+                <a:srgbClr val="DDDDDD"/>
+              </a:solidFill>
+              <a:effectLst/>
+              <a:latin typeface="-apple-system"/>
+            </a:endParaRPr>
+          </a:p>
+          <a:p>
+            <a:pPr algn="l">
+              <a:buFont typeface="Arial" panose="020B0604020202020204" pitchFamily="34" charset="0"/>
+              <a:buChar char="•"/>
+            </a:pPr>
+            <a:r>
+              <a:rPr lang="ru-RU" b="0" i="0" dirty="0">
+                <a:solidFill>
+                  <a:srgbClr val="DDDDDD"/>
+                </a:solidFill>
+                <a:effectLst/>
+                <a:latin typeface="-apple-system"/>
+              </a:rPr>
+              <a:t>Если сравнить </a:t>
+            </a:r>
+            <a:r>
+              <a:rPr lang="ru-RU" b="0" i="0" dirty="0" err="1">
+                <a:solidFill>
+                  <a:srgbClr val="DDDDDD"/>
+                </a:solidFill>
+                <a:effectLst/>
+                <a:latin typeface="-apple-system"/>
+              </a:rPr>
+              <a:t>Phaser</a:t>
+            </a:r>
+            <a:r>
+              <a:rPr lang="ru-RU" b="0" i="0" dirty="0">
+                <a:solidFill>
+                  <a:srgbClr val="DDDDDD"/>
+                </a:solidFill>
+                <a:effectLst/>
+                <a:latin typeface="-apple-system"/>
+              </a:rPr>
+              <a:t> и </a:t>
+            </a:r>
+            <a:r>
+              <a:rPr lang="ru-RU" b="0" i="0" dirty="0" err="1">
+                <a:solidFill>
+                  <a:srgbClr val="DDDDDD"/>
+                </a:solidFill>
+                <a:effectLst/>
+                <a:latin typeface="-apple-system"/>
+              </a:rPr>
+              <a:t>CyclicBarrier</a:t>
+            </a:r>
+            <a:r>
+              <a:rPr lang="ru-RU" b="0" i="0" dirty="0">
+                <a:solidFill>
+                  <a:srgbClr val="DDDDDD"/>
+                </a:solidFill>
+                <a:effectLst/>
+                <a:latin typeface="-apple-system"/>
+              </a:rPr>
+              <a:t>, то можно выделить следующие важные особенности </a:t>
+            </a:r>
+            <a:r>
+              <a:rPr lang="ru-RU" b="0" i="0" dirty="0" err="1">
+                <a:solidFill>
+                  <a:srgbClr val="DDDDDD"/>
+                </a:solidFill>
+                <a:effectLst/>
+                <a:latin typeface="-apple-system"/>
+              </a:rPr>
+              <a:t>Phaser</a:t>
+            </a:r>
+            <a:r>
+              <a:rPr lang="ru-RU" b="0" i="0" dirty="0">
+                <a:solidFill>
+                  <a:srgbClr val="DDDDDD"/>
+                </a:solidFill>
+                <a:effectLst/>
+                <a:latin typeface="-apple-system"/>
+              </a:rPr>
+              <a:t>:</a:t>
+            </a:r>
+            <a:br>
+              <a:rPr lang="ru-RU" dirty="0"/>
+            </a:br>
+            <a:r>
+              <a:rPr lang="ru-RU" b="0" i="0" dirty="0">
+                <a:solidFill>
+                  <a:srgbClr val="DDDDDD"/>
+                </a:solidFill>
+                <a:effectLst/>
+                <a:latin typeface="-apple-system"/>
+              </a:rPr>
+              <a:t>Каждая фаза (цикл синхронизации) имеет номер;</a:t>
+            </a:r>
+          </a:p>
+          <a:p>
+            <a:pPr algn="l">
+              <a:buFont typeface="Arial" panose="020B0604020202020204" pitchFamily="34" charset="0"/>
+              <a:buChar char="•"/>
+            </a:pPr>
+            <a:r>
+              <a:rPr lang="ru-RU" b="0" i="0" dirty="0">
+                <a:solidFill>
+                  <a:srgbClr val="DDDDDD"/>
+                </a:solidFill>
+                <a:effectLst/>
+                <a:latin typeface="-apple-system"/>
+              </a:rPr>
+              <a:t>Количество сторон-участников жестко не задано и может меняться: поток может регистрироваться в качестве участника и отменять свое участие;</a:t>
+            </a:r>
+          </a:p>
+          <a:p>
+            <a:pPr algn="l">
+              <a:buFont typeface="Arial" panose="020B0604020202020204" pitchFamily="34" charset="0"/>
+              <a:buChar char="•"/>
+            </a:pPr>
+            <a:r>
+              <a:rPr lang="ru-RU" b="0" i="0" dirty="0">
+                <a:solidFill>
+                  <a:srgbClr val="DDDDDD"/>
+                </a:solidFill>
+                <a:effectLst/>
+                <a:latin typeface="-apple-system"/>
+              </a:rPr>
+              <a:t>Участник не обязан ожидать, пока все остальные участники соберутся на барьере. Чтобы продолжить свою работу достаточно сообщить о своем прибытии;</a:t>
+            </a:r>
+          </a:p>
+          <a:p>
+            <a:pPr algn="l">
+              <a:buFont typeface="Arial" panose="020B0604020202020204" pitchFamily="34" charset="0"/>
+              <a:buChar char="•"/>
+            </a:pPr>
+            <a:r>
+              <a:rPr lang="ru-RU" b="0" i="0" dirty="0">
+                <a:solidFill>
+                  <a:srgbClr val="DDDDDD"/>
+                </a:solidFill>
+                <a:effectLst/>
+                <a:latin typeface="-apple-system"/>
+              </a:rPr>
+              <a:t>Случайные свидетели могут следить за активностью в барьере;</a:t>
+            </a:r>
+          </a:p>
+          <a:p>
+            <a:pPr algn="l">
+              <a:buFont typeface="Arial" panose="020B0604020202020204" pitchFamily="34" charset="0"/>
+              <a:buChar char="•"/>
+            </a:pPr>
+            <a:r>
+              <a:rPr lang="ru-RU" b="0" i="0" dirty="0">
+                <a:solidFill>
+                  <a:srgbClr val="DDDDDD"/>
+                </a:solidFill>
+                <a:effectLst/>
+                <a:latin typeface="-apple-system"/>
+              </a:rPr>
+              <a:t>Поток может и не быть стороной-участником барьера, чтобы ожидать его преодоления;</a:t>
+            </a:r>
+          </a:p>
+          <a:p>
+            <a:pPr algn="l">
+              <a:buFont typeface="Arial" panose="020B0604020202020204" pitchFamily="34" charset="0"/>
+              <a:buChar char="•"/>
+            </a:pPr>
+            <a:r>
+              <a:rPr lang="ru-RU" b="0" i="0" dirty="0">
+                <a:solidFill>
+                  <a:srgbClr val="DDDDDD"/>
+                </a:solidFill>
+                <a:effectLst/>
+                <a:latin typeface="-apple-system"/>
+              </a:rPr>
+              <a:t>У фазера нет опционального действия.</a:t>
+            </a:r>
+          </a:p>
+          <a:p>
+            <a:pPr algn="l">
+              <a:buFont typeface="Arial" panose="020B0604020202020204" pitchFamily="34" charset="0"/>
+              <a:buChar char="•"/>
+            </a:pPr>
+            <a:endParaRPr lang="ru-RU" b="0" i="0" dirty="0">
+              <a:solidFill>
+                <a:srgbClr val="DDDDDD"/>
+              </a:solidFill>
+              <a:effectLst/>
+              <a:latin typeface="-apple-system"/>
+            </a:endParaRPr>
+          </a:p>
+          <a:p>
+            <a:pPr algn="l">
+              <a:buFont typeface="Arial" panose="020B0604020202020204" pitchFamily="34" charset="0"/>
+              <a:buChar char="•"/>
+            </a:pPr>
+            <a:endParaRPr lang="ru-RU" b="0" i="0" dirty="0">
+              <a:solidFill>
+                <a:srgbClr val="DDDDDD"/>
+              </a:solidFill>
+              <a:effectLst/>
+              <a:latin typeface="-apple-system"/>
+            </a:endParaRPr>
+          </a:p>
+          <a:p>
+            <a:endParaRPr lang="ru-RU" dirty="0"/>
+          </a:p>
+        </p:txBody>
+      </p:sp>
+      <p:sp>
+        <p:nvSpPr>
+          <p:cNvPr id="4" name="Номер слайда 3"/>
+          <p:cNvSpPr>
+            <a:spLocks noGrp="1"/>
+          </p:cNvSpPr>
+          <p:nvPr>
+            <p:ph type="sldNum" sz="quarter" idx="5"/>
+          </p:nvPr>
+        </p:nvSpPr>
+        <p:spPr/>
+        <p:txBody>
+          <a:bodyPr/>
+          <a:lstStyle/>
+          <a:p>
+            <a:fld id="{5F729189-23CE-4022-A357-B9239DF82E10}" type="slidenum">
+              <a:rPr lang="ru-RU" smtClean="0"/>
+              <a:t>26</a:t>
+            </a:fld>
+            <a:endParaRPr lang="ru-RU"/>
+          </a:p>
+        </p:txBody>
+      </p:sp>
+    </p:spTree>
+    <p:extLst>
+      <p:ext uri="{BB962C8B-B14F-4D97-AF65-F5344CB8AC3E}">
+        <p14:creationId xmlns:p14="http://schemas.microsoft.com/office/powerpoint/2010/main" val="3492579191"/>
+      </p:ext>
+    </p:extLst>
+  </p:cSld>
+  <p:clrMapOvr>
+    <a:masterClrMapping/>
+  </p:clrMapOvr>
+</p:notes>
+</file>
+
+<file path=ppt/notesSlides/notesSlide23.xml><?xml version="1.0" encoding="utf-8"?>
+<p:notes xmlns:a="http://schemas.openxmlformats.org/drawingml/2006/main" xmlns:r="http://schemas.openxmlformats.org/officeDocument/2006/relationships" xmlns:p="http://schemas.openxmlformats.org/presentationml/2006/main">
+  <p:cSld>
+    <p:spTree>
+      <p:nvGrpSpPr>
+        <p:cNvPr id="1" name=""/>
+        <p:cNvGrpSpPr/>
+        <p:nvPr/>
+      </p:nvGrpSpPr>
+      <p:grpSpPr>
+        <a:xfrm>
+          <a:off x="0" y="0"/>
+          <a:ext cx="0" cy="0"/>
+          <a:chOff x="0" y="0"/>
+          <a:chExt cx="0" cy="0"/>
+        </a:xfrm>
+      </p:grpSpPr>
+      <p:sp>
+        <p:nvSpPr>
+          <p:cNvPr id="2" name="Образ слайда 1"/>
+          <p:cNvSpPr>
+            <a:spLocks noGrp="1" noRot="1" noChangeAspect="1"/>
+          </p:cNvSpPr>
+          <p:nvPr>
+            <p:ph type="sldImg"/>
+          </p:nvPr>
+        </p:nvSpPr>
+        <p:spPr/>
+      </p:sp>
+      <p:sp>
+        <p:nvSpPr>
+          <p:cNvPr id="3" name="Заметки 2"/>
+          <p:cNvSpPr>
+            <a:spLocks noGrp="1"/>
+          </p:cNvSpPr>
+          <p:nvPr>
+            <p:ph type="body" idx="1"/>
+          </p:nvPr>
+        </p:nvSpPr>
+        <p:spPr/>
+        <p:txBody>
+          <a:bodyPr/>
+          <a:lstStyle/>
+          <a:p>
+            <a:pPr algn="l"/>
+            <a:r>
+              <a:rPr lang="ru-RU" b="0" i="0" dirty="0">
+                <a:effectLst/>
+                <a:latin typeface="YS Text"/>
+              </a:rPr>
+              <a:t> </a:t>
+            </a:r>
+            <a:r>
+              <a:rPr lang="ru-RU" b="1" i="0" dirty="0">
+                <a:effectLst/>
+                <a:latin typeface="YS Text"/>
+              </a:rPr>
+              <a:t>Лучшие практики</a:t>
+            </a:r>
+            <a:endParaRPr lang="ru-RU" b="0" i="0" dirty="0">
+              <a:effectLst/>
+              <a:latin typeface="YS Text"/>
+            </a:endParaRPr>
+          </a:p>
+          <a:p>
+            <a:pPr algn="l">
+              <a:buFont typeface="+mj-lt"/>
+              <a:buAutoNum type="arabicPeriod"/>
+            </a:pPr>
+            <a:r>
+              <a:rPr lang="ru-RU" b="1" i="0" dirty="0">
+                <a:effectLst/>
+                <a:latin typeface="YS Text"/>
+              </a:rPr>
+              <a:t>Используйте </a:t>
+            </a:r>
+            <a:r>
+              <a:rPr lang="ru-RU" b="1" i="0" dirty="0" err="1">
+                <a:effectLst/>
+                <a:latin typeface="YS Text"/>
+              </a:rPr>
+              <a:t>Phaser</a:t>
+            </a:r>
+            <a:r>
+              <a:rPr lang="ru-RU" b="1" i="0" dirty="0">
+                <a:effectLst/>
+                <a:latin typeface="YS Text"/>
+              </a:rPr>
+              <a:t> когда</a:t>
+            </a:r>
+            <a:r>
+              <a:rPr lang="ru-RU" b="0" i="0" dirty="0">
+                <a:effectLst/>
+                <a:latin typeface="YS Text"/>
+              </a:rPr>
+              <a:t>:</a:t>
+            </a:r>
+          </a:p>
+          <a:p>
+            <a:pPr marL="742950" lvl="1" indent="-285750" algn="l">
+              <a:buFont typeface="+mj-lt"/>
+              <a:buAutoNum type="arabicPeriod"/>
+            </a:pPr>
+            <a:r>
+              <a:rPr lang="ru-RU" b="0" i="0" dirty="0">
+                <a:effectLst/>
+                <a:latin typeface="YS Text"/>
+              </a:rPr>
+              <a:t>Количество участников может меняться</a:t>
+            </a:r>
+          </a:p>
+          <a:p>
+            <a:pPr marL="742950" lvl="1" indent="-285750" algn="l">
+              <a:buFont typeface="+mj-lt"/>
+              <a:buAutoNum type="arabicPeriod"/>
+            </a:pPr>
+            <a:r>
+              <a:rPr lang="ru-RU" b="0" i="0" dirty="0">
+                <a:effectLst/>
+                <a:latin typeface="YS Text"/>
+              </a:rPr>
+              <a:t>Требуется многофазная синхронизация</a:t>
+            </a:r>
+          </a:p>
+          <a:p>
+            <a:pPr marL="742950" lvl="1" indent="-285750" algn="l">
+              <a:buFont typeface="+mj-lt"/>
+              <a:buAutoNum type="arabicPeriod"/>
+            </a:pPr>
+            <a:r>
+              <a:rPr lang="ru-RU" b="0" i="0" dirty="0">
+                <a:effectLst/>
+                <a:latin typeface="YS Text"/>
+              </a:rPr>
+              <a:t>Нужна более гибкая альтернатива </a:t>
+            </a:r>
+            <a:r>
+              <a:rPr lang="ru-RU" b="0" i="0" dirty="0" err="1">
+                <a:effectLst/>
+                <a:latin typeface="YS Text"/>
+              </a:rPr>
+              <a:t>CyclicBarrier</a:t>
+            </a:r>
+            <a:endParaRPr lang="ru-RU" b="0" i="0" dirty="0">
+              <a:effectLst/>
+              <a:latin typeface="YS Text"/>
+            </a:endParaRPr>
+          </a:p>
+          <a:p>
+            <a:pPr algn="l">
+              <a:buFont typeface="+mj-lt"/>
+              <a:buAutoNum type="arabicPeriod"/>
+            </a:pPr>
+            <a:r>
+              <a:rPr lang="ru-RU" b="1" i="0" dirty="0">
+                <a:effectLst/>
+                <a:latin typeface="YS Text"/>
+              </a:rPr>
+              <a:t>Избегайте</a:t>
+            </a:r>
+            <a:r>
+              <a:rPr lang="ru-RU" b="0" i="0" dirty="0">
+                <a:effectLst/>
+                <a:latin typeface="YS Text"/>
+              </a:rPr>
+              <a:t>:</a:t>
+            </a:r>
+          </a:p>
+          <a:p>
+            <a:pPr marL="742950" lvl="1" indent="-285750" algn="l">
+              <a:buFont typeface="+mj-lt"/>
+              <a:buAutoNum type="arabicPeriod"/>
+            </a:pPr>
+            <a:r>
+              <a:rPr lang="ru-RU" b="0" i="0" dirty="0">
+                <a:effectLst/>
+                <a:latin typeface="YS Text"/>
+              </a:rPr>
+              <a:t>Длительных операций в </a:t>
+            </a:r>
+            <a:r>
+              <a:rPr lang="ru-RU" b="0" i="0" dirty="0" err="1">
+                <a:effectLst/>
+                <a:latin typeface="YS Text"/>
+              </a:rPr>
+              <a:t>onAdvance</a:t>
+            </a:r>
+            <a:r>
+              <a:rPr lang="ru-RU" b="0" i="0" dirty="0">
+                <a:effectLst/>
+                <a:latin typeface="YS Text"/>
+              </a:rPr>
+              <a:t>()</a:t>
+            </a:r>
+          </a:p>
+          <a:p>
+            <a:pPr marL="742950" lvl="1" indent="-285750" algn="l">
+              <a:buFont typeface="+mj-lt"/>
+              <a:buAutoNum type="arabicPeriod"/>
+            </a:pPr>
+            <a:r>
+              <a:rPr lang="ru-RU" b="0" i="0" dirty="0">
+                <a:effectLst/>
+                <a:latin typeface="YS Text"/>
+              </a:rPr>
+              <a:t>Чрезмерного количества участников (лучше разбивать на иерархию)</a:t>
+            </a:r>
+          </a:p>
+          <a:p>
+            <a:pPr marL="742950" lvl="1" indent="-285750" algn="l">
+              <a:buFont typeface="+mj-lt"/>
+              <a:buAutoNum type="arabicPeriod"/>
+            </a:pPr>
+            <a:r>
+              <a:rPr lang="ru-RU" b="0" i="0" dirty="0">
+                <a:effectLst/>
+                <a:latin typeface="YS Text"/>
+              </a:rPr>
+              <a:t>Использования без обработки </a:t>
+            </a:r>
+            <a:r>
+              <a:rPr lang="ru-RU" b="0" i="0" dirty="0" err="1">
+                <a:effectLst/>
+                <a:latin typeface="YS Text"/>
+              </a:rPr>
+              <a:t>терминации</a:t>
+            </a:r>
+            <a:endParaRPr lang="ru-RU" b="0" i="0" dirty="0">
+              <a:effectLst/>
+              <a:latin typeface="YS Text"/>
+            </a:endParaRPr>
+          </a:p>
+          <a:p>
+            <a:pPr algn="l">
+              <a:buFont typeface="+mj-lt"/>
+              <a:buAutoNum type="arabicPeriod"/>
+            </a:pPr>
+            <a:r>
+              <a:rPr lang="ru-RU" b="1" i="0" dirty="0">
+                <a:effectLst/>
+                <a:latin typeface="YS Text"/>
+              </a:rPr>
+              <a:t>Шаблон использования</a:t>
+            </a:r>
+            <a:r>
+              <a:rPr lang="ru-RU" b="0" i="0" dirty="0">
+                <a:effectLst/>
+                <a:latin typeface="YS Text"/>
+              </a:rPr>
+              <a:t>:</a:t>
+            </a:r>
+          </a:p>
+          <a:p>
+            <a:pPr algn="l">
+              <a:buFont typeface="+mj-lt"/>
+              <a:buAutoNum type="arabicPeriod"/>
+            </a:pPr>
+            <a:r>
+              <a:rPr lang="ru-RU" b="0" i="0" dirty="0">
+                <a:effectLst/>
+                <a:latin typeface="YS Text"/>
+              </a:rPr>
+              <a:t>// Инициализация </a:t>
+            </a:r>
+            <a:r>
+              <a:rPr lang="ru-RU" b="0" i="0" dirty="0" err="1">
+                <a:solidFill>
+                  <a:srgbClr val="E84945"/>
+                </a:solidFill>
+                <a:effectLst/>
+                <a:latin typeface="YS Text"/>
+              </a:rPr>
+              <a:t>Phaser</a:t>
+            </a:r>
+            <a:r>
+              <a:rPr lang="ru-RU" b="0" i="0" dirty="0">
+                <a:effectLst/>
+                <a:latin typeface="YS Text"/>
+              </a:rPr>
+              <a:t> </a:t>
+            </a:r>
+            <a:r>
+              <a:rPr lang="ru-RU" b="0" i="0" dirty="0" err="1">
+                <a:solidFill>
+                  <a:srgbClr val="BC6060"/>
+                </a:solidFill>
+                <a:effectLst/>
+                <a:latin typeface="YS Text"/>
+              </a:rPr>
+              <a:t>phaser</a:t>
+            </a:r>
+            <a:r>
+              <a:rPr lang="ru-RU" b="0" i="0" dirty="0">
+                <a:effectLst/>
+                <a:latin typeface="YS Text"/>
+              </a:rPr>
+              <a:t> = </a:t>
+            </a:r>
+            <a:r>
+              <a:rPr lang="ru-RU" b="1" i="0" dirty="0" err="1">
+                <a:effectLst/>
+                <a:latin typeface="YS Text"/>
+              </a:rPr>
+              <a:t>new</a:t>
+            </a:r>
+            <a:r>
+              <a:rPr lang="ru-RU" b="0" i="0" dirty="0">
+                <a:effectLst/>
+                <a:latin typeface="YS Text"/>
+              </a:rPr>
+              <a:t> </a:t>
+            </a:r>
+            <a:r>
+              <a:rPr lang="ru-RU" b="1" i="0" dirty="0" err="1">
+                <a:solidFill>
+                  <a:srgbClr val="E84945"/>
+                </a:solidFill>
+                <a:effectLst/>
+                <a:latin typeface="YS Text"/>
+              </a:rPr>
+              <a:t>Phaser</a:t>
+            </a:r>
+            <a:r>
+              <a:rPr lang="ru-RU" b="0" i="0" dirty="0">
+                <a:effectLst/>
+                <a:latin typeface="YS Text"/>
+              </a:rPr>
+              <a:t>(</a:t>
+            </a:r>
+            <a:r>
+              <a:rPr lang="ru-RU" b="0" i="0" dirty="0">
+                <a:solidFill>
+                  <a:srgbClr val="E84945"/>
+                </a:solidFill>
+                <a:effectLst/>
+                <a:latin typeface="YS Text"/>
+              </a:rPr>
+              <a:t>1</a:t>
+            </a:r>
+            <a:r>
+              <a:rPr lang="ru-RU" b="0" i="0" dirty="0">
+                <a:effectLst/>
+                <a:latin typeface="YS Text"/>
+              </a:rPr>
+              <a:t>); // Регистрация участников </a:t>
+            </a:r>
+            <a:r>
+              <a:rPr lang="ru-RU" b="0" i="0" dirty="0" err="1">
+                <a:effectLst/>
+                <a:latin typeface="YS Text"/>
+              </a:rPr>
+              <a:t>phaser.register</a:t>
+            </a:r>
+            <a:r>
+              <a:rPr lang="ru-RU" b="0" i="0" dirty="0">
+                <a:effectLst/>
+                <a:latin typeface="YS Text"/>
+              </a:rPr>
+              <a:t>(); // В рабочем потоке </a:t>
+            </a:r>
+            <a:r>
+              <a:rPr lang="ru-RU" b="1" i="0" dirty="0" err="1">
+                <a:effectLst/>
+                <a:latin typeface="YS Text"/>
+              </a:rPr>
+              <a:t>while</a:t>
+            </a:r>
+            <a:r>
+              <a:rPr lang="ru-RU" b="0" i="0" dirty="0">
+                <a:effectLst/>
+                <a:latin typeface="YS Text"/>
+              </a:rPr>
+              <a:t> (!</a:t>
+            </a:r>
+            <a:r>
+              <a:rPr lang="ru-RU" b="0" i="0" dirty="0" err="1">
+                <a:effectLst/>
+                <a:latin typeface="YS Text"/>
+              </a:rPr>
+              <a:t>phaser.isTerminated</a:t>
+            </a:r>
+            <a:r>
+              <a:rPr lang="ru-RU" b="0" i="0" dirty="0">
+                <a:effectLst/>
+                <a:latin typeface="YS Text"/>
+              </a:rPr>
+              <a:t>()) { </a:t>
+            </a:r>
+            <a:r>
+              <a:rPr lang="ru-RU" b="0" i="0" dirty="0" err="1">
+                <a:effectLst/>
+                <a:latin typeface="YS Text"/>
+              </a:rPr>
+              <a:t>doWork</a:t>
+            </a:r>
+            <a:r>
+              <a:rPr lang="ru-RU" b="0" i="0" dirty="0">
+                <a:effectLst/>
+                <a:latin typeface="YS Text"/>
+              </a:rPr>
+              <a:t>(); </a:t>
+            </a:r>
+            <a:r>
+              <a:rPr lang="ru-RU" b="0" i="0" dirty="0" err="1">
+                <a:effectLst/>
+                <a:latin typeface="YS Text"/>
+              </a:rPr>
+              <a:t>phaser.arriveAndAwaitAdvance</a:t>
+            </a:r>
+            <a:r>
+              <a:rPr lang="ru-RU" b="0" i="0" dirty="0">
+                <a:effectLst/>
+                <a:latin typeface="YS Text"/>
+              </a:rPr>
+              <a:t>(); } </a:t>
+            </a:r>
+          </a:p>
+          <a:p>
+            <a:pPr algn="l"/>
+            <a:r>
+              <a:rPr lang="ru-RU" b="0" i="0" dirty="0" err="1">
+                <a:effectLst/>
+                <a:latin typeface="YS Text"/>
+              </a:rPr>
+              <a:t>Phaser</a:t>
+            </a:r>
+            <a:r>
+              <a:rPr lang="ru-RU" b="0" i="0" dirty="0">
+                <a:effectLst/>
+                <a:latin typeface="YS Text"/>
+              </a:rPr>
+              <a:t> предоставляет мощный механизм для сложных сценариев синхронизации, где другие примитивы оказываются недостаточно гибкими.</a:t>
+            </a:r>
+          </a:p>
+          <a:p>
+            <a:endParaRPr lang="ru-RU" dirty="0"/>
+          </a:p>
+        </p:txBody>
+      </p:sp>
+      <p:sp>
+        <p:nvSpPr>
+          <p:cNvPr id="4" name="Номер слайда 3"/>
+          <p:cNvSpPr>
+            <a:spLocks noGrp="1"/>
+          </p:cNvSpPr>
+          <p:nvPr>
+            <p:ph type="sldNum" sz="quarter" idx="5"/>
+          </p:nvPr>
+        </p:nvSpPr>
+        <p:spPr/>
+        <p:txBody>
+          <a:bodyPr/>
+          <a:lstStyle/>
+          <a:p>
+            <a:fld id="{5F729189-23CE-4022-A357-B9239DF82E10}" type="slidenum">
+              <a:rPr lang="ru-RU" smtClean="0"/>
+              <a:t>27</a:t>
+            </a:fld>
+            <a:endParaRPr lang="ru-RU"/>
+          </a:p>
+        </p:txBody>
+      </p:sp>
+    </p:spTree>
+    <p:extLst>
+      <p:ext uri="{BB962C8B-B14F-4D97-AF65-F5344CB8AC3E}">
+        <p14:creationId xmlns:p14="http://schemas.microsoft.com/office/powerpoint/2010/main" val="3191639359"/>
+      </p:ext>
+    </p:extLst>
+  </p:cSld>
+  <p:clrMapOvr>
+    <a:masterClrMapping/>
+  </p:clrMapOvr>
+</p:notes>
+</file>
+
+<file path=ppt/notesSlides/notesSlide24.xml><?xml version="1.0" encoding="utf-8"?>
+<p:notes xmlns:a="http://schemas.openxmlformats.org/drawingml/2006/main" xmlns:r="http://schemas.openxmlformats.org/officeDocument/2006/relationships" xmlns:p="http://schemas.openxmlformats.org/presentationml/2006/main">
+  <p:cSld>
+    <p:spTree>
+      <p:nvGrpSpPr>
+        <p:cNvPr id="1" name=""/>
+        <p:cNvGrpSpPr/>
+        <p:nvPr/>
+      </p:nvGrpSpPr>
+      <p:grpSpPr>
+        <a:xfrm>
+          <a:off x="0" y="0"/>
+          <a:ext cx="0" cy="0"/>
+          <a:chOff x="0" y="0"/>
+          <a:chExt cx="0" cy="0"/>
+        </a:xfrm>
+      </p:grpSpPr>
+      <p:sp>
+        <p:nvSpPr>
+          <p:cNvPr id="2" name="Образ слайда 1"/>
+          <p:cNvSpPr>
+            <a:spLocks noGrp="1" noRot="1" noChangeAspect="1"/>
+          </p:cNvSpPr>
+          <p:nvPr>
+            <p:ph type="sldImg"/>
+          </p:nvPr>
+        </p:nvSpPr>
+        <p:spPr/>
+      </p:sp>
+      <p:sp>
+        <p:nvSpPr>
+          <p:cNvPr id="3" name="Заметки 2"/>
+          <p:cNvSpPr>
+            <a:spLocks noGrp="1"/>
+          </p:cNvSpPr>
+          <p:nvPr>
+            <p:ph type="body" idx="1"/>
+          </p:nvPr>
+        </p:nvSpPr>
+        <p:spPr/>
+        <p:txBody>
+          <a:bodyPr/>
+          <a:lstStyle/>
+          <a:p>
+            <a:pPr algn="l"/>
+            <a:r>
+              <a:rPr lang="ru-RU" b="1" i="0" dirty="0">
+                <a:effectLst/>
+                <a:latin typeface="YS Text"/>
+              </a:rPr>
+              <a:t>Когда использовать Lock вместо </a:t>
+            </a:r>
+            <a:r>
+              <a:rPr lang="ru-RU" b="1" i="0" dirty="0" err="1">
+                <a:effectLst/>
+                <a:latin typeface="YS Text"/>
+              </a:rPr>
+              <a:t>synchronized</a:t>
+            </a:r>
+            <a:r>
+              <a:rPr lang="ru-RU" b="1" i="0" dirty="0">
+                <a:effectLst/>
+                <a:latin typeface="YS Text"/>
+              </a:rPr>
+              <a:t>?</a:t>
+            </a:r>
+            <a:endParaRPr lang="ru-RU" b="0" i="0" dirty="0">
+              <a:effectLst/>
+              <a:latin typeface="YS Text"/>
+            </a:endParaRPr>
+          </a:p>
+          <a:p>
+            <a:pPr algn="l">
+              <a:buFont typeface="+mj-lt"/>
+              <a:buAutoNum type="arabicPeriod"/>
+            </a:pPr>
+            <a:r>
+              <a:rPr lang="ru-RU" b="0" i="0" dirty="0">
+                <a:effectLst/>
+                <a:latin typeface="YS Text"/>
+              </a:rPr>
+              <a:t>Нужны </a:t>
+            </a:r>
+            <a:r>
+              <a:rPr lang="ru-RU" b="1" i="0" dirty="0">
+                <a:effectLst/>
+                <a:latin typeface="YS Text"/>
+              </a:rPr>
+              <a:t>таймауты</a:t>
+            </a:r>
+            <a:r>
+              <a:rPr lang="ru-RU" b="0" i="0" dirty="0">
+                <a:effectLst/>
+                <a:latin typeface="YS Text"/>
+              </a:rPr>
+              <a:t> при ожидании блокировки</a:t>
+            </a:r>
+          </a:p>
+          <a:p>
+            <a:pPr algn="l">
+              <a:buFont typeface="+mj-lt"/>
+              <a:buAutoNum type="arabicPeriod"/>
+            </a:pPr>
+            <a:r>
+              <a:rPr lang="ru-RU" b="0" i="0" dirty="0">
+                <a:effectLst/>
+                <a:latin typeface="YS Text"/>
+              </a:rPr>
+              <a:t>Требуется </a:t>
+            </a:r>
+            <a:r>
+              <a:rPr lang="ru-RU" b="1" i="0" dirty="0">
+                <a:effectLst/>
+                <a:latin typeface="YS Text"/>
+              </a:rPr>
+              <a:t>прерываемое</a:t>
+            </a:r>
+            <a:r>
+              <a:rPr lang="ru-RU" b="0" i="0" dirty="0">
+                <a:effectLst/>
+                <a:latin typeface="YS Text"/>
+              </a:rPr>
+              <a:t> ожидание</a:t>
+            </a:r>
+          </a:p>
+          <a:p>
+            <a:pPr algn="l">
+              <a:buFont typeface="+mj-lt"/>
+              <a:buAutoNum type="arabicPeriod"/>
+            </a:pPr>
+            <a:r>
+              <a:rPr lang="ru-RU" b="0" i="0" dirty="0">
+                <a:effectLst/>
+                <a:latin typeface="YS Text"/>
+              </a:rPr>
+              <a:t>Необходимы </a:t>
+            </a:r>
+            <a:r>
+              <a:rPr lang="ru-RU" b="1" i="0" dirty="0">
+                <a:effectLst/>
+                <a:latin typeface="YS Text"/>
+              </a:rPr>
+              <a:t>неблокирующие</a:t>
+            </a:r>
+            <a:r>
+              <a:rPr lang="ru-RU" b="0" i="0" dirty="0">
+                <a:effectLst/>
+                <a:latin typeface="YS Text"/>
+              </a:rPr>
+              <a:t> попытки (</a:t>
+            </a:r>
+            <a:r>
+              <a:rPr lang="ru-RU" b="0" i="0" dirty="0" err="1">
+                <a:effectLst/>
+                <a:latin typeface="YS Text"/>
+              </a:rPr>
+              <a:t>tryLock</a:t>
+            </a:r>
+            <a:r>
+              <a:rPr lang="ru-RU" b="0" i="0" dirty="0">
+                <a:effectLst/>
+                <a:latin typeface="YS Text"/>
+              </a:rPr>
+              <a:t>)</a:t>
+            </a:r>
+          </a:p>
+          <a:p>
+            <a:pPr algn="l">
+              <a:buFont typeface="+mj-lt"/>
+              <a:buAutoNum type="arabicPeriod"/>
+            </a:pPr>
+            <a:r>
+              <a:rPr lang="ru-RU" b="0" i="0" dirty="0">
+                <a:effectLst/>
+                <a:latin typeface="YS Text"/>
+              </a:rPr>
+              <a:t>Требуются </a:t>
+            </a:r>
+            <a:r>
+              <a:rPr lang="ru-RU" b="1" i="0" dirty="0">
+                <a:effectLst/>
+                <a:latin typeface="YS Text"/>
+              </a:rPr>
+              <a:t>несколько условий</a:t>
+            </a:r>
+            <a:r>
+              <a:rPr lang="ru-RU" b="0" i="0" dirty="0">
+                <a:effectLst/>
+                <a:latin typeface="YS Text"/>
+              </a:rPr>
+              <a:t> ожидания (</a:t>
+            </a:r>
+            <a:r>
+              <a:rPr lang="ru-RU" b="0" i="0" dirty="0" err="1">
+                <a:effectLst/>
+                <a:latin typeface="YS Text"/>
+              </a:rPr>
+              <a:t>Condition</a:t>
+            </a:r>
+            <a:r>
+              <a:rPr lang="ru-RU" b="0" i="0" dirty="0">
+                <a:effectLst/>
+                <a:latin typeface="YS Text"/>
+              </a:rPr>
+              <a:t>)</a:t>
+            </a:r>
+          </a:p>
+          <a:p>
+            <a:pPr algn="l">
+              <a:buFont typeface="+mj-lt"/>
+              <a:buAutoNum type="arabicPeriod"/>
+            </a:pPr>
+            <a:r>
+              <a:rPr lang="ru-RU" b="0" i="0" dirty="0">
+                <a:effectLst/>
+                <a:latin typeface="YS Text"/>
+              </a:rPr>
+              <a:t>Важна </a:t>
+            </a:r>
+            <a:r>
+              <a:rPr lang="ru-RU" b="1" i="0" dirty="0">
+                <a:effectLst/>
+                <a:latin typeface="YS Text"/>
+              </a:rPr>
+              <a:t>честность</a:t>
+            </a:r>
+            <a:r>
+              <a:rPr lang="ru-RU" b="0" i="0" dirty="0">
+                <a:effectLst/>
+                <a:latin typeface="YS Text"/>
+              </a:rPr>
+              <a:t> (</a:t>
+            </a:r>
+            <a:r>
+              <a:rPr lang="ru-RU" b="0" i="0" dirty="0" err="1">
+                <a:effectLst/>
+                <a:latin typeface="YS Text"/>
+              </a:rPr>
+              <a:t>fairness</a:t>
+            </a:r>
+            <a:r>
+              <a:rPr lang="ru-RU" b="0" i="0" dirty="0">
+                <a:effectLst/>
+                <a:latin typeface="YS Text"/>
+              </a:rPr>
+              <a:t>) распределения блокировок</a:t>
+            </a:r>
+          </a:p>
+          <a:p>
+            <a:pPr algn="l"/>
+            <a:r>
+              <a:rPr lang="ru-RU" b="0" i="0" dirty="0">
+                <a:effectLst/>
+                <a:latin typeface="YS Text"/>
+              </a:rPr>
+              <a:t>Интерфейс Lock предоставляет мощные инструменты для управления параллелизмом, но требует более аккуратного использования, чем </a:t>
+            </a:r>
+            <a:r>
+              <a:rPr lang="ru-RU" b="0" i="0" dirty="0" err="1">
+                <a:effectLst/>
+                <a:latin typeface="YS Text"/>
+              </a:rPr>
+              <a:t>synchronized</a:t>
+            </a:r>
+            <a:r>
+              <a:rPr lang="ru-RU" b="0" i="0" dirty="0">
+                <a:effectLst/>
+                <a:latin typeface="YS Text"/>
+              </a:rPr>
+              <a:t>.</a:t>
+            </a:r>
+          </a:p>
+          <a:p>
+            <a:endParaRPr lang="ru-RU" dirty="0"/>
+          </a:p>
+        </p:txBody>
+      </p:sp>
+      <p:sp>
+        <p:nvSpPr>
+          <p:cNvPr id="4" name="Номер слайда 3"/>
+          <p:cNvSpPr>
+            <a:spLocks noGrp="1"/>
+          </p:cNvSpPr>
+          <p:nvPr>
+            <p:ph type="sldNum" sz="quarter" idx="5"/>
+          </p:nvPr>
+        </p:nvSpPr>
+        <p:spPr/>
+        <p:txBody>
+          <a:bodyPr/>
+          <a:lstStyle/>
+          <a:p>
+            <a:fld id="{5F729189-23CE-4022-A357-B9239DF82E10}" type="slidenum">
+              <a:rPr lang="ru-RU" smtClean="0"/>
+              <a:t>28</a:t>
+            </a:fld>
+            <a:endParaRPr lang="ru-RU"/>
+          </a:p>
+        </p:txBody>
+      </p:sp>
+    </p:spTree>
+    <p:extLst>
+      <p:ext uri="{BB962C8B-B14F-4D97-AF65-F5344CB8AC3E}">
+        <p14:creationId xmlns:p14="http://schemas.microsoft.com/office/powerpoint/2010/main" val="4060545454"/>
+      </p:ext>
+    </p:extLst>
+  </p:cSld>
+  <p:clrMapOvr>
+    <a:masterClrMapping/>
+  </p:clrMapOvr>
+</p:notes>
+</file>
+
+<file path=ppt/notesSlides/notesSlide25.xml><?xml version="1.0" encoding="utf-8"?>
+<p:notes xmlns:a="http://schemas.openxmlformats.org/drawingml/2006/main" xmlns:r="http://schemas.openxmlformats.org/officeDocument/2006/relationships" xmlns:p="http://schemas.openxmlformats.org/presentationml/2006/main">
+  <p:cSld>
+    <p:spTree>
+      <p:nvGrpSpPr>
+        <p:cNvPr id="1" name=""/>
+        <p:cNvGrpSpPr/>
+        <p:nvPr/>
+      </p:nvGrpSpPr>
+      <p:grpSpPr>
+        <a:xfrm>
+          <a:off x="0" y="0"/>
+          <a:ext cx="0" cy="0"/>
+          <a:chOff x="0" y="0"/>
+          <a:chExt cx="0" cy="0"/>
+        </a:xfrm>
+      </p:grpSpPr>
+      <p:sp>
+        <p:nvSpPr>
+          <p:cNvPr id="2" name="Образ слайда 1"/>
+          <p:cNvSpPr>
+            <a:spLocks noGrp="1" noRot="1" noChangeAspect="1"/>
+          </p:cNvSpPr>
+          <p:nvPr>
+            <p:ph type="sldImg"/>
+          </p:nvPr>
+        </p:nvSpPr>
+        <p:spPr/>
+      </p:sp>
+      <p:sp>
+        <p:nvSpPr>
+          <p:cNvPr id="3" name="Заметки 2"/>
+          <p:cNvSpPr>
+            <a:spLocks noGrp="1"/>
+          </p:cNvSpPr>
+          <p:nvPr>
+            <p:ph type="body" idx="1"/>
+          </p:nvPr>
+        </p:nvSpPr>
+        <p:spPr/>
+        <p:txBody>
+          <a:bodyPr/>
+          <a:lstStyle/>
+          <a:p>
+            <a:endParaRPr lang="ru-RU" dirty="0"/>
+          </a:p>
+        </p:txBody>
+      </p:sp>
+      <p:sp>
+        <p:nvSpPr>
+          <p:cNvPr id="4" name="Номер слайда 3"/>
+          <p:cNvSpPr>
+            <a:spLocks noGrp="1"/>
+          </p:cNvSpPr>
+          <p:nvPr>
+            <p:ph type="sldNum" sz="quarter" idx="5"/>
+          </p:nvPr>
+        </p:nvSpPr>
+        <p:spPr/>
+        <p:txBody>
+          <a:bodyPr/>
+          <a:lstStyle/>
+          <a:p>
+            <a:fld id="{5F729189-23CE-4022-A357-B9239DF82E10}" type="slidenum">
+              <a:rPr lang="ru-RU" smtClean="0"/>
+              <a:t>29</a:t>
+            </a:fld>
+            <a:endParaRPr lang="ru-RU"/>
+          </a:p>
+        </p:txBody>
+      </p:sp>
+    </p:spTree>
+    <p:extLst>
+      <p:ext uri="{BB962C8B-B14F-4D97-AF65-F5344CB8AC3E}">
+        <p14:creationId xmlns:p14="http://schemas.microsoft.com/office/powerpoint/2010/main" val="3429277272"/>
+      </p:ext>
+    </p:extLst>
+  </p:cSld>
+  <p:clrMapOvr>
+    <a:masterClrMapping/>
+  </p:clrMapOvr>
+</p:notes>
+</file>
+
+<file path=ppt/notesSlides/notesSlide26.xml><?xml version="1.0" encoding="utf-8"?>
+<p:notes xmlns:a="http://schemas.openxmlformats.org/drawingml/2006/main" xmlns:r="http://schemas.openxmlformats.org/officeDocument/2006/relationships" xmlns:p="http://schemas.openxmlformats.org/presentationml/2006/main">
+  <p:cSld>
+    <p:spTree>
+      <p:nvGrpSpPr>
+        <p:cNvPr id="1" name=""/>
+        <p:cNvGrpSpPr/>
+        <p:nvPr/>
+      </p:nvGrpSpPr>
+      <p:grpSpPr>
+        <a:xfrm>
+          <a:off x="0" y="0"/>
+          <a:ext cx="0" cy="0"/>
+          <a:chOff x="0" y="0"/>
+          <a:chExt cx="0" cy="0"/>
+        </a:xfrm>
+      </p:grpSpPr>
+      <p:sp>
+        <p:nvSpPr>
+          <p:cNvPr id="2" name="Образ слайда 1"/>
+          <p:cNvSpPr>
+            <a:spLocks noGrp="1" noRot="1" noChangeAspect="1"/>
+          </p:cNvSpPr>
+          <p:nvPr>
+            <p:ph type="sldImg"/>
+          </p:nvPr>
+        </p:nvSpPr>
+        <p:spPr/>
+      </p:sp>
+      <p:sp>
+        <p:nvSpPr>
+          <p:cNvPr id="3" name="Заметки 2"/>
+          <p:cNvSpPr>
+            <a:spLocks noGrp="1"/>
+          </p:cNvSpPr>
+          <p:nvPr>
+            <p:ph type="body" idx="1"/>
+          </p:nvPr>
+        </p:nvSpPr>
+        <p:spPr/>
+        <p:txBody>
+          <a:bodyPr/>
+          <a:lstStyle/>
+          <a:p>
+            <a:endParaRPr lang="ru-RU" dirty="0"/>
+          </a:p>
+        </p:txBody>
+      </p:sp>
+      <p:sp>
+        <p:nvSpPr>
+          <p:cNvPr id="4" name="Номер слайда 3"/>
+          <p:cNvSpPr>
+            <a:spLocks noGrp="1"/>
+          </p:cNvSpPr>
+          <p:nvPr>
+            <p:ph type="sldNum" sz="quarter" idx="5"/>
+          </p:nvPr>
+        </p:nvSpPr>
+        <p:spPr/>
+        <p:txBody>
+          <a:bodyPr/>
+          <a:lstStyle/>
+          <a:p>
+            <a:fld id="{5F729189-23CE-4022-A357-B9239DF82E10}" type="slidenum">
+              <a:rPr lang="ru-RU" smtClean="0"/>
+              <a:t>30</a:t>
+            </a:fld>
+            <a:endParaRPr lang="ru-RU"/>
+          </a:p>
+        </p:txBody>
+      </p:sp>
+    </p:spTree>
+    <p:extLst>
+      <p:ext uri="{BB962C8B-B14F-4D97-AF65-F5344CB8AC3E}">
+        <p14:creationId xmlns:p14="http://schemas.microsoft.com/office/powerpoint/2010/main" val="1706260950"/>
+      </p:ext>
+    </p:extLst>
+  </p:cSld>
+  <p:clrMapOvr>
+    <a:masterClrMapping/>
+  </p:clrMapOvr>
+</p:notes>
+</file>
+
+<file path=ppt/notesSlides/notesSlide27.xml><?xml version="1.0" encoding="utf-8"?>
+<p:notes xmlns:a="http://schemas.openxmlformats.org/drawingml/2006/main" xmlns:r="http://schemas.openxmlformats.org/officeDocument/2006/relationships" xmlns:p="http://schemas.openxmlformats.org/presentationml/2006/main">
+  <p:cSld>
+    <p:spTree>
+      <p:nvGrpSpPr>
+        <p:cNvPr id="1" name=""/>
+        <p:cNvGrpSpPr/>
+        <p:nvPr/>
+      </p:nvGrpSpPr>
+      <p:grpSpPr>
+        <a:xfrm>
+          <a:off x="0" y="0"/>
+          <a:ext cx="0" cy="0"/>
+          <a:chOff x="0" y="0"/>
+          <a:chExt cx="0" cy="0"/>
+        </a:xfrm>
+      </p:grpSpPr>
+      <p:sp>
+        <p:nvSpPr>
+          <p:cNvPr id="2" name="Образ слайда 1"/>
+          <p:cNvSpPr>
+            <a:spLocks noGrp="1" noRot="1" noChangeAspect="1"/>
+          </p:cNvSpPr>
+          <p:nvPr>
+            <p:ph type="sldImg"/>
+          </p:nvPr>
+        </p:nvSpPr>
+        <p:spPr/>
+      </p:sp>
+      <p:sp>
+        <p:nvSpPr>
+          <p:cNvPr id="3" name="Заметки 2"/>
+          <p:cNvSpPr>
+            <a:spLocks noGrp="1"/>
+          </p:cNvSpPr>
+          <p:nvPr>
+            <p:ph type="body" idx="1"/>
+          </p:nvPr>
+        </p:nvSpPr>
+        <p:spPr/>
+        <p:txBody>
+          <a:bodyPr/>
+          <a:lstStyle/>
+          <a:p>
+            <a:pPr algn="l"/>
+            <a:r>
+              <a:rPr lang="ru-RU" b="1" i="0" dirty="0">
+                <a:solidFill>
+                  <a:srgbClr val="F8FAFF"/>
+                </a:solidFill>
+                <a:effectLst/>
+                <a:latin typeface="DeepSeek-CJK-patch"/>
+              </a:rPr>
+              <a:t>Производительность </a:t>
+            </a:r>
+            <a:r>
+              <a:rPr lang="ru-RU" b="1" i="0" dirty="0" err="1">
+                <a:solidFill>
+                  <a:srgbClr val="F8FAFF"/>
+                </a:solidFill>
+                <a:effectLst/>
+                <a:latin typeface="DeepSeek-CJK-patch"/>
+              </a:rPr>
+              <a:t>Condition</a:t>
+            </a:r>
+            <a:endParaRPr lang="ru-RU" b="0" i="0" dirty="0">
+              <a:solidFill>
+                <a:srgbClr val="F8FAFF"/>
+              </a:solidFill>
+              <a:effectLst/>
+              <a:latin typeface="DeepSeek-CJK-patch"/>
+            </a:endParaRPr>
+          </a:p>
+          <a:p>
+            <a:pPr algn="l">
+              <a:buFont typeface="+mj-lt"/>
+              <a:buAutoNum type="arabicPeriod"/>
+            </a:pPr>
+            <a:r>
+              <a:rPr lang="ru-RU" b="1" i="0" dirty="0">
+                <a:solidFill>
+                  <a:srgbClr val="F8FAFF"/>
+                </a:solidFill>
+                <a:effectLst/>
+                <a:latin typeface="DeepSeek-CJK-patch"/>
+              </a:rPr>
+              <a:t>По сравнению с </a:t>
+            </a:r>
+            <a:r>
+              <a:rPr lang="ru-RU" b="1" i="0" dirty="0" err="1">
+                <a:solidFill>
+                  <a:srgbClr val="F8FAFF"/>
+                </a:solidFill>
+                <a:effectLst/>
+                <a:latin typeface="DeepSeek-CJK-patch"/>
+              </a:rPr>
+              <a:t>wait</a:t>
+            </a:r>
+            <a:r>
+              <a:rPr lang="ru-RU" b="1" i="0" dirty="0">
+                <a:solidFill>
+                  <a:srgbClr val="F8FAFF"/>
+                </a:solidFill>
+                <a:effectLst/>
+                <a:latin typeface="DeepSeek-CJK-patch"/>
+              </a:rPr>
+              <a:t>()/</a:t>
+            </a:r>
+            <a:r>
+              <a:rPr lang="ru-RU" b="1" i="0" dirty="0" err="1">
+                <a:solidFill>
+                  <a:srgbClr val="F8FAFF"/>
+                </a:solidFill>
+                <a:effectLst/>
+                <a:latin typeface="DeepSeek-CJK-patch"/>
+              </a:rPr>
+              <a:t>notify</a:t>
+            </a:r>
+            <a:r>
+              <a:rPr lang="ru-RU" b="1" i="0" dirty="0">
+                <a:solidFill>
+                  <a:srgbClr val="F8FAFF"/>
+                </a:solidFill>
+                <a:effectLst/>
+                <a:latin typeface="DeepSeek-CJK-patch"/>
+              </a:rPr>
+              <a:t>()</a:t>
+            </a:r>
+            <a:r>
+              <a:rPr lang="ru-RU" b="0" i="0" dirty="0">
+                <a:solidFill>
+                  <a:srgbClr val="F8FAFF"/>
+                </a:solidFill>
+                <a:effectLst/>
+                <a:latin typeface="DeepSeek-CJK-patch"/>
+              </a:rPr>
+              <a:t>:</a:t>
+            </a:r>
+          </a:p>
+          <a:p>
+            <a:pPr marL="742950" lvl="1" indent="-285750" algn="l">
+              <a:buFont typeface="+mj-lt"/>
+              <a:buAutoNum type="arabicPeriod"/>
+            </a:pPr>
+            <a:r>
+              <a:rPr lang="ru-RU" b="0" i="0" dirty="0">
+                <a:solidFill>
+                  <a:srgbClr val="F8FAFF"/>
+                </a:solidFill>
+                <a:effectLst/>
+                <a:latin typeface="DeepSeek-CJK-patch"/>
+              </a:rPr>
+              <a:t>Сопоставимая базовая производительность</a:t>
+            </a:r>
+          </a:p>
+          <a:p>
+            <a:pPr marL="742950" lvl="1" indent="-285750" algn="l">
+              <a:buFont typeface="+mj-lt"/>
+              <a:buAutoNum type="arabicPeriod"/>
+            </a:pPr>
+            <a:r>
+              <a:rPr lang="ru-RU" b="0" i="0" dirty="0">
+                <a:solidFill>
+                  <a:srgbClr val="F8FAFF"/>
+                </a:solidFill>
+                <a:effectLst/>
+                <a:latin typeface="DeepSeek-CJK-patch"/>
+              </a:rPr>
+              <a:t>Лучшая масштабируемость за счет множественных условий</a:t>
+            </a:r>
+          </a:p>
+          <a:p>
+            <a:pPr algn="l">
+              <a:buFont typeface="+mj-lt"/>
+              <a:buAutoNum type="arabicPeriod"/>
+            </a:pPr>
+            <a:r>
+              <a:rPr lang="ru-RU" b="1" i="0" dirty="0">
+                <a:solidFill>
+                  <a:srgbClr val="F8FAFF"/>
+                </a:solidFill>
+                <a:effectLst/>
+                <a:latin typeface="DeepSeek-CJK-patch"/>
+              </a:rPr>
+              <a:t>Оптимизации в </a:t>
+            </a:r>
+            <a:r>
+              <a:rPr lang="ru-RU" b="1" i="0" dirty="0" err="1">
+                <a:solidFill>
+                  <a:srgbClr val="F8FAFF"/>
+                </a:solidFill>
+                <a:effectLst/>
+                <a:latin typeface="DeepSeek-CJK-patch"/>
+              </a:rPr>
+              <a:t>HotSpot</a:t>
+            </a:r>
+            <a:r>
+              <a:rPr lang="ru-RU" b="0" i="0" dirty="0">
+                <a:solidFill>
+                  <a:srgbClr val="F8FAFF"/>
+                </a:solidFill>
+                <a:effectLst/>
+                <a:latin typeface="DeepSeek-CJK-patch"/>
+              </a:rPr>
+              <a:t>:</a:t>
+            </a:r>
+          </a:p>
+          <a:p>
+            <a:pPr marL="742950" lvl="1" indent="-285750" algn="l">
+              <a:buFont typeface="+mj-lt"/>
+              <a:buAutoNum type="arabicPeriod"/>
+            </a:pPr>
+            <a:r>
+              <a:rPr lang="ru-RU" b="0" i="0" dirty="0">
+                <a:solidFill>
+                  <a:srgbClr val="F8FAFF"/>
+                </a:solidFill>
+                <a:effectLst/>
+                <a:latin typeface="DeepSeek-CJK-patch"/>
+              </a:rPr>
+              <a:t>Внутренние механизмы аналогичны мониторам</a:t>
+            </a:r>
+          </a:p>
+          <a:p>
+            <a:pPr marL="742950" lvl="1" indent="-285750" algn="l">
+              <a:buFont typeface="+mj-lt"/>
+              <a:buAutoNum type="arabicPeriod"/>
+            </a:pPr>
+            <a:r>
+              <a:rPr lang="ru-RU" b="0" i="0" dirty="0">
+                <a:solidFill>
+                  <a:srgbClr val="F8FAFF"/>
+                </a:solidFill>
+                <a:effectLst/>
+                <a:latin typeface="DeepSeek-CJK-patch"/>
+              </a:rPr>
+              <a:t>Нет существенных накладных расходов</a:t>
+            </a:r>
+          </a:p>
+          <a:p>
+            <a:pPr algn="l">
+              <a:buFont typeface="+mj-lt"/>
+              <a:buAutoNum type="arabicPeriod"/>
+            </a:pPr>
+            <a:r>
+              <a:rPr lang="ru-RU" b="1" i="0" dirty="0">
+                <a:solidFill>
+                  <a:srgbClr val="F8FAFF"/>
+                </a:solidFill>
+                <a:effectLst/>
+                <a:latin typeface="DeepSeek-CJK-patch"/>
+              </a:rPr>
+              <a:t>Влияние на производительность</a:t>
+            </a:r>
+            <a:r>
+              <a:rPr lang="ru-RU" b="0" i="0" dirty="0">
+                <a:solidFill>
+                  <a:srgbClr val="F8FAFF"/>
+                </a:solidFill>
+                <a:effectLst/>
+                <a:latin typeface="DeepSeek-CJK-patch"/>
+              </a:rPr>
+              <a:t>:</a:t>
+            </a:r>
+          </a:p>
+          <a:p>
+            <a:pPr marL="742950" lvl="1" indent="-285750" algn="l">
+              <a:buFont typeface="+mj-lt"/>
+              <a:buAutoNum type="arabicPeriod"/>
+            </a:pPr>
+            <a:r>
+              <a:rPr lang="ru-RU" b="0" i="0" dirty="0">
+                <a:solidFill>
+                  <a:srgbClr val="F8FAFF"/>
+                </a:solidFill>
+                <a:effectLst/>
+                <a:latin typeface="DeepSeek-CJK-patch"/>
+              </a:rPr>
+              <a:t>Множественные </a:t>
+            </a:r>
+            <a:r>
+              <a:rPr lang="ru-RU" b="0" i="0" dirty="0" err="1">
+                <a:solidFill>
+                  <a:srgbClr val="F8FAFF"/>
+                </a:solidFill>
+                <a:effectLst/>
+                <a:latin typeface="DeepSeek-CJK-patch"/>
+              </a:rPr>
+              <a:t>Condition</a:t>
+            </a:r>
+            <a:r>
+              <a:rPr lang="ru-RU" b="0" i="0" dirty="0">
+                <a:solidFill>
+                  <a:srgbClr val="F8FAFF"/>
+                </a:solidFill>
+                <a:effectLst/>
+                <a:latin typeface="DeepSeek-CJK-patch"/>
+              </a:rPr>
+              <a:t> не создают значительных издержек</a:t>
+            </a:r>
+          </a:p>
+          <a:p>
+            <a:pPr marL="742950" lvl="1" indent="-285750" algn="l">
+              <a:buFont typeface="+mj-lt"/>
+              <a:buAutoNum type="arabicPeriod"/>
+            </a:pPr>
+            <a:r>
+              <a:rPr lang="ru-RU" b="0" i="0" dirty="0">
+                <a:solidFill>
+                  <a:srgbClr val="F8FAFF"/>
+                </a:solidFill>
+                <a:effectLst/>
+                <a:latin typeface="DeepSeek-CJK-patch"/>
+              </a:rPr>
+              <a:t>Лучше использовать несколько </a:t>
+            </a:r>
+            <a:r>
+              <a:rPr lang="ru-RU" b="0" i="0" dirty="0" err="1">
+                <a:solidFill>
+                  <a:srgbClr val="F8FAFF"/>
+                </a:solidFill>
+                <a:effectLst/>
+                <a:latin typeface="DeepSeek-CJK-patch"/>
+              </a:rPr>
+              <a:t>Condition</a:t>
+            </a:r>
+            <a:r>
+              <a:rPr lang="ru-RU" b="0" i="0" dirty="0">
+                <a:solidFill>
+                  <a:srgbClr val="F8FAFF"/>
+                </a:solidFill>
+                <a:effectLst/>
+                <a:latin typeface="DeepSeek-CJK-patch"/>
+              </a:rPr>
+              <a:t>, чем сложную логику с одним</a:t>
+            </a:r>
+          </a:p>
+          <a:p>
+            <a:pPr algn="l"/>
+            <a:r>
+              <a:rPr lang="ru-RU" b="0" i="0" dirty="0" err="1">
+                <a:solidFill>
+                  <a:srgbClr val="F8FAFF"/>
+                </a:solidFill>
+                <a:effectLst/>
+                <a:latin typeface="DeepSeek-CJK-patch"/>
+              </a:rPr>
+              <a:t>Condition</a:t>
+            </a:r>
+            <a:r>
+              <a:rPr lang="ru-RU" b="0" i="0" dirty="0">
+                <a:solidFill>
+                  <a:srgbClr val="F8FAFF"/>
+                </a:solidFill>
+                <a:effectLst/>
+                <a:latin typeface="DeepSeek-CJK-patch"/>
+              </a:rPr>
+              <a:t> предоставляет мощный и гибкий механизм координации потоков, который особенно полезен в сложных сценариях синхронизации, где базовых методов </a:t>
+            </a:r>
+            <a:r>
+              <a:rPr lang="ru-RU" b="0" i="0" dirty="0" err="1">
+                <a:solidFill>
+                  <a:srgbClr val="F8FAFF"/>
+                </a:solidFill>
+                <a:effectLst/>
+                <a:latin typeface="DeepSeek-CJK-patch"/>
+              </a:rPr>
+              <a:t>Object.wait</a:t>
+            </a:r>
+            <a:r>
+              <a:rPr lang="ru-RU" b="0" i="0" dirty="0">
+                <a:solidFill>
+                  <a:srgbClr val="F8FAFF"/>
+                </a:solidFill>
+                <a:effectLst/>
+                <a:latin typeface="DeepSeek-CJK-patch"/>
+              </a:rPr>
+              <a:t>()/</a:t>
+            </a:r>
+            <a:r>
+              <a:rPr lang="ru-RU" b="0" i="0" dirty="0" err="1">
+                <a:solidFill>
+                  <a:srgbClr val="F8FAFF"/>
+                </a:solidFill>
+                <a:effectLst/>
+                <a:latin typeface="DeepSeek-CJK-patch"/>
+              </a:rPr>
+              <a:t>notify</a:t>
+            </a:r>
+            <a:r>
+              <a:rPr lang="ru-RU" b="0" i="0" dirty="0">
+                <a:solidFill>
+                  <a:srgbClr val="F8FAFF"/>
+                </a:solidFill>
+                <a:effectLst/>
+                <a:latin typeface="DeepSeek-CJK-patch"/>
+              </a:rPr>
+              <a:t>() недостаточно.</a:t>
+            </a:r>
+          </a:p>
+        </p:txBody>
+      </p:sp>
+      <p:sp>
+        <p:nvSpPr>
+          <p:cNvPr id="4" name="Номер слайда 3"/>
+          <p:cNvSpPr>
+            <a:spLocks noGrp="1"/>
+          </p:cNvSpPr>
+          <p:nvPr>
+            <p:ph type="sldNum" sz="quarter" idx="5"/>
+          </p:nvPr>
+        </p:nvSpPr>
+        <p:spPr/>
+        <p:txBody>
+          <a:bodyPr/>
+          <a:lstStyle/>
+          <a:p>
+            <a:fld id="{5F729189-23CE-4022-A357-B9239DF82E10}" type="slidenum">
+              <a:rPr lang="ru-RU" smtClean="0"/>
+              <a:t>31</a:t>
+            </a:fld>
+            <a:endParaRPr lang="ru-RU"/>
+          </a:p>
+        </p:txBody>
+      </p:sp>
+    </p:spTree>
+    <p:extLst>
+      <p:ext uri="{BB962C8B-B14F-4D97-AF65-F5344CB8AC3E}">
+        <p14:creationId xmlns:p14="http://schemas.microsoft.com/office/powerpoint/2010/main" val="2718440398"/>
+      </p:ext>
+    </p:extLst>
+  </p:cSld>
+  <p:clrMapOvr>
+    <a:masterClrMapping/>
+  </p:clrMapOvr>
+</p:notes>
+</file>
+
 <file path=ppt/notesSlides/notesSlide3.xml><?xml version="1.0" encoding="utf-8"?>
 <p:notes xmlns:a="http://schemas.openxmlformats.org/drawingml/2006/main" xmlns:r="http://schemas.openxmlformats.org/officeDocument/2006/relationships" xmlns:p="http://schemas.openxmlformats.org/presentationml/2006/main">
   <p:cSld>
@@ -6821,7 +10654,7 @@
           <a:p>
             <a:fld id="{6D05CBBA-D782-497D-B3B5-452762B3B9E7}" type="datetimeFigureOut">
               <a:rPr lang="ru-RU" smtClean="0"/>
-              <a:t>08.04.2025</a:t>
+              <a:t>15.04.2025</a:t>
             </a:fld>
             <a:endParaRPr lang="ru-RU"/>
           </a:p>
@@ -6991,7 +10824,7 @@
           <a:p>
             <a:fld id="{6D05CBBA-D782-497D-B3B5-452762B3B9E7}" type="datetimeFigureOut">
               <a:rPr lang="ru-RU" smtClean="0"/>
-              <a:t>08.04.2025</a:t>
+              <a:t>15.04.2025</a:t>
             </a:fld>
             <a:endParaRPr lang="ru-RU"/>
           </a:p>
@@ -7171,7 +11004,7 @@
           <a:p>
             <a:fld id="{6D05CBBA-D782-497D-B3B5-452762B3B9E7}" type="datetimeFigureOut">
               <a:rPr lang="ru-RU" smtClean="0"/>
-              <a:t>08.04.2025</a:t>
+              <a:t>15.04.2025</a:t>
             </a:fld>
             <a:endParaRPr lang="ru-RU"/>
           </a:p>
@@ -7387,7 +11220,7 @@
           <a:p>
             <a:fld id="{6D05CBBA-D782-497D-B3B5-452762B3B9E7}" type="datetimeFigureOut">
               <a:rPr lang="ru-RU" smtClean="0"/>
-              <a:t>08.04.2025</a:t>
+              <a:t>15.04.2025</a:t>
             </a:fld>
             <a:endParaRPr lang="ru-RU"/>
           </a:p>
@@ -7654,7 +11487,7 @@
           <a:p>
             <a:fld id="{6D05CBBA-D782-497D-B3B5-452762B3B9E7}" type="datetimeFigureOut">
               <a:rPr lang="ru-RU" smtClean="0"/>
-              <a:t>08.04.2025</a:t>
+              <a:t>15.04.2025</a:t>
             </a:fld>
             <a:endParaRPr lang="ru-RU"/>
           </a:p>
@@ -7886,7 +11719,7 @@
           <a:p>
             <a:fld id="{6D05CBBA-D782-497D-B3B5-452762B3B9E7}" type="datetimeFigureOut">
               <a:rPr lang="ru-RU" smtClean="0"/>
-              <a:t>08.04.2025</a:t>
+              <a:t>15.04.2025</a:t>
             </a:fld>
             <a:endParaRPr lang="ru-RU"/>
           </a:p>
@@ -8253,7 +12086,7 @@
           <a:p>
             <a:fld id="{6D05CBBA-D782-497D-B3B5-452762B3B9E7}" type="datetimeFigureOut">
               <a:rPr lang="ru-RU" smtClean="0"/>
-              <a:t>08.04.2025</a:t>
+              <a:t>15.04.2025</a:t>
             </a:fld>
             <a:endParaRPr lang="ru-RU"/>
           </a:p>
@@ -8371,7 +12204,7 @@
           <a:p>
             <a:fld id="{6D05CBBA-D782-497D-B3B5-452762B3B9E7}" type="datetimeFigureOut">
               <a:rPr lang="ru-RU" smtClean="0"/>
-              <a:t>08.04.2025</a:t>
+              <a:t>15.04.2025</a:t>
             </a:fld>
             <a:endParaRPr lang="ru-RU"/>
           </a:p>
@@ -8466,7 +12299,7 @@
           <a:p>
             <a:fld id="{6D05CBBA-D782-497D-B3B5-452762B3B9E7}" type="datetimeFigureOut">
               <a:rPr lang="ru-RU" smtClean="0"/>
-              <a:t>08.04.2025</a:t>
+              <a:t>15.04.2025</a:t>
             </a:fld>
             <a:endParaRPr lang="ru-RU"/>
           </a:p>
@@ -8743,7 +12576,7 @@
           <a:p>
             <a:fld id="{6D05CBBA-D782-497D-B3B5-452762B3B9E7}" type="datetimeFigureOut">
               <a:rPr lang="ru-RU" smtClean="0"/>
-              <a:t>08.04.2025</a:t>
+              <a:t>15.04.2025</a:t>
             </a:fld>
             <a:endParaRPr lang="ru-RU"/>
           </a:p>
@@ -9000,7 +12833,7 @@
           <a:p>
             <a:fld id="{6D05CBBA-D782-497D-B3B5-452762B3B9E7}" type="datetimeFigureOut">
               <a:rPr lang="ru-RU" smtClean="0"/>
-              <a:t>08.04.2025</a:t>
+              <a:t>15.04.2025</a:t>
             </a:fld>
             <a:endParaRPr lang="ru-RU"/>
           </a:p>
@@ -9227,7 +13060,7 @@
           <a:p>
             <a:fld id="{6D05CBBA-D782-497D-B3B5-452762B3B9E7}" type="datetimeFigureOut">
               <a:rPr lang="ru-RU" smtClean="0"/>
-              <a:t>08.04.2025</a:t>
+              <a:t>15.04.2025</a:t>
             </a:fld>
             <a:endParaRPr lang="ru-RU"/>
           </a:p>
@@ -18563,7 +22396,12 @@
             <p:ph type="title"/>
           </p:nvPr>
         </p:nvSpPr>
-        <p:spPr/>
+        <p:spPr>
+          <a:xfrm>
+            <a:off x="134754" y="99174"/>
+            <a:ext cx="11922492" cy="365125"/>
+          </a:xfrm>
+        </p:spPr>
         <p:txBody>
           <a:bodyPr/>
           <a:lstStyle/>
@@ -18591,7 +22429,7 @@
           <p:nvPr/>
         </p:nvPicPr>
         <p:blipFill>
-          <a:blip r:embed="rId2">
+          <a:blip r:embed="rId3">
             <a:extLst>
               <a:ext uri="{28A0092B-C50C-407E-A947-70E740481C1C}">
                 <a14:useLocalDpi xmlns:a14="http://schemas.microsoft.com/office/drawing/2010/main" val="0"/>
@@ -18605,8 +22443,8 @@
         </p:blipFill>
         <p:spPr bwMode="auto">
           <a:xfrm>
-            <a:off x="4181475" y="2276475"/>
-            <a:ext cx="3829050" cy="2305050"/>
+            <a:off x="7157883" y="657225"/>
+            <a:ext cx="4518180" cy="3185682"/>
           </a:xfrm>
           <a:prstGeom prst="rect">
             <a:avLst/>
@@ -18621,6 +22459,411 @@
               </a14:hiddenFill>
             </a:ext>
           </a:extLst>
+        </p:spPr>
+      </p:pic>
+      <p:sp>
+        <p:nvSpPr>
+          <p:cNvPr id="3" name="Объект 2">
+            <a:extLst>
+              <a:ext uri="{FF2B5EF4-FFF2-40B4-BE49-F238E27FC236}">
+                <a16:creationId xmlns:a16="http://schemas.microsoft.com/office/drawing/2014/main" id="{2E6B8EEA-2B05-CB7B-22CB-AEB8C73F3E42}"/>
+              </a:ext>
+            </a:extLst>
+          </p:cNvPr>
+          <p:cNvSpPr txBox="1">
+            <a:spLocks/>
+          </p:cNvSpPr>
+          <p:nvPr/>
+        </p:nvSpPr>
+        <p:spPr>
+          <a:xfrm>
+            <a:off x="515937" y="658732"/>
+            <a:ext cx="6641947" cy="3185682"/>
+          </a:xfrm>
+          <a:prstGeom prst="rect">
+            <a:avLst/>
+          </a:prstGeom>
+          <a:solidFill>
+            <a:srgbClr val="171717"/>
+          </a:solidFill>
+        </p:spPr>
+        <p:txBody>
+          <a:bodyPr vert="horz" lIns="91440" tIns="45720" rIns="91440" bIns="45720" rtlCol="0">
+            <a:normAutofit/>
+          </a:bodyPr>
+          <a:lstStyle>
+            <a:lvl1pPr marL="228600" indent="-228600" algn="l" defTabSz="914400" rtl="0" eaLnBrk="1" latinLnBrk="0" hangingPunct="1">
+              <a:lnSpc>
+                <a:spcPct val="90000"/>
+              </a:lnSpc>
+              <a:spcBef>
+                <a:spcPts val="1000"/>
+              </a:spcBef>
+              <a:buFont typeface="Arial" panose="020B0604020202020204" pitchFamily="34" charset="0"/>
+              <a:buChar char="•"/>
+              <a:defRPr sz="1600" kern="1200">
+                <a:solidFill>
+                  <a:schemeClr val="tx1"/>
+                </a:solidFill>
+                <a:latin typeface="Arial" panose="020B0604020202020204" pitchFamily="34" charset="0"/>
+                <a:ea typeface="+mn-ea"/>
+                <a:cs typeface="Arial" panose="020B0604020202020204" pitchFamily="34" charset="0"/>
+              </a:defRPr>
+            </a:lvl1pPr>
+            <a:lvl2pPr marL="685800" indent="-228600" algn="l" defTabSz="914400" rtl="0" eaLnBrk="1" latinLnBrk="0" hangingPunct="1">
+              <a:lnSpc>
+                <a:spcPct val="90000"/>
+              </a:lnSpc>
+              <a:spcBef>
+                <a:spcPts val="500"/>
+              </a:spcBef>
+              <a:buFont typeface="Arial" panose="020B0604020202020204" pitchFamily="34" charset="0"/>
+              <a:buChar char="•"/>
+              <a:defRPr sz="1600" kern="1200">
+                <a:solidFill>
+                  <a:schemeClr val="tx1"/>
+                </a:solidFill>
+                <a:latin typeface="Arial" panose="020B0604020202020204" pitchFamily="34" charset="0"/>
+                <a:ea typeface="+mn-ea"/>
+                <a:cs typeface="Arial" panose="020B0604020202020204" pitchFamily="34" charset="0"/>
+              </a:defRPr>
+            </a:lvl2pPr>
+            <a:lvl3pPr marL="1143000" indent="-228600" algn="l" defTabSz="914400" rtl="0" eaLnBrk="1" latinLnBrk="0" hangingPunct="1">
+              <a:lnSpc>
+                <a:spcPct val="90000"/>
+              </a:lnSpc>
+              <a:spcBef>
+                <a:spcPts val="500"/>
+              </a:spcBef>
+              <a:buFont typeface="Arial" panose="020B0604020202020204" pitchFamily="34" charset="0"/>
+              <a:buChar char="•"/>
+              <a:defRPr sz="1600" kern="1200">
+                <a:solidFill>
+                  <a:schemeClr val="tx1"/>
+                </a:solidFill>
+                <a:latin typeface="Arial" panose="020B0604020202020204" pitchFamily="34" charset="0"/>
+                <a:ea typeface="+mn-ea"/>
+                <a:cs typeface="Arial" panose="020B0604020202020204" pitchFamily="34" charset="0"/>
+              </a:defRPr>
+            </a:lvl3pPr>
+            <a:lvl4pPr marL="1600200" indent="-228600" algn="l" defTabSz="914400" rtl="0" eaLnBrk="1" latinLnBrk="0" hangingPunct="1">
+              <a:lnSpc>
+                <a:spcPct val="90000"/>
+              </a:lnSpc>
+              <a:spcBef>
+                <a:spcPts val="500"/>
+              </a:spcBef>
+              <a:buFont typeface="Arial" panose="020B0604020202020204" pitchFamily="34" charset="0"/>
+              <a:buChar char="•"/>
+              <a:defRPr sz="1400" kern="1200">
+                <a:solidFill>
+                  <a:schemeClr val="tx1"/>
+                </a:solidFill>
+                <a:latin typeface="Arial" panose="020B0604020202020204" pitchFamily="34" charset="0"/>
+                <a:ea typeface="+mn-ea"/>
+                <a:cs typeface="Arial" panose="020B0604020202020204" pitchFamily="34" charset="0"/>
+              </a:defRPr>
+            </a:lvl4pPr>
+            <a:lvl5pPr marL="2057400" indent="-228600" algn="l" defTabSz="914400" rtl="0" eaLnBrk="1" latinLnBrk="0" hangingPunct="1">
+              <a:lnSpc>
+                <a:spcPct val="90000"/>
+              </a:lnSpc>
+              <a:spcBef>
+                <a:spcPts val="500"/>
+              </a:spcBef>
+              <a:buFont typeface="Arial" panose="020B0604020202020204" pitchFamily="34" charset="0"/>
+              <a:buChar char="•"/>
+              <a:defRPr sz="1400" kern="1200">
+                <a:solidFill>
+                  <a:schemeClr val="tx1"/>
+                </a:solidFill>
+                <a:latin typeface="Arial" panose="020B0604020202020204" pitchFamily="34" charset="0"/>
+                <a:ea typeface="+mn-ea"/>
+                <a:cs typeface="Arial" panose="020B0604020202020204" pitchFamily="34" charset="0"/>
+              </a:defRPr>
+            </a:lvl5pPr>
+            <a:lvl6pPr marL="2514600" indent="-228600" algn="l" defTabSz="914400" rtl="0" eaLnBrk="1" latinLnBrk="0" hangingPunct="1">
+              <a:lnSpc>
+                <a:spcPct val="90000"/>
+              </a:lnSpc>
+              <a:spcBef>
+                <a:spcPts val="500"/>
+              </a:spcBef>
+              <a:buFont typeface="Arial" panose="020B0604020202020204" pitchFamily="34" charset="0"/>
+              <a:buChar char="•"/>
+              <a:defRPr sz="1800" kern="1200">
+                <a:solidFill>
+                  <a:schemeClr val="tx1"/>
+                </a:solidFill>
+                <a:latin typeface="+mn-lt"/>
+                <a:ea typeface="+mn-ea"/>
+                <a:cs typeface="+mn-cs"/>
+              </a:defRPr>
+            </a:lvl6pPr>
+            <a:lvl7pPr marL="2971800" indent="-228600" algn="l" defTabSz="914400" rtl="0" eaLnBrk="1" latinLnBrk="0" hangingPunct="1">
+              <a:lnSpc>
+                <a:spcPct val="90000"/>
+              </a:lnSpc>
+              <a:spcBef>
+                <a:spcPts val="500"/>
+              </a:spcBef>
+              <a:buFont typeface="Arial" panose="020B0604020202020204" pitchFamily="34" charset="0"/>
+              <a:buChar char="•"/>
+              <a:defRPr sz="1800" kern="1200">
+                <a:solidFill>
+                  <a:schemeClr val="tx1"/>
+                </a:solidFill>
+                <a:latin typeface="+mn-lt"/>
+                <a:ea typeface="+mn-ea"/>
+                <a:cs typeface="+mn-cs"/>
+              </a:defRPr>
+            </a:lvl7pPr>
+            <a:lvl8pPr marL="3429000" indent="-228600" algn="l" defTabSz="914400" rtl="0" eaLnBrk="1" latinLnBrk="0" hangingPunct="1">
+              <a:lnSpc>
+                <a:spcPct val="90000"/>
+              </a:lnSpc>
+              <a:spcBef>
+                <a:spcPts val="500"/>
+              </a:spcBef>
+              <a:buFont typeface="Arial" panose="020B0604020202020204" pitchFamily="34" charset="0"/>
+              <a:buChar char="•"/>
+              <a:defRPr sz="1800" kern="1200">
+                <a:solidFill>
+                  <a:schemeClr val="tx1"/>
+                </a:solidFill>
+                <a:latin typeface="+mn-lt"/>
+                <a:ea typeface="+mn-ea"/>
+                <a:cs typeface="+mn-cs"/>
+              </a:defRPr>
+            </a:lvl8pPr>
+            <a:lvl9pPr marL="3886200" indent="-228600" algn="l" defTabSz="914400" rtl="0" eaLnBrk="1" latinLnBrk="0" hangingPunct="1">
+              <a:lnSpc>
+                <a:spcPct val="90000"/>
+              </a:lnSpc>
+              <a:spcBef>
+                <a:spcPts val="500"/>
+              </a:spcBef>
+              <a:buFont typeface="Arial" panose="020B0604020202020204" pitchFamily="34" charset="0"/>
+              <a:buChar char="•"/>
+              <a:defRPr sz="1800" kern="1200">
+                <a:solidFill>
+                  <a:schemeClr val="tx1"/>
+                </a:solidFill>
+                <a:latin typeface="+mn-lt"/>
+                <a:ea typeface="+mn-ea"/>
+                <a:cs typeface="+mn-cs"/>
+              </a:defRPr>
+            </a:lvl9pPr>
+          </a:lstStyle>
+          <a:p>
+            <a:pPr marL="0" indent="0">
+              <a:buNone/>
+            </a:pPr>
+            <a:r>
+              <a:rPr lang="ru-RU" dirty="0" err="1">
+                <a:solidFill>
+                  <a:srgbClr val="BC5CFF"/>
+                </a:solidFill>
+              </a:rPr>
+              <a:t>CyclicBarrier</a:t>
+            </a:r>
+            <a:r>
+              <a:rPr lang="ru-RU" dirty="0">
+                <a:solidFill>
+                  <a:srgbClr val="DDDDDD"/>
+                </a:solidFill>
+              </a:rPr>
+              <a:t> — это синхронизатор в Java, который позволяет группе потоков ждать друг друга в определенной точке (</a:t>
+            </a:r>
+            <a:r>
+              <a:rPr lang="ru-RU" dirty="0">
+                <a:solidFill>
+                  <a:srgbClr val="FF423F"/>
+                </a:solidFill>
+              </a:rPr>
+              <a:t>барьере</a:t>
+            </a:r>
+            <a:r>
+              <a:rPr lang="ru-RU" dirty="0">
+                <a:solidFill>
+                  <a:srgbClr val="DDDDDD"/>
+                </a:solidFill>
+              </a:rPr>
+              <a:t>), прежде чем продолжить выполнение. В отличие от </a:t>
+            </a:r>
+            <a:r>
+              <a:rPr lang="ru-RU" dirty="0" err="1">
+                <a:solidFill>
+                  <a:srgbClr val="BC5CFF"/>
+                </a:solidFill>
+              </a:rPr>
+              <a:t>CountDownLatch</a:t>
+            </a:r>
+            <a:r>
+              <a:rPr lang="ru-RU" dirty="0">
+                <a:solidFill>
+                  <a:srgbClr val="DDDDDD"/>
+                </a:solidFill>
+              </a:rPr>
+              <a:t>, он может быть использован повторно (</a:t>
+            </a:r>
+            <a:r>
+              <a:rPr lang="ru-RU" dirty="0">
+                <a:solidFill>
+                  <a:srgbClr val="FF423F"/>
+                </a:solidFill>
+              </a:rPr>
+              <a:t>циклически</a:t>
+            </a:r>
+            <a:r>
+              <a:rPr lang="ru-RU" dirty="0">
+                <a:solidFill>
+                  <a:srgbClr val="DDDDDD"/>
+                </a:solidFill>
+              </a:rPr>
+              <a:t>).</a:t>
+            </a:r>
+          </a:p>
+          <a:p>
+            <a:pPr algn="l">
+              <a:buFont typeface="Arial" panose="020B0604020202020204" pitchFamily="34" charset="0"/>
+              <a:buChar char="•"/>
+            </a:pPr>
+            <a:r>
+              <a:rPr lang="ru-RU" b="0" i="0" dirty="0">
+                <a:solidFill>
+                  <a:srgbClr val="F8FAFF"/>
+                </a:solidFill>
+                <a:effectLst/>
+                <a:latin typeface="DeepSeek-CJK-patch"/>
+              </a:rPr>
+              <a:t>Потоки достигают барьера и ожидают, пока все остальные потоки тоже его достигнут</a:t>
+            </a:r>
+          </a:p>
+          <a:p>
+            <a:pPr algn="l">
+              <a:buFont typeface="Arial" panose="020B0604020202020204" pitchFamily="34" charset="0"/>
+              <a:buChar char="•"/>
+            </a:pPr>
+            <a:r>
+              <a:rPr lang="ru-RU" b="0" i="0" dirty="0">
+                <a:solidFill>
+                  <a:srgbClr val="F8FAFF"/>
+                </a:solidFill>
+                <a:effectLst/>
+                <a:latin typeface="DeepSeek-CJK-patch"/>
+              </a:rPr>
+              <a:t>Когда последний поток достигает барьера:</a:t>
+            </a:r>
+          </a:p>
+          <a:p>
+            <a:pPr marL="742950" lvl="1" indent="-285750" algn="l">
+              <a:buFont typeface="Arial" panose="020B0604020202020204" pitchFamily="34" charset="0"/>
+              <a:buChar char="•"/>
+            </a:pPr>
+            <a:r>
+              <a:rPr lang="ru-RU" b="0" i="0" dirty="0">
+                <a:solidFill>
+                  <a:srgbClr val="F8FAFF"/>
+                </a:solidFill>
+                <a:effectLst/>
+                <a:latin typeface="DeepSeek-CJK-patch"/>
+              </a:rPr>
+              <a:t>Выполняется опциональное действие (</a:t>
+            </a:r>
+            <a:r>
+              <a:rPr lang="ru-RU" b="0" i="0" dirty="0" err="1">
+                <a:solidFill>
+                  <a:srgbClr val="FF423F"/>
+                </a:solidFill>
+                <a:effectLst/>
+                <a:latin typeface="DeepSeek-CJK-patch"/>
+              </a:rPr>
+              <a:t>Runnable</a:t>
+            </a:r>
+            <a:r>
+              <a:rPr lang="ru-RU" b="0" i="0" dirty="0">
+                <a:solidFill>
+                  <a:srgbClr val="F8FAFF"/>
+                </a:solidFill>
+                <a:effectLst/>
+                <a:latin typeface="DeepSeek-CJK-patch"/>
+              </a:rPr>
+              <a:t>)</a:t>
+            </a:r>
+          </a:p>
+          <a:p>
+            <a:pPr marL="742950" lvl="1" indent="-285750" algn="l">
+              <a:buFont typeface="Arial" panose="020B0604020202020204" pitchFamily="34" charset="0"/>
+              <a:buChar char="•"/>
+            </a:pPr>
+            <a:r>
+              <a:rPr lang="ru-RU" b="0" i="0" dirty="0">
+                <a:solidFill>
+                  <a:srgbClr val="F8FAFF"/>
+                </a:solidFill>
+                <a:effectLst/>
+                <a:latin typeface="DeepSeek-CJK-patch"/>
+              </a:rPr>
+              <a:t>Все потоки разблокируются и продолжают работу</a:t>
+            </a:r>
+          </a:p>
+          <a:p>
+            <a:pPr algn="l">
+              <a:buFont typeface="Arial" panose="020B0604020202020204" pitchFamily="34" charset="0"/>
+              <a:buChar char="•"/>
+            </a:pPr>
+            <a:r>
+              <a:rPr lang="ru-RU" b="0" i="0" dirty="0">
+                <a:solidFill>
+                  <a:srgbClr val="F8FAFF"/>
+                </a:solidFill>
+                <a:effectLst/>
+                <a:latin typeface="DeepSeek-CJK-patch"/>
+              </a:rPr>
+              <a:t>Барьер сбрасывается и может быть использован снова</a:t>
+            </a:r>
+          </a:p>
+          <a:p>
+            <a:pPr marL="0" indent="0">
+              <a:buNone/>
+            </a:pPr>
+            <a:endParaRPr lang="ru-RU" dirty="0">
+              <a:solidFill>
+                <a:srgbClr val="BC5CFF"/>
+              </a:solidFill>
+            </a:endParaRPr>
+          </a:p>
+        </p:txBody>
+      </p:sp>
+      <p:pic>
+        <p:nvPicPr>
+          <p:cNvPr id="6" name="Рисунок 5">
+            <a:extLst>
+              <a:ext uri="{FF2B5EF4-FFF2-40B4-BE49-F238E27FC236}">
+                <a16:creationId xmlns:a16="http://schemas.microsoft.com/office/drawing/2014/main" id="{971EF784-878F-3753-8CDE-61CD5DC1F9D6}"/>
+              </a:ext>
+            </a:extLst>
+          </p:cNvPr>
+          <p:cNvPicPr>
+            <a:picLocks noChangeAspect="1"/>
+          </p:cNvPicPr>
+          <p:nvPr/>
+        </p:nvPicPr>
+        <p:blipFill>
+          <a:blip r:embed="rId4"/>
+          <a:stretch>
+            <a:fillRect/>
+          </a:stretch>
+        </p:blipFill>
+        <p:spPr>
+          <a:xfrm>
+            <a:off x="1514617" y="3923891"/>
+            <a:ext cx="8592749" cy="2934109"/>
+          </a:xfrm>
+          <a:prstGeom prst="rect">
+            <a:avLst/>
+          </a:prstGeom>
         </p:spPr>
       </p:pic>
     </p:spTree>
@@ -18675,7 +22918,7 @@
           <a:lstStyle/>
           <a:p>
             <a:r>
-              <a:rPr lang="en-US"/>
+              <a:rPr lang="en-US" dirty="0"/>
               <a:t>Exchanger</a:t>
             </a:r>
             <a:endParaRPr lang="ru-RU" dirty="0"/>
@@ -18697,7 +22940,7 @@
           <p:nvPr/>
         </p:nvPicPr>
         <p:blipFill>
-          <a:blip r:embed="rId2">
+          <a:blip r:embed="rId3">
             <a:extLst>
               <a:ext uri="{28A0092B-C50C-407E-A947-70E740481C1C}">
                 <a14:useLocalDpi xmlns:a14="http://schemas.microsoft.com/office/drawing/2010/main" val="0"/>
@@ -18711,8 +22954,8 @@
         </p:blipFill>
         <p:spPr bwMode="auto">
           <a:xfrm>
-            <a:off x="4181475" y="2276475"/>
-            <a:ext cx="3829050" cy="2305050"/>
+            <a:off x="7157884" y="657224"/>
+            <a:ext cx="4518179" cy="2822146"/>
           </a:xfrm>
           <a:prstGeom prst="rect">
             <a:avLst/>
@@ -18727,6 +22970,380 @@
               </a14:hiddenFill>
             </a:ext>
           </a:extLst>
+        </p:spPr>
+      </p:pic>
+      <p:sp>
+        <p:nvSpPr>
+          <p:cNvPr id="3" name="Объект 2">
+            <a:extLst>
+              <a:ext uri="{FF2B5EF4-FFF2-40B4-BE49-F238E27FC236}">
+                <a16:creationId xmlns:a16="http://schemas.microsoft.com/office/drawing/2014/main" id="{ECAA8884-11BA-F292-A56A-BAAB97BA885C}"/>
+              </a:ext>
+            </a:extLst>
+          </p:cNvPr>
+          <p:cNvSpPr txBox="1">
+            <a:spLocks/>
+          </p:cNvSpPr>
+          <p:nvPr/>
+        </p:nvSpPr>
+        <p:spPr>
+          <a:xfrm>
+            <a:off x="515937" y="658732"/>
+            <a:ext cx="6641947" cy="2822146"/>
+          </a:xfrm>
+          <a:prstGeom prst="rect">
+            <a:avLst/>
+          </a:prstGeom>
+          <a:solidFill>
+            <a:srgbClr val="171717"/>
+          </a:solidFill>
+        </p:spPr>
+        <p:txBody>
+          <a:bodyPr vert="horz" lIns="91440" tIns="45720" rIns="91440" bIns="45720" rtlCol="0">
+            <a:normAutofit/>
+          </a:bodyPr>
+          <a:lstStyle>
+            <a:lvl1pPr marL="228600" indent="-228600" algn="l" defTabSz="914400" rtl="0" eaLnBrk="1" latinLnBrk="0" hangingPunct="1">
+              <a:lnSpc>
+                <a:spcPct val="90000"/>
+              </a:lnSpc>
+              <a:spcBef>
+                <a:spcPts val="1000"/>
+              </a:spcBef>
+              <a:buFont typeface="Arial" panose="020B0604020202020204" pitchFamily="34" charset="0"/>
+              <a:buChar char="•"/>
+              <a:defRPr sz="1600" kern="1200">
+                <a:solidFill>
+                  <a:schemeClr val="tx1"/>
+                </a:solidFill>
+                <a:latin typeface="Arial" panose="020B0604020202020204" pitchFamily="34" charset="0"/>
+                <a:ea typeface="+mn-ea"/>
+                <a:cs typeface="Arial" panose="020B0604020202020204" pitchFamily="34" charset="0"/>
+              </a:defRPr>
+            </a:lvl1pPr>
+            <a:lvl2pPr marL="685800" indent="-228600" algn="l" defTabSz="914400" rtl="0" eaLnBrk="1" latinLnBrk="0" hangingPunct="1">
+              <a:lnSpc>
+                <a:spcPct val="90000"/>
+              </a:lnSpc>
+              <a:spcBef>
+                <a:spcPts val="500"/>
+              </a:spcBef>
+              <a:buFont typeface="Arial" panose="020B0604020202020204" pitchFamily="34" charset="0"/>
+              <a:buChar char="•"/>
+              <a:defRPr sz="1600" kern="1200">
+                <a:solidFill>
+                  <a:schemeClr val="tx1"/>
+                </a:solidFill>
+                <a:latin typeface="Arial" panose="020B0604020202020204" pitchFamily="34" charset="0"/>
+                <a:ea typeface="+mn-ea"/>
+                <a:cs typeface="Arial" panose="020B0604020202020204" pitchFamily="34" charset="0"/>
+              </a:defRPr>
+            </a:lvl2pPr>
+            <a:lvl3pPr marL="1143000" indent="-228600" algn="l" defTabSz="914400" rtl="0" eaLnBrk="1" latinLnBrk="0" hangingPunct="1">
+              <a:lnSpc>
+                <a:spcPct val="90000"/>
+              </a:lnSpc>
+              <a:spcBef>
+                <a:spcPts val="500"/>
+              </a:spcBef>
+              <a:buFont typeface="Arial" panose="020B0604020202020204" pitchFamily="34" charset="0"/>
+              <a:buChar char="•"/>
+              <a:defRPr sz="1600" kern="1200">
+                <a:solidFill>
+                  <a:schemeClr val="tx1"/>
+                </a:solidFill>
+                <a:latin typeface="Arial" panose="020B0604020202020204" pitchFamily="34" charset="0"/>
+                <a:ea typeface="+mn-ea"/>
+                <a:cs typeface="Arial" panose="020B0604020202020204" pitchFamily="34" charset="0"/>
+              </a:defRPr>
+            </a:lvl3pPr>
+            <a:lvl4pPr marL="1600200" indent="-228600" algn="l" defTabSz="914400" rtl="0" eaLnBrk="1" latinLnBrk="0" hangingPunct="1">
+              <a:lnSpc>
+                <a:spcPct val="90000"/>
+              </a:lnSpc>
+              <a:spcBef>
+                <a:spcPts val="500"/>
+              </a:spcBef>
+              <a:buFont typeface="Arial" panose="020B0604020202020204" pitchFamily="34" charset="0"/>
+              <a:buChar char="•"/>
+              <a:defRPr sz="1400" kern="1200">
+                <a:solidFill>
+                  <a:schemeClr val="tx1"/>
+                </a:solidFill>
+                <a:latin typeface="Arial" panose="020B0604020202020204" pitchFamily="34" charset="0"/>
+                <a:ea typeface="+mn-ea"/>
+                <a:cs typeface="Arial" panose="020B0604020202020204" pitchFamily="34" charset="0"/>
+              </a:defRPr>
+            </a:lvl4pPr>
+            <a:lvl5pPr marL="2057400" indent="-228600" algn="l" defTabSz="914400" rtl="0" eaLnBrk="1" latinLnBrk="0" hangingPunct="1">
+              <a:lnSpc>
+                <a:spcPct val="90000"/>
+              </a:lnSpc>
+              <a:spcBef>
+                <a:spcPts val="500"/>
+              </a:spcBef>
+              <a:buFont typeface="Arial" panose="020B0604020202020204" pitchFamily="34" charset="0"/>
+              <a:buChar char="•"/>
+              <a:defRPr sz="1400" kern="1200">
+                <a:solidFill>
+                  <a:schemeClr val="tx1"/>
+                </a:solidFill>
+                <a:latin typeface="Arial" panose="020B0604020202020204" pitchFamily="34" charset="0"/>
+                <a:ea typeface="+mn-ea"/>
+                <a:cs typeface="Arial" panose="020B0604020202020204" pitchFamily="34" charset="0"/>
+              </a:defRPr>
+            </a:lvl5pPr>
+            <a:lvl6pPr marL="2514600" indent="-228600" algn="l" defTabSz="914400" rtl="0" eaLnBrk="1" latinLnBrk="0" hangingPunct="1">
+              <a:lnSpc>
+                <a:spcPct val="90000"/>
+              </a:lnSpc>
+              <a:spcBef>
+                <a:spcPts val="500"/>
+              </a:spcBef>
+              <a:buFont typeface="Arial" panose="020B0604020202020204" pitchFamily="34" charset="0"/>
+              <a:buChar char="•"/>
+              <a:defRPr sz="1800" kern="1200">
+                <a:solidFill>
+                  <a:schemeClr val="tx1"/>
+                </a:solidFill>
+                <a:latin typeface="+mn-lt"/>
+                <a:ea typeface="+mn-ea"/>
+                <a:cs typeface="+mn-cs"/>
+              </a:defRPr>
+            </a:lvl6pPr>
+            <a:lvl7pPr marL="2971800" indent="-228600" algn="l" defTabSz="914400" rtl="0" eaLnBrk="1" latinLnBrk="0" hangingPunct="1">
+              <a:lnSpc>
+                <a:spcPct val="90000"/>
+              </a:lnSpc>
+              <a:spcBef>
+                <a:spcPts val="500"/>
+              </a:spcBef>
+              <a:buFont typeface="Arial" panose="020B0604020202020204" pitchFamily="34" charset="0"/>
+              <a:buChar char="•"/>
+              <a:defRPr sz="1800" kern="1200">
+                <a:solidFill>
+                  <a:schemeClr val="tx1"/>
+                </a:solidFill>
+                <a:latin typeface="+mn-lt"/>
+                <a:ea typeface="+mn-ea"/>
+                <a:cs typeface="+mn-cs"/>
+              </a:defRPr>
+            </a:lvl7pPr>
+            <a:lvl8pPr marL="3429000" indent="-228600" algn="l" defTabSz="914400" rtl="0" eaLnBrk="1" latinLnBrk="0" hangingPunct="1">
+              <a:lnSpc>
+                <a:spcPct val="90000"/>
+              </a:lnSpc>
+              <a:spcBef>
+                <a:spcPts val="500"/>
+              </a:spcBef>
+              <a:buFont typeface="Arial" panose="020B0604020202020204" pitchFamily="34" charset="0"/>
+              <a:buChar char="•"/>
+              <a:defRPr sz="1800" kern="1200">
+                <a:solidFill>
+                  <a:schemeClr val="tx1"/>
+                </a:solidFill>
+                <a:latin typeface="+mn-lt"/>
+                <a:ea typeface="+mn-ea"/>
+                <a:cs typeface="+mn-cs"/>
+              </a:defRPr>
+            </a:lvl8pPr>
+            <a:lvl9pPr marL="3886200" indent="-228600" algn="l" defTabSz="914400" rtl="0" eaLnBrk="1" latinLnBrk="0" hangingPunct="1">
+              <a:lnSpc>
+                <a:spcPct val="90000"/>
+              </a:lnSpc>
+              <a:spcBef>
+                <a:spcPts val="500"/>
+              </a:spcBef>
+              <a:buFont typeface="Arial" panose="020B0604020202020204" pitchFamily="34" charset="0"/>
+              <a:buChar char="•"/>
+              <a:defRPr sz="1800" kern="1200">
+                <a:solidFill>
+                  <a:schemeClr val="tx1"/>
+                </a:solidFill>
+                <a:latin typeface="+mn-lt"/>
+                <a:ea typeface="+mn-ea"/>
+                <a:cs typeface="+mn-cs"/>
+              </a:defRPr>
+            </a:lvl9pPr>
+          </a:lstStyle>
+          <a:p>
+            <a:pPr marL="0" indent="0" algn="l">
+              <a:buNone/>
+            </a:pPr>
+            <a:r>
+              <a:rPr lang="ru-RU" b="0" i="0" dirty="0" err="1">
+                <a:solidFill>
+                  <a:srgbClr val="BC5CFF"/>
+                </a:solidFill>
+                <a:effectLst/>
+                <a:latin typeface="DeepSeek-CJK-patch"/>
+              </a:rPr>
+              <a:t>Exchanger</a:t>
+            </a:r>
+            <a:r>
+              <a:rPr lang="ru-RU" b="0" i="0" dirty="0">
+                <a:solidFill>
+                  <a:srgbClr val="F8FAFF"/>
+                </a:solidFill>
+                <a:effectLst/>
+                <a:latin typeface="DeepSeek-CJK-patch"/>
+              </a:rPr>
+              <a:t> — это синхронизатор из пакета </a:t>
+            </a:r>
+            <a:r>
+              <a:rPr lang="ru-RU" b="0" i="0" dirty="0" err="1">
+                <a:solidFill>
+                  <a:srgbClr val="FF423F"/>
+                </a:solidFill>
+                <a:effectLst/>
+                <a:latin typeface="DeepSeek-CJK-patch"/>
+              </a:rPr>
+              <a:t>java.util.concurrent</a:t>
+            </a:r>
+            <a:r>
+              <a:rPr lang="ru-RU" b="0" i="0" dirty="0">
+                <a:solidFill>
+                  <a:srgbClr val="F8FAFF"/>
+                </a:solidFill>
+                <a:effectLst/>
+                <a:latin typeface="DeepSeek-CJK-patch"/>
+              </a:rPr>
+              <a:t>, который позволяет двум потокам обмениваться данными в определенной точке выполнения. Это полезно, когда два потока должны синхронизироваться и передать друг другу информацию.</a:t>
+            </a:r>
+          </a:p>
+          <a:p>
+            <a:pPr marL="0" indent="0">
+              <a:buNone/>
+            </a:pPr>
+            <a:r>
+              <a:rPr lang="ru-RU" dirty="0">
+                <a:solidFill>
+                  <a:srgbClr val="F8FAFF"/>
+                </a:solidFill>
+                <a:latin typeface="DeepSeek-CJK-patch"/>
+              </a:rPr>
+              <a:t>Принцип работы:</a:t>
+            </a:r>
+          </a:p>
+          <a:p>
+            <a:r>
+              <a:rPr lang="ru-RU" dirty="0">
+                <a:solidFill>
+                  <a:srgbClr val="F8FAFF"/>
+                </a:solidFill>
+                <a:latin typeface="DeepSeek-CJK-patch"/>
+              </a:rPr>
+              <a:t>Два потока встречаются в точке обмена</a:t>
+            </a:r>
+          </a:p>
+          <a:p>
+            <a:r>
+              <a:rPr lang="ru-RU" dirty="0">
+                <a:solidFill>
+                  <a:srgbClr val="F8FAFF"/>
+                </a:solidFill>
+                <a:latin typeface="DeepSeek-CJK-patch"/>
+              </a:rPr>
+              <a:t>Каждый вызывает метод </a:t>
+            </a:r>
+            <a:r>
+              <a:rPr lang="ru-RU" dirty="0" err="1">
+                <a:solidFill>
+                  <a:srgbClr val="FF423F"/>
+                </a:solidFill>
+                <a:latin typeface="DeepSeek-CJK-patch"/>
+              </a:rPr>
+              <a:t>exchange</a:t>
+            </a:r>
+            <a:r>
+              <a:rPr lang="ru-RU" dirty="0">
+                <a:solidFill>
+                  <a:srgbClr val="FF423F"/>
+                </a:solidFill>
+                <a:latin typeface="DeepSeek-CJK-patch"/>
+              </a:rPr>
+              <a:t>()</a:t>
+            </a:r>
+          </a:p>
+          <a:p>
+            <a:r>
+              <a:rPr lang="ru-RU" dirty="0">
+                <a:solidFill>
+                  <a:srgbClr val="F8FAFF"/>
+                </a:solidFill>
+                <a:latin typeface="DeepSeek-CJK-patch"/>
+              </a:rPr>
+              <a:t>Когда оба потока вызывают </a:t>
+            </a:r>
+            <a:r>
+              <a:rPr lang="ru-RU" dirty="0" err="1">
+                <a:solidFill>
+                  <a:srgbClr val="FF423F"/>
+                </a:solidFill>
+                <a:latin typeface="DeepSeek-CJK-patch"/>
+              </a:rPr>
+              <a:t>exchange</a:t>
+            </a:r>
+            <a:r>
+              <a:rPr lang="ru-RU" dirty="0">
+                <a:solidFill>
+                  <a:srgbClr val="FF423F"/>
+                </a:solidFill>
+                <a:latin typeface="DeepSeek-CJK-patch"/>
+              </a:rPr>
+              <a:t>()</a:t>
+            </a:r>
+            <a:r>
+              <a:rPr lang="ru-RU" dirty="0">
+                <a:solidFill>
+                  <a:srgbClr val="F8FAFF"/>
+                </a:solidFill>
+                <a:latin typeface="DeepSeek-CJK-patch"/>
+              </a:rPr>
+              <a:t>, происходит обмен объектами</a:t>
+            </a:r>
+          </a:p>
+          <a:p>
+            <a:r>
+              <a:rPr lang="ru-RU" dirty="0">
+                <a:solidFill>
+                  <a:srgbClr val="F8FAFF"/>
+                </a:solidFill>
+                <a:latin typeface="DeepSeek-CJK-patch"/>
+              </a:rPr>
+              <a:t>После обмена потоки продолжают выполнение</a:t>
+            </a:r>
+          </a:p>
+        </p:txBody>
+      </p:sp>
+      <p:pic>
+        <p:nvPicPr>
+          <p:cNvPr id="7" name="Рисунок 6">
+            <a:extLst>
+              <a:ext uri="{FF2B5EF4-FFF2-40B4-BE49-F238E27FC236}">
+                <a16:creationId xmlns:a16="http://schemas.microsoft.com/office/drawing/2014/main" id="{506E4A39-A355-EE93-DD5A-CA70CA27AE3F}"/>
+              </a:ext>
+            </a:extLst>
+          </p:cNvPr>
+          <p:cNvPicPr>
+            <a:picLocks noChangeAspect="1"/>
+          </p:cNvPicPr>
+          <p:nvPr/>
+        </p:nvPicPr>
+        <p:blipFill>
+          <a:blip r:embed="rId4"/>
+          <a:stretch>
+            <a:fillRect/>
+          </a:stretch>
+        </p:blipFill>
+        <p:spPr>
+          <a:xfrm>
+            <a:off x="2058447" y="3942914"/>
+            <a:ext cx="7744906" cy="1467055"/>
+          </a:xfrm>
+          <a:prstGeom prst="rect">
+            <a:avLst/>
+          </a:prstGeom>
         </p:spPr>
       </p:pic>
     </p:spTree>
@@ -18743,6 +23360,649 @@
 </file>
 
 <file path=ppt/slides/slide26.xml><?xml version="1.0" encoding="utf-8"?>
+<p:sld xmlns:a="http://schemas.openxmlformats.org/drawingml/2006/main" xmlns:r="http://schemas.openxmlformats.org/officeDocument/2006/relationships" xmlns:p="http://schemas.openxmlformats.org/presentationml/2006/main">
+  <p:cSld>
+    <p:spTree>
+      <p:nvGrpSpPr>
+        <p:cNvPr id="1" name=""/>
+        <p:cNvGrpSpPr/>
+        <p:nvPr/>
+      </p:nvGrpSpPr>
+      <p:grpSpPr>
+        <a:xfrm>
+          <a:off x="0" y="0"/>
+          <a:ext cx="0" cy="0"/>
+          <a:chOff x="0" y="0"/>
+          <a:chExt cx="0" cy="0"/>
+        </a:xfrm>
+      </p:grpSpPr>
+      <p:sp>
+        <p:nvSpPr>
+          <p:cNvPr id="3" name="Объект 2">
+            <a:extLst>
+              <a:ext uri="{FF2B5EF4-FFF2-40B4-BE49-F238E27FC236}">
+                <a16:creationId xmlns:a16="http://schemas.microsoft.com/office/drawing/2014/main" id="{AA7A992F-39CE-7546-787A-616ACDE3CF45}"/>
+              </a:ext>
+            </a:extLst>
+          </p:cNvPr>
+          <p:cNvSpPr txBox="1">
+            <a:spLocks/>
+          </p:cNvSpPr>
+          <p:nvPr/>
+        </p:nvSpPr>
+        <p:spPr>
+          <a:xfrm>
+            <a:off x="515937" y="658732"/>
+            <a:ext cx="11160126" cy="3932318"/>
+          </a:xfrm>
+          <a:prstGeom prst="rect">
+            <a:avLst/>
+          </a:prstGeom>
+          <a:solidFill>
+            <a:srgbClr val="171717"/>
+          </a:solidFill>
+        </p:spPr>
+        <p:txBody>
+          <a:bodyPr vert="horz" lIns="91440" tIns="45720" rIns="91440" bIns="45720" rtlCol="0">
+            <a:normAutofit lnSpcReduction="10000"/>
+          </a:bodyPr>
+          <a:lstStyle>
+            <a:lvl1pPr marL="228600" indent="-228600" algn="l" defTabSz="914400" rtl="0" eaLnBrk="1" latinLnBrk="0" hangingPunct="1">
+              <a:lnSpc>
+                <a:spcPct val="90000"/>
+              </a:lnSpc>
+              <a:spcBef>
+                <a:spcPts val="1000"/>
+              </a:spcBef>
+              <a:buFont typeface="Arial" panose="020B0604020202020204" pitchFamily="34" charset="0"/>
+              <a:buChar char="•"/>
+              <a:defRPr sz="1600" kern="1200">
+                <a:solidFill>
+                  <a:schemeClr val="tx1"/>
+                </a:solidFill>
+                <a:latin typeface="Arial" panose="020B0604020202020204" pitchFamily="34" charset="0"/>
+                <a:ea typeface="+mn-ea"/>
+                <a:cs typeface="Arial" panose="020B0604020202020204" pitchFamily="34" charset="0"/>
+              </a:defRPr>
+            </a:lvl1pPr>
+            <a:lvl2pPr marL="685800" indent="-228600" algn="l" defTabSz="914400" rtl="0" eaLnBrk="1" latinLnBrk="0" hangingPunct="1">
+              <a:lnSpc>
+                <a:spcPct val="90000"/>
+              </a:lnSpc>
+              <a:spcBef>
+                <a:spcPts val="500"/>
+              </a:spcBef>
+              <a:buFont typeface="Arial" panose="020B0604020202020204" pitchFamily="34" charset="0"/>
+              <a:buChar char="•"/>
+              <a:defRPr sz="1600" kern="1200">
+                <a:solidFill>
+                  <a:schemeClr val="tx1"/>
+                </a:solidFill>
+                <a:latin typeface="Arial" panose="020B0604020202020204" pitchFamily="34" charset="0"/>
+                <a:ea typeface="+mn-ea"/>
+                <a:cs typeface="Arial" panose="020B0604020202020204" pitchFamily="34" charset="0"/>
+              </a:defRPr>
+            </a:lvl2pPr>
+            <a:lvl3pPr marL="1143000" indent="-228600" algn="l" defTabSz="914400" rtl="0" eaLnBrk="1" latinLnBrk="0" hangingPunct="1">
+              <a:lnSpc>
+                <a:spcPct val="90000"/>
+              </a:lnSpc>
+              <a:spcBef>
+                <a:spcPts val="500"/>
+              </a:spcBef>
+              <a:buFont typeface="Arial" panose="020B0604020202020204" pitchFamily="34" charset="0"/>
+              <a:buChar char="•"/>
+              <a:defRPr sz="1600" kern="1200">
+                <a:solidFill>
+                  <a:schemeClr val="tx1"/>
+                </a:solidFill>
+                <a:latin typeface="Arial" panose="020B0604020202020204" pitchFamily="34" charset="0"/>
+                <a:ea typeface="+mn-ea"/>
+                <a:cs typeface="Arial" panose="020B0604020202020204" pitchFamily="34" charset="0"/>
+              </a:defRPr>
+            </a:lvl3pPr>
+            <a:lvl4pPr marL="1600200" indent="-228600" algn="l" defTabSz="914400" rtl="0" eaLnBrk="1" latinLnBrk="0" hangingPunct="1">
+              <a:lnSpc>
+                <a:spcPct val="90000"/>
+              </a:lnSpc>
+              <a:spcBef>
+                <a:spcPts val="500"/>
+              </a:spcBef>
+              <a:buFont typeface="Arial" panose="020B0604020202020204" pitchFamily="34" charset="0"/>
+              <a:buChar char="•"/>
+              <a:defRPr sz="1400" kern="1200">
+                <a:solidFill>
+                  <a:schemeClr val="tx1"/>
+                </a:solidFill>
+                <a:latin typeface="Arial" panose="020B0604020202020204" pitchFamily="34" charset="0"/>
+                <a:ea typeface="+mn-ea"/>
+                <a:cs typeface="Arial" panose="020B0604020202020204" pitchFamily="34" charset="0"/>
+              </a:defRPr>
+            </a:lvl4pPr>
+            <a:lvl5pPr marL="2057400" indent="-228600" algn="l" defTabSz="914400" rtl="0" eaLnBrk="1" latinLnBrk="0" hangingPunct="1">
+              <a:lnSpc>
+                <a:spcPct val="90000"/>
+              </a:lnSpc>
+              <a:spcBef>
+                <a:spcPts val="500"/>
+              </a:spcBef>
+              <a:buFont typeface="Arial" panose="020B0604020202020204" pitchFamily="34" charset="0"/>
+              <a:buChar char="•"/>
+              <a:defRPr sz="1400" kern="1200">
+                <a:solidFill>
+                  <a:schemeClr val="tx1"/>
+                </a:solidFill>
+                <a:latin typeface="Arial" panose="020B0604020202020204" pitchFamily="34" charset="0"/>
+                <a:ea typeface="+mn-ea"/>
+                <a:cs typeface="Arial" panose="020B0604020202020204" pitchFamily="34" charset="0"/>
+              </a:defRPr>
+            </a:lvl5pPr>
+            <a:lvl6pPr marL="2514600" indent="-228600" algn="l" defTabSz="914400" rtl="0" eaLnBrk="1" latinLnBrk="0" hangingPunct="1">
+              <a:lnSpc>
+                <a:spcPct val="90000"/>
+              </a:lnSpc>
+              <a:spcBef>
+                <a:spcPts val="500"/>
+              </a:spcBef>
+              <a:buFont typeface="Arial" panose="020B0604020202020204" pitchFamily="34" charset="0"/>
+              <a:buChar char="•"/>
+              <a:defRPr sz="1800" kern="1200">
+                <a:solidFill>
+                  <a:schemeClr val="tx1"/>
+                </a:solidFill>
+                <a:latin typeface="+mn-lt"/>
+                <a:ea typeface="+mn-ea"/>
+                <a:cs typeface="+mn-cs"/>
+              </a:defRPr>
+            </a:lvl6pPr>
+            <a:lvl7pPr marL="2971800" indent="-228600" algn="l" defTabSz="914400" rtl="0" eaLnBrk="1" latinLnBrk="0" hangingPunct="1">
+              <a:lnSpc>
+                <a:spcPct val="90000"/>
+              </a:lnSpc>
+              <a:spcBef>
+                <a:spcPts val="500"/>
+              </a:spcBef>
+              <a:buFont typeface="Arial" panose="020B0604020202020204" pitchFamily="34" charset="0"/>
+              <a:buChar char="•"/>
+              <a:defRPr sz="1800" kern="1200">
+                <a:solidFill>
+                  <a:schemeClr val="tx1"/>
+                </a:solidFill>
+                <a:latin typeface="+mn-lt"/>
+                <a:ea typeface="+mn-ea"/>
+                <a:cs typeface="+mn-cs"/>
+              </a:defRPr>
+            </a:lvl7pPr>
+            <a:lvl8pPr marL="3429000" indent="-228600" algn="l" defTabSz="914400" rtl="0" eaLnBrk="1" latinLnBrk="0" hangingPunct="1">
+              <a:lnSpc>
+                <a:spcPct val="90000"/>
+              </a:lnSpc>
+              <a:spcBef>
+                <a:spcPts val="500"/>
+              </a:spcBef>
+              <a:buFont typeface="Arial" panose="020B0604020202020204" pitchFamily="34" charset="0"/>
+              <a:buChar char="•"/>
+              <a:defRPr sz="1800" kern="1200">
+                <a:solidFill>
+                  <a:schemeClr val="tx1"/>
+                </a:solidFill>
+                <a:latin typeface="+mn-lt"/>
+                <a:ea typeface="+mn-ea"/>
+                <a:cs typeface="+mn-cs"/>
+              </a:defRPr>
+            </a:lvl8pPr>
+            <a:lvl9pPr marL="3886200" indent="-228600" algn="l" defTabSz="914400" rtl="0" eaLnBrk="1" latinLnBrk="0" hangingPunct="1">
+              <a:lnSpc>
+                <a:spcPct val="90000"/>
+              </a:lnSpc>
+              <a:spcBef>
+                <a:spcPts val="500"/>
+              </a:spcBef>
+              <a:buFont typeface="Arial" panose="020B0604020202020204" pitchFamily="34" charset="0"/>
+              <a:buChar char="•"/>
+              <a:defRPr sz="1800" kern="1200">
+                <a:solidFill>
+                  <a:schemeClr val="tx1"/>
+                </a:solidFill>
+                <a:latin typeface="+mn-lt"/>
+                <a:ea typeface="+mn-ea"/>
+                <a:cs typeface="+mn-cs"/>
+              </a:defRPr>
+            </a:lvl9pPr>
+          </a:lstStyle>
+          <a:p>
+            <a:pPr marL="0" indent="0">
+              <a:buNone/>
+            </a:pPr>
+            <a:r>
+              <a:rPr lang="ru-RU" dirty="0" err="1">
+                <a:solidFill>
+                  <a:srgbClr val="BC5CFF"/>
+                </a:solidFill>
+                <a:latin typeface="DeepSeek-CJK-patch"/>
+              </a:rPr>
+              <a:t>Phaser</a:t>
+            </a:r>
+            <a:r>
+              <a:rPr lang="ru-RU" dirty="0">
+                <a:solidFill>
+                  <a:srgbClr val="F8FAFF"/>
+                </a:solidFill>
+                <a:latin typeface="DeepSeek-CJK-patch"/>
+              </a:rPr>
+              <a:t> — это гибкий синхронизатор, появившийся в Java 7 как замена </a:t>
+            </a:r>
+            <a:r>
+              <a:rPr lang="ru-RU" dirty="0" err="1">
+                <a:solidFill>
+                  <a:srgbClr val="FF423F"/>
+                </a:solidFill>
+                <a:latin typeface="DeepSeek-CJK-patch"/>
+              </a:rPr>
+              <a:t>CyclicBarrier</a:t>
+            </a:r>
+            <a:r>
+              <a:rPr lang="ru-RU" dirty="0">
+                <a:solidFill>
+                  <a:srgbClr val="F8FAFF"/>
+                </a:solidFill>
+                <a:latin typeface="DeepSeek-CJK-patch"/>
+              </a:rPr>
+              <a:t> и </a:t>
+            </a:r>
+            <a:r>
+              <a:rPr lang="ru-RU" dirty="0" err="1">
+                <a:solidFill>
+                  <a:srgbClr val="FF423F"/>
+                </a:solidFill>
+                <a:latin typeface="DeepSeek-CJK-patch"/>
+              </a:rPr>
+              <a:t>CountDownLatch</a:t>
+            </a:r>
+            <a:r>
+              <a:rPr lang="ru-RU" dirty="0">
+                <a:solidFill>
+                  <a:srgbClr val="F8FAFF"/>
+                </a:solidFill>
+                <a:latin typeface="DeepSeek-CJK-patch"/>
+              </a:rPr>
+              <a:t> с расширенной функциональностью.</a:t>
+            </a:r>
+          </a:p>
+          <a:p>
+            <a:pPr marL="0" indent="0">
+              <a:buNone/>
+            </a:pPr>
+            <a:r>
+              <a:rPr lang="ru-RU" dirty="0">
+                <a:solidFill>
+                  <a:srgbClr val="F8FAFF"/>
+                </a:solidFill>
+                <a:latin typeface="DeepSeek-CJK-patch"/>
+              </a:rPr>
+              <a:t>Принцип работы:</a:t>
+            </a:r>
+          </a:p>
+          <a:p>
+            <a:pPr algn="l">
+              <a:buFont typeface="Arial" panose="020B0604020202020204" pitchFamily="34" charset="0"/>
+              <a:buChar char="•"/>
+            </a:pPr>
+            <a:r>
+              <a:rPr lang="ru-RU" b="0" i="0" dirty="0">
+                <a:solidFill>
+                  <a:srgbClr val="F8FAFF"/>
+                </a:solidFill>
+                <a:effectLst/>
+                <a:latin typeface="DeepSeek-CJK-patch"/>
+              </a:rPr>
+              <a:t>Поддерживает динамическое количество участников</a:t>
+            </a:r>
+          </a:p>
+          <a:p>
+            <a:pPr algn="l">
+              <a:buFont typeface="Arial" panose="020B0604020202020204" pitchFamily="34" charset="0"/>
+              <a:buChar char="•"/>
+            </a:pPr>
+            <a:r>
+              <a:rPr lang="ru-RU" b="0" i="0" dirty="0">
+                <a:solidFill>
+                  <a:srgbClr val="F8FAFF"/>
+                </a:solidFill>
+                <a:effectLst/>
+                <a:latin typeface="DeepSeek-CJK-patch"/>
+              </a:rPr>
+              <a:t>Многофазная синхронизация (циклы)</a:t>
+            </a:r>
+          </a:p>
+          <a:p>
+            <a:pPr algn="l">
+              <a:buFont typeface="Arial" panose="020B0604020202020204" pitchFamily="34" charset="0"/>
+              <a:buChar char="•"/>
+            </a:pPr>
+            <a:r>
+              <a:rPr lang="ru-RU" b="0" i="0" dirty="0">
+                <a:solidFill>
+                  <a:srgbClr val="F8FAFF"/>
+                </a:solidFill>
+                <a:effectLst/>
+                <a:latin typeface="DeepSeek-CJK-patch"/>
+              </a:rPr>
+              <a:t>Возможность регистрации/отмены регистрации потоков</a:t>
+            </a:r>
+          </a:p>
+          <a:p>
+            <a:pPr algn="l">
+              <a:buFont typeface="Arial" panose="020B0604020202020204" pitchFamily="34" charset="0"/>
+              <a:buChar char="•"/>
+            </a:pPr>
+            <a:r>
+              <a:rPr lang="ru-RU" b="0" i="0" dirty="0">
+                <a:solidFill>
+                  <a:srgbClr val="F8FAFF"/>
+                </a:solidFill>
+                <a:effectLst/>
+                <a:latin typeface="DeepSeek-CJK-patch"/>
+              </a:rPr>
+              <a:t>Несколько вариантов ожидания</a:t>
+            </a:r>
+          </a:p>
+          <a:p>
+            <a:pPr algn="l">
+              <a:buFont typeface="Arial" panose="020B0604020202020204" pitchFamily="34" charset="0"/>
+              <a:buChar char="•"/>
+            </a:pPr>
+            <a:r>
+              <a:rPr lang="ru-RU" b="0" i="0" dirty="0">
+                <a:solidFill>
+                  <a:srgbClr val="F8FAFF"/>
+                </a:solidFill>
+                <a:effectLst/>
+                <a:latin typeface="DeepSeek-CJK-patch"/>
+              </a:rPr>
+              <a:t>Терминальное состояние</a:t>
+            </a:r>
+          </a:p>
+          <a:p>
+            <a:pPr marL="0" indent="0" algn="l">
+              <a:buNone/>
+            </a:pPr>
+            <a:r>
+              <a:rPr lang="ru-RU" b="1" i="0" dirty="0">
+                <a:solidFill>
+                  <a:srgbClr val="F8FAFF"/>
+                </a:solidFill>
+                <a:effectLst/>
+                <a:latin typeface="DeepSeek-CJK-patch"/>
+              </a:rPr>
+              <a:t>Состояния фаз</a:t>
+            </a:r>
+            <a:endParaRPr lang="ru-RU" b="0" i="0" dirty="0">
+              <a:solidFill>
+                <a:srgbClr val="F8FAFF"/>
+              </a:solidFill>
+              <a:effectLst/>
+              <a:latin typeface="DeepSeek-CJK-patch"/>
+            </a:endParaRPr>
+          </a:p>
+          <a:p>
+            <a:pPr algn="l">
+              <a:buFont typeface="Arial" panose="020B0604020202020204" pitchFamily="34" charset="0"/>
+              <a:buChar char="•"/>
+            </a:pPr>
+            <a:r>
+              <a:rPr lang="ru-RU" b="1" i="0" dirty="0">
+                <a:solidFill>
+                  <a:srgbClr val="F8FAFF"/>
+                </a:solidFill>
+                <a:effectLst/>
+                <a:latin typeface="DeepSeek-CJK-patch"/>
+              </a:rPr>
+              <a:t>Номер фазы</a:t>
+            </a:r>
+            <a:r>
+              <a:rPr lang="ru-RU" b="0" i="0" dirty="0">
+                <a:solidFill>
+                  <a:srgbClr val="F8FAFF"/>
+                </a:solidFill>
+                <a:effectLst/>
+                <a:latin typeface="DeepSeek-CJK-patch"/>
+              </a:rPr>
+              <a:t> (</a:t>
+            </a:r>
+            <a:r>
+              <a:rPr lang="ru-RU" b="0" i="0" dirty="0" err="1">
+                <a:solidFill>
+                  <a:srgbClr val="F8FAFF"/>
+                </a:solidFill>
+                <a:effectLst/>
+                <a:latin typeface="DeepSeek-CJK-patch"/>
+              </a:rPr>
+              <a:t>phase</a:t>
+            </a:r>
+            <a:r>
+              <a:rPr lang="ru-RU" b="0" i="0" dirty="0">
+                <a:solidFill>
+                  <a:srgbClr val="F8FAFF"/>
+                </a:solidFill>
+                <a:effectLst/>
+                <a:latin typeface="DeepSeek-CJK-patch"/>
+              </a:rPr>
+              <a:t> </a:t>
+            </a:r>
+            <a:r>
+              <a:rPr lang="ru-RU" b="0" i="0" dirty="0" err="1">
+                <a:solidFill>
+                  <a:srgbClr val="F8FAFF"/>
+                </a:solidFill>
+                <a:effectLst/>
+                <a:latin typeface="DeepSeek-CJK-patch"/>
+              </a:rPr>
+              <a:t>number</a:t>
+            </a:r>
+            <a:r>
+              <a:rPr lang="ru-RU" b="0" i="0" dirty="0">
+                <a:solidFill>
+                  <a:srgbClr val="F8FAFF"/>
+                </a:solidFill>
+                <a:effectLst/>
+                <a:latin typeface="DeepSeek-CJK-patch"/>
+              </a:rPr>
+              <a:t>) — увеличивается после прохождения каждой фазы</a:t>
+            </a:r>
+          </a:p>
+          <a:p>
+            <a:pPr algn="l">
+              <a:buFont typeface="Arial" panose="020B0604020202020204" pitchFamily="34" charset="0"/>
+              <a:buChar char="•"/>
+            </a:pPr>
+            <a:r>
+              <a:rPr lang="ru-RU" b="1" i="0" dirty="0">
+                <a:solidFill>
+                  <a:srgbClr val="F8FAFF"/>
+                </a:solidFill>
+                <a:effectLst/>
+                <a:latin typeface="DeepSeek-CJK-patch"/>
+              </a:rPr>
+              <a:t>Количество зарегистрированных участников</a:t>
+            </a:r>
+            <a:endParaRPr lang="ru-RU" b="0" i="0" dirty="0">
+              <a:solidFill>
+                <a:srgbClr val="F8FAFF"/>
+              </a:solidFill>
+              <a:effectLst/>
+              <a:latin typeface="DeepSeek-CJK-patch"/>
+            </a:endParaRPr>
+          </a:p>
+          <a:p>
+            <a:pPr algn="l">
+              <a:buFont typeface="Arial" panose="020B0604020202020204" pitchFamily="34" charset="0"/>
+              <a:buChar char="•"/>
+            </a:pPr>
+            <a:r>
+              <a:rPr lang="ru-RU" b="1" i="0" dirty="0">
+                <a:solidFill>
+                  <a:srgbClr val="F8FAFF"/>
+                </a:solidFill>
+                <a:effectLst/>
+                <a:latin typeface="DeepSeek-CJK-patch"/>
+              </a:rPr>
+              <a:t>Количество не завершивших фазу участников</a:t>
+            </a:r>
+            <a:endParaRPr lang="ru-RU" b="0" i="0" dirty="0">
+              <a:solidFill>
+                <a:srgbClr val="F8FAFF"/>
+              </a:solidFill>
+              <a:effectLst/>
+              <a:latin typeface="DeepSeek-CJK-patch"/>
+            </a:endParaRPr>
+          </a:p>
+          <a:p>
+            <a:pPr algn="l">
+              <a:buFont typeface="Arial" panose="020B0604020202020204" pitchFamily="34" charset="0"/>
+              <a:buChar char="•"/>
+            </a:pPr>
+            <a:endParaRPr lang="ru-RU" b="0" i="0" dirty="0">
+              <a:solidFill>
+                <a:srgbClr val="F8FAFF"/>
+              </a:solidFill>
+              <a:effectLst/>
+              <a:latin typeface="DeepSeek-CJK-patch"/>
+            </a:endParaRPr>
+          </a:p>
+          <a:p>
+            <a:pPr marL="0" indent="0">
+              <a:buNone/>
+            </a:pPr>
+            <a:endParaRPr lang="ru-RU" dirty="0">
+              <a:solidFill>
+                <a:srgbClr val="F8FAFF"/>
+              </a:solidFill>
+              <a:latin typeface="DeepSeek-CJK-patch"/>
+            </a:endParaRPr>
+          </a:p>
+        </p:txBody>
+      </p:sp>
+      <p:sp>
+        <p:nvSpPr>
+          <p:cNvPr id="2" name="Заголовок 1">
+            <a:extLst>
+              <a:ext uri="{FF2B5EF4-FFF2-40B4-BE49-F238E27FC236}">
+                <a16:creationId xmlns:a16="http://schemas.microsoft.com/office/drawing/2014/main" id="{D512759A-0B65-D482-9DA8-554DC7367F7D}"/>
+              </a:ext>
+            </a:extLst>
+          </p:cNvPr>
+          <p:cNvSpPr>
+            <a:spLocks noGrp="1"/>
+          </p:cNvSpPr>
+          <p:nvPr>
+            <p:ph type="title"/>
+          </p:nvPr>
+        </p:nvSpPr>
+        <p:spPr/>
+        <p:txBody>
+          <a:bodyPr/>
+          <a:lstStyle/>
+          <a:p>
+            <a:r>
+              <a:rPr lang="en-US" dirty="0"/>
+              <a:t>Phaser</a:t>
+            </a:r>
+            <a:endParaRPr lang="ru-RU" dirty="0"/>
+          </a:p>
+        </p:txBody>
+      </p:sp>
+      <p:pic>
+        <p:nvPicPr>
+          <p:cNvPr id="6146" name="Picture 2">
+            <a:extLst>
+              <a:ext uri="{FF2B5EF4-FFF2-40B4-BE49-F238E27FC236}">
+                <a16:creationId xmlns:a16="http://schemas.microsoft.com/office/drawing/2014/main" id="{BD3DFB64-E0B8-7D9B-5D0F-5908372861F8}"/>
+              </a:ext>
+            </a:extLst>
+          </p:cNvPr>
+          <p:cNvPicPr>
+            <a:picLocks noChangeAspect="1" noChangeArrowheads="1"/>
+          </p:cNvPicPr>
+          <p:nvPr/>
+        </p:nvPicPr>
+        <p:blipFill>
+          <a:blip r:embed="rId3">
+            <a:extLst>
+              <a:ext uri="{28A0092B-C50C-407E-A947-70E740481C1C}">
+                <a14:useLocalDpi xmlns:a14="http://schemas.microsoft.com/office/drawing/2010/main" val="0"/>
+              </a:ext>
+            </a:extLst>
+          </a:blip>
+          <a:srcRect/>
+          <a:stretch>
+            <a:fillRect/>
+          </a:stretch>
+        </p:blipFill>
+        <p:spPr bwMode="auto">
+          <a:xfrm>
+            <a:off x="7847013" y="658732"/>
+            <a:ext cx="3829050" cy="2305050"/>
+          </a:xfrm>
+          <a:prstGeom prst="rect">
+            <a:avLst/>
+          </a:prstGeom>
+          <a:noFill/>
+          <a:extLst>
+            <a:ext uri="{909E8E84-426E-40DD-AFC4-6F175D3DCCD1}">
+              <a14:hiddenFill xmlns:a14="http://schemas.microsoft.com/office/drawing/2010/main">
+                <a:solidFill>
+                  <a:srgbClr val="FFFFFF"/>
+                </a:solidFill>
+              </a14:hiddenFill>
+            </a:ext>
+          </a:extLst>
+        </p:spPr>
+      </p:pic>
+      <p:pic>
+        <p:nvPicPr>
+          <p:cNvPr id="6" name="Рисунок 5">
+            <a:extLst>
+              <a:ext uri="{FF2B5EF4-FFF2-40B4-BE49-F238E27FC236}">
+                <a16:creationId xmlns:a16="http://schemas.microsoft.com/office/drawing/2014/main" id="{247D5333-1B27-76DF-9F7D-BA0008023FD0}"/>
+              </a:ext>
+            </a:extLst>
+          </p:cNvPr>
+          <p:cNvPicPr>
+            <a:picLocks noChangeAspect="1"/>
+          </p:cNvPicPr>
+          <p:nvPr/>
+        </p:nvPicPr>
+        <p:blipFill>
+          <a:blip r:embed="rId4"/>
+          <a:stretch>
+            <a:fillRect/>
+          </a:stretch>
+        </p:blipFill>
+        <p:spPr>
+          <a:xfrm>
+            <a:off x="2480795" y="4591050"/>
+            <a:ext cx="6697010" cy="2181529"/>
+          </a:xfrm>
+          <a:prstGeom prst="rect">
+            <a:avLst/>
+          </a:prstGeom>
+        </p:spPr>
+      </p:pic>
+    </p:spTree>
+    <p:extLst>
+      <p:ext uri="{BB962C8B-B14F-4D97-AF65-F5344CB8AC3E}">
+        <p14:creationId xmlns:p14="http://schemas.microsoft.com/office/powerpoint/2010/main" val="4150411367"/>
+      </p:ext>
+    </p:extLst>
+  </p:cSld>
+  <p:clrMapOvr>
+    <a:masterClrMapping/>
+  </p:clrMapOvr>
+</p:sld>
+</file>
+
+<file path=ppt/slides/slide27.xml><?xml version="1.0" encoding="utf-8"?>
 <p:sld xmlns:a="http://schemas.openxmlformats.org/drawingml/2006/main" xmlns:r="http://schemas.openxmlformats.org/officeDocument/2006/relationships" xmlns:p="http://schemas.openxmlformats.org/presentationml/2006/main">
   <p:cSld>
     <p:spTree>
@@ -18790,55 +24050,1165 @@
       </p:sp>
       <p:pic>
         <p:nvPicPr>
-          <p:cNvPr id="6146" name="Picture 2">
+          <p:cNvPr id="17" name="Рисунок 16">
             <a:extLst>
               <a:ext uri="{FF2B5EF4-FFF2-40B4-BE49-F238E27FC236}">
-                <a16:creationId xmlns:a16="http://schemas.microsoft.com/office/drawing/2014/main" id="{BD3DFB64-E0B8-7D9B-5D0F-5908372861F8}"/>
+                <a16:creationId xmlns:a16="http://schemas.microsoft.com/office/drawing/2014/main" id="{CC947A95-6E57-7287-EC43-342CE45DBF4E}"/>
               </a:ext>
             </a:extLst>
           </p:cNvPr>
           <p:cNvPicPr>
-            <a:picLocks noChangeAspect="1" noChangeArrowheads="1"/>
+            <a:picLocks noChangeAspect="1"/>
           </p:cNvPicPr>
           <p:nvPr/>
         </p:nvPicPr>
         <p:blipFill>
-          <a:blip r:embed="rId2">
-            <a:extLst>
-              <a:ext uri="{28A0092B-C50C-407E-A947-70E740481C1C}">
-                <a14:useLocalDpi xmlns:a14="http://schemas.microsoft.com/office/drawing/2010/main" val="0"/>
-              </a:ext>
-            </a:extLst>
-          </a:blip>
-          <a:srcRect/>
+          <a:blip r:embed="rId3"/>
           <a:stretch>
             <a:fillRect/>
           </a:stretch>
         </p:blipFill>
-        <p:spPr bwMode="auto">
+        <p:spPr>
           <a:xfrm>
-            <a:off x="477838" y="2390775"/>
-            <a:ext cx="3829050" cy="2305050"/>
+            <a:off x="966070" y="678322"/>
+            <a:ext cx="10269383" cy="2038635"/>
+          </a:xfrm>
+          <a:prstGeom prst="rect">
+            <a:avLst/>
+          </a:prstGeom>
+        </p:spPr>
+      </p:pic>
+      <p:pic>
+        <p:nvPicPr>
+          <p:cNvPr id="19" name="Рисунок 18">
+            <a:extLst>
+              <a:ext uri="{FF2B5EF4-FFF2-40B4-BE49-F238E27FC236}">
+                <a16:creationId xmlns:a16="http://schemas.microsoft.com/office/drawing/2014/main" id="{FB9517A5-3D35-87E3-9C07-75DB17BC0FC6}"/>
+              </a:ext>
+            </a:extLst>
+          </p:cNvPr>
+          <p:cNvPicPr>
+            <a:picLocks noChangeAspect="1"/>
+          </p:cNvPicPr>
+          <p:nvPr/>
+        </p:nvPicPr>
+        <p:blipFill>
+          <a:blip r:embed="rId4"/>
+          <a:stretch>
+            <a:fillRect/>
+          </a:stretch>
+        </p:blipFill>
+        <p:spPr>
+          <a:xfrm>
+            <a:off x="966070" y="2716957"/>
+            <a:ext cx="8668960" cy="1714739"/>
+          </a:xfrm>
+          <a:prstGeom prst="rect">
+            <a:avLst/>
+          </a:prstGeom>
+        </p:spPr>
+      </p:pic>
+      <p:pic>
+        <p:nvPicPr>
+          <p:cNvPr id="21" name="Рисунок 20">
+            <a:extLst>
+              <a:ext uri="{FF2B5EF4-FFF2-40B4-BE49-F238E27FC236}">
+                <a16:creationId xmlns:a16="http://schemas.microsoft.com/office/drawing/2014/main" id="{ECD70AEE-64B8-7582-7FCD-947995D6553A}"/>
+              </a:ext>
+            </a:extLst>
+          </p:cNvPr>
+          <p:cNvPicPr>
+            <a:picLocks noChangeAspect="1"/>
+          </p:cNvPicPr>
+          <p:nvPr/>
+        </p:nvPicPr>
+        <p:blipFill>
+          <a:blip r:embed="rId5"/>
+          <a:stretch>
+            <a:fillRect/>
+          </a:stretch>
+        </p:blipFill>
+        <p:spPr>
+          <a:xfrm>
+            <a:off x="966070" y="4431696"/>
+            <a:ext cx="10297962" cy="2362530"/>
+          </a:xfrm>
+          <a:prstGeom prst="rect">
+            <a:avLst/>
+          </a:prstGeom>
+        </p:spPr>
+      </p:pic>
+    </p:spTree>
+    <p:extLst>
+      <p:ext uri="{BB962C8B-B14F-4D97-AF65-F5344CB8AC3E}">
+        <p14:creationId xmlns:p14="http://schemas.microsoft.com/office/powerpoint/2010/main" val="3540524319"/>
+      </p:ext>
+    </p:extLst>
+  </p:cSld>
+  <p:clrMapOvr>
+    <a:masterClrMapping/>
+  </p:clrMapOvr>
+</p:sld>
+</file>
+
+<file path=ppt/slides/slide28.xml><?xml version="1.0" encoding="utf-8"?>
+<p:sld xmlns:a="http://schemas.openxmlformats.org/drawingml/2006/main" xmlns:r="http://schemas.openxmlformats.org/officeDocument/2006/relationships" xmlns:p="http://schemas.openxmlformats.org/presentationml/2006/main">
+  <p:cSld>
+    <p:spTree>
+      <p:nvGrpSpPr>
+        <p:cNvPr id="1" name=""/>
+        <p:cNvGrpSpPr/>
+        <p:nvPr/>
+      </p:nvGrpSpPr>
+      <p:grpSpPr>
+        <a:xfrm>
+          <a:off x="0" y="0"/>
+          <a:ext cx="0" cy="0"/>
+          <a:chOff x="0" y="0"/>
+          <a:chExt cx="0" cy="0"/>
+        </a:xfrm>
+      </p:grpSpPr>
+      <p:sp>
+        <p:nvSpPr>
+          <p:cNvPr id="3" name="Объект 2">
+            <a:extLst>
+              <a:ext uri="{FF2B5EF4-FFF2-40B4-BE49-F238E27FC236}">
+                <a16:creationId xmlns:a16="http://schemas.microsoft.com/office/drawing/2014/main" id="{AA7A992F-39CE-7546-787A-616ACDE3CF45}"/>
+              </a:ext>
+            </a:extLst>
+          </p:cNvPr>
+          <p:cNvSpPr txBox="1">
+            <a:spLocks/>
+          </p:cNvSpPr>
+          <p:nvPr/>
+        </p:nvSpPr>
+        <p:spPr>
+          <a:xfrm>
+            <a:off x="515936" y="658732"/>
+            <a:ext cx="11237913" cy="1760618"/>
+          </a:xfrm>
+          <a:prstGeom prst="rect">
+            <a:avLst/>
+          </a:prstGeom>
+          <a:solidFill>
+            <a:srgbClr val="171717"/>
+          </a:solidFill>
+        </p:spPr>
+        <p:txBody>
+          <a:bodyPr vert="horz" lIns="91440" tIns="45720" rIns="91440" bIns="45720" rtlCol="0">
+            <a:normAutofit/>
+          </a:bodyPr>
+          <a:lstStyle>
+            <a:lvl1pPr marL="228600" indent="-228600" algn="l" defTabSz="914400" rtl="0" eaLnBrk="1" latinLnBrk="0" hangingPunct="1">
+              <a:lnSpc>
+                <a:spcPct val="90000"/>
+              </a:lnSpc>
+              <a:spcBef>
+                <a:spcPts val="1000"/>
+              </a:spcBef>
+              <a:buFont typeface="Arial" panose="020B0604020202020204" pitchFamily="34" charset="0"/>
+              <a:buChar char="•"/>
+              <a:defRPr sz="1600" kern="1200">
+                <a:solidFill>
+                  <a:schemeClr val="tx1"/>
+                </a:solidFill>
+                <a:latin typeface="Arial" panose="020B0604020202020204" pitchFamily="34" charset="0"/>
+                <a:ea typeface="+mn-ea"/>
+                <a:cs typeface="Arial" panose="020B0604020202020204" pitchFamily="34" charset="0"/>
+              </a:defRPr>
+            </a:lvl1pPr>
+            <a:lvl2pPr marL="685800" indent="-228600" algn="l" defTabSz="914400" rtl="0" eaLnBrk="1" latinLnBrk="0" hangingPunct="1">
+              <a:lnSpc>
+                <a:spcPct val="90000"/>
+              </a:lnSpc>
+              <a:spcBef>
+                <a:spcPts val="500"/>
+              </a:spcBef>
+              <a:buFont typeface="Arial" panose="020B0604020202020204" pitchFamily="34" charset="0"/>
+              <a:buChar char="•"/>
+              <a:defRPr sz="1600" kern="1200">
+                <a:solidFill>
+                  <a:schemeClr val="tx1"/>
+                </a:solidFill>
+                <a:latin typeface="Arial" panose="020B0604020202020204" pitchFamily="34" charset="0"/>
+                <a:ea typeface="+mn-ea"/>
+                <a:cs typeface="Arial" panose="020B0604020202020204" pitchFamily="34" charset="0"/>
+              </a:defRPr>
+            </a:lvl2pPr>
+            <a:lvl3pPr marL="1143000" indent="-228600" algn="l" defTabSz="914400" rtl="0" eaLnBrk="1" latinLnBrk="0" hangingPunct="1">
+              <a:lnSpc>
+                <a:spcPct val="90000"/>
+              </a:lnSpc>
+              <a:spcBef>
+                <a:spcPts val="500"/>
+              </a:spcBef>
+              <a:buFont typeface="Arial" panose="020B0604020202020204" pitchFamily="34" charset="0"/>
+              <a:buChar char="•"/>
+              <a:defRPr sz="1600" kern="1200">
+                <a:solidFill>
+                  <a:schemeClr val="tx1"/>
+                </a:solidFill>
+                <a:latin typeface="Arial" panose="020B0604020202020204" pitchFamily="34" charset="0"/>
+                <a:ea typeface="+mn-ea"/>
+                <a:cs typeface="Arial" panose="020B0604020202020204" pitchFamily="34" charset="0"/>
+              </a:defRPr>
+            </a:lvl3pPr>
+            <a:lvl4pPr marL="1600200" indent="-228600" algn="l" defTabSz="914400" rtl="0" eaLnBrk="1" latinLnBrk="0" hangingPunct="1">
+              <a:lnSpc>
+                <a:spcPct val="90000"/>
+              </a:lnSpc>
+              <a:spcBef>
+                <a:spcPts val="500"/>
+              </a:spcBef>
+              <a:buFont typeface="Arial" panose="020B0604020202020204" pitchFamily="34" charset="0"/>
+              <a:buChar char="•"/>
+              <a:defRPr sz="1400" kern="1200">
+                <a:solidFill>
+                  <a:schemeClr val="tx1"/>
+                </a:solidFill>
+                <a:latin typeface="Arial" panose="020B0604020202020204" pitchFamily="34" charset="0"/>
+                <a:ea typeface="+mn-ea"/>
+                <a:cs typeface="Arial" panose="020B0604020202020204" pitchFamily="34" charset="0"/>
+              </a:defRPr>
+            </a:lvl4pPr>
+            <a:lvl5pPr marL="2057400" indent="-228600" algn="l" defTabSz="914400" rtl="0" eaLnBrk="1" latinLnBrk="0" hangingPunct="1">
+              <a:lnSpc>
+                <a:spcPct val="90000"/>
+              </a:lnSpc>
+              <a:spcBef>
+                <a:spcPts val="500"/>
+              </a:spcBef>
+              <a:buFont typeface="Arial" panose="020B0604020202020204" pitchFamily="34" charset="0"/>
+              <a:buChar char="•"/>
+              <a:defRPr sz="1400" kern="1200">
+                <a:solidFill>
+                  <a:schemeClr val="tx1"/>
+                </a:solidFill>
+                <a:latin typeface="Arial" panose="020B0604020202020204" pitchFamily="34" charset="0"/>
+                <a:ea typeface="+mn-ea"/>
+                <a:cs typeface="Arial" panose="020B0604020202020204" pitchFamily="34" charset="0"/>
+              </a:defRPr>
+            </a:lvl5pPr>
+            <a:lvl6pPr marL="2514600" indent="-228600" algn="l" defTabSz="914400" rtl="0" eaLnBrk="1" latinLnBrk="0" hangingPunct="1">
+              <a:lnSpc>
+                <a:spcPct val="90000"/>
+              </a:lnSpc>
+              <a:spcBef>
+                <a:spcPts val="500"/>
+              </a:spcBef>
+              <a:buFont typeface="Arial" panose="020B0604020202020204" pitchFamily="34" charset="0"/>
+              <a:buChar char="•"/>
+              <a:defRPr sz="1800" kern="1200">
+                <a:solidFill>
+                  <a:schemeClr val="tx1"/>
+                </a:solidFill>
+                <a:latin typeface="+mn-lt"/>
+                <a:ea typeface="+mn-ea"/>
+                <a:cs typeface="+mn-cs"/>
+              </a:defRPr>
+            </a:lvl6pPr>
+            <a:lvl7pPr marL="2971800" indent="-228600" algn="l" defTabSz="914400" rtl="0" eaLnBrk="1" latinLnBrk="0" hangingPunct="1">
+              <a:lnSpc>
+                <a:spcPct val="90000"/>
+              </a:lnSpc>
+              <a:spcBef>
+                <a:spcPts val="500"/>
+              </a:spcBef>
+              <a:buFont typeface="Arial" panose="020B0604020202020204" pitchFamily="34" charset="0"/>
+              <a:buChar char="•"/>
+              <a:defRPr sz="1800" kern="1200">
+                <a:solidFill>
+                  <a:schemeClr val="tx1"/>
+                </a:solidFill>
+                <a:latin typeface="+mn-lt"/>
+                <a:ea typeface="+mn-ea"/>
+                <a:cs typeface="+mn-cs"/>
+              </a:defRPr>
+            </a:lvl7pPr>
+            <a:lvl8pPr marL="3429000" indent="-228600" algn="l" defTabSz="914400" rtl="0" eaLnBrk="1" latinLnBrk="0" hangingPunct="1">
+              <a:lnSpc>
+                <a:spcPct val="90000"/>
+              </a:lnSpc>
+              <a:spcBef>
+                <a:spcPts val="500"/>
+              </a:spcBef>
+              <a:buFont typeface="Arial" panose="020B0604020202020204" pitchFamily="34" charset="0"/>
+              <a:buChar char="•"/>
+              <a:defRPr sz="1800" kern="1200">
+                <a:solidFill>
+                  <a:schemeClr val="tx1"/>
+                </a:solidFill>
+                <a:latin typeface="+mn-lt"/>
+                <a:ea typeface="+mn-ea"/>
+                <a:cs typeface="+mn-cs"/>
+              </a:defRPr>
+            </a:lvl8pPr>
+            <a:lvl9pPr marL="3886200" indent="-228600" algn="l" defTabSz="914400" rtl="0" eaLnBrk="1" latinLnBrk="0" hangingPunct="1">
+              <a:lnSpc>
+                <a:spcPct val="90000"/>
+              </a:lnSpc>
+              <a:spcBef>
+                <a:spcPts val="500"/>
+              </a:spcBef>
+              <a:buFont typeface="Arial" panose="020B0604020202020204" pitchFamily="34" charset="0"/>
+              <a:buChar char="•"/>
+              <a:defRPr sz="1800" kern="1200">
+                <a:solidFill>
+                  <a:schemeClr val="tx1"/>
+                </a:solidFill>
+                <a:latin typeface="+mn-lt"/>
+                <a:ea typeface="+mn-ea"/>
+                <a:cs typeface="+mn-cs"/>
+              </a:defRPr>
+            </a:lvl9pPr>
+          </a:lstStyle>
+          <a:p>
+            <a:pPr marL="0" indent="0" algn="l">
+              <a:buNone/>
+            </a:pPr>
+            <a:r>
+              <a:rPr lang="ru-RU" dirty="0">
+                <a:solidFill>
+                  <a:srgbClr val="F8FAFF"/>
+                </a:solidFill>
+                <a:latin typeface="DeepSeek-CJK-patch"/>
+              </a:rPr>
+              <a:t>Интерфейс </a:t>
+            </a:r>
+            <a:r>
+              <a:rPr lang="ru-RU" dirty="0">
+                <a:solidFill>
+                  <a:srgbClr val="BC5CFF"/>
+                </a:solidFill>
+                <a:latin typeface="DeepSeek-CJK-patch"/>
+              </a:rPr>
+              <a:t>Lock</a:t>
+            </a:r>
+            <a:r>
+              <a:rPr lang="ru-RU" dirty="0">
+                <a:solidFill>
+                  <a:srgbClr val="F8FAFF"/>
+                </a:solidFill>
+                <a:latin typeface="DeepSeek-CJK-patch"/>
+              </a:rPr>
+              <a:t> — это абстракция, допускающая выполнение блокировок, которые реализуются как классы </a:t>
+            </a:r>
+            <a:r>
+              <a:rPr lang="ru-RU" dirty="0">
+                <a:solidFill>
+                  <a:srgbClr val="FF423F"/>
+                </a:solidFill>
+                <a:latin typeface="DeepSeek-CJK-patch"/>
+              </a:rPr>
+              <a:t>Java</a:t>
+            </a:r>
+            <a:r>
+              <a:rPr lang="ru-RU" dirty="0">
+                <a:solidFill>
+                  <a:srgbClr val="F8FAFF"/>
+                </a:solidFill>
+                <a:latin typeface="DeepSeek-CJK-patch"/>
+              </a:rPr>
+              <a:t>, а не как возможность языка (</a:t>
+            </a:r>
+            <a:r>
+              <a:rPr lang="ru-RU" dirty="0">
+                <a:solidFill>
+                  <a:srgbClr val="FF423F"/>
+                </a:solidFill>
+                <a:latin typeface="DeepSeek-CJK-patch"/>
+              </a:rPr>
+              <a:t>объекта</a:t>
+            </a:r>
+            <a:r>
+              <a:rPr lang="ru-RU" dirty="0">
+                <a:solidFill>
+                  <a:srgbClr val="F8FAFF"/>
+                </a:solidFill>
+                <a:latin typeface="DeepSeek-CJK-patch"/>
+              </a:rPr>
+              <a:t>). Это расширяет возможности применения Lock, которые могут иметь различные алгоритмы планирования. </a:t>
+            </a:r>
+            <a:r>
+              <a:rPr lang="ru-RU" dirty="0">
+                <a:solidFill>
+                  <a:srgbClr val="FF423F"/>
+                </a:solidFill>
+                <a:latin typeface="DeepSeek-CJK-patch"/>
+              </a:rPr>
+              <a:t>Блокировка Lock </a:t>
+            </a:r>
+            <a:r>
+              <a:rPr lang="ru-RU" dirty="0">
+                <a:solidFill>
+                  <a:srgbClr val="F8FAFF"/>
+                </a:solidFill>
+                <a:latin typeface="DeepSeek-CJK-patch"/>
+              </a:rPr>
+              <a:t>является инструментом для того, чтобы управлять доступом к совместно используемому ресурсу </a:t>
+            </a:r>
+            <a:r>
+              <a:rPr lang="ru-RU" dirty="0" err="1">
+                <a:solidFill>
+                  <a:srgbClr val="F8FAFF"/>
+                </a:solidFill>
+                <a:latin typeface="DeepSeek-CJK-patch"/>
+              </a:rPr>
+              <a:t>паралельными</a:t>
+            </a:r>
+            <a:r>
+              <a:rPr lang="ru-RU" dirty="0">
+                <a:solidFill>
+                  <a:srgbClr val="F8FAFF"/>
+                </a:solidFill>
+                <a:latin typeface="DeepSeek-CJK-patch"/>
+              </a:rPr>
+              <a:t> потоками.</a:t>
+            </a:r>
+          </a:p>
+          <a:p>
+            <a:pPr marL="0" indent="0" algn="l">
+              <a:buNone/>
+            </a:pPr>
+            <a:r>
+              <a:rPr lang="ru-RU" dirty="0">
+                <a:solidFill>
+                  <a:srgbClr val="F8FAFF"/>
+                </a:solidFill>
+                <a:latin typeface="DeepSeek-CJK-patch"/>
+              </a:rPr>
+              <a:t>Реализации интерфейса </a:t>
+            </a:r>
+            <a:r>
+              <a:rPr lang="ru-RU" dirty="0">
+                <a:solidFill>
+                  <a:srgbClr val="FF423F"/>
+                </a:solidFill>
+                <a:latin typeface="DeepSeek-CJK-patch"/>
+              </a:rPr>
+              <a:t>Lock</a:t>
+            </a:r>
+            <a:r>
+              <a:rPr lang="ru-RU" dirty="0">
+                <a:solidFill>
+                  <a:srgbClr val="F8FAFF"/>
+                </a:solidFill>
+                <a:latin typeface="DeepSeek-CJK-patch"/>
+              </a:rPr>
+              <a:t> существенно расширяют возможности блокировок по сравнению c </a:t>
+            </a:r>
+            <a:r>
+              <a:rPr lang="ru-RU" dirty="0" err="1">
+                <a:solidFill>
+                  <a:srgbClr val="FF423F"/>
+                </a:solidFill>
+                <a:latin typeface="DeepSeek-CJK-patch"/>
+              </a:rPr>
+              <a:t>synchronized</a:t>
+            </a:r>
+            <a:r>
+              <a:rPr lang="ru-RU" dirty="0">
+                <a:solidFill>
+                  <a:srgbClr val="F8FAFF"/>
+                </a:solidFill>
+                <a:latin typeface="DeepSeek-CJK-patch"/>
+              </a:rPr>
+              <a:t>. Интерфейс </a:t>
+            </a:r>
+            <a:r>
+              <a:rPr lang="ru-RU" dirty="0">
+                <a:solidFill>
+                  <a:srgbClr val="FF423F"/>
+                </a:solidFill>
+                <a:latin typeface="DeepSeek-CJK-patch"/>
+              </a:rPr>
+              <a:t>Lock</a:t>
+            </a:r>
+            <a:r>
+              <a:rPr lang="ru-RU" dirty="0">
+                <a:solidFill>
+                  <a:srgbClr val="F8FAFF"/>
+                </a:solidFill>
+                <a:latin typeface="DeepSeek-CJK-patch"/>
+              </a:rPr>
+              <a:t> позволяет осуществлять более гибкое структурирование и поддерживает многократно связанный условный объект </a:t>
+            </a:r>
+            <a:r>
+              <a:rPr lang="ru-RU" dirty="0" err="1">
+                <a:solidFill>
+                  <a:srgbClr val="FF423F"/>
+                </a:solidFill>
+                <a:latin typeface="DeepSeek-CJK-patch"/>
+              </a:rPr>
+              <a:t>Condition</a:t>
+            </a:r>
+            <a:r>
+              <a:rPr lang="ru-RU" dirty="0">
+                <a:solidFill>
+                  <a:srgbClr val="F8FAFF"/>
+                </a:solidFill>
+                <a:latin typeface="DeepSeek-CJK-patch"/>
+              </a:rPr>
+              <a:t>.</a:t>
+            </a:r>
+          </a:p>
+          <a:p>
+            <a:pPr algn="l">
+              <a:buFont typeface="Arial" panose="020B0604020202020204" pitchFamily="34" charset="0"/>
+              <a:buChar char="•"/>
+            </a:pPr>
+            <a:endParaRPr lang="ru-RU" b="0" i="0" dirty="0">
+              <a:solidFill>
+                <a:srgbClr val="F8FAFF"/>
+              </a:solidFill>
+              <a:effectLst/>
+              <a:latin typeface="DeepSeek-CJK-patch"/>
+            </a:endParaRPr>
+          </a:p>
+          <a:p>
+            <a:pPr marL="0" indent="0">
+              <a:buNone/>
+            </a:pPr>
+            <a:endParaRPr lang="ru-RU" dirty="0">
+              <a:solidFill>
+                <a:srgbClr val="F8FAFF"/>
+              </a:solidFill>
+              <a:latin typeface="DeepSeek-CJK-patch"/>
+            </a:endParaRPr>
+          </a:p>
+        </p:txBody>
+      </p:sp>
+      <p:sp>
+        <p:nvSpPr>
+          <p:cNvPr id="2" name="Заголовок 1">
+            <a:extLst>
+              <a:ext uri="{FF2B5EF4-FFF2-40B4-BE49-F238E27FC236}">
+                <a16:creationId xmlns:a16="http://schemas.microsoft.com/office/drawing/2014/main" id="{D512759A-0B65-D482-9DA8-554DC7367F7D}"/>
+              </a:ext>
+            </a:extLst>
+          </p:cNvPr>
+          <p:cNvSpPr>
+            <a:spLocks noGrp="1"/>
+          </p:cNvSpPr>
+          <p:nvPr>
+            <p:ph type="title"/>
+          </p:nvPr>
+        </p:nvSpPr>
+        <p:spPr/>
+        <p:txBody>
+          <a:bodyPr/>
+          <a:lstStyle/>
+          <a:p>
+            <a:r>
+              <a:rPr lang="en-US" dirty="0"/>
+              <a:t>Lock</a:t>
+            </a:r>
+            <a:endParaRPr lang="ru-RU" dirty="0"/>
+          </a:p>
+        </p:txBody>
+      </p:sp>
+      <p:pic>
+        <p:nvPicPr>
+          <p:cNvPr id="5" name="Рисунок 4">
+            <a:extLst>
+              <a:ext uri="{FF2B5EF4-FFF2-40B4-BE49-F238E27FC236}">
+                <a16:creationId xmlns:a16="http://schemas.microsoft.com/office/drawing/2014/main" id="{C903BBA3-4F66-BCA4-50ED-FF1B681D1014}"/>
+              </a:ext>
+            </a:extLst>
+          </p:cNvPr>
+          <p:cNvPicPr>
+            <a:picLocks noChangeAspect="1"/>
+          </p:cNvPicPr>
+          <p:nvPr/>
+        </p:nvPicPr>
+        <p:blipFill>
+          <a:blip r:embed="rId3"/>
+          <a:stretch>
+            <a:fillRect/>
+          </a:stretch>
+        </p:blipFill>
+        <p:spPr>
+          <a:xfrm>
+            <a:off x="681068" y="2584286"/>
+            <a:ext cx="10907647" cy="3000794"/>
+          </a:xfrm>
+          <a:prstGeom prst="rect">
+            <a:avLst/>
+          </a:prstGeom>
+        </p:spPr>
+      </p:pic>
+    </p:spTree>
+    <p:extLst>
+      <p:ext uri="{BB962C8B-B14F-4D97-AF65-F5344CB8AC3E}">
+        <p14:creationId xmlns:p14="http://schemas.microsoft.com/office/powerpoint/2010/main" val="403309128"/>
+      </p:ext>
+    </p:extLst>
+  </p:cSld>
+  <p:clrMapOvr>
+    <a:masterClrMapping/>
+  </p:clrMapOvr>
+</p:sld>
+</file>
+
+<file path=ppt/slides/slide29.xml><?xml version="1.0" encoding="utf-8"?>
+<p:sld xmlns:a="http://schemas.openxmlformats.org/drawingml/2006/main" xmlns:r="http://schemas.openxmlformats.org/officeDocument/2006/relationships" xmlns:p="http://schemas.openxmlformats.org/presentationml/2006/main">
+  <p:cSld>
+    <p:spTree>
+      <p:nvGrpSpPr>
+        <p:cNvPr id="1" name=""/>
+        <p:cNvGrpSpPr/>
+        <p:nvPr/>
+      </p:nvGrpSpPr>
+      <p:grpSpPr>
+        <a:xfrm>
+          <a:off x="0" y="0"/>
+          <a:ext cx="0" cy="0"/>
+          <a:chOff x="0" y="0"/>
+          <a:chExt cx="0" cy="0"/>
+        </a:xfrm>
+      </p:grpSpPr>
+      <p:sp>
+        <p:nvSpPr>
+          <p:cNvPr id="3" name="Объект 2">
+            <a:extLst>
+              <a:ext uri="{FF2B5EF4-FFF2-40B4-BE49-F238E27FC236}">
+                <a16:creationId xmlns:a16="http://schemas.microsoft.com/office/drawing/2014/main" id="{AA7A992F-39CE-7546-787A-616ACDE3CF45}"/>
+              </a:ext>
+            </a:extLst>
+          </p:cNvPr>
+          <p:cNvSpPr txBox="1">
+            <a:spLocks/>
+          </p:cNvSpPr>
+          <p:nvPr/>
+        </p:nvSpPr>
+        <p:spPr>
+          <a:xfrm>
+            <a:off x="515936" y="658732"/>
+            <a:ext cx="11237913" cy="2179718"/>
+          </a:xfrm>
+          <a:prstGeom prst="rect">
+            <a:avLst/>
+          </a:prstGeom>
+          <a:solidFill>
+            <a:srgbClr val="171717"/>
+          </a:solidFill>
+        </p:spPr>
+        <p:txBody>
+          <a:bodyPr vert="horz" lIns="91440" tIns="45720" rIns="91440" bIns="45720" rtlCol="0">
+            <a:normAutofit/>
+          </a:bodyPr>
+          <a:lstStyle>
+            <a:lvl1pPr marL="228600" indent="-228600" algn="l" defTabSz="914400" rtl="0" eaLnBrk="1" latinLnBrk="0" hangingPunct="1">
+              <a:lnSpc>
+                <a:spcPct val="90000"/>
+              </a:lnSpc>
+              <a:spcBef>
+                <a:spcPts val="1000"/>
+              </a:spcBef>
+              <a:buFont typeface="Arial" panose="020B0604020202020204" pitchFamily="34" charset="0"/>
+              <a:buChar char="•"/>
+              <a:defRPr sz="1600" kern="1200">
+                <a:solidFill>
+                  <a:schemeClr val="tx1"/>
+                </a:solidFill>
+                <a:latin typeface="Arial" panose="020B0604020202020204" pitchFamily="34" charset="0"/>
+                <a:ea typeface="+mn-ea"/>
+                <a:cs typeface="Arial" panose="020B0604020202020204" pitchFamily="34" charset="0"/>
+              </a:defRPr>
+            </a:lvl1pPr>
+            <a:lvl2pPr marL="685800" indent="-228600" algn="l" defTabSz="914400" rtl="0" eaLnBrk="1" latinLnBrk="0" hangingPunct="1">
+              <a:lnSpc>
+                <a:spcPct val="90000"/>
+              </a:lnSpc>
+              <a:spcBef>
+                <a:spcPts val="500"/>
+              </a:spcBef>
+              <a:buFont typeface="Arial" panose="020B0604020202020204" pitchFamily="34" charset="0"/>
+              <a:buChar char="•"/>
+              <a:defRPr sz="1600" kern="1200">
+                <a:solidFill>
+                  <a:schemeClr val="tx1"/>
+                </a:solidFill>
+                <a:latin typeface="Arial" panose="020B0604020202020204" pitchFamily="34" charset="0"/>
+                <a:ea typeface="+mn-ea"/>
+                <a:cs typeface="Arial" panose="020B0604020202020204" pitchFamily="34" charset="0"/>
+              </a:defRPr>
+            </a:lvl2pPr>
+            <a:lvl3pPr marL="1143000" indent="-228600" algn="l" defTabSz="914400" rtl="0" eaLnBrk="1" latinLnBrk="0" hangingPunct="1">
+              <a:lnSpc>
+                <a:spcPct val="90000"/>
+              </a:lnSpc>
+              <a:spcBef>
+                <a:spcPts val="500"/>
+              </a:spcBef>
+              <a:buFont typeface="Arial" panose="020B0604020202020204" pitchFamily="34" charset="0"/>
+              <a:buChar char="•"/>
+              <a:defRPr sz="1600" kern="1200">
+                <a:solidFill>
+                  <a:schemeClr val="tx1"/>
+                </a:solidFill>
+                <a:latin typeface="Arial" panose="020B0604020202020204" pitchFamily="34" charset="0"/>
+                <a:ea typeface="+mn-ea"/>
+                <a:cs typeface="Arial" panose="020B0604020202020204" pitchFamily="34" charset="0"/>
+              </a:defRPr>
+            </a:lvl3pPr>
+            <a:lvl4pPr marL="1600200" indent="-228600" algn="l" defTabSz="914400" rtl="0" eaLnBrk="1" latinLnBrk="0" hangingPunct="1">
+              <a:lnSpc>
+                <a:spcPct val="90000"/>
+              </a:lnSpc>
+              <a:spcBef>
+                <a:spcPts val="500"/>
+              </a:spcBef>
+              <a:buFont typeface="Arial" panose="020B0604020202020204" pitchFamily="34" charset="0"/>
+              <a:buChar char="•"/>
+              <a:defRPr sz="1400" kern="1200">
+                <a:solidFill>
+                  <a:schemeClr val="tx1"/>
+                </a:solidFill>
+                <a:latin typeface="Arial" panose="020B0604020202020204" pitchFamily="34" charset="0"/>
+                <a:ea typeface="+mn-ea"/>
+                <a:cs typeface="Arial" panose="020B0604020202020204" pitchFamily="34" charset="0"/>
+              </a:defRPr>
+            </a:lvl4pPr>
+            <a:lvl5pPr marL="2057400" indent="-228600" algn="l" defTabSz="914400" rtl="0" eaLnBrk="1" latinLnBrk="0" hangingPunct="1">
+              <a:lnSpc>
+                <a:spcPct val="90000"/>
+              </a:lnSpc>
+              <a:spcBef>
+                <a:spcPts val="500"/>
+              </a:spcBef>
+              <a:buFont typeface="Arial" panose="020B0604020202020204" pitchFamily="34" charset="0"/>
+              <a:buChar char="•"/>
+              <a:defRPr sz="1400" kern="1200">
+                <a:solidFill>
+                  <a:schemeClr val="tx1"/>
+                </a:solidFill>
+                <a:latin typeface="Arial" panose="020B0604020202020204" pitchFamily="34" charset="0"/>
+                <a:ea typeface="+mn-ea"/>
+                <a:cs typeface="Arial" panose="020B0604020202020204" pitchFamily="34" charset="0"/>
+              </a:defRPr>
+            </a:lvl5pPr>
+            <a:lvl6pPr marL="2514600" indent="-228600" algn="l" defTabSz="914400" rtl="0" eaLnBrk="1" latinLnBrk="0" hangingPunct="1">
+              <a:lnSpc>
+                <a:spcPct val="90000"/>
+              </a:lnSpc>
+              <a:spcBef>
+                <a:spcPts val="500"/>
+              </a:spcBef>
+              <a:buFont typeface="Arial" panose="020B0604020202020204" pitchFamily="34" charset="0"/>
+              <a:buChar char="•"/>
+              <a:defRPr sz="1800" kern="1200">
+                <a:solidFill>
+                  <a:schemeClr val="tx1"/>
+                </a:solidFill>
+                <a:latin typeface="+mn-lt"/>
+                <a:ea typeface="+mn-ea"/>
+                <a:cs typeface="+mn-cs"/>
+              </a:defRPr>
+            </a:lvl6pPr>
+            <a:lvl7pPr marL="2971800" indent="-228600" algn="l" defTabSz="914400" rtl="0" eaLnBrk="1" latinLnBrk="0" hangingPunct="1">
+              <a:lnSpc>
+                <a:spcPct val="90000"/>
+              </a:lnSpc>
+              <a:spcBef>
+                <a:spcPts val="500"/>
+              </a:spcBef>
+              <a:buFont typeface="Arial" panose="020B0604020202020204" pitchFamily="34" charset="0"/>
+              <a:buChar char="•"/>
+              <a:defRPr sz="1800" kern="1200">
+                <a:solidFill>
+                  <a:schemeClr val="tx1"/>
+                </a:solidFill>
+                <a:latin typeface="+mn-lt"/>
+                <a:ea typeface="+mn-ea"/>
+                <a:cs typeface="+mn-cs"/>
+              </a:defRPr>
+            </a:lvl7pPr>
+            <a:lvl8pPr marL="3429000" indent="-228600" algn="l" defTabSz="914400" rtl="0" eaLnBrk="1" latinLnBrk="0" hangingPunct="1">
+              <a:lnSpc>
+                <a:spcPct val="90000"/>
+              </a:lnSpc>
+              <a:spcBef>
+                <a:spcPts val="500"/>
+              </a:spcBef>
+              <a:buFont typeface="Arial" panose="020B0604020202020204" pitchFamily="34" charset="0"/>
+              <a:buChar char="•"/>
+              <a:defRPr sz="1800" kern="1200">
+                <a:solidFill>
+                  <a:schemeClr val="tx1"/>
+                </a:solidFill>
+                <a:latin typeface="+mn-lt"/>
+                <a:ea typeface="+mn-ea"/>
+                <a:cs typeface="+mn-cs"/>
+              </a:defRPr>
+            </a:lvl8pPr>
+            <a:lvl9pPr marL="3886200" indent="-228600" algn="l" defTabSz="914400" rtl="0" eaLnBrk="1" latinLnBrk="0" hangingPunct="1">
+              <a:lnSpc>
+                <a:spcPct val="90000"/>
+              </a:lnSpc>
+              <a:spcBef>
+                <a:spcPts val="500"/>
+              </a:spcBef>
+              <a:buFont typeface="Arial" panose="020B0604020202020204" pitchFamily="34" charset="0"/>
+              <a:buChar char="•"/>
+              <a:defRPr sz="1800" kern="1200">
+                <a:solidFill>
+                  <a:schemeClr val="tx1"/>
+                </a:solidFill>
+                <a:latin typeface="+mn-lt"/>
+                <a:ea typeface="+mn-ea"/>
+                <a:cs typeface="+mn-cs"/>
+              </a:defRPr>
+            </a:lvl9pPr>
+          </a:lstStyle>
+          <a:p>
+            <a:pPr marL="0" indent="0" algn="l">
+              <a:buNone/>
+            </a:pPr>
+            <a:r>
+              <a:rPr lang="ru-RU" dirty="0" err="1">
+                <a:solidFill>
+                  <a:srgbClr val="BC5CFF"/>
+                </a:solidFill>
+                <a:latin typeface="DeepSeek-CJK-patch"/>
+              </a:rPr>
+              <a:t>ReentrantLock</a:t>
+            </a:r>
+            <a:r>
+              <a:rPr lang="en-US" dirty="0">
+                <a:solidFill>
+                  <a:srgbClr val="F8FAFF"/>
+                </a:solidFill>
+                <a:latin typeface="DeepSeek-CJK-patch"/>
+              </a:rPr>
+              <a:t> - </a:t>
+            </a:r>
+            <a:r>
+              <a:rPr lang="ru-RU" dirty="0">
+                <a:solidFill>
+                  <a:srgbClr val="F8FAFF"/>
+                </a:solidFill>
+                <a:latin typeface="DeepSeek-CJK-patch"/>
+              </a:rPr>
+              <a:t>Наиболее распространенная блокировка с возможностью повторного входа.</a:t>
+            </a:r>
+          </a:p>
+          <a:p>
+            <a:pPr marL="0" indent="0" algn="l">
+              <a:buNone/>
+            </a:pPr>
+            <a:r>
+              <a:rPr lang="ru-RU" dirty="0">
+                <a:solidFill>
+                  <a:srgbClr val="F8FAFF"/>
+                </a:solidFill>
+                <a:latin typeface="DeepSeek-CJK-patch"/>
+              </a:rPr>
+              <a:t>Основные особенности:</a:t>
+            </a:r>
+          </a:p>
+          <a:p>
+            <a:r>
+              <a:rPr lang="ru-RU" dirty="0">
+                <a:solidFill>
+                  <a:srgbClr val="F8FAFF"/>
+                </a:solidFill>
+                <a:latin typeface="DeepSeek-CJK-patch"/>
+              </a:rPr>
+              <a:t>Аналогична </a:t>
+            </a:r>
+            <a:r>
+              <a:rPr lang="ru-RU" dirty="0" err="1">
+                <a:solidFill>
+                  <a:srgbClr val="FF423F"/>
+                </a:solidFill>
+                <a:latin typeface="DeepSeek-CJK-patch"/>
+              </a:rPr>
+              <a:t>synchronized</a:t>
+            </a:r>
+            <a:r>
+              <a:rPr lang="ru-RU" dirty="0">
+                <a:solidFill>
+                  <a:srgbClr val="F8FAFF"/>
+                </a:solidFill>
+                <a:latin typeface="DeepSeek-CJK-patch"/>
+              </a:rPr>
+              <a:t>, но с дополнительными функциями</a:t>
+            </a:r>
+          </a:p>
+          <a:p>
+            <a:r>
+              <a:rPr lang="ru-RU" dirty="0">
+                <a:solidFill>
+                  <a:srgbClr val="F8FAFF"/>
+                </a:solidFill>
+                <a:latin typeface="DeepSeek-CJK-patch"/>
+              </a:rPr>
+              <a:t>Поддержка </a:t>
+            </a:r>
+            <a:r>
+              <a:rPr lang="ru-RU" dirty="0" err="1">
+                <a:solidFill>
+                  <a:srgbClr val="FF423F"/>
+                </a:solidFill>
+                <a:latin typeface="DeepSeek-CJK-patch"/>
+              </a:rPr>
+              <a:t>fairness</a:t>
+            </a:r>
+            <a:r>
+              <a:rPr lang="ru-RU" dirty="0">
+                <a:solidFill>
+                  <a:srgbClr val="F8FAFF"/>
+                </a:solidFill>
+                <a:latin typeface="DeepSeek-CJK-patch"/>
+              </a:rPr>
+              <a:t> (честности)</a:t>
+            </a:r>
+          </a:p>
+          <a:p>
+            <a:r>
+              <a:rPr lang="ru-RU" dirty="0">
+                <a:solidFill>
+                  <a:srgbClr val="F8FAFF"/>
+                </a:solidFill>
+                <a:latin typeface="DeepSeek-CJK-patch"/>
+              </a:rPr>
+              <a:t>Возможность прерываемого ожидания</a:t>
+            </a:r>
+          </a:p>
+          <a:p>
+            <a:r>
+              <a:rPr lang="ru-RU" dirty="0">
+                <a:solidFill>
+                  <a:srgbClr val="F8FAFF"/>
+                </a:solidFill>
+                <a:latin typeface="DeepSeek-CJK-patch"/>
+              </a:rPr>
+              <a:t>Таймауты при ожидании</a:t>
+            </a:r>
+            <a:endParaRPr lang="en-US" dirty="0">
+              <a:solidFill>
+                <a:srgbClr val="F8FAFF"/>
+              </a:solidFill>
+              <a:latin typeface="DeepSeek-CJK-patch"/>
+            </a:endParaRPr>
+          </a:p>
+          <a:p>
+            <a:pPr marL="0" indent="0" algn="l">
+              <a:buNone/>
+            </a:pPr>
+            <a:endParaRPr lang="en-US" dirty="0">
+              <a:solidFill>
+                <a:srgbClr val="F8FAFF"/>
+              </a:solidFill>
+              <a:latin typeface="DeepSeek-CJK-patch"/>
+            </a:endParaRPr>
+          </a:p>
+          <a:p>
+            <a:pPr algn="l">
+              <a:buFont typeface="Arial" panose="020B0604020202020204" pitchFamily="34" charset="0"/>
+              <a:buChar char="•"/>
+            </a:pPr>
+            <a:endParaRPr lang="ru-RU" b="0" i="0" dirty="0">
+              <a:solidFill>
+                <a:srgbClr val="F8FAFF"/>
+              </a:solidFill>
+              <a:effectLst/>
+              <a:latin typeface="DeepSeek-CJK-patch"/>
+            </a:endParaRPr>
+          </a:p>
+          <a:p>
+            <a:pPr marL="0" indent="0">
+              <a:buNone/>
+            </a:pPr>
+            <a:endParaRPr lang="ru-RU" dirty="0">
+              <a:solidFill>
+                <a:srgbClr val="F8FAFF"/>
+              </a:solidFill>
+              <a:latin typeface="DeepSeek-CJK-patch"/>
+            </a:endParaRPr>
+          </a:p>
+        </p:txBody>
+      </p:sp>
+      <p:sp>
+        <p:nvSpPr>
+          <p:cNvPr id="2" name="Заголовок 1">
+            <a:extLst>
+              <a:ext uri="{FF2B5EF4-FFF2-40B4-BE49-F238E27FC236}">
+                <a16:creationId xmlns:a16="http://schemas.microsoft.com/office/drawing/2014/main" id="{D512759A-0B65-D482-9DA8-554DC7367F7D}"/>
+              </a:ext>
+            </a:extLst>
+          </p:cNvPr>
+          <p:cNvSpPr>
+            <a:spLocks noGrp="1"/>
+          </p:cNvSpPr>
+          <p:nvPr>
+            <p:ph type="title"/>
+          </p:nvPr>
+        </p:nvSpPr>
+        <p:spPr/>
+        <p:txBody>
+          <a:bodyPr>
+            <a:normAutofit/>
+          </a:bodyPr>
+          <a:lstStyle/>
+          <a:p>
+            <a:r>
+              <a:rPr lang="en-US" b="1" i="0" dirty="0" err="1">
+                <a:solidFill>
+                  <a:srgbClr val="F8FAFF"/>
+                </a:solidFill>
+                <a:effectLst/>
+                <a:latin typeface="DeepSeek-CJK-patch"/>
+              </a:rPr>
+              <a:t>ReentrantLock</a:t>
+            </a:r>
+            <a:r>
+              <a:rPr lang="en-US" b="1" i="0" dirty="0">
+                <a:solidFill>
+                  <a:srgbClr val="F8FAFF"/>
+                </a:solidFill>
+                <a:effectLst/>
+                <a:latin typeface="DeepSeek-CJK-patch"/>
+              </a:rPr>
+              <a:t> </a:t>
+            </a:r>
+            <a:endParaRPr lang="ru-RU" dirty="0"/>
+          </a:p>
+        </p:txBody>
+      </p:sp>
+      <p:pic>
+        <p:nvPicPr>
+          <p:cNvPr id="8" name="Рисунок 7">
+            <a:extLst>
+              <a:ext uri="{FF2B5EF4-FFF2-40B4-BE49-F238E27FC236}">
+                <a16:creationId xmlns:a16="http://schemas.microsoft.com/office/drawing/2014/main" id="{A9DDDD8A-49CB-9C30-4A5C-C2F1B6A2A737}"/>
+              </a:ext>
+            </a:extLst>
+          </p:cNvPr>
+          <p:cNvPicPr>
+            <a:picLocks noChangeAspect="1"/>
+          </p:cNvPicPr>
+          <p:nvPr/>
+        </p:nvPicPr>
+        <p:blipFill>
+          <a:blip r:embed="rId3"/>
+          <a:srcRect t="11912" r="3846" b="13316"/>
+          <a:stretch/>
+        </p:blipFill>
+        <p:spPr>
+          <a:xfrm>
+            <a:off x="515938" y="3381375"/>
+            <a:ext cx="8811297" cy="1276351"/>
+          </a:xfrm>
+          <a:prstGeom prst="rect">
+            <a:avLst/>
+          </a:prstGeom>
+        </p:spPr>
+      </p:pic>
+      <p:pic>
+        <p:nvPicPr>
+          <p:cNvPr id="10" name="Рисунок 9">
+            <a:extLst>
+              <a:ext uri="{FF2B5EF4-FFF2-40B4-BE49-F238E27FC236}">
+                <a16:creationId xmlns:a16="http://schemas.microsoft.com/office/drawing/2014/main" id="{96E40386-3121-CF5A-86F8-2E7BDFED31BD}"/>
+              </a:ext>
+            </a:extLst>
+          </p:cNvPr>
+          <p:cNvPicPr>
+            <a:picLocks noChangeAspect="1"/>
+          </p:cNvPicPr>
+          <p:nvPr/>
+        </p:nvPicPr>
+        <p:blipFill>
+          <a:blip r:embed="rId4"/>
+          <a:srcRect b="7924"/>
+          <a:stretch/>
+        </p:blipFill>
+        <p:spPr>
+          <a:xfrm>
+            <a:off x="515936" y="4729305"/>
+            <a:ext cx="8811297" cy="2128695"/>
+          </a:xfrm>
+          <a:prstGeom prst="rect">
+            <a:avLst/>
+          </a:prstGeom>
+        </p:spPr>
+      </p:pic>
+      <p:pic>
+        <p:nvPicPr>
+          <p:cNvPr id="12" name="Рисунок 11">
+            <a:extLst>
+              <a:ext uri="{FF2B5EF4-FFF2-40B4-BE49-F238E27FC236}">
+                <a16:creationId xmlns:a16="http://schemas.microsoft.com/office/drawing/2014/main" id="{B9C43BA7-445B-FC1C-9CAF-329B0DC24146}"/>
+              </a:ext>
+            </a:extLst>
+          </p:cNvPr>
+          <p:cNvPicPr>
+            <a:picLocks noChangeAspect="1"/>
+          </p:cNvPicPr>
+          <p:nvPr/>
+        </p:nvPicPr>
+        <p:blipFill>
+          <a:blip r:embed="rId5"/>
+          <a:srcRect t="1" r="9850" b="13829"/>
+          <a:stretch/>
+        </p:blipFill>
+        <p:spPr>
+          <a:xfrm>
+            <a:off x="515938" y="3112782"/>
+            <a:ext cx="8811297" cy="197014"/>
+          </a:xfrm>
+          <a:prstGeom prst="rect">
+            <a:avLst/>
+          </a:prstGeom>
+        </p:spPr>
+      </p:pic>
+      <p:sp>
+        <p:nvSpPr>
+          <p:cNvPr id="14" name="TextBox 13">
+            <a:extLst>
+              <a:ext uri="{FF2B5EF4-FFF2-40B4-BE49-F238E27FC236}">
+                <a16:creationId xmlns:a16="http://schemas.microsoft.com/office/drawing/2014/main" id="{A9BAF8C9-D1E9-DC48-8BC4-C6319976CCE0}"/>
+              </a:ext>
+            </a:extLst>
+          </p:cNvPr>
+          <p:cNvSpPr txBox="1"/>
+          <p:nvPr/>
+        </p:nvSpPr>
+        <p:spPr>
+          <a:xfrm>
+            <a:off x="3048000" y="3244334"/>
+            <a:ext cx="6096000" cy="369332"/>
           </a:xfrm>
           <a:prstGeom prst="rect">
             <a:avLst/>
           </a:prstGeom>
           <a:noFill/>
-          <a:extLst>
-            <a:ext uri="{909E8E84-426E-40DD-AFC4-6F175D3DCCD1}">
-              <a14:hiddenFill xmlns:a14="http://schemas.microsoft.com/office/drawing/2010/main">
-                <a:solidFill>
-                  <a:srgbClr val="FFFFFF"/>
-                </a:solidFill>
-              </a14:hiddenFill>
-            </a:ext>
-          </a:extLst>
         </p:spPr>
-      </p:pic>
+        <p:txBody>
+          <a:bodyPr wrap="square">
+            <a:spAutoFit/>
+          </a:bodyPr>
+          <a:lstStyle/>
+          <a:p>
+            <a:r>
+              <a:rPr lang="ru-RU" dirty="0" err="1">
+                <a:solidFill>
+                  <a:srgbClr val="FF423F"/>
+                </a:solidFill>
+                <a:latin typeface="DeepSeek-CJK-patch"/>
+              </a:rPr>
+              <a:t>fairness</a:t>
+            </a:r>
+            <a:endParaRPr lang="ru-RU" dirty="0"/>
+          </a:p>
+        </p:txBody>
+      </p:sp>
     </p:spTree>
     <p:extLst>
       <p:ext uri="{BB962C8B-B14F-4D97-AF65-F5344CB8AC3E}">
-        <p14:creationId xmlns:p14="http://schemas.microsoft.com/office/powerpoint/2010/main" val="4150411367"/>
+        <p14:creationId xmlns:p14="http://schemas.microsoft.com/office/powerpoint/2010/main" val="1468766469"/>
       </p:ext>
     </p:extLst>
   </p:cSld>
@@ -19334,6 +25704,818 @@
     <p:extLst>
       <p:ext uri="{BB962C8B-B14F-4D97-AF65-F5344CB8AC3E}">
         <p14:creationId xmlns:p14="http://schemas.microsoft.com/office/powerpoint/2010/main" val="923646062"/>
+      </p:ext>
+    </p:extLst>
+  </p:cSld>
+  <p:clrMapOvr>
+    <a:masterClrMapping/>
+  </p:clrMapOvr>
+</p:sld>
+</file>
+
+<file path=ppt/slides/slide30.xml><?xml version="1.0" encoding="utf-8"?>
+<p:sld xmlns:a="http://schemas.openxmlformats.org/drawingml/2006/main" xmlns:r="http://schemas.openxmlformats.org/officeDocument/2006/relationships" xmlns:p="http://schemas.openxmlformats.org/presentationml/2006/main">
+  <p:cSld>
+    <p:spTree>
+      <p:nvGrpSpPr>
+        <p:cNvPr id="1" name=""/>
+        <p:cNvGrpSpPr/>
+        <p:nvPr/>
+      </p:nvGrpSpPr>
+      <p:grpSpPr>
+        <a:xfrm>
+          <a:off x="0" y="0"/>
+          <a:ext cx="0" cy="0"/>
+          <a:chOff x="0" y="0"/>
+          <a:chExt cx="0" cy="0"/>
+        </a:xfrm>
+      </p:grpSpPr>
+      <p:sp>
+        <p:nvSpPr>
+          <p:cNvPr id="3" name="Объект 2">
+            <a:extLst>
+              <a:ext uri="{FF2B5EF4-FFF2-40B4-BE49-F238E27FC236}">
+                <a16:creationId xmlns:a16="http://schemas.microsoft.com/office/drawing/2014/main" id="{AA7A992F-39CE-7546-787A-616ACDE3CF45}"/>
+              </a:ext>
+            </a:extLst>
+          </p:cNvPr>
+          <p:cNvSpPr txBox="1">
+            <a:spLocks/>
+          </p:cNvSpPr>
+          <p:nvPr/>
+        </p:nvSpPr>
+        <p:spPr>
+          <a:xfrm>
+            <a:off x="515936" y="658732"/>
+            <a:ext cx="11237913" cy="1789193"/>
+          </a:xfrm>
+          <a:prstGeom prst="rect">
+            <a:avLst/>
+          </a:prstGeom>
+          <a:solidFill>
+            <a:srgbClr val="171717"/>
+          </a:solidFill>
+        </p:spPr>
+        <p:txBody>
+          <a:bodyPr vert="horz" lIns="91440" tIns="45720" rIns="91440" bIns="45720" rtlCol="0">
+            <a:normAutofit/>
+          </a:bodyPr>
+          <a:lstStyle>
+            <a:lvl1pPr marL="228600" indent="-228600" algn="l" defTabSz="914400" rtl="0" eaLnBrk="1" latinLnBrk="0" hangingPunct="1">
+              <a:lnSpc>
+                <a:spcPct val="90000"/>
+              </a:lnSpc>
+              <a:spcBef>
+                <a:spcPts val="1000"/>
+              </a:spcBef>
+              <a:buFont typeface="Arial" panose="020B0604020202020204" pitchFamily="34" charset="0"/>
+              <a:buChar char="•"/>
+              <a:defRPr sz="1600" kern="1200">
+                <a:solidFill>
+                  <a:schemeClr val="tx1"/>
+                </a:solidFill>
+                <a:latin typeface="Arial" panose="020B0604020202020204" pitchFamily="34" charset="0"/>
+                <a:ea typeface="+mn-ea"/>
+                <a:cs typeface="Arial" panose="020B0604020202020204" pitchFamily="34" charset="0"/>
+              </a:defRPr>
+            </a:lvl1pPr>
+            <a:lvl2pPr marL="685800" indent="-228600" algn="l" defTabSz="914400" rtl="0" eaLnBrk="1" latinLnBrk="0" hangingPunct="1">
+              <a:lnSpc>
+                <a:spcPct val="90000"/>
+              </a:lnSpc>
+              <a:spcBef>
+                <a:spcPts val="500"/>
+              </a:spcBef>
+              <a:buFont typeface="Arial" panose="020B0604020202020204" pitchFamily="34" charset="0"/>
+              <a:buChar char="•"/>
+              <a:defRPr sz="1600" kern="1200">
+                <a:solidFill>
+                  <a:schemeClr val="tx1"/>
+                </a:solidFill>
+                <a:latin typeface="Arial" panose="020B0604020202020204" pitchFamily="34" charset="0"/>
+                <a:ea typeface="+mn-ea"/>
+                <a:cs typeface="Arial" panose="020B0604020202020204" pitchFamily="34" charset="0"/>
+              </a:defRPr>
+            </a:lvl2pPr>
+            <a:lvl3pPr marL="1143000" indent="-228600" algn="l" defTabSz="914400" rtl="0" eaLnBrk="1" latinLnBrk="0" hangingPunct="1">
+              <a:lnSpc>
+                <a:spcPct val="90000"/>
+              </a:lnSpc>
+              <a:spcBef>
+                <a:spcPts val="500"/>
+              </a:spcBef>
+              <a:buFont typeface="Arial" panose="020B0604020202020204" pitchFamily="34" charset="0"/>
+              <a:buChar char="•"/>
+              <a:defRPr sz="1600" kern="1200">
+                <a:solidFill>
+                  <a:schemeClr val="tx1"/>
+                </a:solidFill>
+                <a:latin typeface="Arial" panose="020B0604020202020204" pitchFamily="34" charset="0"/>
+                <a:ea typeface="+mn-ea"/>
+                <a:cs typeface="Arial" panose="020B0604020202020204" pitchFamily="34" charset="0"/>
+              </a:defRPr>
+            </a:lvl3pPr>
+            <a:lvl4pPr marL="1600200" indent="-228600" algn="l" defTabSz="914400" rtl="0" eaLnBrk="1" latinLnBrk="0" hangingPunct="1">
+              <a:lnSpc>
+                <a:spcPct val="90000"/>
+              </a:lnSpc>
+              <a:spcBef>
+                <a:spcPts val="500"/>
+              </a:spcBef>
+              <a:buFont typeface="Arial" panose="020B0604020202020204" pitchFamily="34" charset="0"/>
+              <a:buChar char="•"/>
+              <a:defRPr sz="1400" kern="1200">
+                <a:solidFill>
+                  <a:schemeClr val="tx1"/>
+                </a:solidFill>
+                <a:latin typeface="Arial" panose="020B0604020202020204" pitchFamily="34" charset="0"/>
+                <a:ea typeface="+mn-ea"/>
+                <a:cs typeface="Arial" panose="020B0604020202020204" pitchFamily="34" charset="0"/>
+              </a:defRPr>
+            </a:lvl4pPr>
+            <a:lvl5pPr marL="2057400" indent="-228600" algn="l" defTabSz="914400" rtl="0" eaLnBrk="1" latinLnBrk="0" hangingPunct="1">
+              <a:lnSpc>
+                <a:spcPct val="90000"/>
+              </a:lnSpc>
+              <a:spcBef>
+                <a:spcPts val="500"/>
+              </a:spcBef>
+              <a:buFont typeface="Arial" panose="020B0604020202020204" pitchFamily="34" charset="0"/>
+              <a:buChar char="•"/>
+              <a:defRPr sz="1400" kern="1200">
+                <a:solidFill>
+                  <a:schemeClr val="tx1"/>
+                </a:solidFill>
+                <a:latin typeface="Arial" panose="020B0604020202020204" pitchFamily="34" charset="0"/>
+                <a:ea typeface="+mn-ea"/>
+                <a:cs typeface="Arial" panose="020B0604020202020204" pitchFamily="34" charset="0"/>
+              </a:defRPr>
+            </a:lvl5pPr>
+            <a:lvl6pPr marL="2514600" indent="-228600" algn="l" defTabSz="914400" rtl="0" eaLnBrk="1" latinLnBrk="0" hangingPunct="1">
+              <a:lnSpc>
+                <a:spcPct val="90000"/>
+              </a:lnSpc>
+              <a:spcBef>
+                <a:spcPts val="500"/>
+              </a:spcBef>
+              <a:buFont typeface="Arial" panose="020B0604020202020204" pitchFamily="34" charset="0"/>
+              <a:buChar char="•"/>
+              <a:defRPr sz="1800" kern="1200">
+                <a:solidFill>
+                  <a:schemeClr val="tx1"/>
+                </a:solidFill>
+                <a:latin typeface="+mn-lt"/>
+                <a:ea typeface="+mn-ea"/>
+                <a:cs typeface="+mn-cs"/>
+              </a:defRPr>
+            </a:lvl6pPr>
+            <a:lvl7pPr marL="2971800" indent="-228600" algn="l" defTabSz="914400" rtl="0" eaLnBrk="1" latinLnBrk="0" hangingPunct="1">
+              <a:lnSpc>
+                <a:spcPct val="90000"/>
+              </a:lnSpc>
+              <a:spcBef>
+                <a:spcPts val="500"/>
+              </a:spcBef>
+              <a:buFont typeface="Arial" panose="020B0604020202020204" pitchFamily="34" charset="0"/>
+              <a:buChar char="•"/>
+              <a:defRPr sz="1800" kern="1200">
+                <a:solidFill>
+                  <a:schemeClr val="tx1"/>
+                </a:solidFill>
+                <a:latin typeface="+mn-lt"/>
+                <a:ea typeface="+mn-ea"/>
+                <a:cs typeface="+mn-cs"/>
+              </a:defRPr>
+            </a:lvl7pPr>
+            <a:lvl8pPr marL="3429000" indent="-228600" algn="l" defTabSz="914400" rtl="0" eaLnBrk="1" latinLnBrk="0" hangingPunct="1">
+              <a:lnSpc>
+                <a:spcPct val="90000"/>
+              </a:lnSpc>
+              <a:spcBef>
+                <a:spcPts val="500"/>
+              </a:spcBef>
+              <a:buFont typeface="Arial" panose="020B0604020202020204" pitchFamily="34" charset="0"/>
+              <a:buChar char="•"/>
+              <a:defRPr sz="1800" kern="1200">
+                <a:solidFill>
+                  <a:schemeClr val="tx1"/>
+                </a:solidFill>
+                <a:latin typeface="+mn-lt"/>
+                <a:ea typeface="+mn-ea"/>
+                <a:cs typeface="+mn-cs"/>
+              </a:defRPr>
+            </a:lvl8pPr>
+            <a:lvl9pPr marL="3886200" indent="-228600" algn="l" defTabSz="914400" rtl="0" eaLnBrk="1" latinLnBrk="0" hangingPunct="1">
+              <a:lnSpc>
+                <a:spcPct val="90000"/>
+              </a:lnSpc>
+              <a:spcBef>
+                <a:spcPts val="500"/>
+              </a:spcBef>
+              <a:buFont typeface="Arial" panose="020B0604020202020204" pitchFamily="34" charset="0"/>
+              <a:buChar char="•"/>
+              <a:defRPr sz="1800" kern="1200">
+                <a:solidFill>
+                  <a:schemeClr val="tx1"/>
+                </a:solidFill>
+                <a:latin typeface="+mn-lt"/>
+                <a:ea typeface="+mn-ea"/>
+                <a:cs typeface="+mn-cs"/>
+              </a:defRPr>
+            </a:lvl9pPr>
+          </a:lstStyle>
+          <a:p>
+            <a:pPr marL="0" indent="0" algn="l">
+              <a:buNone/>
+            </a:pPr>
+            <a:r>
+              <a:rPr lang="ru-RU" dirty="0">
+                <a:solidFill>
+                  <a:srgbClr val="BC5CFF"/>
+                </a:solidFill>
+                <a:latin typeface="DeepSeek-CJK-patch"/>
+              </a:rPr>
+              <a:t>Оптимизированная блокировка </a:t>
+            </a:r>
+            <a:r>
+              <a:rPr lang="ru-RU" dirty="0">
+                <a:solidFill>
+                  <a:srgbClr val="F8FAFF"/>
+                </a:solidFill>
+                <a:latin typeface="DeepSeek-CJK-patch"/>
+              </a:rPr>
+              <a:t>для сценариев "частое чтение / редкая запись".</a:t>
+            </a:r>
+          </a:p>
+          <a:p>
+            <a:pPr marL="0" indent="0" algn="l">
+              <a:buNone/>
+            </a:pPr>
+            <a:r>
+              <a:rPr lang="ru-RU" dirty="0">
+                <a:solidFill>
+                  <a:srgbClr val="F8FAFF"/>
+                </a:solidFill>
+                <a:latin typeface="DeepSeek-CJK-patch"/>
+              </a:rPr>
+              <a:t>Принцип работы:</a:t>
+            </a:r>
+          </a:p>
+          <a:p>
+            <a:r>
+              <a:rPr lang="ru-RU" dirty="0">
+                <a:solidFill>
+                  <a:srgbClr val="F8FAFF"/>
+                </a:solidFill>
+                <a:latin typeface="DeepSeek-CJK-patch"/>
+              </a:rPr>
+              <a:t>Множество потоков могут одновременно читать</a:t>
+            </a:r>
+          </a:p>
+          <a:p>
+            <a:r>
+              <a:rPr lang="ru-RU" dirty="0">
+                <a:solidFill>
+                  <a:srgbClr val="F8FAFF"/>
+                </a:solidFill>
+                <a:latin typeface="DeepSeek-CJK-patch"/>
+              </a:rPr>
+              <a:t>Только один поток может писать</a:t>
+            </a:r>
+          </a:p>
+          <a:p>
+            <a:r>
+              <a:rPr lang="ru-RU" dirty="0">
+                <a:solidFill>
+                  <a:srgbClr val="F8FAFF"/>
+                </a:solidFill>
+                <a:latin typeface="DeepSeek-CJK-patch"/>
+              </a:rPr>
+              <a:t>При записи все читающие блокируются</a:t>
+            </a:r>
+          </a:p>
+        </p:txBody>
+      </p:sp>
+      <p:sp>
+        <p:nvSpPr>
+          <p:cNvPr id="2" name="Заголовок 1">
+            <a:extLst>
+              <a:ext uri="{FF2B5EF4-FFF2-40B4-BE49-F238E27FC236}">
+                <a16:creationId xmlns:a16="http://schemas.microsoft.com/office/drawing/2014/main" id="{D512759A-0B65-D482-9DA8-554DC7367F7D}"/>
+              </a:ext>
+            </a:extLst>
+          </p:cNvPr>
+          <p:cNvSpPr>
+            <a:spLocks noGrp="1"/>
+          </p:cNvSpPr>
+          <p:nvPr>
+            <p:ph type="title"/>
+          </p:nvPr>
+        </p:nvSpPr>
+        <p:spPr/>
+        <p:txBody>
+          <a:bodyPr>
+            <a:normAutofit/>
+          </a:bodyPr>
+          <a:lstStyle/>
+          <a:p>
+            <a:r>
+              <a:rPr lang="en-US" b="1" i="0" dirty="0" err="1">
+                <a:solidFill>
+                  <a:srgbClr val="F8FAFF"/>
+                </a:solidFill>
+                <a:effectLst/>
+                <a:latin typeface="DeepSeek-CJK-patch"/>
+              </a:rPr>
+              <a:t>ReentrantReadWriteLock</a:t>
+            </a:r>
+            <a:r>
+              <a:rPr lang="en-US" b="1" i="0" dirty="0">
+                <a:solidFill>
+                  <a:srgbClr val="F8FAFF"/>
+                </a:solidFill>
+                <a:effectLst/>
+                <a:latin typeface="DeepSeek-CJK-patch"/>
+              </a:rPr>
+              <a:t> </a:t>
+            </a:r>
+            <a:endParaRPr lang="ru-RU" dirty="0"/>
+          </a:p>
+        </p:txBody>
+      </p:sp>
+      <p:pic>
+        <p:nvPicPr>
+          <p:cNvPr id="5" name="Рисунок 4">
+            <a:extLst>
+              <a:ext uri="{FF2B5EF4-FFF2-40B4-BE49-F238E27FC236}">
+                <a16:creationId xmlns:a16="http://schemas.microsoft.com/office/drawing/2014/main" id="{98A0845E-FFB1-ECC1-9892-EB973813B97D}"/>
+              </a:ext>
+            </a:extLst>
+          </p:cNvPr>
+          <p:cNvPicPr>
+            <a:picLocks noChangeAspect="1"/>
+          </p:cNvPicPr>
+          <p:nvPr/>
+        </p:nvPicPr>
+        <p:blipFill>
+          <a:blip r:embed="rId3"/>
+          <a:stretch>
+            <a:fillRect/>
+          </a:stretch>
+        </p:blipFill>
+        <p:spPr>
+          <a:xfrm>
+            <a:off x="515938" y="2575849"/>
+            <a:ext cx="9707330" cy="4153480"/>
+          </a:xfrm>
+          <a:prstGeom prst="rect">
+            <a:avLst/>
+          </a:prstGeom>
+        </p:spPr>
+      </p:pic>
+    </p:spTree>
+    <p:extLst>
+      <p:ext uri="{BB962C8B-B14F-4D97-AF65-F5344CB8AC3E}">
+        <p14:creationId xmlns:p14="http://schemas.microsoft.com/office/powerpoint/2010/main" val="473838827"/>
+      </p:ext>
+    </p:extLst>
+  </p:cSld>
+  <p:clrMapOvr>
+    <a:masterClrMapping/>
+  </p:clrMapOvr>
+</p:sld>
+</file>
+
+<file path=ppt/slides/slide31.xml><?xml version="1.0" encoding="utf-8"?>
+<p:sld xmlns:a="http://schemas.openxmlformats.org/drawingml/2006/main" xmlns:r="http://schemas.openxmlformats.org/officeDocument/2006/relationships" xmlns:p="http://schemas.openxmlformats.org/presentationml/2006/main">
+  <p:cSld>
+    <p:spTree>
+      <p:nvGrpSpPr>
+        <p:cNvPr id="1" name=""/>
+        <p:cNvGrpSpPr/>
+        <p:nvPr/>
+      </p:nvGrpSpPr>
+      <p:grpSpPr>
+        <a:xfrm>
+          <a:off x="0" y="0"/>
+          <a:ext cx="0" cy="0"/>
+          <a:chOff x="0" y="0"/>
+          <a:chExt cx="0" cy="0"/>
+        </a:xfrm>
+      </p:grpSpPr>
+      <p:sp>
+        <p:nvSpPr>
+          <p:cNvPr id="3" name="Объект 2">
+            <a:extLst>
+              <a:ext uri="{FF2B5EF4-FFF2-40B4-BE49-F238E27FC236}">
+                <a16:creationId xmlns:a16="http://schemas.microsoft.com/office/drawing/2014/main" id="{AA7A992F-39CE-7546-787A-616ACDE3CF45}"/>
+              </a:ext>
+            </a:extLst>
+          </p:cNvPr>
+          <p:cNvSpPr txBox="1">
+            <a:spLocks/>
+          </p:cNvSpPr>
+          <p:nvPr/>
+        </p:nvSpPr>
+        <p:spPr>
+          <a:xfrm>
+            <a:off x="515936" y="658733"/>
+            <a:ext cx="11237913" cy="631735"/>
+          </a:xfrm>
+          <a:prstGeom prst="rect">
+            <a:avLst/>
+          </a:prstGeom>
+          <a:solidFill>
+            <a:srgbClr val="171717"/>
+          </a:solidFill>
+        </p:spPr>
+        <p:txBody>
+          <a:bodyPr vert="horz" lIns="91440" tIns="45720" rIns="91440" bIns="45720" rtlCol="0">
+            <a:normAutofit/>
+          </a:bodyPr>
+          <a:lstStyle>
+            <a:lvl1pPr marL="228600" indent="-228600" algn="l" defTabSz="914400" rtl="0" eaLnBrk="1" latinLnBrk="0" hangingPunct="1">
+              <a:lnSpc>
+                <a:spcPct val="90000"/>
+              </a:lnSpc>
+              <a:spcBef>
+                <a:spcPts val="1000"/>
+              </a:spcBef>
+              <a:buFont typeface="Arial" panose="020B0604020202020204" pitchFamily="34" charset="0"/>
+              <a:buChar char="•"/>
+              <a:defRPr sz="1600" kern="1200">
+                <a:solidFill>
+                  <a:schemeClr val="tx1"/>
+                </a:solidFill>
+                <a:latin typeface="Arial" panose="020B0604020202020204" pitchFamily="34" charset="0"/>
+                <a:ea typeface="+mn-ea"/>
+                <a:cs typeface="Arial" panose="020B0604020202020204" pitchFamily="34" charset="0"/>
+              </a:defRPr>
+            </a:lvl1pPr>
+            <a:lvl2pPr marL="685800" indent="-228600" algn="l" defTabSz="914400" rtl="0" eaLnBrk="1" latinLnBrk="0" hangingPunct="1">
+              <a:lnSpc>
+                <a:spcPct val="90000"/>
+              </a:lnSpc>
+              <a:spcBef>
+                <a:spcPts val="500"/>
+              </a:spcBef>
+              <a:buFont typeface="Arial" panose="020B0604020202020204" pitchFamily="34" charset="0"/>
+              <a:buChar char="•"/>
+              <a:defRPr sz="1600" kern="1200">
+                <a:solidFill>
+                  <a:schemeClr val="tx1"/>
+                </a:solidFill>
+                <a:latin typeface="Arial" panose="020B0604020202020204" pitchFamily="34" charset="0"/>
+                <a:ea typeface="+mn-ea"/>
+                <a:cs typeface="Arial" panose="020B0604020202020204" pitchFamily="34" charset="0"/>
+              </a:defRPr>
+            </a:lvl2pPr>
+            <a:lvl3pPr marL="1143000" indent="-228600" algn="l" defTabSz="914400" rtl="0" eaLnBrk="1" latinLnBrk="0" hangingPunct="1">
+              <a:lnSpc>
+                <a:spcPct val="90000"/>
+              </a:lnSpc>
+              <a:spcBef>
+                <a:spcPts val="500"/>
+              </a:spcBef>
+              <a:buFont typeface="Arial" panose="020B0604020202020204" pitchFamily="34" charset="0"/>
+              <a:buChar char="•"/>
+              <a:defRPr sz="1600" kern="1200">
+                <a:solidFill>
+                  <a:schemeClr val="tx1"/>
+                </a:solidFill>
+                <a:latin typeface="Arial" panose="020B0604020202020204" pitchFamily="34" charset="0"/>
+                <a:ea typeface="+mn-ea"/>
+                <a:cs typeface="Arial" panose="020B0604020202020204" pitchFamily="34" charset="0"/>
+              </a:defRPr>
+            </a:lvl3pPr>
+            <a:lvl4pPr marL="1600200" indent="-228600" algn="l" defTabSz="914400" rtl="0" eaLnBrk="1" latinLnBrk="0" hangingPunct="1">
+              <a:lnSpc>
+                <a:spcPct val="90000"/>
+              </a:lnSpc>
+              <a:spcBef>
+                <a:spcPts val="500"/>
+              </a:spcBef>
+              <a:buFont typeface="Arial" panose="020B0604020202020204" pitchFamily="34" charset="0"/>
+              <a:buChar char="•"/>
+              <a:defRPr sz="1400" kern="1200">
+                <a:solidFill>
+                  <a:schemeClr val="tx1"/>
+                </a:solidFill>
+                <a:latin typeface="Arial" panose="020B0604020202020204" pitchFamily="34" charset="0"/>
+                <a:ea typeface="+mn-ea"/>
+                <a:cs typeface="Arial" panose="020B0604020202020204" pitchFamily="34" charset="0"/>
+              </a:defRPr>
+            </a:lvl4pPr>
+            <a:lvl5pPr marL="2057400" indent="-228600" algn="l" defTabSz="914400" rtl="0" eaLnBrk="1" latinLnBrk="0" hangingPunct="1">
+              <a:lnSpc>
+                <a:spcPct val="90000"/>
+              </a:lnSpc>
+              <a:spcBef>
+                <a:spcPts val="500"/>
+              </a:spcBef>
+              <a:buFont typeface="Arial" panose="020B0604020202020204" pitchFamily="34" charset="0"/>
+              <a:buChar char="•"/>
+              <a:defRPr sz="1400" kern="1200">
+                <a:solidFill>
+                  <a:schemeClr val="tx1"/>
+                </a:solidFill>
+                <a:latin typeface="Arial" panose="020B0604020202020204" pitchFamily="34" charset="0"/>
+                <a:ea typeface="+mn-ea"/>
+                <a:cs typeface="Arial" panose="020B0604020202020204" pitchFamily="34" charset="0"/>
+              </a:defRPr>
+            </a:lvl5pPr>
+            <a:lvl6pPr marL="2514600" indent="-228600" algn="l" defTabSz="914400" rtl="0" eaLnBrk="1" latinLnBrk="0" hangingPunct="1">
+              <a:lnSpc>
+                <a:spcPct val="90000"/>
+              </a:lnSpc>
+              <a:spcBef>
+                <a:spcPts val="500"/>
+              </a:spcBef>
+              <a:buFont typeface="Arial" panose="020B0604020202020204" pitchFamily="34" charset="0"/>
+              <a:buChar char="•"/>
+              <a:defRPr sz="1800" kern="1200">
+                <a:solidFill>
+                  <a:schemeClr val="tx1"/>
+                </a:solidFill>
+                <a:latin typeface="+mn-lt"/>
+                <a:ea typeface="+mn-ea"/>
+                <a:cs typeface="+mn-cs"/>
+              </a:defRPr>
+            </a:lvl6pPr>
+            <a:lvl7pPr marL="2971800" indent="-228600" algn="l" defTabSz="914400" rtl="0" eaLnBrk="1" latinLnBrk="0" hangingPunct="1">
+              <a:lnSpc>
+                <a:spcPct val="90000"/>
+              </a:lnSpc>
+              <a:spcBef>
+                <a:spcPts val="500"/>
+              </a:spcBef>
+              <a:buFont typeface="Arial" panose="020B0604020202020204" pitchFamily="34" charset="0"/>
+              <a:buChar char="•"/>
+              <a:defRPr sz="1800" kern="1200">
+                <a:solidFill>
+                  <a:schemeClr val="tx1"/>
+                </a:solidFill>
+                <a:latin typeface="+mn-lt"/>
+                <a:ea typeface="+mn-ea"/>
+                <a:cs typeface="+mn-cs"/>
+              </a:defRPr>
+            </a:lvl7pPr>
+            <a:lvl8pPr marL="3429000" indent="-228600" algn="l" defTabSz="914400" rtl="0" eaLnBrk="1" latinLnBrk="0" hangingPunct="1">
+              <a:lnSpc>
+                <a:spcPct val="90000"/>
+              </a:lnSpc>
+              <a:spcBef>
+                <a:spcPts val="500"/>
+              </a:spcBef>
+              <a:buFont typeface="Arial" panose="020B0604020202020204" pitchFamily="34" charset="0"/>
+              <a:buChar char="•"/>
+              <a:defRPr sz="1800" kern="1200">
+                <a:solidFill>
+                  <a:schemeClr val="tx1"/>
+                </a:solidFill>
+                <a:latin typeface="+mn-lt"/>
+                <a:ea typeface="+mn-ea"/>
+                <a:cs typeface="+mn-cs"/>
+              </a:defRPr>
+            </a:lvl8pPr>
+            <a:lvl9pPr marL="3886200" indent="-228600" algn="l" defTabSz="914400" rtl="0" eaLnBrk="1" latinLnBrk="0" hangingPunct="1">
+              <a:lnSpc>
+                <a:spcPct val="90000"/>
+              </a:lnSpc>
+              <a:spcBef>
+                <a:spcPts val="500"/>
+              </a:spcBef>
+              <a:buFont typeface="Arial" panose="020B0604020202020204" pitchFamily="34" charset="0"/>
+              <a:buChar char="•"/>
+              <a:defRPr sz="1800" kern="1200">
+                <a:solidFill>
+                  <a:schemeClr val="tx1"/>
+                </a:solidFill>
+                <a:latin typeface="+mn-lt"/>
+                <a:ea typeface="+mn-ea"/>
+                <a:cs typeface="+mn-cs"/>
+              </a:defRPr>
+            </a:lvl9pPr>
+          </a:lstStyle>
+          <a:p>
+            <a:pPr marL="0" indent="0" algn="l">
+              <a:buNone/>
+            </a:pPr>
+            <a:r>
+              <a:rPr lang="ru-RU" dirty="0" err="1">
+                <a:solidFill>
+                  <a:srgbClr val="BC5CFF"/>
+                </a:solidFill>
+                <a:latin typeface="DeepSeek-CJK-patch"/>
+              </a:rPr>
+              <a:t>Condition</a:t>
+            </a:r>
+            <a:r>
+              <a:rPr lang="ru-RU" dirty="0">
+                <a:solidFill>
+                  <a:srgbClr val="F8FAFF"/>
+                </a:solidFill>
+                <a:latin typeface="DeepSeek-CJK-patch"/>
+              </a:rPr>
+              <a:t> — это интерфейс из пакета </a:t>
+            </a:r>
+            <a:r>
+              <a:rPr lang="ru-RU" dirty="0" err="1">
+                <a:solidFill>
+                  <a:srgbClr val="FF423F"/>
+                </a:solidFill>
+                <a:latin typeface="DeepSeek-CJK-patch"/>
+              </a:rPr>
+              <a:t>java.util.concurrent.locks</a:t>
+            </a:r>
+            <a:r>
+              <a:rPr lang="ru-RU" dirty="0">
+                <a:solidFill>
+                  <a:srgbClr val="F8FAFF"/>
+                </a:solidFill>
+                <a:latin typeface="DeepSeek-CJK-patch"/>
+              </a:rPr>
+              <a:t>, который предоставляет механизм координации между потоками, аналогичный </a:t>
+            </a:r>
+            <a:r>
+              <a:rPr lang="ru-RU" dirty="0" err="1">
+                <a:solidFill>
+                  <a:srgbClr val="FF423F"/>
+                </a:solidFill>
+                <a:latin typeface="DeepSeek-CJK-patch"/>
+              </a:rPr>
+              <a:t>wait</a:t>
+            </a:r>
+            <a:r>
+              <a:rPr lang="ru-RU" dirty="0">
+                <a:solidFill>
+                  <a:srgbClr val="FF423F"/>
+                </a:solidFill>
+                <a:latin typeface="DeepSeek-CJK-patch"/>
+              </a:rPr>
+              <a:t>()/</a:t>
+            </a:r>
+            <a:r>
+              <a:rPr lang="ru-RU" dirty="0" err="1">
+                <a:solidFill>
+                  <a:srgbClr val="FF423F"/>
+                </a:solidFill>
+                <a:latin typeface="DeepSeek-CJK-patch"/>
+              </a:rPr>
+              <a:t>notify</a:t>
+            </a:r>
+            <a:r>
+              <a:rPr lang="ru-RU" dirty="0">
+                <a:solidFill>
+                  <a:srgbClr val="FF423F"/>
+                </a:solidFill>
+                <a:latin typeface="DeepSeek-CJK-patch"/>
+              </a:rPr>
+              <a:t>(), </a:t>
+            </a:r>
+            <a:r>
+              <a:rPr lang="ru-RU" dirty="0">
+                <a:solidFill>
+                  <a:srgbClr val="F8FAFF"/>
+                </a:solidFill>
+                <a:latin typeface="DeepSeek-CJK-patch"/>
+              </a:rPr>
+              <a:t>но с расширенными возможностями.</a:t>
+            </a:r>
+          </a:p>
+        </p:txBody>
+      </p:sp>
+      <p:sp>
+        <p:nvSpPr>
+          <p:cNvPr id="2" name="Заголовок 1">
+            <a:extLst>
+              <a:ext uri="{FF2B5EF4-FFF2-40B4-BE49-F238E27FC236}">
+                <a16:creationId xmlns:a16="http://schemas.microsoft.com/office/drawing/2014/main" id="{D512759A-0B65-D482-9DA8-554DC7367F7D}"/>
+              </a:ext>
+            </a:extLst>
+          </p:cNvPr>
+          <p:cNvSpPr>
+            <a:spLocks noGrp="1"/>
+          </p:cNvSpPr>
+          <p:nvPr>
+            <p:ph type="title"/>
+          </p:nvPr>
+        </p:nvSpPr>
+        <p:spPr/>
+        <p:txBody>
+          <a:bodyPr>
+            <a:normAutofit/>
+          </a:bodyPr>
+          <a:lstStyle/>
+          <a:p>
+            <a:r>
+              <a:rPr lang="en-US" b="1" i="0" dirty="0">
+                <a:solidFill>
+                  <a:srgbClr val="F8FAFF"/>
+                </a:solidFill>
+                <a:effectLst/>
+                <a:latin typeface="DeepSeek-CJK-patch"/>
+              </a:rPr>
+              <a:t>Condition  </a:t>
+            </a:r>
+            <a:endParaRPr lang="ru-RU" dirty="0"/>
+          </a:p>
+        </p:txBody>
+      </p:sp>
+      <p:pic>
+        <p:nvPicPr>
+          <p:cNvPr id="10" name="Рисунок 9">
+            <a:extLst>
+              <a:ext uri="{FF2B5EF4-FFF2-40B4-BE49-F238E27FC236}">
+                <a16:creationId xmlns:a16="http://schemas.microsoft.com/office/drawing/2014/main" id="{5732C510-2E3F-2BAE-119F-B357C289B40E}"/>
+              </a:ext>
+            </a:extLst>
+          </p:cNvPr>
+          <p:cNvPicPr>
+            <a:picLocks noChangeAspect="1"/>
+          </p:cNvPicPr>
+          <p:nvPr/>
+        </p:nvPicPr>
+        <p:blipFill>
+          <a:blip r:embed="rId3"/>
+          <a:stretch>
+            <a:fillRect/>
+          </a:stretch>
+        </p:blipFill>
+        <p:spPr>
+          <a:xfrm>
+            <a:off x="2912020" y="1455405"/>
+            <a:ext cx="6367959" cy="2617086"/>
+          </a:xfrm>
+          <a:prstGeom prst="rect">
+            <a:avLst/>
+          </a:prstGeom>
+        </p:spPr>
+      </p:pic>
+      <p:pic>
+        <p:nvPicPr>
+          <p:cNvPr id="12" name="Рисунок 11">
+            <a:extLst>
+              <a:ext uri="{FF2B5EF4-FFF2-40B4-BE49-F238E27FC236}">
+                <a16:creationId xmlns:a16="http://schemas.microsoft.com/office/drawing/2014/main" id="{BEC741EB-8E06-6EAB-2E53-1B0D0410E040}"/>
+              </a:ext>
+            </a:extLst>
+          </p:cNvPr>
+          <p:cNvPicPr>
+            <a:picLocks noChangeAspect="1"/>
+          </p:cNvPicPr>
+          <p:nvPr/>
+        </p:nvPicPr>
+        <p:blipFill>
+          <a:blip r:embed="rId4"/>
+          <a:stretch>
+            <a:fillRect/>
+          </a:stretch>
+        </p:blipFill>
+        <p:spPr>
+          <a:xfrm>
+            <a:off x="842639" y="4237428"/>
+            <a:ext cx="5688900" cy="2559580"/>
+          </a:xfrm>
+          <a:prstGeom prst="rect">
+            <a:avLst/>
+          </a:prstGeom>
+        </p:spPr>
+      </p:pic>
+      <p:pic>
+        <p:nvPicPr>
+          <p:cNvPr id="14" name="Рисунок 13">
+            <a:extLst>
+              <a:ext uri="{FF2B5EF4-FFF2-40B4-BE49-F238E27FC236}">
+                <a16:creationId xmlns:a16="http://schemas.microsoft.com/office/drawing/2014/main" id="{55124310-48E4-8EDB-F5AA-431F570AE11F}"/>
+              </a:ext>
+            </a:extLst>
+          </p:cNvPr>
+          <p:cNvPicPr>
+            <a:picLocks noChangeAspect="1"/>
+          </p:cNvPicPr>
+          <p:nvPr/>
+        </p:nvPicPr>
+        <p:blipFill>
+          <a:blip r:embed="rId5"/>
+          <a:stretch>
+            <a:fillRect/>
+          </a:stretch>
+        </p:blipFill>
+        <p:spPr>
+          <a:xfrm>
+            <a:off x="6710039" y="4237428"/>
+            <a:ext cx="4639322" cy="1771897"/>
+          </a:xfrm>
+          <a:prstGeom prst="rect">
+            <a:avLst/>
+          </a:prstGeom>
+        </p:spPr>
+      </p:pic>
+    </p:spTree>
+    <p:extLst>
+      <p:ext uri="{BB962C8B-B14F-4D97-AF65-F5344CB8AC3E}">
+        <p14:creationId xmlns:p14="http://schemas.microsoft.com/office/powerpoint/2010/main" val="2649806426"/>
       </p:ext>
     </p:extLst>
   </p:cSld>

--- a/Concurrent_v1.pptx
+++ b/Concurrent_v1.pptx
@@ -38,8 +38,8 @@
     <p:sldId id="329" r:id="rId29"/>
     <p:sldId id="330" r:id="rId30"/>
     <p:sldId id="331" r:id="rId31"/>
-    <p:sldId id="332" r:id="rId32"/>
-    <p:sldId id="333" r:id="rId33"/>
+    <p:sldId id="333" r:id="rId32"/>
+    <p:sldId id="332" r:id="rId33"/>
   </p:sldIdLst>
   <p:sldSz cx="12192000" cy="6858000"/>
   <p:notesSz cx="6858000" cy="9144000"/>
@@ -193,8 +193,8 @@
           <p14:sldIdLst>
             <p14:sldId id="330"/>
             <p14:sldId id="331"/>
+            <p14:sldId id="333"/>
             <p14:sldId id="332"/>
-            <p14:sldId id="333"/>
           </p14:sldIdLst>
         </p14:section>
       </p14:sectionLst>
@@ -288,7 +288,7 @@
           <a:p>
             <a:fld id="{547B99C5-9E73-4D85-8495-5EC431CC6481}" type="datetimeFigureOut">
               <a:rPr lang="ru-RU" smtClean="0"/>
-              <a:t>29.04.2025</a:t>
+              <a:t>12.05.2025</a:t>
             </a:fld>
             <a:endParaRPr lang="ru-RU"/>
           </a:p>
@@ -7198,7 +7198,56 @@
                 <a:effectLst/>
                 <a:latin typeface="YS Text"/>
               </a:rPr>
-              <a:t>Пример - </a:t>
+              <a:t>Пример – </a:t>
+            </a:r>
+            <a:r>
+              <a:rPr lang="en-US" b="1" i="0" dirty="0">
+                <a:effectLst/>
+                <a:latin typeface="YS Text"/>
+              </a:rPr>
+              <a:t>	</a:t>
+            </a:r>
+            <a:r>
+              <a:rPr lang="en-US" dirty="0" err="1">
+                <a:solidFill>
+                  <a:srgbClr val="E5C07B"/>
+                </a:solidFill>
+                <a:effectLst/>
+              </a:rPr>
+              <a:t>SimpleParkingLotExecutors</a:t>
+            </a:r>
+            <a:endParaRPr lang="en-US" b="1" i="0" dirty="0">
+              <a:effectLst/>
+              <a:latin typeface="YS Text"/>
+            </a:endParaRPr>
+          </a:p>
+          <a:p>
+            <a:pPr marL="0" marR="0" lvl="0" indent="0" algn="l" defTabSz="914400" rtl="0" eaLnBrk="1" fontAlgn="auto" latinLnBrk="0" hangingPunct="1">
+              <a:lnSpc>
+                <a:spcPct val="100000"/>
+              </a:lnSpc>
+              <a:spcBef>
+                <a:spcPts val="0"/>
+              </a:spcBef>
+              <a:spcAft>
+                <a:spcPts val="0"/>
+              </a:spcAft>
+              <a:buClrTx/>
+              <a:buSzTx/>
+              <a:buFontTx/>
+              <a:buNone/>
+              <a:tabLst/>
+              <a:defRPr/>
+            </a:pPr>
+            <a:r>
+              <a:rPr lang="en-US" b="1" i="0" dirty="0">
+                <a:solidFill>
+                  <a:srgbClr val="E5C07B"/>
+                </a:solidFill>
+                <a:effectLst/>
+                <a:latin typeface="YS Text"/>
+              </a:rPr>
+              <a:t>	</a:t>
             </a:r>
             <a:r>
               <a:rPr lang="en-US" dirty="0" err="1">
@@ -8102,6 +8151,464 @@
               </a:rPr>
               <a:t> представляет собой «защелку с обратным отсчетом» : несколько потоков, выполняя определенный код, блокируются до тех пор, пока не будут выполнены заданные условия. Количество условий определяются счетчиком. Как только счетчик обнулится, т.е. будут выполнены все условия, самоблокировки выполняемых потоков снимаются, и они продолжают выполнение кода.</a:t>
             </a:r>
+          </a:p>
+          <a:p>
+            <a:endParaRPr lang="ru-RU" b="0" i="0" dirty="0">
+              <a:solidFill>
+                <a:srgbClr val="000000"/>
+              </a:solidFill>
+              <a:effectLst/>
+              <a:latin typeface="Verdana" panose="020B0604030504040204" pitchFamily="34" charset="0"/>
+            </a:endParaRPr>
+          </a:p>
+          <a:p>
+            <a:pPr algn="l"/>
+            <a:r>
+              <a:rPr lang="ru-RU" b="1" i="0" dirty="0">
+                <a:solidFill>
+                  <a:srgbClr val="F8FAFF"/>
+                </a:solidFill>
+                <a:effectLst/>
+                <a:latin typeface="DeepSeek-CJK-patch"/>
+              </a:rPr>
+              <a:t>Основные сценарии применения </a:t>
+            </a:r>
+            <a:r>
+              <a:rPr lang="ru-RU" b="1" i="0" dirty="0" err="1">
+                <a:solidFill>
+                  <a:srgbClr val="F8FAFF"/>
+                </a:solidFill>
+                <a:effectLst/>
+                <a:latin typeface="DeepSeek-CJK-patch"/>
+              </a:rPr>
+              <a:t>CountDownLatch</a:t>
+            </a:r>
+            <a:endParaRPr lang="ru-RU" b="0" i="0" dirty="0">
+              <a:solidFill>
+                <a:srgbClr val="F8FAFF"/>
+              </a:solidFill>
+              <a:effectLst/>
+              <a:latin typeface="DeepSeek-CJK-patch"/>
+            </a:endParaRPr>
+          </a:p>
+          <a:p>
+            <a:pPr algn="l"/>
+            <a:r>
+              <a:rPr lang="ru-RU" b="1" i="0" dirty="0">
+                <a:solidFill>
+                  <a:srgbClr val="F8FAFF"/>
+                </a:solidFill>
+                <a:effectLst/>
+                <a:latin typeface="DeepSeek-CJK-patch"/>
+              </a:rPr>
+              <a:t>1. Запуск потоков одновременно (стартовая синхронизация)</a:t>
+            </a:r>
+            <a:endParaRPr lang="ru-RU" b="0" i="0" dirty="0">
+              <a:solidFill>
+                <a:srgbClr val="F8FAFF"/>
+              </a:solidFill>
+              <a:effectLst/>
+              <a:latin typeface="DeepSeek-CJK-patch"/>
+            </a:endParaRPr>
+          </a:p>
+          <a:p>
+            <a:pPr algn="l"/>
+            <a:r>
+              <a:rPr lang="ru-RU" b="0" i="0" dirty="0">
+                <a:solidFill>
+                  <a:srgbClr val="F8FAFF"/>
+                </a:solidFill>
+                <a:effectLst/>
+                <a:latin typeface="DeepSeek-CJK-patch"/>
+              </a:rPr>
+              <a:t>Полезно, когда нужно, чтобы несколько потоков начали работу в одно и то же время (например, тестирование многопоточной нагрузки).</a:t>
+            </a:r>
+          </a:p>
+          <a:p>
+            <a:endParaRPr lang="ru-RU" b="0" i="0" dirty="0">
+              <a:solidFill>
+                <a:srgbClr val="000000"/>
+              </a:solidFill>
+              <a:effectLst/>
+              <a:latin typeface="Verdana" panose="020B0604030504040204" pitchFamily="34" charset="0"/>
+            </a:endParaRPr>
+          </a:p>
+          <a:p>
+            <a:pPr algn="l"/>
+            <a:r>
+              <a:rPr lang="ru-RU" b="1" i="0" dirty="0">
+                <a:solidFill>
+                  <a:srgbClr val="F8FAFF"/>
+                </a:solidFill>
+                <a:effectLst/>
+                <a:latin typeface="DeepSeek-CJK-patch"/>
+              </a:rPr>
+              <a:t>2. Ожидание завершения нескольких потоков перед продолжением</a:t>
+            </a:r>
+            <a:endParaRPr lang="ru-RU" b="0" i="0" dirty="0">
+              <a:solidFill>
+                <a:srgbClr val="F8FAFF"/>
+              </a:solidFill>
+              <a:effectLst/>
+              <a:latin typeface="DeepSeek-CJK-patch"/>
+            </a:endParaRPr>
+          </a:p>
+          <a:p>
+            <a:pPr algn="l"/>
+            <a:r>
+              <a:rPr lang="ru-RU" b="0" i="0" dirty="0">
+                <a:solidFill>
+                  <a:srgbClr val="F8FAFF"/>
+                </a:solidFill>
+                <a:effectLst/>
+                <a:latin typeface="DeepSeek-CJK-patch"/>
+              </a:rPr>
+              <a:t>Главный поток ждет, пока все рабочие потоки завершат свою работу.</a:t>
+            </a:r>
+          </a:p>
+          <a:p>
+            <a:endParaRPr lang="ru-RU" b="0" i="0" dirty="0">
+              <a:solidFill>
+                <a:srgbClr val="000000"/>
+              </a:solidFill>
+              <a:effectLst/>
+              <a:latin typeface="Verdana" panose="020B0604030504040204" pitchFamily="34" charset="0"/>
+            </a:endParaRPr>
+          </a:p>
+          <a:p>
+            <a:endParaRPr lang="ru-RU" b="0" i="0" dirty="0">
+              <a:solidFill>
+                <a:srgbClr val="000000"/>
+              </a:solidFill>
+              <a:effectLst/>
+              <a:latin typeface="Verdana" panose="020B0604030504040204" pitchFamily="34" charset="0"/>
+            </a:endParaRPr>
+          </a:p>
+          <a:p>
+            <a:pPr algn="l"/>
+            <a:r>
+              <a:rPr lang="ru-RU" b="1" i="0" dirty="0">
+                <a:solidFill>
+                  <a:srgbClr val="F8FAFF"/>
+                </a:solidFill>
+                <a:effectLst/>
+                <a:latin typeface="DeepSeek-CJK-patch"/>
+              </a:rPr>
+              <a:t>3. Параллельная обработка с ожиданием завершения</a:t>
+            </a:r>
+            <a:endParaRPr lang="ru-RU" b="0" i="0" dirty="0">
+              <a:solidFill>
+                <a:srgbClr val="F8FAFF"/>
+              </a:solidFill>
+              <a:effectLst/>
+              <a:latin typeface="DeepSeek-CJK-patch"/>
+            </a:endParaRPr>
+          </a:p>
+          <a:p>
+            <a:pPr algn="l"/>
+            <a:r>
+              <a:rPr lang="ru-RU" b="0" i="0" dirty="0">
+                <a:solidFill>
+                  <a:srgbClr val="F8FAFF"/>
+                </a:solidFill>
+                <a:effectLst/>
+                <a:latin typeface="DeepSeek-CJK-patch"/>
+              </a:rPr>
+              <a:t>Например, загрузка данных из нескольких источников перед их объединением.</a:t>
+            </a:r>
+          </a:p>
+          <a:p>
+            <a:endParaRPr lang="ru-RU" b="0" i="0" dirty="0">
+              <a:solidFill>
+                <a:srgbClr val="000000"/>
+              </a:solidFill>
+              <a:effectLst/>
+              <a:latin typeface="Verdana" panose="020B0604030504040204" pitchFamily="34" charset="0"/>
+            </a:endParaRPr>
+          </a:p>
+          <a:p>
+            <a:pPr algn="l"/>
+            <a:r>
+              <a:rPr lang="ru-RU" b="1" i="0" dirty="0">
+                <a:solidFill>
+                  <a:srgbClr val="F8FAFF"/>
+                </a:solidFill>
+                <a:effectLst/>
+                <a:latin typeface="DeepSeek-CJK-patch"/>
+              </a:rPr>
+              <a:t>4. Тестирование многопоточных сценариев</a:t>
+            </a:r>
+            <a:endParaRPr lang="ru-RU" b="0" i="0" dirty="0">
+              <a:solidFill>
+                <a:srgbClr val="F8FAFF"/>
+              </a:solidFill>
+              <a:effectLst/>
+              <a:latin typeface="DeepSeek-CJK-patch"/>
+            </a:endParaRPr>
+          </a:p>
+          <a:p>
+            <a:pPr algn="l"/>
+            <a:r>
+              <a:rPr lang="ru-RU" b="0" i="0" dirty="0">
+                <a:solidFill>
+                  <a:srgbClr val="F8FAFF"/>
+                </a:solidFill>
+                <a:effectLst/>
+                <a:latin typeface="DeepSeek-CJK-patch"/>
+              </a:rPr>
+              <a:t>Проверка, что несколько потоков корректно синхронизируются.</a:t>
+            </a:r>
+          </a:p>
+          <a:p>
+            <a:endParaRPr lang="ru-RU" b="0" i="0" dirty="0">
+              <a:solidFill>
+                <a:srgbClr val="000000"/>
+              </a:solidFill>
+              <a:effectLst/>
+              <a:latin typeface="Verdana" panose="020B0604030504040204" pitchFamily="34" charset="0"/>
+            </a:endParaRPr>
+          </a:p>
+          <a:p>
+            <a:endParaRPr lang="ru-RU" b="0" i="0" dirty="0">
+              <a:solidFill>
+                <a:srgbClr val="000000"/>
+              </a:solidFill>
+              <a:effectLst/>
+              <a:latin typeface="Verdana" panose="020B0604030504040204" pitchFamily="34" charset="0"/>
+            </a:endParaRPr>
+          </a:p>
+          <a:p>
+            <a:r>
+              <a:rPr lang="ru-RU" b="1" i="0" dirty="0" err="1">
+                <a:solidFill>
+                  <a:srgbClr val="F8FAFF"/>
+                </a:solidFill>
+                <a:effectLst/>
+                <a:latin typeface="DeepSeek-CJK-patch"/>
+              </a:rPr>
+              <a:t>CountDownLatch</a:t>
+            </a:r>
+            <a:r>
+              <a:rPr lang="ru-RU" b="0" i="0" dirty="0">
+                <a:solidFill>
+                  <a:srgbClr val="F8FAFF"/>
+                </a:solidFill>
+                <a:effectLst/>
+                <a:latin typeface="DeepSeek-CJK-patch"/>
+              </a:rPr>
+              <a:t> удобен, когда:</a:t>
+            </a:r>
+            <a:br>
+              <a:rPr lang="ru-RU" dirty="0"/>
+            </a:br>
+            <a:r>
+              <a:rPr lang="ru-RU" b="0" i="0" dirty="0">
+                <a:solidFill>
+                  <a:srgbClr val="F8FAFF"/>
+                </a:solidFill>
+                <a:effectLst/>
+                <a:latin typeface="DeepSeek-CJK-patch"/>
+              </a:rPr>
+              <a:t>✔ Нужно дождаться завершения нескольких потоков.</a:t>
+            </a:r>
+            <a:br>
+              <a:rPr lang="ru-RU" dirty="0"/>
+            </a:br>
+            <a:r>
+              <a:rPr lang="ru-RU" b="0" i="0" dirty="0">
+                <a:solidFill>
+                  <a:srgbClr val="F8FAFF"/>
+                </a:solidFill>
+                <a:effectLst/>
+                <a:latin typeface="DeepSeek-CJK-patch"/>
+              </a:rPr>
+              <a:t>✔ Требуется синхронизировать старт нескольких потоков.</a:t>
+            </a:r>
+            <a:br>
+              <a:rPr lang="ru-RU" dirty="0"/>
+            </a:br>
+            <a:r>
+              <a:rPr lang="ru-RU" b="0" i="0" dirty="0">
+                <a:solidFill>
+                  <a:srgbClr val="F8FAFF"/>
+                </a:solidFill>
+                <a:effectLst/>
+                <a:latin typeface="DeepSeek-CJK-patch"/>
+              </a:rPr>
+              <a:t>✔ Необходимо собрать результаты из разных источников перед дальнейшей обработкой.</a:t>
+            </a:r>
+          </a:p>
+          <a:p>
+            <a:endParaRPr lang="ru-RU" b="0" i="0" dirty="0">
+              <a:solidFill>
+                <a:srgbClr val="F8FAFF"/>
+              </a:solidFill>
+              <a:effectLst/>
+              <a:latin typeface="DeepSeek-CJK-patch"/>
+            </a:endParaRPr>
+          </a:p>
+          <a:p>
+            <a:endParaRPr lang="ru-RU" b="0" i="0" dirty="0">
+              <a:solidFill>
+                <a:srgbClr val="F8FAFF"/>
+              </a:solidFill>
+              <a:effectLst/>
+              <a:latin typeface="DeepSeek-CJK-patch"/>
+            </a:endParaRPr>
+          </a:p>
+          <a:p>
+            <a:pPr algn="l"/>
+            <a:r>
+              <a:rPr lang="ru-RU" b="1" i="0" dirty="0">
+                <a:solidFill>
+                  <a:srgbClr val="F8FAFF"/>
+                </a:solidFill>
+                <a:effectLst/>
+                <a:latin typeface="DeepSeek-CJK-patch"/>
+              </a:rPr>
+              <a:t>Отличие от других синхронизаторов</a:t>
+            </a:r>
+            <a:endParaRPr lang="ru-RU" b="0" i="0" dirty="0">
+              <a:solidFill>
+                <a:srgbClr val="F8FAFF"/>
+              </a:solidFill>
+              <a:effectLst/>
+              <a:latin typeface="DeepSeek-CJK-patch"/>
+            </a:endParaRPr>
+          </a:p>
+          <a:p>
+            <a:pPr algn="l"/>
+            <a:r>
+              <a:rPr lang="ru-RU" b="0" i="0" dirty="0">
+                <a:solidFill>
+                  <a:srgbClr val="F8FAFF"/>
+                </a:solidFill>
+                <a:effectLst/>
+                <a:latin typeface="DeepSeek-CJK-patch"/>
+              </a:rPr>
+              <a:t>Синхронизатор		Описание</a:t>
+            </a:r>
+          </a:p>
+          <a:p>
+            <a:pPr algn="l"/>
+            <a:r>
+              <a:rPr lang="ru-RU" b="1" i="0" dirty="0" err="1">
+                <a:solidFill>
+                  <a:srgbClr val="F8FAFF"/>
+                </a:solidFill>
+                <a:effectLst/>
+                <a:latin typeface="DeepSeek-CJK-patch"/>
+              </a:rPr>
+              <a:t>CountDownLatch</a:t>
+            </a:r>
+            <a:r>
+              <a:rPr lang="ru-RU" b="1" i="0" dirty="0">
+                <a:solidFill>
+                  <a:srgbClr val="F8FAFF"/>
+                </a:solidFill>
+                <a:effectLst/>
+                <a:latin typeface="DeepSeek-CJK-patch"/>
+              </a:rPr>
+              <a:t>	</a:t>
+            </a:r>
+            <a:r>
+              <a:rPr lang="ru-RU" b="0" i="0" dirty="0">
+                <a:solidFill>
+                  <a:srgbClr val="F8FAFF"/>
+                </a:solidFill>
+                <a:effectLst/>
+                <a:latin typeface="DeepSeek-CJK-patch"/>
+              </a:rPr>
+              <a:t>Одноразовый, после </a:t>
+            </a:r>
+            <a:r>
+              <a:rPr lang="ru-RU" b="0" i="0" dirty="0" err="1">
+                <a:solidFill>
+                  <a:srgbClr val="F8FAFF"/>
+                </a:solidFill>
+                <a:effectLst/>
+                <a:latin typeface="DeepSeek-CJK-patch"/>
+              </a:rPr>
+              <a:t>countDown</a:t>
+            </a:r>
+            <a:r>
+              <a:rPr lang="ru-RU" b="0" i="0" dirty="0">
+                <a:solidFill>
+                  <a:srgbClr val="F8FAFF"/>
+                </a:solidFill>
+                <a:effectLst/>
+                <a:latin typeface="DeepSeek-CJK-patch"/>
+              </a:rPr>
+              <a:t>() до 0 нельзя сбросить.</a:t>
+            </a:r>
+          </a:p>
+          <a:p>
+            <a:pPr algn="l"/>
+            <a:r>
+              <a:rPr lang="ru-RU" b="1" i="0" dirty="0" err="1">
+                <a:solidFill>
+                  <a:srgbClr val="F8FAFF"/>
+                </a:solidFill>
+                <a:effectLst/>
+                <a:latin typeface="DeepSeek-CJK-patch"/>
+              </a:rPr>
+              <a:t>CyclicBarrier</a:t>
+            </a:r>
+            <a:r>
+              <a:rPr lang="ru-RU" b="1" i="0" dirty="0">
+                <a:solidFill>
+                  <a:srgbClr val="F8FAFF"/>
+                </a:solidFill>
+                <a:effectLst/>
+                <a:latin typeface="DeepSeek-CJK-patch"/>
+              </a:rPr>
+              <a:t>		</a:t>
+            </a:r>
+            <a:r>
+              <a:rPr lang="ru-RU" b="0" i="0" dirty="0">
+                <a:solidFill>
+                  <a:srgbClr val="F8FAFF"/>
+                </a:solidFill>
+                <a:effectLst/>
+                <a:latin typeface="DeepSeek-CJK-patch"/>
+              </a:rPr>
+              <a:t>Многоразовый, потоки ждут друг друга для синхронизации.</a:t>
+            </a:r>
+          </a:p>
+          <a:p>
+            <a:pPr algn="l"/>
+            <a:r>
+              <a:rPr lang="ru-RU" b="1" i="0" dirty="0" err="1">
+                <a:solidFill>
+                  <a:srgbClr val="F8FAFF"/>
+                </a:solidFill>
+                <a:effectLst/>
+                <a:latin typeface="DeepSeek-CJK-patch"/>
+              </a:rPr>
+              <a:t>Phaser</a:t>
+            </a:r>
+            <a:r>
+              <a:rPr lang="ru-RU" b="1" i="0" dirty="0">
+                <a:solidFill>
+                  <a:srgbClr val="F8FAFF"/>
+                </a:solidFill>
+                <a:effectLst/>
+                <a:latin typeface="DeepSeek-CJK-patch"/>
+              </a:rPr>
+              <a:t>		</a:t>
+            </a:r>
+            <a:r>
+              <a:rPr lang="ru-RU" b="0" i="0" dirty="0">
+                <a:solidFill>
+                  <a:srgbClr val="F8FAFF"/>
+                </a:solidFill>
+                <a:effectLst/>
+                <a:latin typeface="DeepSeek-CJK-patch"/>
+              </a:rPr>
+              <a:t>Более гибкий, поддерживает динамическое изменение числа участников.</a:t>
+            </a:r>
+          </a:p>
+          <a:p>
             <a:endParaRPr lang="ru-RU" dirty="0"/>
           </a:p>
         </p:txBody>
@@ -8277,18 +8784,11 @@
             </a:endParaRPr>
           </a:p>
           <a:p>
-            <a:pPr algn="ctr"/>
-            <a:r>
-              <a:rPr lang="ru-RU" b="0" i="0" u="none" strike="noStrike" dirty="0">
-                <a:solidFill>
-                  <a:srgbClr val="5282FF"/>
-                </a:solidFill>
-                <a:effectLst/>
-                <a:latin typeface="YS Text"/>
-                <a:hlinkClick r:id="rId3"/>
-              </a:rPr>
-              <a:t>1. Повторное использование</a:t>
-            </a:r>
+            <a:pPr algn="l"/>
+            <a:endParaRPr lang="ru-RU" b="1" i="0" dirty="0">
+              <a:effectLst/>
+              <a:latin typeface="YS Text"/>
+            </a:endParaRPr>
           </a:p>
           <a:p>
             <a:pPr algn="l"/>
@@ -8405,6 +8905,16 @@
               </a:rPr>
               <a:t>; i++) { </a:t>
             </a:r>
+          </a:p>
+          <a:p>
+            <a:pPr algn="l"/>
+            <a:r>
+              <a:rPr lang="ru-RU" b="0" i="0" dirty="0">
+                <a:effectLst/>
+                <a:latin typeface="YS Text"/>
+              </a:rPr>
+              <a:t>	</a:t>
+            </a:r>
             <a:r>
               <a:rPr lang="ru-RU" b="0" i="0" dirty="0" err="1">
                 <a:effectLst/>
@@ -8417,152 +8927,34 @@
                 <a:effectLst/>
                 <a:latin typeface="YS Text"/>
               </a:rPr>
-              <a:t>(); // Барьер сбрасывается после каждого цикла } </a:t>
-            </a:r>
-          </a:p>
-          <a:p>
-            <a:pPr algn="ctr"/>
-            <a:r>
-              <a:rPr lang="ru-RU" b="0" i="0" u="none" strike="noStrike" dirty="0">
-                <a:solidFill>
-                  <a:srgbClr val="5282FF"/>
-                </a:solidFill>
+              <a:t>(); // Барьер сбрасывается после каждого цикла </a:t>
+            </a:r>
+          </a:p>
+          <a:p>
+            <a:pPr algn="l"/>
+            <a:r>
+              <a:rPr lang="ru-RU" b="0" i="0" dirty="0">
                 <a:effectLst/>
                 <a:latin typeface="YS Text"/>
-                <a:hlinkClick r:id="rId4"/>
-              </a:rPr>
-              <a:t>2. Обработка исключений</a:t>
+              </a:rPr>
+              <a:t>} </a:t>
             </a:r>
           </a:p>
           <a:p>
             <a:pPr algn="l"/>
-            <a:r>
-              <a:rPr lang="ru-RU" b="1" i="0" dirty="0">
-                <a:effectLst/>
-                <a:latin typeface="YS Text"/>
-              </a:rPr>
-              <a:t>2. Обработка исключений</a:t>
-            </a:r>
             <a:endParaRPr lang="ru-RU" b="0" i="0" dirty="0">
               <a:effectLst/>
               <a:latin typeface="YS Text"/>
             </a:endParaRPr>
           </a:p>
           <a:p>
-            <a:pPr algn="l">
-              <a:buFont typeface="Arial" panose="020B0604020202020204" pitchFamily="34" charset="0"/>
-              <a:buChar char="•"/>
-            </a:pPr>
-            <a:r>
-              <a:rPr lang="ru-RU" b="0" i="0" dirty="0" err="1">
+            <a:pPr algn="l"/>
+            <a:r>
+              <a:rPr lang="ru-RU" b="1" i="0" dirty="0">
                 <a:effectLst/>
                 <a:latin typeface="YS Text"/>
               </a:rPr>
-              <a:t>BrokenBarrierException</a:t>
-            </a:r>
-            <a:r>
-              <a:rPr lang="ru-RU" b="0" i="0" dirty="0">
-                <a:effectLst/>
-                <a:latin typeface="YS Text"/>
-              </a:rPr>
-              <a:t>: возникает если:</a:t>
-            </a:r>
-          </a:p>
-          <a:p>
-            <a:pPr marL="742950" lvl="1" indent="-285750" algn="l">
-              <a:buFont typeface="Arial" panose="020B0604020202020204" pitchFamily="34" charset="0"/>
-              <a:buChar char="•"/>
-            </a:pPr>
-            <a:r>
-              <a:rPr lang="ru-RU" b="0" i="0" dirty="0">
-                <a:effectLst/>
-                <a:latin typeface="YS Text"/>
-              </a:rPr>
-              <a:t>Поток был прерван во время ожидания</a:t>
-            </a:r>
-          </a:p>
-          <a:p>
-            <a:pPr marL="742950" lvl="1" indent="-285750" algn="l">
-              <a:buFont typeface="Arial" panose="020B0604020202020204" pitchFamily="34" charset="0"/>
-              <a:buChar char="•"/>
-            </a:pPr>
-            <a:r>
-              <a:rPr lang="ru-RU" b="0" i="0" dirty="0">
-                <a:effectLst/>
-                <a:latin typeface="YS Text"/>
-              </a:rPr>
-              <a:t>Барьер был сброшен (</a:t>
-            </a:r>
-            <a:r>
-              <a:rPr lang="ru-RU" b="0" i="0" dirty="0" err="1">
-                <a:effectLst/>
-                <a:latin typeface="YS Text"/>
-              </a:rPr>
-              <a:t>reset</a:t>
-            </a:r>
-            <a:r>
-              <a:rPr lang="ru-RU" b="0" i="0" dirty="0">
-                <a:effectLst/>
-                <a:latin typeface="YS Text"/>
-              </a:rPr>
-              <a:t>())</a:t>
-            </a:r>
-          </a:p>
-          <a:p>
-            <a:pPr marL="742950" lvl="1" indent="-285750" algn="l">
-              <a:buFont typeface="Arial" panose="020B0604020202020204" pitchFamily="34" charset="0"/>
-              <a:buChar char="•"/>
-            </a:pPr>
-            <a:r>
-              <a:rPr lang="ru-RU" b="0" i="0" dirty="0">
-                <a:effectLst/>
-                <a:latin typeface="YS Text"/>
-              </a:rPr>
-              <a:t>Один из потоков завершился с исключением</a:t>
-            </a:r>
-          </a:p>
-          <a:p>
-            <a:pPr algn="l">
-              <a:buFont typeface="Arial" panose="020B0604020202020204" pitchFamily="34" charset="0"/>
-              <a:buChar char="•"/>
-            </a:pPr>
-            <a:r>
-              <a:rPr lang="ru-RU" b="0" i="0" dirty="0" err="1">
-                <a:effectLst/>
-                <a:latin typeface="YS Text"/>
-              </a:rPr>
-              <a:t>TimeoutException</a:t>
-            </a:r>
-            <a:r>
-              <a:rPr lang="ru-RU" b="0" i="0" dirty="0">
-                <a:effectLst/>
-                <a:latin typeface="YS Text"/>
-              </a:rPr>
-              <a:t>: если превышено время ожидания</a:t>
-            </a:r>
-          </a:p>
-          <a:p>
-            <a:pPr algn="ctr"/>
-            <a:r>
-              <a:rPr lang="ru-RU" b="0" i="0" u="none" strike="noStrike" dirty="0">
-                <a:solidFill>
-                  <a:srgbClr val="5282FF"/>
-                </a:solidFill>
-                <a:effectLst/>
-                <a:latin typeface="YS Text"/>
-                <a:hlinkClick r:id="rId5"/>
-              </a:rPr>
-              <a:t>3. Барьерное действие</a:t>
-            </a:r>
-          </a:p>
-          <a:p>
-            <a:pPr algn="l"/>
-            <a:r>
-              <a:rPr lang="ru-RU" b="1" i="0" dirty="0">
-                <a:effectLst/>
-                <a:latin typeface="YS Text"/>
-              </a:rPr>
-              <a:t>3. Барьерное действие</a:t>
+              <a:t>2. Обработка исключений</a:t>
             </a:r>
             <a:endParaRPr lang="ru-RU" b="0" i="0" dirty="0">
               <a:effectLst/>
@@ -8570,85 +8962,103 @@
             </a:endParaRPr>
           </a:p>
           <a:p>
+            <a:pPr algn="l">
+              <a:buFont typeface="Arial" panose="020B0604020202020204" pitchFamily="34" charset="0"/>
+              <a:buChar char="•"/>
+            </a:pPr>
+            <a:r>
+              <a:rPr lang="ru-RU" b="0" i="0" dirty="0" err="1">
+                <a:effectLst/>
+                <a:latin typeface="YS Text"/>
+              </a:rPr>
+              <a:t>BrokenBarrierException</a:t>
+            </a:r>
+            <a:r>
+              <a:rPr lang="ru-RU" b="0" i="0" dirty="0">
+                <a:effectLst/>
+                <a:latin typeface="YS Text"/>
+              </a:rPr>
+              <a:t>: возникает если:</a:t>
+            </a:r>
+          </a:p>
+          <a:p>
+            <a:pPr marL="742950" lvl="1" indent="-285750" algn="l">
+              <a:buFont typeface="Arial" panose="020B0604020202020204" pitchFamily="34" charset="0"/>
+              <a:buChar char="•"/>
+            </a:pPr>
+            <a:r>
+              <a:rPr lang="ru-RU" b="0" i="0" dirty="0">
+                <a:effectLst/>
+                <a:latin typeface="YS Text"/>
+              </a:rPr>
+              <a:t>Поток был прерван во время ожидания</a:t>
+            </a:r>
+          </a:p>
+          <a:p>
+            <a:pPr marL="742950" lvl="1" indent="-285750" algn="l">
+              <a:buFont typeface="Arial" panose="020B0604020202020204" pitchFamily="34" charset="0"/>
+              <a:buChar char="•"/>
+            </a:pPr>
+            <a:r>
+              <a:rPr lang="ru-RU" b="0" i="0" dirty="0">
+                <a:effectLst/>
+                <a:latin typeface="YS Text"/>
+              </a:rPr>
+              <a:t>Барьер был сброшен (</a:t>
+            </a:r>
+            <a:r>
+              <a:rPr lang="ru-RU" b="0" i="0" dirty="0" err="1">
+                <a:effectLst/>
+                <a:latin typeface="YS Text"/>
+              </a:rPr>
+              <a:t>reset</a:t>
+            </a:r>
+            <a:r>
+              <a:rPr lang="ru-RU" b="0" i="0" dirty="0">
+                <a:effectLst/>
+                <a:latin typeface="YS Text"/>
+              </a:rPr>
+              <a:t>())</a:t>
+            </a:r>
+          </a:p>
+          <a:p>
+            <a:pPr marL="742950" lvl="1" indent="-285750" algn="l">
+              <a:buFont typeface="Arial" panose="020B0604020202020204" pitchFamily="34" charset="0"/>
+              <a:buChar char="•"/>
+            </a:pPr>
+            <a:r>
+              <a:rPr lang="ru-RU" b="0" i="0" dirty="0">
+                <a:effectLst/>
+                <a:latin typeface="YS Text"/>
+              </a:rPr>
+              <a:t>Один из потоков завершился с исключением</a:t>
+            </a:r>
+          </a:p>
+          <a:p>
+            <a:pPr algn="l">
+              <a:buFont typeface="Arial" panose="020B0604020202020204" pitchFamily="34" charset="0"/>
+              <a:buChar char="•"/>
+            </a:pPr>
+            <a:r>
+              <a:rPr lang="ru-RU" b="0" i="0" dirty="0" err="1">
+                <a:effectLst/>
+                <a:latin typeface="YS Text"/>
+              </a:rPr>
+              <a:t>TimeoutException</a:t>
+            </a:r>
+            <a:r>
+              <a:rPr lang="ru-RU" b="0" i="0" dirty="0">
+                <a:effectLst/>
+                <a:latin typeface="YS Text"/>
+              </a:rPr>
+              <a:t>: если превышено время ожидания</a:t>
+            </a:r>
+          </a:p>
+          <a:p>
             <a:pPr algn="l"/>
-            <a:r>
-              <a:rPr lang="ru-RU" b="0" i="0" dirty="0">
-                <a:effectLst/>
-                <a:latin typeface="YS Text"/>
-              </a:rPr>
-              <a:t>Действие выполняется:</a:t>
-            </a:r>
-          </a:p>
-          <a:p>
-            <a:pPr algn="l">
-              <a:buFont typeface="Arial" panose="020B0604020202020204" pitchFamily="34" charset="0"/>
-              <a:buChar char="•"/>
-            </a:pPr>
-            <a:r>
-              <a:rPr lang="ru-RU" b="0" i="0" dirty="0">
-                <a:effectLst/>
-                <a:latin typeface="YS Text"/>
-              </a:rPr>
-              <a:t>После достижения барьера последним потоком</a:t>
-            </a:r>
-          </a:p>
-          <a:p>
-            <a:pPr algn="l">
-              <a:buFont typeface="Arial" panose="020B0604020202020204" pitchFamily="34" charset="0"/>
-              <a:buChar char="•"/>
-            </a:pPr>
-            <a:r>
-              <a:rPr lang="ru-RU" b="0" i="0" dirty="0">
-                <a:effectLst/>
-                <a:latin typeface="YS Text"/>
-              </a:rPr>
-              <a:t>Перед разблокировкой всех потоков</a:t>
-            </a:r>
-          </a:p>
-          <a:p>
-            <a:pPr algn="l">
-              <a:buFont typeface="Arial" panose="020B0604020202020204" pitchFamily="34" charset="0"/>
-              <a:buChar char="•"/>
-            </a:pPr>
-            <a:r>
-              <a:rPr lang="ru-RU" b="0" i="0" dirty="0">
-                <a:effectLst/>
-                <a:latin typeface="YS Text"/>
-              </a:rPr>
-              <a:t>В том же потоке, который последним достиг барьера</a:t>
-            </a:r>
-          </a:p>
-          <a:p>
-            <a:pPr algn="ctr"/>
-            <a:r>
-              <a:rPr lang="ru-RU" b="0" i="0" u="none" strike="noStrike" dirty="0">
-                <a:solidFill>
-                  <a:srgbClr val="5282FF"/>
-                </a:solidFill>
-                <a:effectLst/>
-                <a:latin typeface="YS Text"/>
-                <a:hlinkClick r:id="rId6"/>
-              </a:rPr>
-              <a:t>4. Сравнение с </a:t>
-            </a:r>
-            <a:r>
-              <a:rPr lang="ru-RU" b="0" i="0" u="none" strike="noStrike" dirty="0" err="1">
-                <a:solidFill>
-                  <a:srgbClr val="5282FF"/>
-                </a:solidFill>
-                <a:effectLst/>
-                <a:latin typeface="YS Text"/>
-                <a:hlinkClick r:id="rId6"/>
-              </a:rPr>
-              <a:t>Phaser</a:t>
-            </a:r>
-            <a:endParaRPr lang="ru-RU" b="0" i="0" u="none" strike="noStrike" dirty="0">
-              <a:solidFill>
-                <a:srgbClr val="5282FF"/>
-              </a:solidFill>
+            <a:endParaRPr lang="ru-RU" b="1" i="0" dirty="0">
               <a:effectLst/>
               <a:latin typeface="YS Text"/>
-              <a:hlinkClick r:id="rId6"/>
             </a:endParaRPr>
           </a:p>
           <a:p>
@@ -8658,14 +9068,7 @@
                 <a:effectLst/>
                 <a:latin typeface="YS Text"/>
               </a:rPr>
-              <a:t>4. Сравнение с </a:t>
-            </a:r>
-            <a:r>
-              <a:rPr lang="ru-RU" b="1" i="0" dirty="0" err="1">
-                <a:effectLst/>
-                <a:latin typeface="YS Text"/>
-              </a:rPr>
-              <a:t>Phaser</a:t>
+              <a:t>3. Барьерное действие</a:t>
             </a:r>
             <a:endParaRPr lang="ru-RU" b="0" i="0" dirty="0">
               <a:effectLst/>
@@ -8679,78 +9082,70 @@
                 <a:effectLst/>
                 <a:latin typeface="YS Text"/>
               </a:rPr>
-              <a:t>Для более сложных сценариев (динамическое количество участников) лучше использовать </a:t>
-            </a:r>
-            <a:r>
-              <a:rPr lang="ru-RU" b="0" i="0" dirty="0" err="1">
+              <a:t>Действие выполняется:</a:t>
+            </a:r>
+          </a:p>
+          <a:p>
+            <a:pPr algn="l">
+              <a:buFont typeface="Arial" panose="020B0604020202020204" pitchFamily="34" charset="0"/>
+              <a:buChar char="•"/>
+            </a:pPr>
+            <a:r>
+              <a:rPr lang="ru-RU" b="0" i="0" dirty="0">
                 <a:effectLst/>
                 <a:latin typeface="YS Text"/>
               </a:rPr>
-              <a:t>Phaser</a:t>
-            </a:r>
+              <a:t>После достижения барьера последним потоком</a:t>
+            </a:r>
+          </a:p>
+          <a:p>
+            <a:pPr algn="l">
+              <a:buFont typeface="Arial" panose="020B0604020202020204" pitchFamily="34" charset="0"/>
+              <a:buChar char="•"/>
+            </a:pPr>
             <a:r>
               <a:rPr lang="ru-RU" b="0" i="0" dirty="0">
                 <a:effectLst/>
                 <a:latin typeface="YS Text"/>
               </a:rPr>
-              <a:t>.</a:t>
-            </a:r>
-          </a:p>
-          <a:p>
-            <a:pPr algn="ctr"/>
-            <a:r>
-              <a:rPr lang="ru-RU" b="0" i="0" u="none" strike="noStrike" dirty="0">
-                <a:solidFill>
-                  <a:srgbClr val="5282FF"/>
-                </a:solidFill>
+              <a:t>Перед разблокировкой всех потоков</a:t>
+            </a:r>
+          </a:p>
+          <a:p>
+            <a:pPr algn="l">
+              <a:buFont typeface="Arial" panose="020B0604020202020204" pitchFamily="34" charset="0"/>
+              <a:buChar char="•"/>
+            </a:pPr>
+            <a:r>
+              <a:rPr lang="ru-RU" b="0" i="0" dirty="0">
                 <a:effectLst/>
                 <a:latin typeface="YS Text"/>
-                <a:hlinkClick r:id="rId7"/>
-              </a:rPr>
-              <a:t>🔹 Типичные </a:t>
-            </a:r>
-            <a:r>
-              <a:rPr lang="ru-RU" b="0" i="0" u="none" strike="noStrike" dirty="0" err="1">
-                <a:solidFill>
-                  <a:srgbClr val="5282FF"/>
-                </a:solidFill>
-                <a:effectLst/>
-                <a:latin typeface="YS Text"/>
-                <a:hlinkClick r:id="rId7"/>
-              </a:rPr>
-              <a:t>use-cases</a:t>
-            </a:r>
-            <a:endParaRPr lang="ru-RU" b="0" i="0" u="none" strike="noStrike" dirty="0">
-              <a:solidFill>
-                <a:srgbClr val="5282FF"/>
-              </a:solidFill>
+              </a:rPr>
+              <a:t>В том же потоке, который последним достиг барьера</a:t>
+            </a:r>
+          </a:p>
+          <a:p>
+            <a:pPr algn="l"/>
+            <a:endParaRPr lang="ru-RU" b="1" i="0" dirty="0">
               <a:effectLst/>
               <a:latin typeface="YS Text"/>
-              <a:hlinkClick r:id="rId7"/>
             </a:endParaRPr>
           </a:p>
           <a:p>
             <a:pPr algn="l"/>
             <a:r>
-              <a:rPr lang="ru-RU" b="0" i="0" dirty="0">
+              <a:rPr lang="ru-RU" b="1" i="0" dirty="0">
                 <a:effectLst/>
                 <a:latin typeface="YS Text"/>
               </a:rPr>
-              <a:t>🔹 </a:t>
-            </a:r>
-            <a:r>
-              <a:rPr lang="ru-RU" b="1" i="0" dirty="0">
+              <a:t>4. Сравнение с </a:t>
+            </a:r>
+            <a:r>
+              <a:rPr lang="ru-RU" b="1" i="0" dirty="0" err="1">
                 <a:effectLst/>
                 <a:latin typeface="YS Text"/>
               </a:rPr>
-              <a:t>Типичные </a:t>
-            </a:r>
-            <a:r>
-              <a:rPr lang="ru-RU" b="1" i="0" dirty="0" err="1">
-                <a:effectLst/>
-                <a:latin typeface="YS Text"/>
-              </a:rPr>
-              <a:t>use-cases</a:t>
+              <a:t>Phaser</a:t>
             </a:r>
             <a:endParaRPr lang="ru-RU" b="0" i="0" dirty="0">
               <a:effectLst/>
@@ -8758,6 +9153,65 @@
             </a:endParaRPr>
           </a:p>
           <a:p>
+            <a:pPr algn="l"/>
+            <a:r>
+              <a:rPr lang="ru-RU" b="0" i="0" dirty="0">
+                <a:effectLst/>
+                <a:latin typeface="YS Text"/>
+              </a:rPr>
+              <a:t>Для более сложных сценариев (динамическое количество участников) лучше использовать </a:t>
+            </a:r>
+            <a:r>
+              <a:rPr lang="ru-RU" b="0" i="0" dirty="0" err="1">
+                <a:effectLst/>
+                <a:latin typeface="YS Text"/>
+              </a:rPr>
+              <a:t>Phaser</a:t>
+            </a:r>
+            <a:r>
+              <a:rPr lang="ru-RU" b="0" i="0" dirty="0">
+                <a:effectLst/>
+                <a:latin typeface="YS Text"/>
+              </a:rPr>
+              <a:t>.</a:t>
+            </a:r>
+          </a:p>
+          <a:p>
+            <a:pPr algn="l"/>
+            <a:endParaRPr lang="ru-RU" b="0" i="0" dirty="0">
+              <a:effectLst/>
+              <a:latin typeface="YS Text"/>
+            </a:endParaRPr>
+          </a:p>
+          <a:p>
+            <a:pPr algn="l"/>
+            <a:r>
+              <a:rPr lang="ru-RU" b="0" i="0" dirty="0">
+                <a:effectLst/>
+                <a:latin typeface="YS Text"/>
+              </a:rPr>
+              <a:t>🔹 </a:t>
+            </a:r>
+            <a:r>
+              <a:rPr lang="ru-RU" b="1" i="0" dirty="0">
+                <a:effectLst/>
+                <a:latin typeface="YS Text"/>
+              </a:rPr>
+              <a:t>Типичные </a:t>
+            </a:r>
+            <a:r>
+              <a:rPr lang="ru-RU" b="1" i="0" dirty="0" err="1">
+                <a:effectLst/>
+                <a:latin typeface="YS Text"/>
+              </a:rPr>
+              <a:t>use-cases</a:t>
+            </a:r>
+            <a:endParaRPr lang="ru-RU" b="0" i="0" dirty="0">
+              <a:effectLst/>
+              <a:latin typeface="YS Text"/>
+            </a:endParaRPr>
+          </a:p>
+          <a:p>
             <a:pPr algn="l">
               <a:buFont typeface="+mj-lt"/>
               <a:buAutoNum type="arabicPeriod"/>
@@ -8838,18 +9292,11 @@
             </a:r>
           </a:p>
           <a:p>
-            <a:pPr algn="ctr"/>
-            <a:r>
-              <a:rPr lang="ru-RU" b="0" i="0" u="none" strike="noStrike" dirty="0">
-                <a:solidFill>
-                  <a:srgbClr val="5282FF"/>
-                </a:solidFill>
-                <a:effectLst/>
-                <a:latin typeface="YS Text"/>
-                <a:hlinkClick r:id="rId8"/>
-              </a:rPr>
-              <a:t>🔹 Потенциальные проблемы</a:t>
-            </a:r>
+            <a:pPr algn="l"/>
+            <a:endParaRPr lang="ru-RU" b="0" i="0" dirty="0">
+              <a:effectLst/>
+              <a:latin typeface="YS Text"/>
+            </a:endParaRPr>
           </a:p>
           <a:p>
             <a:pPr algn="l"/>
@@ -11895,28 +12342,15 @@
                 <a:effectLst/>
                 <a:latin typeface="Inter"/>
               </a:rPr>
-              <a:t> блоками. В этой лекции мы подробно рассмотрим, как работает </a:t>
-            </a:r>
-            <a:r>
-              <a:rPr lang="ru-RU" b="0" i="0" dirty="0" err="1">
-                <a:solidFill>
-                  <a:srgbClr val="EDEEF0"/>
-                </a:solidFill>
-                <a:effectLst/>
-                <a:latin typeface="Inter"/>
-              </a:rPr>
-              <a:t>ReentrantLock</a:t>
-            </a:r>
-            <a:r>
-              <a:rPr lang="ru-RU" b="0" i="0" dirty="0">
-                <a:solidFill>
-                  <a:srgbClr val="EDEEF0"/>
-                </a:solidFill>
-                <a:effectLst/>
-                <a:latin typeface="Inter"/>
-              </a:rPr>
-              <a:t>, его особенности, преимущества и примеры использования.</a:t>
-            </a:r>
+              <a:t> блоками. </a:t>
+            </a:r>
+            <a:endParaRPr lang="en-US" b="0" i="0" dirty="0">
+              <a:solidFill>
+                <a:srgbClr val="EDEEF0"/>
+              </a:solidFill>
+              <a:effectLst/>
+              <a:latin typeface="Inter"/>
+            </a:endParaRPr>
           </a:p>
           <a:p>
             <a:pPr algn="l"/>
@@ -13009,6 +13443,10 @@
           <a:p>
             <a:pPr algn="l"/>
             <a:r>
+              <a:rPr lang="ru-RU" dirty="0" err="1"/>
+              <a:t>Condition</a:t>
+            </a:r>
+            <a:r>
               <a:rPr lang="ru-RU" b="0" i="0" dirty="0">
                 <a:solidFill>
                   <a:srgbClr val="EDEEF0"/>
@@ -13016,17 +13454,33 @@
                 <a:effectLst/>
                 <a:latin typeface="Inter"/>
               </a:rPr>
-              <a:t>Подробный разбор </a:t>
-            </a:r>
-            <a:r>
-              <a:rPr lang="ru-RU" b="0" i="0" dirty="0" err="1">
+              <a:t> — это интерфейс, который предоставляет механизм, аналогичный методам </a:t>
+            </a:r>
+            <a:r>
+              <a:rPr lang="ru-RU" dirty="0" err="1"/>
+              <a:t>Object.wait</a:t>
+            </a:r>
+            <a:r>
+              <a:rPr lang="ru-RU" dirty="0"/>
+              <a:t>()</a:t>
+            </a:r>
+            <a:r>
+              <a:rPr lang="ru-RU" b="0" i="0" dirty="0">
                 <a:solidFill>
                   <a:srgbClr val="EDEEF0"/>
                 </a:solidFill>
                 <a:effectLst/>
                 <a:latin typeface="Inter"/>
               </a:rPr>
-              <a:t>ReentrantReadWriteLock</a:t>
+              <a:t>, </a:t>
+            </a:r>
+            <a:r>
+              <a:rPr lang="ru-RU" dirty="0" err="1"/>
+              <a:t>Object.notify</a:t>
+            </a:r>
+            <a:r>
+              <a:rPr lang="ru-RU" dirty="0"/>
+              <a:t>()</a:t>
             </a:r>
             <a:r>
               <a:rPr lang="ru-RU" b="0" i="0" dirty="0">
@@ -13036,7 +13490,67 @@
                 <a:effectLst/>
                 <a:latin typeface="Inter"/>
               </a:rPr>
-              <a:t> в Java</a:t>
+              <a:t> и </a:t>
+            </a:r>
+            <a:r>
+              <a:rPr lang="ru-RU" dirty="0" err="1"/>
+              <a:t>Object.notifyAll</a:t>
+            </a:r>
+            <a:r>
+              <a:rPr lang="ru-RU" dirty="0"/>
+              <a:t>()</a:t>
+            </a:r>
+            <a:r>
+              <a:rPr lang="ru-RU" b="0" i="0" dirty="0">
+                <a:solidFill>
+                  <a:srgbClr val="EDEEF0"/>
+                </a:solidFill>
+                <a:effectLst/>
+                <a:latin typeface="Inter"/>
+              </a:rPr>
+              <a:t>, но с более гибкими возможностями управления потоками. Основное отличие </a:t>
+            </a:r>
+            <a:r>
+              <a:rPr lang="ru-RU" dirty="0" err="1"/>
+              <a:t>Condition</a:t>
+            </a:r>
+            <a:r>
+              <a:rPr lang="ru-RU" b="0" i="0" dirty="0">
+                <a:solidFill>
+                  <a:srgbClr val="EDEEF0"/>
+                </a:solidFill>
+                <a:effectLst/>
+                <a:latin typeface="Inter"/>
+              </a:rPr>
+              <a:t> в том, что он работает в сочетании с </a:t>
+            </a:r>
+            <a:r>
+              <a:rPr lang="ru-RU" dirty="0"/>
+              <a:t>Lock</a:t>
+            </a:r>
+            <a:r>
+              <a:rPr lang="ru-RU" b="0" i="0" dirty="0">
+                <a:solidFill>
+                  <a:srgbClr val="EDEEF0"/>
+                </a:solidFill>
+                <a:effectLst/>
+                <a:latin typeface="Inter"/>
+              </a:rPr>
+              <a:t>, а не с </a:t>
+            </a:r>
+            <a:r>
+              <a:rPr lang="ru-RU" dirty="0" err="1"/>
+              <a:t>synchronized</a:t>
+            </a:r>
+            <a:r>
+              <a:rPr lang="ru-RU" b="0" i="0" dirty="0">
+                <a:solidFill>
+                  <a:srgbClr val="EDEEF0"/>
+                </a:solidFill>
+                <a:effectLst/>
+                <a:latin typeface="Inter"/>
+              </a:rPr>
+              <a:t> блоками.</a:t>
             </a:r>
           </a:p>
           <a:p>
@@ -13052,6 +13566,52 @@
           <a:p>
             <a:pPr algn="l"/>
             <a:r>
+              <a:rPr lang="ru-RU" b="1" i="0" dirty="0">
+                <a:solidFill>
+                  <a:srgbClr val="EDEEF0"/>
+                </a:solidFill>
+                <a:effectLst/>
+                <a:latin typeface="Inter"/>
+              </a:rPr>
+              <a:t>Основные методы:</a:t>
+            </a:r>
+          </a:p>
+          <a:p>
+            <a:pPr algn="l">
+              <a:buFont typeface="Arial" panose="020B0604020202020204" pitchFamily="34" charset="0"/>
+              <a:buChar char="•"/>
+            </a:pPr>
+            <a:r>
+              <a:rPr lang="ru-RU" b="1" i="0" dirty="0" err="1">
+                <a:solidFill>
+                  <a:srgbClr val="EDEEF0"/>
+                </a:solidFill>
+                <a:effectLst/>
+                <a:latin typeface="Inter"/>
+              </a:rPr>
+              <a:t>await</a:t>
+            </a:r>
+            <a:r>
+              <a:rPr lang="ru-RU" b="1" i="0" dirty="0">
+                <a:solidFill>
+                  <a:srgbClr val="EDEEF0"/>
+                </a:solidFill>
+                <a:effectLst/>
+                <a:latin typeface="Inter"/>
+              </a:rPr>
+              <a:t>()</a:t>
+            </a:r>
+            <a:r>
+              <a:rPr lang="ru-RU" b="0" i="0" dirty="0">
+                <a:solidFill>
+                  <a:srgbClr val="EDEEF0"/>
+                </a:solidFill>
+                <a:effectLst/>
+                <a:latin typeface="Inter"/>
+              </a:rPr>
+              <a:t>: Переводит текущий поток в состояние ожидания. Потоки могут быть приостановлены в ожидании какого-то условия. Ожидают сигнала, вызванного методом </a:t>
+            </a:r>
+            <a:r>
               <a:rPr lang="ru-RU" b="0" i="0" dirty="0" err="1">
                 <a:solidFill>
                   <a:srgbClr val="EDEEF0"/>
@@ -13059,7 +13619,7 @@
                 <a:effectLst/>
                 <a:latin typeface="Inter"/>
               </a:rPr>
-              <a:t>ReentrantReadWriteLock</a:t>
+              <a:t>signal</a:t>
             </a:r>
             <a:r>
               <a:rPr lang="ru-RU" b="0" i="0" dirty="0">
@@ -13069,7 +13629,7 @@
                 <a:effectLst/>
                 <a:latin typeface="Inter"/>
               </a:rPr>
-              <a:t> — это реализация интерфейса </a:t>
+              <a:t>() или </a:t>
             </a:r>
             <a:r>
               <a:rPr lang="ru-RU" b="0" i="0" dirty="0" err="1">
@@ -13079,7 +13639,7 @@
                 <a:effectLst/>
                 <a:latin typeface="Inter"/>
               </a:rPr>
-              <a:t>ReadWriteLock</a:t>
+              <a:t>signalAll</a:t>
             </a:r>
             <a:r>
               <a:rPr lang="ru-RU" b="0" i="0" dirty="0">
@@ -13089,66 +13649,7 @@
                 <a:effectLst/>
                 <a:latin typeface="Inter"/>
               </a:rPr>
-              <a:t>, которая предоставляет раздельные блокировки для чтения и записи. Это позволяет повысить производительность в сценариях, где операции чтения происходят чаще, чем операции записи.</a:t>
-            </a:r>
-          </a:p>
-          <a:p>
-            <a:endParaRPr lang="ru-RU" dirty="0"/>
-          </a:p>
-          <a:p>
-            <a:pPr algn="l"/>
-            <a:r>
-              <a:rPr lang="ru-RU" b="1" i="0" dirty="0" err="1">
-                <a:solidFill>
-                  <a:srgbClr val="EDEEF0"/>
-                </a:solidFill>
-                <a:effectLst/>
-                <a:latin typeface="Inter"/>
-              </a:rPr>
-              <a:t>ReadWriteLock</a:t>
-            </a:r>
-            <a:r>
-              <a:rPr lang="ru-RU" b="1" i="0" dirty="0">
-                <a:solidFill>
-                  <a:srgbClr val="EDEEF0"/>
-                </a:solidFill>
-                <a:effectLst/>
-                <a:latin typeface="Inter"/>
-              </a:rPr>
-              <a:t>:</a:t>
-            </a:r>
-          </a:p>
-          <a:p>
-            <a:pPr algn="l"/>
-            <a:r>
-              <a:rPr lang="ru-RU" b="0" i="0" dirty="0">
-                <a:solidFill>
-                  <a:srgbClr val="EDEEF0"/>
-                </a:solidFill>
-                <a:effectLst/>
-                <a:latin typeface="Inter"/>
-              </a:rPr>
-              <a:t>Интерфейс </a:t>
-            </a:r>
-            <a:r>
-              <a:rPr lang="ru-RU" b="0" i="0" dirty="0" err="1">
-                <a:solidFill>
-                  <a:srgbClr val="EDEEF0"/>
-                </a:solidFill>
-                <a:effectLst/>
-                <a:latin typeface="Inter"/>
-              </a:rPr>
-              <a:t>ReadWriteLock</a:t>
-            </a:r>
-            <a:r>
-              <a:rPr lang="ru-RU" b="0" i="0" dirty="0">
-                <a:solidFill>
-                  <a:srgbClr val="EDEEF0"/>
-                </a:solidFill>
-                <a:effectLst/>
-                <a:latin typeface="Inter"/>
-              </a:rPr>
-              <a:t> предоставляет две блокировки:</a:t>
+              <a:t>().</a:t>
             </a:r>
           </a:p>
           <a:p>
@@ -13156,26 +13657,6 @@
               <a:buFont typeface="Arial" panose="020B0604020202020204" pitchFamily="34" charset="0"/>
               <a:buChar char="•"/>
             </a:pPr>
-            <a:r>
-              <a:rPr lang="ru-RU" b="1" i="0" dirty="0" err="1">
-                <a:solidFill>
-                  <a:srgbClr val="EDEEF0"/>
-                </a:solidFill>
-                <a:effectLst/>
-                <a:latin typeface="Inter"/>
-              </a:rPr>
-              <a:t>Read</a:t>
-            </a:r>
-            <a:r>
-              <a:rPr lang="ru-RU" b="1" i="0" dirty="0">
-                <a:solidFill>
-                  <a:srgbClr val="EDEEF0"/>
-                </a:solidFill>
-                <a:effectLst/>
-                <a:latin typeface="Inter"/>
-              </a:rPr>
-              <a:t> Lock (блокировка для чтения):</a:t>
-            </a:r>
             <a:endParaRPr lang="ru-RU" b="0" i="0" dirty="0">
               <a:solidFill>
                 <a:srgbClr val="EDEEF0"/>
@@ -13185,62 +13666,66 @@
             </a:endParaRPr>
           </a:p>
           <a:p>
-            <a:pPr marL="742950" lvl="1" indent="-285750" algn="l">
+            <a:pPr algn="l">
               <a:buFont typeface="Arial" panose="020B0604020202020204" pitchFamily="34" charset="0"/>
               <a:buChar char="•"/>
             </a:pPr>
             <a:r>
-              <a:rPr lang="ru-RU" b="0" i="0" dirty="0">
+              <a:rPr lang="ru-RU" b="1" i="0" dirty="0" err="1">
                 <a:solidFill>
                   <a:srgbClr val="EDEEF0"/>
                 </a:solidFill>
                 <a:effectLst/>
                 <a:latin typeface="Inter"/>
               </a:rPr>
-              <a:t>Может быть захвачена несколькими потоками одновременно, если не захвачена блокировка для записи.</a:t>
-            </a:r>
-          </a:p>
-          <a:p>
-            <a:pPr marL="742950" lvl="1" indent="-285750" algn="l">
+              <a:t>signal</a:t>
+            </a:r>
+            <a:r>
+              <a:rPr lang="ru-RU" b="1" i="0" dirty="0">
+                <a:solidFill>
+                  <a:srgbClr val="EDEEF0"/>
+                </a:solidFill>
+                <a:effectLst/>
+                <a:latin typeface="Inter"/>
+              </a:rPr>
+              <a:t>()</a:t>
+            </a:r>
+            <a:r>
+              <a:rPr lang="ru-RU" b="0" i="0" dirty="0">
+                <a:solidFill>
+                  <a:srgbClr val="EDEEF0"/>
+                </a:solidFill>
+                <a:effectLst/>
+                <a:latin typeface="Inter"/>
+              </a:rPr>
+              <a:t>: Будит один поток, который ожидал выполнения условия. Аналогично </a:t>
+            </a:r>
+            <a:r>
+              <a:rPr lang="ru-RU" b="0" i="0" dirty="0" err="1">
+                <a:solidFill>
+                  <a:srgbClr val="EDEEF0"/>
+                </a:solidFill>
+                <a:effectLst/>
+                <a:latin typeface="Inter"/>
+              </a:rPr>
+              <a:t>Object.notify</a:t>
+            </a:r>
+            <a:r>
+              <a:rPr lang="ru-RU" b="0" i="0" dirty="0">
+                <a:solidFill>
+                  <a:srgbClr val="EDEEF0"/>
+                </a:solidFill>
+                <a:effectLst/>
+                <a:latin typeface="Inter"/>
+              </a:rPr>
+              <a:t>().</a:t>
+            </a:r>
+          </a:p>
+          <a:p>
+            <a:pPr algn="l">
               <a:buFont typeface="Arial" panose="020B0604020202020204" pitchFamily="34" charset="0"/>
               <a:buChar char="•"/>
             </a:pPr>
-            <a:r>
-              <a:rPr lang="ru-RU" b="0" i="0" dirty="0">
-                <a:solidFill>
-                  <a:srgbClr val="EDEEF0"/>
-                </a:solidFill>
-                <a:effectLst/>
-                <a:latin typeface="Inter"/>
-              </a:rPr>
-              <a:t>Если блокировка для записи захвачена, потоки, пытающиеся получить блокировку для чтения, будут ждать.</a:t>
-            </a:r>
-          </a:p>
-          <a:p>
-            <a:pPr algn="l">
-              <a:buFont typeface="Arial" panose="020B0604020202020204" pitchFamily="34" charset="0"/>
-              <a:buChar char="•"/>
-            </a:pPr>
-            <a:r>
-              <a:rPr lang="ru-RU" b="1" i="0" dirty="0" err="1">
-                <a:solidFill>
-                  <a:srgbClr val="EDEEF0"/>
-                </a:solidFill>
-                <a:effectLst/>
-                <a:latin typeface="Inter"/>
-              </a:rPr>
-              <a:t>Write</a:t>
-            </a:r>
-            <a:r>
-              <a:rPr lang="ru-RU" b="1" i="0" dirty="0">
-                <a:solidFill>
-                  <a:srgbClr val="EDEEF0"/>
-                </a:solidFill>
-                <a:effectLst/>
-                <a:latin typeface="Inter"/>
-              </a:rPr>
-              <a:t> Lock (блокировка для записи):</a:t>
-            </a:r>
             <a:endParaRPr lang="ru-RU" b="0" i="0" dirty="0">
               <a:solidFill>
                 <a:srgbClr val="EDEEF0"/>
@@ -13250,39 +13735,989 @@
             </a:endParaRPr>
           </a:p>
           <a:p>
+            <a:pPr algn="l">
+              <a:buFont typeface="Arial" panose="020B0604020202020204" pitchFamily="34" charset="0"/>
+              <a:buChar char="•"/>
+            </a:pPr>
+            <a:r>
+              <a:rPr lang="ru-RU" b="1" i="0" dirty="0" err="1">
+                <a:solidFill>
+                  <a:srgbClr val="EDEEF0"/>
+                </a:solidFill>
+                <a:effectLst/>
+                <a:latin typeface="Inter"/>
+              </a:rPr>
+              <a:t>signalAll</a:t>
+            </a:r>
+            <a:r>
+              <a:rPr lang="ru-RU" b="1" i="0" dirty="0">
+                <a:solidFill>
+                  <a:srgbClr val="EDEEF0"/>
+                </a:solidFill>
+                <a:effectLst/>
+                <a:latin typeface="Inter"/>
+              </a:rPr>
+              <a:t>()</a:t>
+            </a:r>
+            <a:r>
+              <a:rPr lang="ru-RU" b="0" i="0" dirty="0">
+                <a:solidFill>
+                  <a:srgbClr val="EDEEF0"/>
+                </a:solidFill>
+                <a:effectLst/>
+                <a:latin typeface="Inter"/>
+              </a:rPr>
+              <a:t>: Пробуждает все потоки, которые находятся в ожидании выполнения условия. Аналогично </a:t>
+            </a:r>
+            <a:r>
+              <a:rPr lang="ru-RU" b="0" i="0" dirty="0" err="1">
+                <a:solidFill>
+                  <a:srgbClr val="EDEEF0"/>
+                </a:solidFill>
+                <a:effectLst/>
+                <a:latin typeface="Inter"/>
+              </a:rPr>
+              <a:t>Object.notifyAll</a:t>
+            </a:r>
+            <a:r>
+              <a:rPr lang="ru-RU" b="0" i="0" dirty="0">
+                <a:solidFill>
+                  <a:srgbClr val="EDEEF0"/>
+                </a:solidFill>
+                <a:effectLst/>
+                <a:latin typeface="Inter"/>
+              </a:rPr>
+              <a:t>().</a:t>
+            </a:r>
+          </a:p>
+          <a:p>
+            <a:pPr algn="l">
+              <a:buFont typeface="Arial" panose="020B0604020202020204" pitchFamily="34" charset="0"/>
+              <a:buChar char="•"/>
+            </a:pPr>
+            <a:r>
+              <a:rPr lang="ru-RU" b="0" i="0" dirty="0">
+                <a:solidFill>
+                  <a:srgbClr val="EDEEF0"/>
+                </a:solidFill>
+                <a:effectLst/>
+                <a:latin typeface="Inter"/>
+              </a:rPr>
+              <a:t>**</a:t>
+            </a:r>
+            <a:r>
+              <a:rPr lang="ru-RU" b="0" i="0" dirty="0" err="1">
+                <a:solidFill>
+                  <a:srgbClr val="EDEEF0"/>
+                </a:solidFill>
+                <a:effectLst/>
+                <a:latin typeface="Inter"/>
+              </a:rPr>
+              <a:t>awaitUninterruptibly</a:t>
+            </a:r>
+            <a:r>
+              <a:rPr lang="ru-RU" b="0" i="0" dirty="0">
+                <a:solidFill>
+                  <a:srgbClr val="EDEEF0"/>
+                </a:solidFill>
+                <a:effectLst/>
+                <a:latin typeface="Inter"/>
+              </a:rPr>
+              <a:t>(): Версия метода </a:t>
+            </a:r>
+            <a:r>
+              <a:rPr lang="ru-RU" b="0" i="0" dirty="0" err="1">
+                <a:solidFill>
+                  <a:srgbClr val="EDEEF0"/>
+                </a:solidFill>
+                <a:effectLst/>
+                <a:latin typeface="Inter"/>
+              </a:rPr>
+              <a:t>await</a:t>
+            </a:r>
+            <a:r>
+              <a:rPr lang="ru-RU" b="0" i="0" dirty="0">
+                <a:solidFill>
+                  <a:srgbClr val="EDEEF0"/>
+                </a:solidFill>
+                <a:effectLst/>
+                <a:latin typeface="Inter"/>
+              </a:rPr>
+              <a:t>() не реагирующая на прерывания.</a:t>
+            </a:r>
+          </a:p>
+          <a:p>
+            <a:pPr algn="l">
+              <a:buFont typeface="Arial" panose="020B0604020202020204" pitchFamily="34" charset="0"/>
+              <a:buChar char="•"/>
+            </a:pPr>
+            <a:r>
+              <a:rPr lang="ru-RU" b="0" i="0" dirty="0">
+                <a:solidFill>
+                  <a:srgbClr val="EDEEF0"/>
+                </a:solidFill>
+                <a:effectLst/>
+                <a:latin typeface="Inter"/>
+              </a:rPr>
+              <a:t>**</a:t>
+            </a:r>
+            <a:r>
+              <a:rPr lang="ru-RU" b="0" i="0" dirty="0" err="1">
+                <a:solidFill>
+                  <a:srgbClr val="EDEEF0"/>
+                </a:solidFill>
+                <a:effectLst/>
+                <a:latin typeface="Inter"/>
+              </a:rPr>
+              <a:t>awaitNanos</a:t>
+            </a:r>
+            <a:r>
+              <a:rPr lang="ru-RU" b="0" i="0" dirty="0">
+                <a:solidFill>
+                  <a:srgbClr val="EDEEF0"/>
+                </a:solidFill>
+                <a:effectLst/>
+                <a:latin typeface="Inter"/>
+              </a:rPr>
+              <a:t>(</a:t>
+            </a:r>
+            <a:r>
+              <a:rPr lang="ru-RU" b="0" i="0" dirty="0" err="1">
+                <a:solidFill>
+                  <a:srgbClr val="EDEEF0"/>
+                </a:solidFill>
+                <a:effectLst/>
+                <a:latin typeface="Inter"/>
+              </a:rPr>
+              <a:t>long</a:t>
+            </a:r>
+            <a:r>
+              <a:rPr lang="ru-RU" b="0" i="0" dirty="0">
+                <a:solidFill>
+                  <a:srgbClr val="EDEEF0"/>
+                </a:solidFill>
+                <a:effectLst/>
+                <a:latin typeface="Inter"/>
+              </a:rPr>
+              <a:t> </a:t>
+            </a:r>
+            <a:r>
+              <a:rPr lang="ru-RU" b="0" i="0" dirty="0" err="1">
+                <a:solidFill>
+                  <a:srgbClr val="EDEEF0"/>
+                </a:solidFill>
+                <a:effectLst/>
+                <a:latin typeface="Inter"/>
+              </a:rPr>
+              <a:t>duration</a:t>
+            </a:r>
+            <a:r>
+              <a:rPr lang="ru-RU" b="0" i="0" dirty="0">
+                <a:solidFill>
+                  <a:srgbClr val="EDEEF0"/>
+                </a:solidFill>
+                <a:effectLst/>
+                <a:latin typeface="Inter"/>
+              </a:rPr>
+              <a:t>), </a:t>
+            </a:r>
+            <a:r>
+              <a:rPr lang="ru-RU" b="0" i="0" dirty="0" err="1">
+                <a:solidFill>
+                  <a:srgbClr val="EDEEF0"/>
+                </a:solidFill>
+                <a:effectLst/>
+                <a:latin typeface="Inter"/>
+              </a:rPr>
+              <a:t>await</a:t>
+            </a:r>
+            <a:r>
+              <a:rPr lang="ru-RU" b="0" i="0" dirty="0">
+                <a:solidFill>
+                  <a:srgbClr val="EDEEF0"/>
+                </a:solidFill>
+                <a:effectLst/>
+                <a:latin typeface="Inter"/>
+              </a:rPr>
+              <a:t>(</a:t>
+            </a:r>
+            <a:r>
+              <a:rPr lang="ru-RU" b="0" i="0" dirty="0" err="1">
+                <a:solidFill>
+                  <a:srgbClr val="EDEEF0"/>
+                </a:solidFill>
+                <a:effectLst/>
+                <a:latin typeface="Inter"/>
+              </a:rPr>
+              <a:t>long</a:t>
+            </a:r>
+            <a:r>
+              <a:rPr lang="ru-RU" b="0" i="0" dirty="0">
+                <a:solidFill>
+                  <a:srgbClr val="EDEEF0"/>
+                </a:solidFill>
+                <a:effectLst/>
+                <a:latin typeface="Inter"/>
+              </a:rPr>
+              <a:t> </a:t>
+            </a:r>
+            <a:r>
+              <a:rPr lang="ru-RU" b="0" i="0" dirty="0" err="1">
+                <a:solidFill>
+                  <a:srgbClr val="EDEEF0"/>
+                </a:solidFill>
+                <a:effectLst/>
+                <a:latin typeface="Inter"/>
+              </a:rPr>
+              <a:t>duration</a:t>
+            </a:r>
+            <a:r>
+              <a:rPr lang="ru-RU" b="0" i="0" dirty="0">
+                <a:solidFill>
+                  <a:srgbClr val="EDEEF0"/>
+                </a:solidFill>
+                <a:effectLst/>
+                <a:latin typeface="Inter"/>
+              </a:rPr>
+              <a:t>, </a:t>
+            </a:r>
+            <a:r>
+              <a:rPr lang="ru-RU" b="0" i="0" dirty="0" err="1">
+                <a:solidFill>
+                  <a:srgbClr val="EDEEF0"/>
+                </a:solidFill>
+                <a:effectLst/>
+                <a:latin typeface="Inter"/>
+              </a:rPr>
+              <a:t>TimeUnit</a:t>
+            </a:r>
+            <a:r>
+              <a:rPr lang="ru-RU" b="0" i="0" dirty="0">
+                <a:solidFill>
+                  <a:srgbClr val="EDEEF0"/>
+                </a:solidFill>
+                <a:effectLst/>
+                <a:latin typeface="Inter"/>
+              </a:rPr>
+              <a:t> </a:t>
+            </a:r>
+            <a:r>
+              <a:rPr lang="ru-RU" b="0" i="0" dirty="0" err="1">
+                <a:solidFill>
+                  <a:srgbClr val="EDEEF0"/>
+                </a:solidFill>
+                <a:effectLst/>
+                <a:latin typeface="Inter"/>
+              </a:rPr>
+              <a:t>unit</a:t>
+            </a:r>
+            <a:r>
+              <a:rPr lang="ru-RU" b="0" i="0" dirty="0">
+                <a:solidFill>
+                  <a:srgbClr val="EDEEF0"/>
+                </a:solidFill>
+                <a:effectLst/>
+                <a:latin typeface="Inter"/>
+              </a:rPr>
+              <a:t>), </a:t>
+            </a:r>
+            <a:r>
+              <a:rPr lang="ru-RU" b="0" i="0" dirty="0" err="1">
+                <a:solidFill>
+                  <a:srgbClr val="EDEEF0"/>
+                </a:solidFill>
+                <a:effectLst/>
+                <a:latin typeface="Inter"/>
+              </a:rPr>
+              <a:t>шде</a:t>
+            </a:r>
+            <a:r>
+              <a:rPr lang="ru-RU" b="0" i="0" dirty="0">
+                <a:solidFill>
+                  <a:srgbClr val="EDEEF0"/>
+                </a:solidFill>
+                <a:effectLst/>
+                <a:latin typeface="Inter"/>
+              </a:rPr>
+              <a:t> </a:t>
+            </a:r>
+            <a:r>
+              <a:rPr lang="ru-RU" b="0" i="0" dirty="0" err="1">
+                <a:solidFill>
+                  <a:srgbClr val="EDEEF0"/>
+                </a:solidFill>
+                <a:effectLst/>
+                <a:latin typeface="Inter"/>
+              </a:rPr>
+              <a:t>awaitUntil</a:t>
+            </a:r>
+            <a:r>
+              <a:rPr lang="ru-RU" b="0" i="0" dirty="0">
+                <a:solidFill>
+                  <a:srgbClr val="EDEEF0"/>
+                </a:solidFill>
+                <a:effectLst/>
+                <a:latin typeface="Inter"/>
+              </a:rPr>
+              <a:t>(</a:t>
+            </a:r>
+            <a:r>
+              <a:rPr lang="ru-RU" b="0" i="0" dirty="0" err="1">
+                <a:solidFill>
+                  <a:srgbClr val="EDEEF0"/>
+                </a:solidFill>
+                <a:effectLst/>
+                <a:latin typeface="Inter"/>
+              </a:rPr>
+              <a:t>Date</a:t>
+            </a:r>
+            <a:r>
+              <a:rPr lang="ru-RU" b="0" i="0" dirty="0">
+                <a:solidFill>
+                  <a:srgbClr val="EDEEF0"/>
+                </a:solidFill>
+                <a:effectLst/>
+                <a:latin typeface="Inter"/>
+              </a:rPr>
+              <a:t> </a:t>
+            </a:r>
+            <a:r>
+              <a:rPr lang="ru-RU" b="0" i="0" dirty="0" err="1">
+                <a:solidFill>
+                  <a:srgbClr val="EDEEF0"/>
+                </a:solidFill>
+                <a:effectLst/>
+                <a:latin typeface="Inter"/>
+              </a:rPr>
+              <a:t>date</a:t>
+            </a:r>
+            <a:r>
+              <a:rPr lang="ru-RU" b="0" i="0" dirty="0">
+                <a:solidFill>
+                  <a:srgbClr val="EDEEF0"/>
+                </a:solidFill>
+                <a:effectLst/>
+                <a:latin typeface="Inter"/>
+              </a:rPr>
+              <a:t>): </a:t>
+            </a:r>
+            <a:r>
+              <a:rPr lang="ru-RU" b="0" i="0" dirty="0" err="1">
+                <a:solidFill>
+                  <a:srgbClr val="EDEEF0"/>
+                </a:solidFill>
+                <a:effectLst/>
+                <a:latin typeface="Inter"/>
+              </a:rPr>
+              <a:t>Позвляет</a:t>
+            </a:r>
+            <a:r>
+              <a:rPr lang="ru-RU" b="0" i="0" dirty="0">
+                <a:solidFill>
+                  <a:srgbClr val="EDEEF0"/>
+                </a:solidFill>
+                <a:effectLst/>
+                <a:latin typeface="Inter"/>
+              </a:rPr>
+              <a:t> указать, как долго поток будет ожидать. Если время ожидания истекает поток выходит из состояния ожидания.</a:t>
+            </a:r>
+          </a:p>
+          <a:p>
+            <a:pPr algn="l"/>
+            <a:endParaRPr lang="ru-RU" b="0" i="0" dirty="0">
+              <a:solidFill>
+                <a:srgbClr val="EDEEF0"/>
+              </a:solidFill>
+              <a:effectLst/>
+              <a:latin typeface="Inter"/>
+            </a:endParaRPr>
+          </a:p>
+          <a:p>
+            <a:pPr algn="l"/>
+            <a:endParaRPr lang="ru-RU" b="0" i="0" dirty="0">
+              <a:solidFill>
+                <a:srgbClr val="EDEEF0"/>
+              </a:solidFill>
+              <a:effectLst/>
+              <a:latin typeface="Inter"/>
+            </a:endParaRPr>
+          </a:p>
+          <a:p>
+            <a:pPr algn="l"/>
+            <a:endParaRPr lang="ru-RU" b="0" i="0" dirty="0">
+              <a:solidFill>
+                <a:srgbClr val="000000"/>
+              </a:solidFill>
+              <a:effectLst/>
+              <a:latin typeface="Verdana" panose="020B0604030504040204" pitchFamily="34" charset="0"/>
+            </a:endParaRPr>
+          </a:p>
+          <a:p>
+            <a:pPr algn="l"/>
+            <a:r>
+              <a:rPr lang="ru-RU" b="0" i="0" dirty="0">
+                <a:solidFill>
+                  <a:srgbClr val="000000"/>
+                </a:solidFill>
+                <a:effectLst/>
+                <a:latin typeface="Verdana" panose="020B0604030504040204" pitchFamily="34" charset="0"/>
+              </a:rPr>
+              <a:t>Интерфейсное условие </a:t>
+            </a:r>
+            <a:r>
+              <a:rPr lang="en-US" b="1" i="0" dirty="0">
+                <a:solidFill>
+                  <a:srgbClr val="2945A3"/>
+                </a:solidFill>
+                <a:effectLst/>
+                <a:latin typeface="Verdana" panose="020B0604030504040204" pitchFamily="34" charset="0"/>
+              </a:rPr>
+              <a:t>Condition</a:t>
+            </a:r>
+            <a:r>
+              <a:rPr lang="en-US" b="0" i="0" dirty="0">
+                <a:solidFill>
+                  <a:srgbClr val="000000"/>
+                </a:solidFill>
+                <a:effectLst/>
+                <a:latin typeface="Verdana" panose="020B0604030504040204" pitchFamily="34" charset="0"/>
+              </a:rPr>
+              <a:t> </a:t>
+            </a:r>
+            <a:r>
+              <a:rPr lang="ru-RU" b="0" i="0" dirty="0">
+                <a:solidFill>
+                  <a:srgbClr val="000000"/>
+                </a:solidFill>
+                <a:effectLst/>
+                <a:latin typeface="Verdana" panose="020B0604030504040204" pitchFamily="34" charset="0"/>
+              </a:rPr>
+              <a:t>в сочетании с блокировкой </a:t>
+            </a:r>
+            <a:r>
+              <a:rPr lang="en-US" b="0" i="1" dirty="0">
+                <a:solidFill>
+                  <a:srgbClr val="000000"/>
+                </a:solidFill>
+                <a:effectLst/>
+                <a:latin typeface="Verdana" panose="020B0604030504040204" pitchFamily="34" charset="0"/>
+              </a:rPr>
+              <a:t>Lock</a:t>
+            </a:r>
+            <a:r>
+              <a:rPr lang="en-US" b="0" i="0" dirty="0">
+                <a:solidFill>
+                  <a:srgbClr val="000000"/>
+                </a:solidFill>
+                <a:effectLst/>
+                <a:latin typeface="Verdana" panose="020B0604030504040204" pitchFamily="34" charset="0"/>
+              </a:rPr>
+              <a:t> </a:t>
+            </a:r>
+            <a:r>
+              <a:rPr lang="ru-RU" b="0" i="0" dirty="0">
+                <a:solidFill>
+                  <a:srgbClr val="000000"/>
+                </a:solidFill>
+                <a:effectLst/>
+                <a:latin typeface="Verdana" panose="020B0604030504040204" pitchFamily="34" charset="0"/>
+              </a:rPr>
+              <a:t>позволяет заменить методы монитора/мьютекса (</a:t>
+            </a:r>
+            <a:r>
+              <a:rPr lang="en-US" b="0" i="0" dirty="0">
+                <a:solidFill>
+                  <a:srgbClr val="000000"/>
+                </a:solidFill>
+                <a:effectLst/>
+                <a:latin typeface="Verdana" panose="020B0604030504040204" pitchFamily="34" charset="0"/>
+              </a:rPr>
+              <a:t>wait, notify </a:t>
+            </a:r>
+            <a:r>
+              <a:rPr lang="ru-RU" b="0" i="0" dirty="0">
+                <a:solidFill>
+                  <a:srgbClr val="000000"/>
+                </a:solidFill>
+                <a:effectLst/>
+                <a:latin typeface="Verdana" panose="020B0604030504040204" pitchFamily="34" charset="0"/>
+              </a:rPr>
+              <a:t>и </a:t>
+            </a:r>
+            <a:r>
+              <a:rPr lang="en-US" b="0" i="0" dirty="0" err="1">
+                <a:solidFill>
+                  <a:srgbClr val="000000"/>
+                </a:solidFill>
+                <a:effectLst/>
+                <a:latin typeface="Verdana" panose="020B0604030504040204" pitchFamily="34" charset="0"/>
+              </a:rPr>
+              <a:t>notifyAll</a:t>
+            </a:r>
+            <a:r>
+              <a:rPr lang="en-US" b="0" i="0" dirty="0">
+                <a:solidFill>
+                  <a:srgbClr val="000000"/>
+                </a:solidFill>
+                <a:effectLst/>
+                <a:latin typeface="Verdana" panose="020B0604030504040204" pitchFamily="34" charset="0"/>
+              </a:rPr>
+              <a:t>) </a:t>
+            </a:r>
+            <a:r>
+              <a:rPr lang="ru-RU" b="0" i="0" dirty="0">
+                <a:solidFill>
+                  <a:srgbClr val="000000"/>
+                </a:solidFill>
+                <a:effectLst/>
+                <a:latin typeface="Verdana" panose="020B0604030504040204" pitchFamily="34" charset="0"/>
+              </a:rPr>
+              <a:t>объектом, управляющим ожиданием событий. Блокировка </a:t>
+            </a:r>
+            <a:r>
+              <a:rPr lang="en-US" b="0" i="0" dirty="0">
+                <a:solidFill>
+                  <a:srgbClr val="000000"/>
+                </a:solidFill>
+                <a:effectLst/>
+                <a:latin typeface="Verdana" panose="020B0604030504040204" pitchFamily="34" charset="0"/>
+              </a:rPr>
+              <a:t>Lock </a:t>
+            </a:r>
+            <a:r>
+              <a:rPr lang="ru-RU" b="0" i="0" dirty="0">
+                <a:solidFill>
+                  <a:srgbClr val="000000"/>
+                </a:solidFill>
+                <a:effectLst/>
+                <a:latin typeface="Verdana" panose="020B0604030504040204" pitchFamily="34" charset="0"/>
+              </a:rPr>
+              <a:t>заменяет использование </a:t>
+            </a:r>
+            <a:r>
+              <a:rPr lang="en-US" b="0" i="0" dirty="0">
+                <a:solidFill>
+                  <a:srgbClr val="000000"/>
+                </a:solidFill>
+                <a:effectLst/>
+                <a:latin typeface="Verdana" panose="020B0604030504040204" pitchFamily="34" charset="0"/>
+              </a:rPr>
+              <a:t>synchronized, </a:t>
+            </a:r>
+            <a:r>
+              <a:rPr lang="ru-RU" b="0" i="0" dirty="0">
+                <a:solidFill>
+                  <a:srgbClr val="000000"/>
+                </a:solidFill>
+                <a:effectLst/>
+                <a:latin typeface="Verdana" panose="020B0604030504040204" pitchFamily="34" charset="0"/>
+              </a:rPr>
+              <a:t>а </a:t>
+            </a:r>
+            <a:r>
+              <a:rPr lang="en-US" b="0" i="0" dirty="0">
+                <a:solidFill>
+                  <a:srgbClr val="000000"/>
+                </a:solidFill>
+                <a:effectLst/>
+                <a:latin typeface="Verdana" panose="020B0604030504040204" pitchFamily="34" charset="0"/>
+              </a:rPr>
+              <a:t>Condition — </a:t>
+            </a:r>
+            <a:r>
+              <a:rPr lang="ru-RU" b="0" i="0" dirty="0">
+                <a:solidFill>
+                  <a:srgbClr val="000000"/>
+                </a:solidFill>
+                <a:effectLst/>
+                <a:latin typeface="Verdana" panose="020B0604030504040204" pitchFamily="34" charset="0"/>
+              </a:rPr>
+              <a:t>объектные методы монитора.</a:t>
+            </a:r>
+            <a:endParaRPr lang="en-US" b="1" i="0" dirty="0">
+              <a:solidFill>
+                <a:srgbClr val="F8FAFF"/>
+              </a:solidFill>
+              <a:effectLst/>
+              <a:latin typeface="DeepSeek-CJK-patch"/>
+            </a:endParaRPr>
+          </a:p>
+          <a:p>
+            <a:pPr algn="l"/>
+            <a:endParaRPr lang="en-US" b="1" i="0" dirty="0">
+              <a:solidFill>
+                <a:srgbClr val="F8FAFF"/>
+              </a:solidFill>
+              <a:effectLst/>
+              <a:latin typeface="DeepSeek-CJK-patch"/>
+            </a:endParaRPr>
+          </a:p>
+          <a:p>
+            <a:pPr algn="l"/>
+            <a:endParaRPr lang="en-US" b="1" i="0" dirty="0">
+              <a:solidFill>
+                <a:srgbClr val="F8FAFF"/>
+              </a:solidFill>
+              <a:effectLst/>
+              <a:latin typeface="DeepSeek-CJK-patch"/>
+            </a:endParaRPr>
+          </a:p>
+          <a:p>
+            <a:pPr algn="l"/>
+            <a:r>
+              <a:rPr lang="ru-RU" b="1" i="0" dirty="0">
+                <a:solidFill>
+                  <a:srgbClr val="F8FAFF"/>
+                </a:solidFill>
+                <a:effectLst/>
+                <a:latin typeface="DeepSeek-CJK-patch"/>
+              </a:rPr>
+              <a:t>Производительность </a:t>
+            </a:r>
+            <a:r>
+              <a:rPr lang="ru-RU" b="1" i="0" dirty="0" err="1">
+                <a:solidFill>
+                  <a:srgbClr val="F8FAFF"/>
+                </a:solidFill>
+                <a:effectLst/>
+                <a:latin typeface="DeepSeek-CJK-patch"/>
+              </a:rPr>
+              <a:t>Condition</a:t>
+            </a:r>
+            <a:endParaRPr lang="ru-RU" b="0" i="0" dirty="0">
+              <a:solidFill>
+                <a:srgbClr val="F8FAFF"/>
+              </a:solidFill>
+              <a:effectLst/>
+              <a:latin typeface="DeepSeek-CJK-patch"/>
+            </a:endParaRPr>
+          </a:p>
+          <a:p>
+            <a:pPr algn="l">
+              <a:buFont typeface="+mj-lt"/>
+              <a:buAutoNum type="arabicPeriod"/>
+            </a:pPr>
+            <a:r>
+              <a:rPr lang="ru-RU" b="1" i="0" dirty="0">
+                <a:solidFill>
+                  <a:srgbClr val="F8FAFF"/>
+                </a:solidFill>
+                <a:effectLst/>
+                <a:latin typeface="DeepSeek-CJK-patch"/>
+              </a:rPr>
+              <a:t>По сравнению с </a:t>
+            </a:r>
+            <a:r>
+              <a:rPr lang="ru-RU" b="1" i="0" dirty="0" err="1">
+                <a:solidFill>
+                  <a:srgbClr val="F8FAFF"/>
+                </a:solidFill>
+                <a:effectLst/>
+                <a:latin typeface="DeepSeek-CJK-patch"/>
+              </a:rPr>
+              <a:t>wait</a:t>
+            </a:r>
+            <a:r>
+              <a:rPr lang="ru-RU" b="1" i="0" dirty="0">
+                <a:solidFill>
+                  <a:srgbClr val="F8FAFF"/>
+                </a:solidFill>
+                <a:effectLst/>
+                <a:latin typeface="DeepSeek-CJK-patch"/>
+              </a:rPr>
+              <a:t>()/</a:t>
+            </a:r>
+            <a:r>
+              <a:rPr lang="ru-RU" b="1" i="0" dirty="0" err="1">
+                <a:solidFill>
+                  <a:srgbClr val="F8FAFF"/>
+                </a:solidFill>
+                <a:effectLst/>
+                <a:latin typeface="DeepSeek-CJK-patch"/>
+              </a:rPr>
+              <a:t>notify</a:t>
+            </a:r>
+            <a:r>
+              <a:rPr lang="ru-RU" b="1" i="0" dirty="0">
+                <a:solidFill>
+                  <a:srgbClr val="F8FAFF"/>
+                </a:solidFill>
+                <a:effectLst/>
+                <a:latin typeface="DeepSeek-CJK-patch"/>
+              </a:rPr>
+              <a:t>()</a:t>
+            </a:r>
+            <a:r>
+              <a:rPr lang="ru-RU" b="0" i="0" dirty="0">
+                <a:solidFill>
+                  <a:srgbClr val="F8FAFF"/>
+                </a:solidFill>
+                <a:effectLst/>
+                <a:latin typeface="DeepSeek-CJK-patch"/>
+              </a:rPr>
+              <a:t>:</a:t>
+            </a:r>
+          </a:p>
+          <a:p>
             <a:pPr marL="742950" lvl="1" indent="-285750" algn="l">
-              <a:buFont typeface="Arial" panose="020B0604020202020204" pitchFamily="34" charset="0"/>
-              <a:buChar char="•"/>
+              <a:buFont typeface="+mj-lt"/>
+              <a:buAutoNum type="arabicPeriod"/>
             </a:pPr>
             <a:r>
               <a:rPr lang="ru-RU" b="0" i="0" dirty="0">
                 <a:solidFill>
-                  <a:srgbClr val="EDEEF0"/>
-                </a:solidFill>
-                <a:effectLst/>
-                <a:latin typeface="Inter"/>
-              </a:rPr>
-              <a:t>Может быть захвачена только одним потоком одновременно.</a:t>
+                  <a:srgbClr val="F8FAFF"/>
+                </a:solidFill>
+                <a:effectLst/>
+                <a:latin typeface="DeepSeek-CJK-patch"/>
+              </a:rPr>
+              <a:t>Сопоставимая базовая производительность</a:t>
             </a:r>
           </a:p>
           <a:p>
             <a:pPr marL="742950" lvl="1" indent="-285750" algn="l">
-              <a:buFont typeface="Arial" panose="020B0604020202020204" pitchFamily="34" charset="0"/>
-              <a:buChar char="•"/>
+              <a:buFont typeface="+mj-lt"/>
+              <a:buAutoNum type="arabicPeriod"/>
             </a:pPr>
             <a:r>
               <a:rPr lang="ru-RU" b="0" i="0" dirty="0">
                 <a:solidFill>
-                  <a:srgbClr val="EDEEF0"/>
-                </a:solidFill>
-                <a:effectLst/>
-                <a:latin typeface="Inter"/>
-              </a:rPr>
-              <a:t>Если блокировка для чтения или записи захвачена, потоки, пытающиеся получить блокировку для записи, будут ждать.</a:t>
-            </a:r>
-          </a:p>
-          <a:p>
-            <a:endParaRPr lang="ru-RU" dirty="0"/>
+                  <a:srgbClr val="F8FAFF"/>
+                </a:solidFill>
+                <a:effectLst/>
+                <a:latin typeface="DeepSeek-CJK-patch"/>
+              </a:rPr>
+              <a:t>Лучшая масштабируемость за счет множественных условий</a:t>
+            </a:r>
+          </a:p>
+          <a:p>
+            <a:pPr algn="l">
+              <a:buFont typeface="+mj-lt"/>
+              <a:buAutoNum type="arabicPeriod"/>
+            </a:pPr>
+            <a:r>
+              <a:rPr lang="ru-RU" b="1" i="0" dirty="0">
+                <a:solidFill>
+                  <a:srgbClr val="F8FAFF"/>
+                </a:solidFill>
+                <a:effectLst/>
+                <a:latin typeface="DeepSeek-CJK-patch"/>
+              </a:rPr>
+              <a:t>Оптимизации в </a:t>
+            </a:r>
+            <a:r>
+              <a:rPr lang="ru-RU" b="1" i="0" dirty="0" err="1">
+                <a:solidFill>
+                  <a:srgbClr val="F8FAFF"/>
+                </a:solidFill>
+                <a:effectLst/>
+                <a:latin typeface="DeepSeek-CJK-patch"/>
+              </a:rPr>
+              <a:t>HotSpot</a:t>
+            </a:r>
+            <a:r>
+              <a:rPr lang="ru-RU" b="0" i="0" dirty="0">
+                <a:solidFill>
+                  <a:srgbClr val="F8FAFF"/>
+                </a:solidFill>
+                <a:effectLst/>
+                <a:latin typeface="DeepSeek-CJK-patch"/>
+              </a:rPr>
+              <a:t>:</a:t>
+            </a:r>
+          </a:p>
+          <a:p>
+            <a:pPr marL="742950" lvl="1" indent="-285750" algn="l">
+              <a:buFont typeface="+mj-lt"/>
+              <a:buAutoNum type="arabicPeriod"/>
+            </a:pPr>
+            <a:r>
+              <a:rPr lang="ru-RU" b="0" i="0" dirty="0">
+                <a:solidFill>
+                  <a:srgbClr val="F8FAFF"/>
+                </a:solidFill>
+                <a:effectLst/>
+                <a:latin typeface="DeepSeek-CJK-patch"/>
+              </a:rPr>
+              <a:t>Внутренние механизмы аналогичны мониторам</a:t>
+            </a:r>
+          </a:p>
+          <a:p>
+            <a:pPr marL="742950" lvl="1" indent="-285750" algn="l">
+              <a:buFont typeface="+mj-lt"/>
+              <a:buAutoNum type="arabicPeriod"/>
+            </a:pPr>
+            <a:r>
+              <a:rPr lang="ru-RU" b="0" i="0" dirty="0">
+                <a:solidFill>
+                  <a:srgbClr val="F8FAFF"/>
+                </a:solidFill>
+                <a:effectLst/>
+                <a:latin typeface="DeepSeek-CJK-patch"/>
+              </a:rPr>
+              <a:t>Нет существенных накладных расходов</a:t>
+            </a:r>
+          </a:p>
+          <a:p>
+            <a:pPr algn="l">
+              <a:buFont typeface="+mj-lt"/>
+              <a:buAutoNum type="arabicPeriod"/>
+            </a:pPr>
+            <a:r>
+              <a:rPr lang="ru-RU" b="1" i="0" dirty="0">
+                <a:solidFill>
+                  <a:srgbClr val="F8FAFF"/>
+                </a:solidFill>
+                <a:effectLst/>
+                <a:latin typeface="DeepSeek-CJK-patch"/>
+              </a:rPr>
+              <a:t>Влияние на производительность</a:t>
+            </a:r>
+            <a:r>
+              <a:rPr lang="ru-RU" b="0" i="0" dirty="0">
+                <a:solidFill>
+                  <a:srgbClr val="F8FAFF"/>
+                </a:solidFill>
+                <a:effectLst/>
+                <a:latin typeface="DeepSeek-CJK-patch"/>
+              </a:rPr>
+              <a:t>:</a:t>
+            </a:r>
+          </a:p>
+          <a:p>
+            <a:pPr marL="742950" lvl="1" indent="-285750" algn="l">
+              <a:buFont typeface="+mj-lt"/>
+              <a:buAutoNum type="arabicPeriod"/>
+            </a:pPr>
+            <a:r>
+              <a:rPr lang="ru-RU" b="0" i="0" dirty="0">
+                <a:solidFill>
+                  <a:srgbClr val="F8FAFF"/>
+                </a:solidFill>
+                <a:effectLst/>
+                <a:latin typeface="DeepSeek-CJK-patch"/>
+              </a:rPr>
+              <a:t>Множественные </a:t>
+            </a:r>
+            <a:r>
+              <a:rPr lang="ru-RU" b="0" i="0" dirty="0" err="1">
+                <a:solidFill>
+                  <a:srgbClr val="F8FAFF"/>
+                </a:solidFill>
+                <a:effectLst/>
+                <a:latin typeface="DeepSeek-CJK-patch"/>
+              </a:rPr>
+              <a:t>Condition</a:t>
+            </a:r>
+            <a:r>
+              <a:rPr lang="ru-RU" b="0" i="0" dirty="0">
+                <a:solidFill>
+                  <a:srgbClr val="F8FAFF"/>
+                </a:solidFill>
+                <a:effectLst/>
+                <a:latin typeface="DeepSeek-CJK-patch"/>
+              </a:rPr>
+              <a:t> не создают значительных издержек</a:t>
+            </a:r>
+          </a:p>
+          <a:p>
+            <a:pPr marL="742950" lvl="1" indent="-285750" algn="l">
+              <a:buFont typeface="+mj-lt"/>
+              <a:buAutoNum type="arabicPeriod"/>
+            </a:pPr>
+            <a:r>
+              <a:rPr lang="ru-RU" b="0" i="0" dirty="0">
+                <a:solidFill>
+                  <a:srgbClr val="F8FAFF"/>
+                </a:solidFill>
+                <a:effectLst/>
+                <a:latin typeface="DeepSeek-CJK-patch"/>
+              </a:rPr>
+              <a:t>Лучше использовать несколько </a:t>
+            </a:r>
+            <a:r>
+              <a:rPr lang="ru-RU" b="0" i="0" dirty="0" err="1">
+                <a:solidFill>
+                  <a:srgbClr val="F8FAFF"/>
+                </a:solidFill>
+                <a:effectLst/>
+                <a:latin typeface="DeepSeek-CJK-patch"/>
+              </a:rPr>
+              <a:t>Condition</a:t>
+            </a:r>
+            <a:r>
+              <a:rPr lang="ru-RU" b="0" i="0" dirty="0">
+                <a:solidFill>
+                  <a:srgbClr val="F8FAFF"/>
+                </a:solidFill>
+                <a:effectLst/>
+                <a:latin typeface="DeepSeek-CJK-patch"/>
+              </a:rPr>
+              <a:t>, чем сложную логику с одним</a:t>
+            </a:r>
+          </a:p>
+          <a:p>
+            <a:pPr algn="l"/>
+            <a:r>
+              <a:rPr lang="ru-RU" b="0" i="0" dirty="0" err="1">
+                <a:solidFill>
+                  <a:srgbClr val="F8FAFF"/>
+                </a:solidFill>
+                <a:effectLst/>
+                <a:latin typeface="DeepSeek-CJK-patch"/>
+              </a:rPr>
+              <a:t>Condition</a:t>
+            </a:r>
+            <a:r>
+              <a:rPr lang="ru-RU" b="0" i="0" dirty="0">
+                <a:solidFill>
+                  <a:srgbClr val="F8FAFF"/>
+                </a:solidFill>
+                <a:effectLst/>
+                <a:latin typeface="DeepSeek-CJK-patch"/>
+              </a:rPr>
+              <a:t> предоставляет мощный и гибкий механизм координации потоков, который особенно полезен в сложных сценариях синхронизации, где базовых методов </a:t>
+            </a:r>
+            <a:r>
+              <a:rPr lang="ru-RU" b="0" i="0" dirty="0" err="1">
+                <a:solidFill>
+                  <a:srgbClr val="F8FAFF"/>
+                </a:solidFill>
+                <a:effectLst/>
+                <a:latin typeface="DeepSeek-CJK-patch"/>
+              </a:rPr>
+              <a:t>Object.wait</a:t>
+            </a:r>
+            <a:r>
+              <a:rPr lang="ru-RU" b="0" i="0" dirty="0">
+                <a:solidFill>
+                  <a:srgbClr val="F8FAFF"/>
+                </a:solidFill>
+                <a:effectLst/>
+                <a:latin typeface="DeepSeek-CJK-patch"/>
+              </a:rPr>
+              <a:t>()/</a:t>
+            </a:r>
+            <a:r>
+              <a:rPr lang="ru-RU" b="0" i="0" dirty="0" err="1">
+                <a:solidFill>
+                  <a:srgbClr val="F8FAFF"/>
+                </a:solidFill>
+                <a:effectLst/>
+                <a:latin typeface="DeepSeek-CJK-patch"/>
+              </a:rPr>
+              <a:t>notify</a:t>
+            </a:r>
+            <a:r>
+              <a:rPr lang="ru-RU" b="0" i="0" dirty="0">
+                <a:solidFill>
+                  <a:srgbClr val="F8FAFF"/>
+                </a:solidFill>
+                <a:effectLst/>
+                <a:latin typeface="DeepSeek-CJK-patch"/>
+              </a:rPr>
+              <a:t>() недостаточно.</a:t>
+            </a:r>
           </a:p>
         </p:txBody>
       </p:sp>
@@ -13312,7 +14747,7 @@
     </p:spTree>
     <p:extLst>
       <p:ext uri="{BB962C8B-B14F-4D97-AF65-F5344CB8AC3E}">
-        <p14:creationId xmlns:p14="http://schemas.microsoft.com/office/powerpoint/2010/main" val="1706260950"/>
+        <p14:creationId xmlns:p14="http://schemas.microsoft.com/office/powerpoint/2010/main" val="2718440398"/>
       </p:ext>
     </p:extLst>
   </p:cSld>
@@ -13368,10 +14803,6 @@
           <a:p>
             <a:pPr algn="l"/>
             <a:r>
-              <a:rPr lang="ru-RU" dirty="0" err="1"/>
-              <a:t>Condition</a:t>
-            </a:r>
-            <a:r>
               <a:rPr lang="ru-RU" b="0" i="0" dirty="0">
                 <a:solidFill>
                   <a:srgbClr val="EDEEF0"/>
@@ -13379,33 +14810,17 @@
                 <a:effectLst/>
                 <a:latin typeface="Inter"/>
               </a:rPr>
-              <a:t> — это интерфейс, который предоставляет механизм, аналогичный методам </a:t>
-            </a:r>
-            <a:r>
-              <a:rPr lang="ru-RU" dirty="0" err="1"/>
-              <a:t>Object.wait</a:t>
-            </a:r>
-            <a:r>
-              <a:rPr lang="ru-RU" dirty="0"/>
-              <a:t>()</a:t>
-            </a:r>
-            <a:r>
-              <a:rPr lang="ru-RU" b="0" i="0" dirty="0">
+              <a:t>Подробный разбор </a:t>
+            </a:r>
+            <a:r>
+              <a:rPr lang="ru-RU" b="0" i="0" dirty="0" err="1">
                 <a:solidFill>
                   <a:srgbClr val="EDEEF0"/>
                 </a:solidFill>
                 <a:effectLst/>
                 <a:latin typeface="Inter"/>
               </a:rPr>
-              <a:t>, </a:t>
-            </a:r>
-            <a:r>
-              <a:rPr lang="ru-RU" dirty="0" err="1"/>
-              <a:t>Object.notify</a:t>
-            </a:r>
-            <a:r>
-              <a:rPr lang="ru-RU" dirty="0"/>
-              <a:t>()</a:t>
+              <a:t>ReentrantReadWriteLock</a:t>
             </a:r>
             <a:r>
               <a:rPr lang="ru-RU" b="0" i="0" dirty="0">
@@ -13415,67 +14830,7 @@
                 <a:effectLst/>
                 <a:latin typeface="Inter"/>
               </a:rPr>
-              <a:t> и </a:t>
-            </a:r>
-            <a:r>
-              <a:rPr lang="ru-RU" dirty="0" err="1"/>
-              <a:t>Object.notifyAll</a:t>
-            </a:r>
-            <a:r>
-              <a:rPr lang="ru-RU" dirty="0"/>
-              <a:t>()</a:t>
-            </a:r>
-            <a:r>
-              <a:rPr lang="ru-RU" b="0" i="0" dirty="0">
-                <a:solidFill>
-                  <a:srgbClr val="EDEEF0"/>
-                </a:solidFill>
-                <a:effectLst/>
-                <a:latin typeface="Inter"/>
-              </a:rPr>
-              <a:t>, но с более гибкими возможностями управления потоками. Основное отличие </a:t>
-            </a:r>
-            <a:r>
-              <a:rPr lang="ru-RU" dirty="0" err="1"/>
-              <a:t>Condition</a:t>
-            </a:r>
-            <a:r>
-              <a:rPr lang="ru-RU" b="0" i="0" dirty="0">
-                <a:solidFill>
-                  <a:srgbClr val="EDEEF0"/>
-                </a:solidFill>
-                <a:effectLst/>
-                <a:latin typeface="Inter"/>
-              </a:rPr>
-              <a:t> в том, что он работает в сочетании с </a:t>
-            </a:r>
-            <a:r>
-              <a:rPr lang="ru-RU" dirty="0"/>
-              <a:t>Lock</a:t>
-            </a:r>
-            <a:r>
-              <a:rPr lang="ru-RU" b="0" i="0" dirty="0">
-                <a:solidFill>
-                  <a:srgbClr val="EDEEF0"/>
-                </a:solidFill>
-                <a:effectLst/>
-                <a:latin typeface="Inter"/>
-              </a:rPr>
-              <a:t>, а не с </a:t>
-            </a:r>
-            <a:r>
-              <a:rPr lang="ru-RU" dirty="0" err="1"/>
-              <a:t>synchronized</a:t>
-            </a:r>
-            <a:r>
-              <a:rPr lang="ru-RU" b="0" i="0" dirty="0">
-                <a:solidFill>
-                  <a:srgbClr val="EDEEF0"/>
-                </a:solidFill>
-                <a:effectLst/>
-                <a:latin typeface="Inter"/>
-              </a:rPr>
-              <a:t> блоками.</a:t>
+              <a:t> в Java</a:t>
             </a:r>
           </a:p>
           <a:p>
@@ -13491,6 +14846,62 @@
           <a:p>
             <a:pPr algn="l"/>
             <a:r>
+              <a:rPr lang="ru-RU" b="0" i="0" dirty="0" err="1">
+                <a:solidFill>
+                  <a:srgbClr val="EDEEF0"/>
+                </a:solidFill>
+                <a:effectLst/>
+                <a:latin typeface="Inter"/>
+              </a:rPr>
+              <a:t>ReentrantReadWriteLock</a:t>
+            </a:r>
+            <a:r>
+              <a:rPr lang="ru-RU" b="0" i="0" dirty="0">
+                <a:solidFill>
+                  <a:srgbClr val="EDEEF0"/>
+                </a:solidFill>
+                <a:effectLst/>
+                <a:latin typeface="Inter"/>
+              </a:rPr>
+              <a:t> — это реализация интерфейса </a:t>
+            </a:r>
+            <a:r>
+              <a:rPr lang="ru-RU" b="0" i="0" dirty="0" err="1">
+                <a:solidFill>
+                  <a:srgbClr val="EDEEF0"/>
+                </a:solidFill>
+                <a:effectLst/>
+                <a:latin typeface="Inter"/>
+              </a:rPr>
+              <a:t>ReadWriteLock</a:t>
+            </a:r>
+            <a:r>
+              <a:rPr lang="ru-RU" b="0" i="0" dirty="0">
+                <a:solidFill>
+                  <a:srgbClr val="EDEEF0"/>
+                </a:solidFill>
+                <a:effectLst/>
+                <a:latin typeface="Inter"/>
+              </a:rPr>
+              <a:t>, которая предоставляет раздельные блокировки для чтения и записи. Это позволяет повысить производительность в сценариях, где операции чтения происходят чаще, чем операции записи.</a:t>
+            </a:r>
+          </a:p>
+          <a:p>
+            <a:endParaRPr lang="ru-RU" dirty="0"/>
+          </a:p>
+          <a:p>
+            <a:pPr algn="l"/>
+            <a:r>
+              <a:rPr lang="ru-RU" b="1" i="0" dirty="0" err="1">
+                <a:solidFill>
+                  <a:srgbClr val="EDEEF0"/>
+                </a:solidFill>
+                <a:effectLst/>
+                <a:latin typeface="Inter"/>
+              </a:rPr>
+              <a:t>ReadWriteLock</a:t>
+            </a:r>
+            <a:r>
               <a:rPr lang="ru-RU" b="1" i="0" dirty="0">
                 <a:solidFill>
                   <a:srgbClr val="EDEEF0"/>
@@ -13498,7 +14909,40 @@
                 <a:effectLst/>
                 <a:latin typeface="Inter"/>
               </a:rPr>
-              <a:t>Основные методы:</a:t>
+              <a:t>:</a:t>
+            </a:r>
+          </a:p>
+          <a:p>
+            <a:pPr algn="l"/>
+            <a:r>
+              <a:rPr lang="ru-RU" b="0" i="0" dirty="0">
+                <a:solidFill>
+                  <a:srgbClr val="EDEEF0"/>
+                </a:solidFill>
+                <a:effectLst/>
+                <a:latin typeface="Inter"/>
+              </a:rPr>
+              <a:t>Интерфейс </a:t>
+            </a:r>
+            <a:r>
+              <a:rPr lang="ru-RU" b="0" i="0" dirty="0" err="1">
+                <a:solidFill>
+                  <a:srgbClr val="EDEEF0"/>
+                </a:solidFill>
+                <a:effectLst/>
+                <a:latin typeface="Inter"/>
+              </a:rPr>
+              <a:t>ReadWriteLock</a:t>
+            </a:r>
+            <a:r>
+              <a:rPr lang="ru-RU" b="0" i="0" dirty="0">
+                <a:solidFill>
+                  <a:srgbClr val="EDEEF0"/>
+                </a:solidFill>
+                <a:effectLst/>
+                <a:latin typeface="Inter"/>
+              </a:rPr>
+              <a:t> предоставляет две блокировки:</a:t>
             </a:r>
           </a:p>
           <a:p>
@@ -13514,7 +14958,7 @@
                 <a:effectLst/>
                 <a:latin typeface="Inter"/>
               </a:rPr>
-              <a:t>await</a:t>
+              <a:t>Read</a:t>
             </a:r>
             <a:r>
               <a:rPr lang="ru-RU" b="1" i="0" dirty="0">
@@ -13524,64 +14968,8 @@
                 <a:effectLst/>
                 <a:latin typeface="Inter"/>
               </a:rPr>
-              <a:t>()</a:t>
-            </a:r>
-            <a:r>
-              <a:rPr lang="ru-RU" b="0" i="0" dirty="0">
-                <a:solidFill>
-                  <a:srgbClr val="EDEEF0"/>
-                </a:solidFill>
-                <a:effectLst/>
-                <a:latin typeface="Inter"/>
-              </a:rPr>
-              <a:t>: Переводит текущий поток в состояние ожидания. Потоки могут быть приостановлены в ожидании какого-то условия. Ожидают сигнала, вызванного методом </a:t>
-            </a:r>
-            <a:r>
-              <a:rPr lang="ru-RU" b="0" i="0" dirty="0" err="1">
-                <a:solidFill>
-                  <a:srgbClr val="EDEEF0"/>
-                </a:solidFill>
-                <a:effectLst/>
-                <a:latin typeface="Inter"/>
-              </a:rPr>
-              <a:t>signal</a:t>
-            </a:r>
-            <a:r>
-              <a:rPr lang="ru-RU" b="0" i="0" dirty="0">
-                <a:solidFill>
-                  <a:srgbClr val="EDEEF0"/>
-                </a:solidFill>
-                <a:effectLst/>
-                <a:latin typeface="Inter"/>
-              </a:rPr>
-              <a:t>() или </a:t>
-            </a:r>
-            <a:r>
-              <a:rPr lang="ru-RU" b="0" i="0" dirty="0" err="1">
-                <a:solidFill>
-                  <a:srgbClr val="EDEEF0"/>
-                </a:solidFill>
-                <a:effectLst/>
-                <a:latin typeface="Inter"/>
-              </a:rPr>
-              <a:t>signalAll</a:t>
-            </a:r>
-            <a:r>
-              <a:rPr lang="ru-RU" b="0" i="0" dirty="0">
-                <a:solidFill>
-                  <a:srgbClr val="EDEEF0"/>
-                </a:solidFill>
-                <a:effectLst/>
-                <a:latin typeface="Inter"/>
-              </a:rPr>
-              <a:t>().</a:t>
-            </a:r>
-          </a:p>
-          <a:p>
-            <a:pPr algn="l">
-              <a:buFont typeface="Arial" panose="020B0604020202020204" pitchFamily="34" charset="0"/>
-              <a:buChar char="•"/>
-            </a:pPr>
+              <a:t> Lock (блокировка для чтения):</a:t>
+            </a:r>
             <a:endParaRPr lang="ru-RU" b="0" i="0" dirty="0">
               <a:solidFill>
                 <a:srgbClr val="EDEEF0"/>
@@ -13591,6 +14979,38 @@
             </a:endParaRPr>
           </a:p>
           <a:p>
+            <a:pPr marL="742950" lvl="1" indent="-285750" algn="l">
+              <a:buFont typeface="Arial" panose="020B0604020202020204" pitchFamily="34" charset="0"/>
+              <a:buChar char="•"/>
+            </a:pPr>
+            <a:r>
+              <a:rPr lang="ru-RU" b="0" i="0" dirty="0">
+                <a:solidFill>
+                  <a:srgbClr val="EDEEF0"/>
+                </a:solidFill>
+                <a:effectLst/>
+                <a:latin typeface="Inter"/>
+              </a:rPr>
+              <a:t>Может быть захвачена несколькими потоками одновременно, если не захвачена блокировка для записи.</a:t>
+            </a:r>
+          </a:p>
+          <a:p>
+            <a:pPr marL="742950" lvl="1" indent="-285750" algn="l">
+              <a:buFont typeface="Arial" panose="020B0604020202020204" pitchFamily="34" charset="0"/>
+              <a:buChar char="•"/>
+            </a:pPr>
+            <a:r>
+              <a:rPr lang="ru-RU" b="0" i="0" dirty="0">
+                <a:solidFill>
+                  <a:srgbClr val="EDEEF0"/>
+                </a:solidFill>
+                <a:effectLst/>
+                <a:latin typeface="Inter"/>
+              </a:rPr>
+              <a:t>Если блокировка для записи захвачена, потоки, пытающиеся получить блокировку для чтения, будут ждать.</a:t>
+            </a:r>
+          </a:p>
+          <a:p>
             <a:pPr algn="l">
               <a:buFont typeface="Arial" panose="020B0604020202020204" pitchFamily="34" charset="0"/>
               <a:buChar char="•"/>
@@ -13603,7 +15023,7 @@
                 <a:effectLst/>
                 <a:latin typeface="Inter"/>
               </a:rPr>
-              <a:t>signal</a:t>
+              <a:t>Write</a:t>
             </a:r>
             <a:r>
               <a:rPr lang="ru-RU" b="1" i="0" dirty="0">
@@ -13613,44 +15033,8 @@
                 <a:effectLst/>
                 <a:latin typeface="Inter"/>
               </a:rPr>
-              <a:t>()</a:t>
-            </a:r>
-            <a:r>
-              <a:rPr lang="ru-RU" b="0" i="0" dirty="0">
-                <a:solidFill>
-                  <a:srgbClr val="EDEEF0"/>
-                </a:solidFill>
-                <a:effectLst/>
-                <a:latin typeface="Inter"/>
-              </a:rPr>
-              <a:t>: Будит один поток, который ожидал выполнения условия. Аналогично </a:t>
-            </a:r>
-            <a:r>
-              <a:rPr lang="ru-RU" b="0" i="0" dirty="0" err="1">
-                <a:solidFill>
-                  <a:srgbClr val="EDEEF0"/>
-                </a:solidFill>
-                <a:effectLst/>
-                <a:latin typeface="Inter"/>
-              </a:rPr>
-              <a:t>Object.notify</a:t>
-            </a:r>
-            <a:r>
-              <a:rPr lang="ru-RU" b="0" i="0" dirty="0">
-                <a:solidFill>
-                  <a:srgbClr val="EDEEF0"/>
-                </a:solidFill>
-                <a:effectLst/>
-                <a:latin typeface="Inter"/>
-              </a:rPr>
-              <a:t>().</a:t>
-            </a:r>
-          </a:p>
-          <a:p>
-            <a:pPr algn="l">
-              <a:buFont typeface="Arial" panose="020B0604020202020204" pitchFamily="34" charset="0"/>
-              <a:buChar char="•"/>
-            </a:pPr>
+              <a:t> Lock (блокировка для записи):</a:t>
+            </a:r>
             <a:endParaRPr lang="ru-RU" b="0" i="0" dirty="0">
               <a:solidFill>
                 <a:srgbClr val="EDEEF0"/>
@@ -13660,989 +15044,39 @@
             </a:endParaRPr>
           </a:p>
           <a:p>
-            <a:pPr algn="l">
+            <a:pPr marL="742950" lvl="1" indent="-285750" algn="l">
               <a:buFont typeface="Arial" panose="020B0604020202020204" pitchFamily="34" charset="0"/>
               <a:buChar char="•"/>
             </a:pPr>
             <a:r>
-              <a:rPr lang="ru-RU" b="1" i="0" dirty="0" err="1">
+              <a:rPr lang="ru-RU" b="0" i="0" dirty="0">
                 <a:solidFill>
                   <a:srgbClr val="EDEEF0"/>
                 </a:solidFill>
                 <a:effectLst/>
                 <a:latin typeface="Inter"/>
               </a:rPr>
-              <a:t>signalAll</a:t>
-            </a:r>
-            <a:r>
-              <a:rPr lang="ru-RU" b="1" i="0" dirty="0">
+              <a:t>Может быть захвачена только одним потоком одновременно.</a:t>
+            </a:r>
+          </a:p>
+          <a:p>
+            <a:pPr marL="742950" lvl="1" indent="-285750" algn="l">
+              <a:buFont typeface="Arial" panose="020B0604020202020204" pitchFamily="34" charset="0"/>
+              <a:buChar char="•"/>
+            </a:pPr>
+            <a:r>
+              <a:rPr lang="ru-RU" b="0" i="0" dirty="0">
                 <a:solidFill>
                   <a:srgbClr val="EDEEF0"/>
                 </a:solidFill>
                 <a:effectLst/>
                 <a:latin typeface="Inter"/>
               </a:rPr>
-              <a:t>()</a:t>
-            </a:r>
-            <a:r>
-              <a:rPr lang="ru-RU" b="0" i="0" dirty="0">
-                <a:solidFill>
-                  <a:srgbClr val="EDEEF0"/>
-                </a:solidFill>
-                <a:effectLst/>
-                <a:latin typeface="Inter"/>
-              </a:rPr>
-              <a:t>: Пробуждает все потоки, которые находятся в ожидании выполнения условия. Аналогично </a:t>
-            </a:r>
-            <a:r>
-              <a:rPr lang="ru-RU" b="0" i="0" dirty="0" err="1">
-                <a:solidFill>
-                  <a:srgbClr val="EDEEF0"/>
-                </a:solidFill>
-                <a:effectLst/>
-                <a:latin typeface="Inter"/>
-              </a:rPr>
-              <a:t>Object.notifyAll</a:t>
-            </a:r>
-            <a:r>
-              <a:rPr lang="ru-RU" b="0" i="0" dirty="0">
-                <a:solidFill>
-                  <a:srgbClr val="EDEEF0"/>
-                </a:solidFill>
-                <a:effectLst/>
-                <a:latin typeface="Inter"/>
-              </a:rPr>
-              <a:t>().</a:t>
-            </a:r>
-          </a:p>
-          <a:p>
-            <a:pPr algn="l">
-              <a:buFont typeface="Arial" panose="020B0604020202020204" pitchFamily="34" charset="0"/>
-              <a:buChar char="•"/>
-            </a:pPr>
-            <a:r>
-              <a:rPr lang="ru-RU" b="0" i="0" dirty="0">
-                <a:solidFill>
-                  <a:srgbClr val="EDEEF0"/>
-                </a:solidFill>
-                <a:effectLst/>
-                <a:latin typeface="Inter"/>
-              </a:rPr>
-              <a:t>**</a:t>
-            </a:r>
-            <a:r>
-              <a:rPr lang="ru-RU" b="0" i="0" dirty="0" err="1">
-                <a:solidFill>
-                  <a:srgbClr val="EDEEF0"/>
-                </a:solidFill>
-                <a:effectLst/>
-                <a:latin typeface="Inter"/>
-              </a:rPr>
-              <a:t>awaitUninterruptibly</a:t>
-            </a:r>
-            <a:r>
-              <a:rPr lang="ru-RU" b="0" i="0" dirty="0">
-                <a:solidFill>
-                  <a:srgbClr val="EDEEF0"/>
-                </a:solidFill>
-                <a:effectLst/>
-                <a:latin typeface="Inter"/>
-              </a:rPr>
-              <a:t>(): Версия метода </a:t>
-            </a:r>
-            <a:r>
-              <a:rPr lang="ru-RU" b="0" i="0" dirty="0" err="1">
-                <a:solidFill>
-                  <a:srgbClr val="EDEEF0"/>
-                </a:solidFill>
-                <a:effectLst/>
-                <a:latin typeface="Inter"/>
-              </a:rPr>
-              <a:t>await</a:t>
-            </a:r>
-            <a:r>
-              <a:rPr lang="ru-RU" b="0" i="0" dirty="0">
-                <a:solidFill>
-                  <a:srgbClr val="EDEEF0"/>
-                </a:solidFill>
-                <a:effectLst/>
-                <a:latin typeface="Inter"/>
-              </a:rPr>
-              <a:t>() не реагирующая на прерывания.</a:t>
-            </a:r>
-          </a:p>
-          <a:p>
-            <a:pPr algn="l">
-              <a:buFont typeface="Arial" panose="020B0604020202020204" pitchFamily="34" charset="0"/>
-              <a:buChar char="•"/>
-            </a:pPr>
-            <a:r>
-              <a:rPr lang="ru-RU" b="0" i="0" dirty="0">
-                <a:solidFill>
-                  <a:srgbClr val="EDEEF0"/>
-                </a:solidFill>
-                <a:effectLst/>
-                <a:latin typeface="Inter"/>
-              </a:rPr>
-              <a:t>**</a:t>
-            </a:r>
-            <a:r>
-              <a:rPr lang="ru-RU" b="0" i="0" dirty="0" err="1">
-                <a:solidFill>
-                  <a:srgbClr val="EDEEF0"/>
-                </a:solidFill>
-                <a:effectLst/>
-                <a:latin typeface="Inter"/>
-              </a:rPr>
-              <a:t>awaitNanos</a:t>
-            </a:r>
-            <a:r>
-              <a:rPr lang="ru-RU" b="0" i="0" dirty="0">
-                <a:solidFill>
-                  <a:srgbClr val="EDEEF0"/>
-                </a:solidFill>
-                <a:effectLst/>
-                <a:latin typeface="Inter"/>
-              </a:rPr>
-              <a:t>(</a:t>
-            </a:r>
-            <a:r>
-              <a:rPr lang="ru-RU" b="0" i="0" dirty="0" err="1">
-                <a:solidFill>
-                  <a:srgbClr val="EDEEF0"/>
-                </a:solidFill>
-                <a:effectLst/>
-                <a:latin typeface="Inter"/>
-              </a:rPr>
-              <a:t>long</a:t>
-            </a:r>
-            <a:r>
-              <a:rPr lang="ru-RU" b="0" i="0" dirty="0">
-                <a:solidFill>
-                  <a:srgbClr val="EDEEF0"/>
-                </a:solidFill>
-                <a:effectLst/>
-                <a:latin typeface="Inter"/>
-              </a:rPr>
-              <a:t> </a:t>
-            </a:r>
-            <a:r>
-              <a:rPr lang="ru-RU" b="0" i="0" dirty="0" err="1">
-                <a:solidFill>
-                  <a:srgbClr val="EDEEF0"/>
-                </a:solidFill>
-                <a:effectLst/>
-                <a:latin typeface="Inter"/>
-              </a:rPr>
-              <a:t>duration</a:t>
-            </a:r>
-            <a:r>
-              <a:rPr lang="ru-RU" b="0" i="0" dirty="0">
-                <a:solidFill>
-                  <a:srgbClr val="EDEEF0"/>
-                </a:solidFill>
-                <a:effectLst/>
-                <a:latin typeface="Inter"/>
-              </a:rPr>
-              <a:t>), </a:t>
-            </a:r>
-            <a:r>
-              <a:rPr lang="ru-RU" b="0" i="0" dirty="0" err="1">
-                <a:solidFill>
-                  <a:srgbClr val="EDEEF0"/>
-                </a:solidFill>
-                <a:effectLst/>
-                <a:latin typeface="Inter"/>
-              </a:rPr>
-              <a:t>await</a:t>
-            </a:r>
-            <a:r>
-              <a:rPr lang="ru-RU" b="0" i="0" dirty="0">
-                <a:solidFill>
-                  <a:srgbClr val="EDEEF0"/>
-                </a:solidFill>
-                <a:effectLst/>
-                <a:latin typeface="Inter"/>
-              </a:rPr>
-              <a:t>(</a:t>
-            </a:r>
-            <a:r>
-              <a:rPr lang="ru-RU" b="0" i="0" dirty="0" err="1">
-                <a:solidFill>
-                  <a:srgbClr val="EDEEF0"/>
-                </a:solidFill>
-                <a:effectLst/>
-                <a:latin typeface="Inter"/>
-              </a:rPr>
-              <a:t>long</a:t>
-            </a:r>
-            <a:r>
-              <a:rPr lang="ru-RU" b="0" i="0" dirty="0">
-                <a:solidFill>
-                  <a:srgbClr val="EDEEF0"/>
-                </a:solidFill>
-                <a:effectLst/>
-                <a:latin typeface="Inter"/>
-              </a:rPr>
-              <a:t> </a:t>
-            </a:r>
-            <a:r>
-              <a:rPr lang="ru-RU" b="0" i="0" dirty="0" err="1">
-                <a:solidFill>
-                  <a:srgbClr val="EDEEF0"/>
-                </a:solidFill>
-                <a:effectLst/>
-                <a:latin typeface="Inter"/>
-              </a:rPr>
-              <a:t>duration</a:t>
-            </a:r>
-            <a:r>
-              <a:rPr lang="ru-RU" b="0" i="0" dirty="0">
-                <a:solidFill>
-                  <a:srgbClr val="EDEEF0"/>
-                </a:solidFill>
-                <a:effectLst/>
-                <a:latin typeface="Inter"/>
-              </a:rPr>
-              <a:t>, </a:t>
-            </a:r>
-            <a:r>
-              <a:rPr lang="ru-RU" b="0" i="0" dirty="0" err="1">
-                <a:solidFill>
-                  <a:srgbClr val="EDEEF0"/>
-                </a:solidFill>
-                <a:effectLst/>
-                <a:latin typeface="Inter"/>
-              </a:rPr>
-              <a:t>TimeUnit</a:t>
-            </a:r>
-            <a:r>
-              <a:rPr lang="ru-RU" b="0" i="0" dirty="0">
-                <a:solidFill>
-                  <a:srgbClr val="EDEEF0"/>
-                </a:solidFill>
-                <a:effectLst/>
-                <a:latin typeface="Inter"/>
-              </a:rPr>
-              <a:t> </a:t>
-            </a:r>
-            <a:r>
-              <a:rPr lang="ru-RU" b="0" i="0" dirty="0" err="1">
-                <a:solidFill>
-                  <a:srgbClr val="EDEEF0"/>
-                </a:solidFill>
-                <a:effectLst/>
-                <a:latin typeface="Inter"/>
-              </a:rPr>
-              <a:t>unit</a:t>
-            </a:r>
-            <a:r>
-              <a:rPr lang="ru-RU" b="0" i="0" dirty="0">
-                <a:solidFill>
-                  <a:srgbClr val="EDEEF0"/>
-                </a:solidFill>
-                <a:effectLst/>
-                <a:latin typeface="Inter"/>
-              </a:rPr>
-              <a:t>), </a:t>
-            </a:r>
-            <a:r>
-              <a:rPr lang="ru-RU" b="0" i="0" dirty="0" err="1">
-                <a:solidFill>
-                  <a:srgbClr val="EDEEF0"/>
-                </a:solidFill>
-                <a:effectLst/>
-                <a:latin typeface="Inter"/>
-              </a:rPr>
-              <a:t>шде</a:t>
-            </a:r>
-            <a:r>
-              <a:rPr lang="ru-RU" b="0" i="0" dirty="0">
-                <a:solidFill>
-                  <a:srgbClr val="EDEEF0"/>
-                </a:solidFill>
-                <a:effectLst/>
-                <a:latin typeface="Inter"/>
-              </a:rPr>
-              <a:t> </a:t>
-            </a:r>
-            <a:r>
-              <a:rPr lang="ru-RU" b="0" i="0" dirty="0" err="1">
-                <a:solidFill>
-                  <a:srgbClr val="EDEEF0"/>
-                </a:solidFill>
-                <a:effectLst/>
-                <a:latin typeface="Inter"/>
-              </a:rPr>
-              <a:t>awaitUntil</a:t>
-            </a:r>
-            <a:r>
-              <a:rPr lang="ru-RU" b="0" i="0" dirty="0">
-                <a:solidFill>
-                  <a:srgbClr val="EDEEF0"/>
-                </a:solidFill>
-                <a:effectLst/>
-                <a:latin typeface="Inter"/>
-              </a:rPr>
-              <a:t>(</a:t>
-            </a:r>
-            <a:r>
-              <a:rPr lang="ru-RU" b="0" i="0" dirty="0" err="1">
-                <a:solidFill>
-                  <a:srgbClr val="EDEEF0"/>
-                </a:solidFill>
-                <a:effectLst/>
-                <a:latin typeface="Inter"/>
-              </a:rPr>
-              <a:t>Date</a:t>
-            </a:r>
-            <a:r>
-              <a:rPr lang="ru-RU" b="0" i="0" dirty="0">
-                <a:solidFill>
-                  <a:srgbClr val="EDEEF0"/>
-                </a:solidFill>
-                <a:effectLst/>
-                <a:latin typeface="Inter"/>
-              </a:rPr>
-              <a:t> </a:t>
-            </a:r>
-            <a:r>
-              <a:rPr lang="ru-RU" b="0" i="0" dirty="0" err="1">
-                <a:solidFill>
-                  <a:srgbClr val="EDEEF0"/>
-                </a:solidFill>
-                <a:effectLst/>
-                <a:latin typeface="Inter"/>
-              </a:rPr>
-              <a:t>date</a:t>
-            </a:r>
-            <a:r>
-              <a:rPr lang="ru-RU" b="0" i="0" dirty="0">
-                <a:solidFill>
-                  <a:srgbClr val="EDEEF0"/>
-                </a:solidFill>
-                <a:effectLst/>
-                <a:latin typeface="Inter"/>
-              </a:rPr>
-              <a:t>): </a:t>
-            </a:r>
-            <a:r>
-              <a:rPr lang="ru-RU" b="0" i="0" dirty="0" err="1">
-                <a:solidFill>
-                  <a:srgbClr val="EDEEF0"/>
-                </a:solidFill>
-                <a:effectLst/>
-                <a:latin typeface="Inter"/>
-              </a:rPr>
-              <a:t>Позвляет</a:t>
-            </a:r>
-            <a:r>
-              <a:rPr lang="ru-RU" b="0" i="0" dirty="0">
-                <a:solidFill>
-                  <a:srgbClr val="EDEEF0"/>
-                </a:solidFill>
-                <a:effectLst/>
-                <a:latin typeface="Inter"/>
-              </a:rPr>
-              <a:t> указать, как долго поток будет ожидать. Если время ожидания истекает поток выходит из состояния ожидания.</a:t>
-            </a:r>
-          </a:p>
-          <a:p>
-            <a:pPr algn="l"/>
-            <a:endParaRPr lang="ru-RU" b="0" i="0" dirty="0">
-              <a:solidFill>
-                <a:srgbClr val="EDEEF0"/>
-              </a:solidFill>
-              <a:effectLst/>
-              <a:latin typeface="Inter"/>
-            </a:endParaRPr>
-          </a:p>
-          <a:p>
-            <a:pPr algn="l"/>
-            <a:endParaRPr lang="ru-RU" b="0" i="0" dirty="0">
-              <a:solidFill>
-                <a:srgbClr val="EDEEF0"/>
-              </a:solidFill>
-              <a:effectLst/>
-              <a:latin typeface="Inter"/>
-            </a:endParaRPr>
-          </a:p>
-          <a:p>
-            <a:pPr algn="l"/>
-            <a:endParaRPr lang="ru-RU" b="0" i="0" dirty="0">
-              <a:solidFill>
-                <a:srgbClr val="000000"/>
-              </a:solidFill>
-              <a:effectLst/>
-              <a:latin typeface="Verdana" panose="020B0604030504040204" pitchFamily="34" charset="0"/>
-            </a:endParaRPr>
-          </a:p>
-          <a:p>
-            <a:pPr algn="l"/>
-            <a:r>
-              <a:rPr lang="ru-RU" b="0" i="0" dirty="0">
-                <a:solidFill>
-                  <a:srgbClr val="000000"/>
-                </a:solidFill>
-                <a:effectLst/>
-                <a:latin typeface="Verdana" panose="020B0604030504040204" pitchFamily="34" charset="0"/>
-              </a:rPr>
-              <a:t>Интерфейсное условие </a:t>
-            </a:r>
-            <a:r>
-              <a:rPr lang="en-US" b="1" i="0" dirty="0">
-                <a:solidFill>
-                  <a:srgbClr val="2945A3"/>
-                </a:solidFill>
-                <a:effectLst/>
-                <a:latin typeface="Verdana" panose="020B0604030504040204" pitchFamily="34" charset="0"/>
-              </a:rPr>
-              <a:t>Condition</a:t>
-            </a:r>
-            <a:r>
-              <a:rPr lang="en-US" b="0" i="0" dirty="0">
-                <a:solidFill>
-                  <a:srgbClr val="000000"/>
-                </a:solidFill>
-                <a:effectLst/>
-                <a:latin typeface="Verdana" panose="020B0604030504040204" pitchFamily="34" charset="0"/>
-              </a:rPr>
-              <a:t> </a:t>
-            </a:r>
-            <a:r>
-              <a:rPr lang="ru-RU" b="0" i="0" dirty="0">
-                <a:solidFill>
-                  <a:srgbClr val="000000"/>
-                </a:solidFill>
-                <a:effectLst/>
-                <a:latin typeface="Verdana" panose="020B0604030504040204" pitchFamily="34" charset="0"/>
-              </a:rPr>
-              <a:t>в сочетании с блокировкой </a:t>
-            </a:r>
-            <a:r>
-              <a:rPr lang="en-US" b="0" i="1" dirty="0">
-                <a:solidFill>
-                  <a:srgbClr val="000000"/>
-                </a:solidFill>
-                <a:effectLst/>
-                <a:latin typeface="Verdana" panose="020B0604030504040204" pitchFamily="34" charset="0"/>
-              </a:rPr>
-              <a:t>Lock</a:t>
-            </a:r>
-            <a:r>
-              <a:rPr lang="en-US" b="0" i="0" dirty="0">
-                <a:solidFill>
-                  <a:srgbClr val="000000"/>
-                </a:solidFill>
-                <a:effectLst/>
-                <a:latin typeface="Verdana" panose="020B0604030504040204" pitchFamily="34" charset="0"/>
-              </a:rPr>
-              <a:t> </a:t>
-            </a:r>
-            <a:r>
-              <a:rPr lang="ru-RU" b="0" i="0" dirty="0">
-                <a:solidFill>
-                  <a:srgbClr val="000000"/>
-                </a:solidFill>
-                <a:effectLst/>
-                <a:latin typeface="Verdana" panose="020B0604030504040204" pitchFamily="34" charset="0"/>
-              </a:rPr>
-              <a:t>позволяет заменить методы монитора/мьютекса (</a:t>
-            </a:r>
-            <a:r>
-              <a:rPr lang="en-US" b="0" i="0" dirty="0">
-                <a:solidFill>
-                  <a:srgbClr val="000000"/>
-                </a:solidFill>
-                <a:effectLst/>
-                <a:latin typeface="Verdana" panose="020B0604030504040204" pitchFamily="34" charset="0"/>
-              </a:rPr>
-              <a:t>wait, notify </a:t>
-            </a:r>
-            <a:r>
-              <a:rPr lang="ru-RU" b="0" i="0" dirty="0">
-                <a:solidFill>
-                  <a:srgbClr val="000000"/>
-                </a:solidFill>
-                <a:effectLst/>
-                <a:latin typeface="Verdana" panose="020B0604030504040204" pitchFamily="34" charset="0"/>
-              </a:rPr>
-              <a:t>и </a:t>
-            </a:r>
-            <a:r>
-              <a:rPr lang="en-US" b="0" i="0" dirty="0" err="1">
-                <a:solidFill>
-                  <a:srgbClr val="000000"/>
-                </a:solidFill>
-                <a:effectLst/>
-                <a:latin typeface="Verdana" panose="020B0604030504040204" pitchFamily="34" charset="0"/>
-              </a:rPr>
-              <a:t>notifyAll</a:t>
-            </a:r>
-            <a:r>
-              <a:rPr lang="en-US" b="0" i="0" dirty="0">
-                <a:solidFill>
-                  <a:srgbClr val="000000"/>
-                </a:solidFill>
-                <a:effectLst/>
-                <a:latin typeface="Verdana" panose="020B0604030504040204" pitchFamily="34" charset="0"/>
-              </a:rPr>
-              <a:t>) </a:t>
-            </a:r>
-            <a:r>
-              <a:rPr lang="ru-RU" b="0" i="0" dirty="0">
-                <a:solidFill>
-                  <a:srgbClr val="000000"/>
-                </a:solidFill>
-                <a:effectLst/>
-                <a:latin typeface="Verdana" panose="020B0604030504040204" pitchFamily="34" charset="0"/>
-              </a:rPr>
-              <a:t>объектом, управляющим ожиданием событий. Блокировка </a:t>
-            </a:r>
-            <a:r>
-              <a:rPr lang="en-US" b="0" i="0" dirty="0">
-                <a:solidFill>
-                  <a:srgbClr val="000000"/>
-                </a:solidFill>
-                <a:effectLst/>
-                <a:latin typeface="Verdana" panose="020B0604030504040204" pitchFamily="34" charset="0"/>
-              </a:rPr>
-              <a:t>Lock </a:t>
-            </a:r>
-            <a:r>
-              <a:rPr lang="ru-RU" b="0" i="0" dirty="0">
-                <a:solidFill>
-                  <a:srgbClr val="000000"/>
-                </a:solidFill>
-                <a:effectLst/>
-                <a:latin typeface="Verdana" panose="020B0604030504040204" pitchFamily="34" charset="0"/>
-              </a:rPr>
-              <a:t>заменяет использование </a:t>
-            </a:r>
-            <a:r>
-              <a:rPr lang="en-US" b="0" i="0" dirty="0">
-                <a:solidFill>
-                  <a:srgbClr val="000000"/>
-                </a:solidFill>
-                <a:effectLst/>
-                <a:latin typeface="Verdana" panose="020B0604030504040204" pitchFamily="34" charset="0"/>
-              </a:rPr>
-              <a:t>synchronized, </a:t>
-            </a:r>
-            <a:r>
-              <a:rPr lang="ru-RU" b="0" i="0" dirty="0">
-                <a:solidFill>
-                  <a:srgbClr val="000000"/>
-                </a:solidFill>
-                <a:effectLst/>
-                <a:latin typeface="Verdana" panose="020B0604030504040204" pitchFamily="34" charset="0"/>
-              </a:rPr>
-              <a:t>а </a:t>
-            </a:r>
-            <a:r>
-              <a:rPr lang="en-US" b="0" i="0" dirty="0">
-                <a:solidFill>
-                  <a:srgbClr val="000000"/>
-                </a:solidFill>
-                <a:effectLst/>
-                <a:latin typeface="Verdana" panose="020B0604030504040204" pitchFamily="34" charset="0"/>
-              </a:rPr>
-              <a:t>Condition — </a:t>
-            </a:r>
-            <a:r>
-              <a:rPr lang="ru-RU" b="0" i="0" dirty="0">
-                <a:solidFill>
-                  <a:srgbClr val="000000"/>
-                </a:solidFill>
-                <a:effectLst/>
-                <a:latin typeface="Verdana" panose="020B0604030504040204" pitchFamily="34" charset="0"/>
-              </a:rPr>
-              <a:t>объектные методы монитора.</a:t>
-            </a:r>
-            <a:endParaRPr lang="en-US" b="1" i="0" dirty="0">
-              <a:solidFill>
-                <a:srgbClr val="F8FAFF"/>
-              </a:solidFill>
-              <a:effectLst/>
-              <a:latin typeface="DeepSeek-CJK-patch"/>
-            </a:endParaRPr>
-          </a:p>
-          <a:p>
-            <a:pPr algn="l"/>
-            <a:endParaRPr lang="en-US" b="1" i="0" dirty="0">
-              <a:solidFill>
-                <a:srgbClr val="F8FAFF"/>
-              </a:solidFill>
-              <a:effectLst/>
-              <a:latin typeface="DeepSeek-CJK-patch"/>
-            </a:endParaRPr>
-          </a:p>
-          <a:p>
-            <a:pPr algn="l"/>
-            <a:endParaRPr lang="en-US" b="1" i="0" dirty="0">
-              <a:solidFill>
-                <a:srgbClr val="F8FAFF"/>
-              </a:solidFill>
-              <a:effectLst/>
-              <a:latin typeface="DeepSeek-CJK-patch"/>
-            </a:endParaRPr>
-          </a:p>
-          <a:p>
-            <a:pPr algn="l"/>
-            <a:r>
-              <a:rPr lang="ru-RU" b="1" i="0" dirty="0">
-                <a:solidFill>
-                  <a:srgbClr val="F8FAFF"/>
-                </a:solidFill>
-                <a:effectLst/>
-                <a:latin typeface="DeepSeek-CJK-patch"/>
-              </a:rPr>
-              <a:t>Производительность </a:t>
-            </a:r>
-            <a:r>
-              <a:rPr lang="ru-RU" b="1" i="0" dirty="0" err="1">
-                <a:solidFill>
-                  <a:srgbClr val="F8FAFF"/>
-                </a:solidFill>
-                <a:effectLst/>
-                <a:latin typeface="DeepSeek-CJK-patch"/>
-              </a:rPr>
-              <a:t>Condition</a:t>
-            </a:r>
-            <a:endParaRPr lang="ru-RU" b="0" i="0" dirty="0">
-              <a:solidFill>
-                <a:srgbClr val="F8FAFF"/>
-              </a:solidFill>
-              <a:effectLst/>
-              <a:latin typeface="DeepSeek-CJK-patch"/>
-            </a:endParaRPr>
-          </a:p>
-          <a:p>
-            <a:pPr algn="l">
-              <a:buFont typeface="+mj-lt"/>
-              <a:buAutoNum type="arabicPeriod"/>
-            </a:pPr>
-            <a:r>
-              <a:rPr lang="ru-RU" b="1" i="0" dirty="0">
-                <a:solidFill>
-                  <a:srgbClr val="F8FAFF"/>
-                </a:solidFill>
-                <a:effectLst/>
-                <a:latin typeface="DeepSeek-CJK-patch"/>
-              </a:rPr>
-              <a:t>По сравнению с </a:t>
-            </a:r>
-            <a:r>
-              <a:rPr lang="ru-RU" b="1" i="0" dirty="0" err="1">
-                <a:solidFill>
-                  <a:srgbClr val="F8FAFF"/>
-                </a:solidFill>
-                <a:effectLst/>
-                <a:latin typeface="DeepSeek-CJK-patch"/>
-              </a:rPr>
-              <a:t>wait</a:t>
-            </a:r>
-            <a:r>
-              <a:rPr lang="ru-RU" b="1" i="0" dirty="0">
-                <a:solidFill>
-                  <a:srgbClr val="F8FAFF"/>
-                </a:solidFill>
-                <a:effectLst/>
-                <a:latin typeface="DeepSeek-CJK-patch"/>
-              </a:rPr>
-              <a:t>()/</a:t>
-            </a:r>
-            <a:r>
-              <a:rPr lang="ru-RU" b="1" i="0" dirty="0" err="1">
-                <a:solidFill>
-                  <a:srgbClr val="F8FAFF"/>
-                </a:solidFill>
-                <a:effectLst/>
-                <a:latin typeface="DeepSeek-CJK-patch"/>
-              </a:rPr>
-              <a:t>notify</a:t>
-            </a:r>
-            <a:r>
-              <a:rPr lang="ru-RU" b="1" i="0" dirty="0">
-                <a:solidFill>
-                  <a:srgbClr val="F8FAFF"/>
-                </a:solidFill>
-                <a:effectLst/>
-                <a:latin typeface="DeepSeek-CJK-patch"/>
-              </a:rPr>
-              <a:t>()</a:t>
-            </a:r>
-            <a:r>
-              <a:rPr lang="ru-RU" b="0" i="0" dirty="0">
-                <a:solidFill>
-                  <a:srgbClr val="F8FAFF"/>
-                </a:solidFill>
-                <a:effectLst/>
-                <a:latin typeface="DeepSeek-CJK-patch"/>
-              </a:rPr>
-              <a:t>:</a:t>
-            </a:r>
-          </a:p>
-          <a:p>
-            <a:pPr marL="742950" lvl="1" indent="-285750" algn="l">
-              <a:buFont typeface="+mj-lt"/>
-              <a:buAutoNum type="arabicPeriod"/>
-            </a:pPr>
-            <a:r>
-              <a:rPr lang="ru-RU" b="0" i="0" dirty="0">
-                <a:solidFill>
-                  <a:srgbClr val="F8FAFF"/>
-                </a:solidFill>
-                <a:effectLst/>
-                <a:latin typeface="DeepSeek-CJK-patch"/>
-              </a:rPr>
-              <a:t>Сопоставимая базовая производительность</a:t>
-            </a:r>
-          </a:p>
-          <a:p>
-            <a:pPr marL="742950" lvl="1" indent="-285750" algn="l">
-              <a:buFont typeface="+mj-lt"/>
-              <a:buAutoNum type="arabicPeriod"/>
-            </a:pPr>
-            <a:r>
-              <a:rPr lang="ru-RU" b="0" i="0" dirty="0">
-                <a:solidFill>
-                  <a:srgbClr val="F8FAFF"/>
-                </a:solidFill>
-                <a:effectLst/>
-                <a:latin typeface="DeepSeek-CJK-patch"/>
-              </a:rPr>
-              <a:t>Лучшая масштабируемость за счет множественных условий</a:t>
-            </a:r>
-          </a:p>
-          <a:p>
-            <a:pPr algn="l">
-              <a:buFont typeface="+mj-lt"/>
-              <a:buAutoNum type="arabicPeriod"/>
-            </a:pPr>
-            <a:r>
-              <a:rPr lang="ru-RU" b="1" i="0" dirty="0">
-                <a:solidFill>
-                  <a:srgbClr val="F8FAFF"/>
-                </a:solidFill>
-                <a:effectLst/>
-                <a:latin typeface="DeepSeek-CJK-patch"/>
-              </a:rPr>
-              <a:t>Оптимизации в </a:t>
-            </a:r>
-            <a:r>
-              <a:rPr lang="ru-RU" b="1" i="0" dirty="0" err="1">
-                <a:solidFill>
-                  <a:srgbClr val="F8FAFF"/>
-                </a:solidFill>
-                <a:effectLst/>
-                <a:latin typeface="DeepSeek-CJK-patch"/>
-              </a:rPr>
-              <a:t>HotSpot</a:t>
-            </a:r>
-            <a:r>
-              <a:rPr lang="ru-RU" b="0" i="0" dirty="0">
-                <a:solidFill>
-                  <a:srgbClr val="F8FAFF"/>
-                </a:solidFill>
-                <a:effectLst/>
-                <a:latin typeface="DeepSeek-CJK-patch"/>
-              </a:rPr>
-              <a:t>:</a:t>
-            </a:r>
-          </a:p>
-          <a:p>
-            <a:pPr marL="742950" lvl="1" indent="-285750" algn="l">
-              <a:buFont typeface="+mj-lt"/>
-              <a:buAutoNum type="arabicPeriod"/>
-            </a:pPr>
-            <a:r>
-              <a:rPr lang="ru-RU" b="0" i="0" dirty="0">
-                <a:solidFill>
-                  <a:srgbClr val="F8FAFF"/>
-                </a:solidFill>
-                <a:effectLst/>
-                <a:latin typeface="DeepSeek-CJK-patch"/>
-              </a:rPr>
-              <a:t>Внутренние механизмы аналогичны мониторам</a:t>
-            </a:r>
-          </a:p>
-          <a:p>
-            <a:pPr marL="742950" lvl="1" indent="-285750" algn="l">
-              <a:buFont typeface="+mj-lt"/>
-              <a:buAutoNum type="arabicPeriod"/>
-            </a:pPr>
-            <a:r>
-              <a:rPr lang="ru-RU" b="0" i="0" dirty="0">
-                <a:solidFill>
-                  <a:srgbClr val="F8FAFF"/>
-                </a:solidFill>
-                <a:effectLst/>
-                <a:latin typeface="DeepSeek-CJK-patch"/>
-              </a:rPr>
-              <a:t>Нет существенных накладных расходов</a:t>
-            </a:r>
-          </a:p>
-          <a:p>
-            <a:pPr algn="l">
-              <a:buFont typeface="+mj-lt"/>
-              <a:buAutoNum type="arabicPeriod"/>
-            </a:pPr>
-            <a:r>
-              <a:rPr lang="ru-RU" b="1" i="0" dirty="0">
-                <a:solidFill>
-                  <a:srgbClr val="F8FAFF"/>
-                </a:solidFill>
-                <a:effectLst/>
-                <a:latin typeface="DeepSeek-CJK-patch"/>
-              </a:rPr>
-              <a:t>Влияние на производительность</a:t>
-            </a:r>
-            <a:r>
-              <a:rPr lang="ru-RU" b="0" i="0" dirty="0">
-                <a:solidFill>
-                  <a:srgbClr val="F8FAFF"/>
-                </a:solidFill>
-                <a:effectLst/>
-                <a:latin typeface="DeepSeek-CJK-patch"/>
-              </a:rPr>
-              <a:t>:</a:t>
-            </a:r>
-          </a:p>
-          <a:p>
-            <a:pPr marL="742950" lvl="1" indent="-285750" algn="l">
-              <a:buFont typeface="+mj-lt"/>
-              <a:buAutoNum type="arabicPeriod"/>
-            </a:pPr>
-            <a:r>
-              <a:rPr lang="ru-RU" b="0" i="0" dirty="0">
-                <a:solidFill>
-                  <a:srgbClr val="F8FAFF"/>
-                </a:solidFill>
-                <a:effectLst/>
-                <a:latin typeface="DeepSeek-CJK-patch"/>
-              </a:rPr>
-              <a:t>Множественные </a:t>
-            </a:r>
-            <a:r>
-              <a:rPr lang="ru-RU" b="0" i="0" dirty="0" err="1">
-                <a:solidFill>
-                  <a:srgbClr val="F8FAFF"/>
-                </a:solidFill>
-                <a:effectLst/>
-                <a:latin typeface="DeepSeek-CJK-patch"/>
-              </a:rPr>
-              <a:t>Condition</a:t>
-            </a:r>
-            <a:r>
-              <a:rPr lang="ru-RU" b="0" i="0" dirty="0">
-                <a:solidFill>
-                  <a:srgbClr val="F8FAFF"/>
-                </a:solidFill>
-                <a:effectLst/>
-                <a:latin typeface="DeepSeek-CJK-patch"/>
-              </a:rPr>
-              <a:t> не создают значительных издержек</a:t>
-            </a:r>
-          </a:p>
-          <a:p>
-            <a:pPr marL="742950" lvl="1" indent="-285750" algn="l">
-              <a:buFont typeface="+mj-lt"/>
-              <a:buAutoNum type="arabicPeriod"/>
-            </a:pPr>
-            <a:r>
-              <a:rPr lang="ru-RU" b="0" i="0" dirty="0">
-                <a:solidFill>
-                  <a:srgbClr val="F8FAFF"/>
-                </a:solidFill>
-                <a:effectLst/>
-                <a:latin typeface="DeepSeek-CJK-patch"/>
-              </a:rPr>
-              <a:t>Лучше использовать несколько </a:t>
-            </a:r>
-            <a:r>
-              <a:rPr lang="ru-RU" b="0" i="0" dirty="0" err="1">
-                <a:solidFill>
-                  <a:srgbClr val="F8FAFF"/>
-                </a:solidFill>
-                <a:effectLst/>
-                <a:latin typeface="DeepSeek-CJK-patch"/>
-              </a:rPr>
-              <a:t>Condition</a:t>
-            </a:r>
-            <a:r>
-              <a:rPr lang="ru-RU" b="0" i="0" dirty="0">
-                <a:solidFill>
-                  <a:srgbClr val="F8FAFF"/>
-                </a:solidFill>
-                <a:effectLst/>
-                <a:latin typeface="DeepSeek-CJK-patch"/>
-              </a:rPr>
-              <a:t>, чем сложную логику с одним</a:t>
-            </a:r>
-          </a:p>
-          <a:p>
-            <a:pPr algn="l"/>
-            <a:r>
-              <a:rPr lang="ru-RU" b="0" i="0" dirty="0" err="1">
-                <a:solidFill>
-                  <a:srgbClr val="F8FAFF"/>
-                </a:solidFill>
-                <a:effectLst/>
-                <a:latin typeface="DeepSeek-CJK-patch"/>
-              </a:rPr>
-              <a:t>Condition</a:t>
-            </a:r>
-            <a:r>
-              <a:rPr lang="ru-RU" b="0" i="0" dirty="0">
-                <a:solidFill>
-                  <a:srgbClr val="F8FAFF"/>
-                </a:solidFill>
-                <a:effectLst/>
-                <a:latin typeface="DeepSeek-CJK-patch"/>
-              </a:rPr>
-              <a:t> предоставляет мощный и гибкий механизм координации потоков, который особенно полезен в сложных сценариях синхронизации, где базовых методов </a:t>
-            </a:r>
-            <a:r>
-              <a:rPr lang="ru-RU" b="0" i="0" dirty="0" err="1">
-                <a:solidFill>
-                  <a:srgbClr val="F8FAFF"/>
-                </a:solidFill>
-                <a:effectLst/>
-                <a:latin typeface="DeepSeek-CJK-patch"/>
-              </a:rPr>
-              <a:t>Object.wait</a:t>
-            </a:r>
-            <a:r>
-              <a:rPr lang="ru-RU" b="0" i="0" dirty="0">
-                <a:solidFill>
-                  <a:srgbClr val="F8FAFF"/>
-                </a:solidFill>
-                <a:effectLst/>
-                <a:latin typeface="DeepSeek-CJK-patch"/>
-              </a:rPr>
-              <a:t>()/</a:t>
-            </a:r>
-            <a:r>
-              <a:rPr lang="ru-RU" b="0" i="0" dirty="0" err="1">
-                <a:solidFill>
-                  <a:srgbClr val="F8FAFF"/>
-                </a:solidFill>
-                <a:effectLst/>
-                <a:latin typeface="DeepSeek-CJK-patch"/>
-              </a:rPr>
-              <a:t>notify</a:t>
-            </a:r>
-            <a:r>
-              <a:rPr lang="ru-RU" b="0" i="0" dirty="0">
-                <a:solidFill>
-                  <a:srgbClr val="F8FAFF"/>
-                </a:solidFill>
-                <a:effectLst/>
-                <a:latin typeface="DeepSeek-CJK-patch"/>
-              </a:rPr>
-              <a:t>() недостаточно.</a:t>
-            </a:r>
+              <a:t>Если блокировка для чтения или записи захвачена, потоки, пытающиеся получить блокировку для записи, будут ждать.</a:t>
+            </a:r>
+          </a:p>
+          <a:p>
+            <a:endParaRPr lang="ru-RU" dirty="0"/>
           </a:p>
         </p:txBody>
       </p:sp>
@@ -14672,7 +15106,7 @@
     </p:spTree>
     <p:extLst>
       <p:ext uri="{BB962C8B-B14F-4D97-AF65-F5344CB8AC3E}">
-        <p14:creationId xmlns:p14="http://schemas.microsoft.com/office/powerpoint/2010/main" val="2718440398"/>
+        <p14:creationId xmlns:p14="http://schemas.microsoft.com/office/powerpoint/2010/main" val="1706260950"/>
       </p:ext>
     </p:extLst>
   </p:cSld>
@@ -17667,7 +18101,7 @@
           <a:p>
             <a:fld id="{6D05CBBA-D782-497D-B3B5-452762B3B9E7}" type="datetimeFigureOut">
               <a:rPr lang="ru-RU" smtClean="0"/>
-              <a:t>29.04.2025</a:t>
+              <a:t>12.05.2025</a:t>
             </a:fld>
             <a:endParaRPr lang="ru-RU"/>
           </a:p>
@@ -17837,7 +18271,7 @@
           <a:p>
             <a:fld id="{6D05CBBA-D782-497D-B3B5-452762B3B9E7}" type="datetimeFigureOut">
               <a:rPr lang="ru-RU" smtClean="0"/>
-              <a:t>29.04.2025</a:t>
+              <a:t>12.05.2025</a:t>
             </a:fld>
             <a:endParaRPr lang="ru-RU"/>
           </a:p>
@@ -18017,7 +18451,7 @@
           <a:p>
             <a:fld id="{6D05CBBA-D782-497D-B3B5-452762B3B9E7}" type="datetimeFigureOut">
               <a:rPr lang="ru-RU" smtClean="0"/>
-              <a:t>29.04.2025</a:t>
+              <a:t>12.05.2025</a:t>
             </a:fld>
             <a:endParaRPr lang="ru-RU"/>
           </a:p>
@@ -18233,7 +18667,7 @@
           <a:p>
             <a:fld id="{6D05CBBA-D782-497D-B3B5-452762B3B9E7}" type="datetimeFigureOut">
               <a:rPr lang="ru-RU" smtClean="0"/>
-              <a:t>29.04.2025</a:t>
+              <a:t>12.05.2025</a:t>
             </a:fld>
             <a:endParaRPr lang="ru-RU"/>
           </a:p>
@@ -18500,7 +18934,7 @@
           <a:p>
             <a:fld id="{6D05CBBA-D782-497D-B3B5-452762B3B9E7}" type="datetimeFigureOut">
               <a:rPr lang="ru-RU" smtClean="0"/>
-              <a:t>29.04.2025</a:t>
+              <a:t>12.05.2025</a:t>
             </a:fld>
             <a:endParaRPr lang="ru-RU"/>
           </a:p>
@@ -18732,7 +19166,7 @@
           <a:p>
             <a:fld id="{6D05CBBA-D782-497D-B3B5-452762B3B9E7}" type="datetimeFigureOut">
               <a:rPr lang="ru-RU" smtClean="0"/>
-              <a:t>29.04.2025</a:t>
+              <a:t>12.05.2025</a:t>
             </a:fld>
             <a:endParaRPr lang="ru-RU"/>
           </a:p>
@@ -19099,7 +19533,7 @@
           <a:p>
             <a:fld id="{6D05CBBA-D782-497D-B3B5-452762B3B9E7}" type="datetimeFigureOut">
               <a:rPr lang="ru-RU" smtClean="0"/>
-              <a:t>29.04.2025</a:t>
+              <a:t>12.05.2025</a:t>
             </a:fld>
             <a:endParaRPr lang="ru-RU"/>
           </a:p>
@@ -19217,7 +19651,7 @@
           <a:p>
             <a:fld id="{6D05CBBA-D782-497D-B3B5-452762B3B9E7}" type="datetimeFigureOut">
               <a:rPr lang="ru-RU" smtClean="0"/>
-              <a:t>29.04.2025</a:t>
+              <a:t>12.05.2025</a:t>
             </a:fld>
             <a:endParaRPr lang="ru-RU"/>
           </a:p>
@@ -19312,7 +19746,7 @@
           <a:p>
             <a:fld id="{6D05CBBA-D782-497D-B3B5-452762B3B9E7}" type="datetimeFigureOut">
               <a:rPr lang="ru-RU" smtClean="0"/>
-              <a:t>29.04.2025</a:t>
+              <a:t>12.05.2025</a:t>
             </a:fld>
             <a:endParaRPr lang="ru-RU"/>
           </a:p>
@@ -19589,7 +20023,7 @@
           <a:p>
             <a:fld id="{6D05CBBA-D782-497D-B3B5-452762B3B9E7}" type="datetimeFigureOut">
               <a:rPr lang="ru-RU" smtClean="0"/>
-              <a:t>29.04.2025</a:t>
+              <a:t>12.05.2025</a:t>
             </a:fld>
             <a:endParaRPr lang="ru-RU"/>
           </a:p>
@@ -19846,7 +20280,7 @@
           <a:p>
             <a:fld id="{6D05CBBA-D782-497D-B3B5-452762B3B9E7}" type="datetimeFigureOut">
               <a:rPr lang="ru-RU" smtClean="0"/>
-              <a:t>29.04.2025</a:t>
+              <a:t>12.05.2025</a:t>
             </a:fld>
             <a:endParaRPr lang="ru-RU"/>
           </a:p>
@@ -20073,7 +20507,7 @@
           <a:p>
             <a:fld id="{6D05CBBA-D782-497D-B3B5-452762B3B9E7}" type="datetimeFigureOut">
               <a:rPr lang="ru-RU" smtClean="0"/>
-              <a:t>29.04.2025</a:t>
+              <a:t>12.05.2025</a:t>
             </a:fld>
             <a:endParaRPr lang="ru-RU"/>
           </a:p>
@@ -31912,25 +32346,7 @@
                 </a:solidFill>
                 <a:latin typeface="DeepSeek-CJK-patch"/>
               </a:rPr>
-              <a:t>является инструментом для того, чтобы управлять доступом к совместно используемому ресурсу </a:t>
-            </a:r>
-            <a:r>
-              <a:rPr lang="ru-RU" dirty="0" err="1">
-                <a:solidFill>
-                  <a:srgbClr val="F8FAFF"/>
-                </a:solidFill>
-                <a:latin typeface="DeepSeek-CJK-patch"/>
-              </a:rPr>
-              <a:t>паралельными</a:t>
-            </a:r>
-            <a:r>
-              <a:rPr lang="ru-RU" dirty="0">
-                <a:solidFill>
-                  <a:srgbClr val="F8FAFF"/>
-                </a:solidFill>
-                <a:latin typeface="DeepSeek-CJK-patch"/>
-              </a:rPr>
-              <a:t> потоками.</a:t>
+              <a:t>является инструментом для того, чтобы управлять доступом к совместно используемому ресурсу параллельными потоками.</a:t>
             </a:r>
           </a:p>
           <a:p>
@@ -33129,379 +33545,6 @@
         </p:nvSpPr>
         <p:spPr>
           <a:xfrm>
-            <a:off x="515936" y="658732"/>
-            <a:ext cx="11237913" cy="1789193"/>
-          </a:xfrm>
-          <a:prstGeom prst="rect">
-            <a:avLst/>
-          </a:prstGeom>
-          <a:solidFill>
-            <a:srgbClr val="171717"/>
-          </a:solidFill>
-        </p:spPr>
-        <p:txBody>
-          <a:bodyPr vert="horz" lIns="91440" tIns="45720" rIns="91440" bIns="45720" rtlCol="0">
-            <a:normAutofit/>
-          </a:bodyPr>
-          <a:lstStyle>
-            <a:lvl1pPr marL="228600" indent="-228600" algn="l" defTabSz="914400" rtl="0" eaLnBrk="1" latinLnBrk="0" hangingPunct="1">
-              <a:lnSpc>
-                <a:spcPct val="90000"/>
-              </a:lnSpc>
-              <a:spcBef>
-                <a:spcPts val="1000"/>
-              </a:spcBef>
-              <a:buFont typeface="Arial" panose="020B0604020202020204" pitchFamily="34" charset="0"/>
-              <a:buChar char="•"/>
-              <a:defRPr sz="1600" kern="1200">
-                <a:solidFill>
-                  <a:schemeClr val="tx1"/>
-                </a:solidFill>
-                <a:latin typeface="Arial" panose="020B0604020202020204" pitchFamily="34" charset="0"/>
-                <a:ea typeface="+mn-ea"/>
-                <a:cs typeface="Arial" panose="020B0604020202020204" pitchFamily="34" charset="0"/>
-              </a:defRPr>
-            </a:lvl1pPr>
-            <a:lvl2pPr marL="685800" indent="-228600" algn="l" defTabSz="914400" rtl="0" eaLnBrk="1" latinLnBrk="0" hangingPunct="1">
-              <a:lnSpc>
-                <a:spcPct val="90000"/>
-              </a:lnSpc>
-              <a:spcBef>
-                <a:spcPts val="500"/>
-              </a:spcBef>
-              <a:buFont typeface="Arial" panose="020B0604020202020204" pitchFamily="34" charset="0"/>
-              <a:buChar char="•"/>
-              <a:defRPr sz="1600" kern="1200">
-                <a:solidFill>
-                  <a:schemeClr val="tx1"/>
-                </a:solidFill>
-                <a:latin typeface="Arial" panose="020B0604020202020204" pitchFamily="34" charset="0"/>
-                <a:ea typeface="+mn-ea"/>
-                <a:cs typeface="Arial" panose="020B0604020202020204" pitchFamily="34" charset="0"/>
-              </a:defRPr>
-            </a:lvl2pPr>
-            <a:lvl3pPr marL="1143000" indent="-228600" algn="l" defTabSz="914400" rtl="0" eaLnBrk="1" latinLnBrk="0" hangingPunct="1">
-              <a:lnSpc>
-                <a:spcPct val="90000"/>
-              </a:lnSpc>
-              <a:spcBef>
-                <a:spcPts val="500"/>
-              </a:spcBef>
-              <a:buFont typeface="Arial" panose="020B0604020202020204" pitchFamily="34" charset="0"/>
-              <a:buChar char="•"/>
-              <a:defRPr sz="1600" kern="1200">
-                <a:solidFill>
-                  <a:schemeClr val="tx1"/>
-                </a:solidFill>
-                <a:latin typeface="Arial" panose="020B0604020202020204" pitchFamily="34" charset="0"/>
-                <a:ea typeface="+mn-ea"/>
-                <a:cs typeface="Arial" panose="020B0604020202020204" pitchFamily="34" charset="0"/>
-              </a:defRPr>
-            </a:lvl3pPr>
-            <a:lvl4pPr marL="1600200" indent="-228600" algn="l" defTabSz="914400" rtl="0" eaLnBrk="1" latinLnBrk="0" hangingPunct="1">
-              <a:lnSpc>
-                <a:spcPct val="90000"/>
-              </a:lnSpc>
-              <a:spcBef>
-                <a:spcPts val="500"/>
-              </a:spcBef>
-              <a:buFont typeface="Arial" panose="020B0604020202020204" pitchFamily="34" charset="0"/>
-              <a:buChar char="•"/>
-              <a:defRPr sz="1400" kern="1200">
-                <a:solidFill>
-                  <a:schemeClr val="tx1"/>
-                </a:solidFill>
-                <a:latin typeface="Arial" panose="020B0604020202020204" pitchFamily="34" charset="0"/>
-                <a:ea typeface="+mn-ea"/>
-                <a:cs typeface="Arial" panose="020B0604020202020204" pitchFamily="34" charset="0"/>
-              </a:defRPr>
-            </a:lvl4pPr>
-            <a:lvl5pPr marL="2057400" indent="-228600" algn="l" defTabSz="914400" rtl="0" eaLnBrk="1" latinLnBrk="0" hangingPunct="1">
-              <a:lnSpc>
-                <a:spcPct val="90000"/>
-              </a:lnSpc>
-              <a:spcBef>
-                <a:spcPts val="500"/>
-              </a:spcBef>
-              <a:buFont typeface="Arial" panose="020B0604020202020204" pitchFamily="34" charset="0"/>
-              <a:buChar char="•"/>
-              <a:defRPr sz="1400" kern="1200">
-                <a:solidFill>
-                  <a:schemeClr val="tx1"/>
-                </a:solidFill>
-                <a:latin typeface="Arial" panose="020B0604020202020204" pitchFamily="34" charset="0"/>
-                <a:ea typeface="+mn-ea"/>
-                <a:cs typeface="Arial" panose="020B0604020202020204" pitchFamily="34" charset="0"/>
-              </a:defRPr>
-            </a:lvl5pPr>
-            <a:lvl6pPr marL="2514600" indent="-228600" algn="l" defTabSz="914400" rtl="0" eaLnBrk="1" latinLnBrk="0" hangingPunct="1">
-              <a:lnSpc>
-                <a:spcPct val="90000"/>
-              </a:lnSpc>
-              <a:spcBef>
-                <a:spcPts val="500"/>
-              </a:spcBef>
-              <a:buFont typeface="Arial" panose="020B0604020202020204" pitchFamily="34" charset="0"/>
-              <a:buChar char="•"/>
-              <a:defRPr sz="1800" kern="1200">
-                <a:solidFill>
-                  <a:schemeClr val="tx1"/>
-                </a:solidFill>
-                <a:latin typeface="+mn-lt"/>
-                <a:ea typeface="+mn-ea"/>
-                <a:cs typeface="+mn-cs"/>
-              </a:defRPr>
-            </a:lvl6pPr>
-            <a:lvl7pPr marL="2971800" indent="-228600" algn="l" defTabSz="914400" rtl="0" eaLnBrk="1" latinLnBrk="0" hangingPunct="1">
-              <a:lnSpc>
-                <a:spcPct val="90000"/>
-              </a:lnSpc>
-              <a:spcBef>
-                <a:spcPts val="500"/>
-              </a:spcBef>
-              <a:buFont typeface="Arial" panose="020B0604020202020204" pitchFamily="34" charset="0"/>
-              <a:buChar char="•"/>
-              <a:defRPr sz="1800" kern="1200">
-                <a:solidFill>
-                  <a:schemeClr val="tx1"/>
-                </a:solidFill>
-                <a:latin typeface="+mn-lt"/>
-                <a:ea typeface="+mn-ea"/>
-                <a:cs typeface="+mn-cs"/>
-              </a:defRPr>
-            </a:lvl7pPr>
-            <a:lvl8pPr marL="3429000" indent="-228600" algn="l" defTabSz="914400" rtl="0" eaLnBrk="1" latinLnBrk="0" hangingPunct="1">
-              <a:lnSpc>
-                <a:spcPct val="90000"/>
-              </a:lnSpc>
-              <a:spcBef>
-                <a:spcPts val="500"/>
-              </a:spcBef>
-              <a:buFont typeface="Arial" panose="020B0604020202020204" pitchFamily="34" charset="0"/>
-              <a:buChar char="•"/>
-              <a:defRPr sz="1800" kern="1200">
-                <a:solidFill>
-                  <a:schemeClr val="tx1"/>
-                </a:solidFill>
-                <a:latin typeface="+mn-lt"/>
-                <a:ea typeface="+mn-ea"/>
-                <a:cs typeface="+mn-cs"/>
-              </a:defRPr>
-            </a:lvl8pPr>
-            <a:lvl9pPr marL="3886200" indent="-228600" algn="l" defTabSz="914400" rtl="0" eaLnBrk="1" latinLnBrk="0" hangingPunct="1">
-              <a:lnSpc>
-                <a:spcPct val="90000"/>
-              </a:lnSpc>
-              <a:spcBef>
-                <a:spcPts val="500"/>
-              </a:spcBef>
-              <a:buFont typeface="Arial" panose="020B0604020202020204" pitchFamily="34" charset="0"/>
-              <a:buChar char="•"/>
-              <a:defRPr sz="1800" kern="1200">
-                <a:solidFill>
-                  <a:schemeClr val="tx1"/>
-                </a:solidFill>
-                <a:latin typeface="+mn-lt"/>
-                <a:ea typeface="+mn-ea"/>
-                <a:cs typeface="+mn-cs"/>
-              </a:defRPr>
-            </a:lvl9pPr>
-          </a:lstStyle>
-          <a:p>
-            <a:pPr marL="0" indent="0" algn="l">
-              <a:buNone/>
-            </a:pPr>
-            <a:r>
-              <a:rPr lang="ru-RU" dirty="0">
-                <a:solidFill>
-                  <a:srgbClr val="BC5CFF"/>
-                </a:solidFill>
-                <a:latin typeface="DeepSeek-CJK-patch"/>
-              </a:rPr>
-              <a:t>Оптимизированная блокировка </a:t>
-            </a:r>
-            <a:r>
-              <a:rPr lang="ru-RU" dirty="0">
-                <a:solidFill>
-                  <a:srgbClr val="F8FAFF"/>
-                </a:solidFill>
-                <a:latin typeface="DeepSeek-CJK-patch"/>
-              </a:rPr>
-              <a:t>для сценариев "частое чтение / редкая запись".</a:t>
-            </a:r>
-          </a:p>
-          <a:p>
-            <a:pPr marL="0" indent="0" algn="l">
-              <a:buNone/>
-            </a:pPr>
-            <a:r>
-              <a:rPr lang="ru-RU" dirty="0">
-                <a:solidFill>
-                  <a:srgbClr val="F8FAFF"/>
-                </a:solidFill>
-                <a:latin typeface="DeepSeek-CJK-patch"/>
-              </a:rPr>
-              <a:t>Принцип работы:</a:t>
-            </a:r>
-          </a:p>
-          <a:p>
-            <a:r>
-              <a:rPr lang="ru-RU" dirty="0">
-                <a:solidFill>
-                  <a:srgbClr val="F8FAFF"/>
-                </a:solidFill>
-                <a:latin typeface="DeepSeek-CJK-patch"/>
-              </a:rPr>
-              <a:t>Множество потоков могут одновременно читать</a:t>
-            </a:r>
-          </a:p>
-          <a:p>
-            <a:r>
-              <a:rPr lang="ru-RU" dirty="0">
-                <a:solidFill>
-                  <a:srgbClr val="F8FAFF"/>
-                </a:solidFill>
-                <a:latin typeface="DeepSeek-CJK-patch"/>
-              </a:rPr>
-              <a:t>Только один поток может писать</a:t>
-            </a:r>
-          </a:p>
-          <a:p>
-            <a:r>
-              <a:rPr lang="ru-RU" dirty="0">
-                <a:solidFill>
-                  <a:srgbClr val="F8FAFF"/>
-                </a:solidFill>
-                <a:latin typeface="DeepSeek-CJK-patch"/>
-              </a:rPr>
-              <a:t>При записи все читающие блокируются</a:t>
-            </a:r>
-          </a:p>
-        </p:txBody>
-      </p:sp>
-      <p:sp>
-        <p:nvSpPr>
-          <p:cNvPr id="2" name="Заголовок 1">
-            <a:extLst>
-              <a:ext uri="{FF2B5EF4-FFF2-40B4-BE49-F238E27FC236}">
-                <a16:creationId xmlns:a16="http://schemas.microsoft.com/office/drawing/2014/main" id="{D512759A-0B65-D482-9DA8-554DC7367F7D}"/>
-              </a:ext>
-            </a:extLst>
-          </p:cNvPr>
-          <p:cNvSpPr>
-            <a:spLocks noGrp="1"/>
-          </p:cNvSpPr>
-          <p:nvPr>
-            <p:ph type="title"/>
-          </p:nvPr>
-        </p:nvSpPr>
-        <p:spPr/>
-        <p:txBody>
-          <a:bodyPr>
-            <a:normAutofit/>
-          </a:bodyPr>
-          <a:lstStyle/>
-          <a:p>
-            <a:r>
-              <a:rPr lang="en-US" b="1" i="0" dirty="0" err="1">
-                <a:solidFill>
-                  <a:srgbClr val="F8FAFF"/>
-                </a:solidFill>
-                <a:effectLst/>
-                <a:latin typeface="DeepSeek-CJK-patch"/>
-              </a:rPr>
-              <a:t>ReentrantReadWriteLock</a:t>
-            </a:r>
-            <a:r>
-              <a:rPr lang="en-US" b="1" i="0" dirty="0">
-                <a:solidFill>
-                  <a:srgbClr val="F8FAFF"/>
-                </a:solidFill>
-                <a:effectLst/>
-                <a:latin typeface="DeepSeek-CJK-patch"/>
-              </a:rPr>
-              <a:t> </a:t>
-            </a:r>
-            <a:endParaRPr lang="ru-RU" dirty="0"/>
-          </a:p>
-        </p:txBody>
-      </p:sp>
-      <p:pic>
-        <p:nvPicPr>
-          <p:cNvPr id="5" name="Рисунок 4">
-            <a:extLst>
-              <a:ext uri="{FF2B5EF4-FFF2-40B4-BE49-F238E27FC236}">
-                <a16:creationId xmlns:a16="http://schemas.microsoft.com/office/drawing/2014/main" id="{98A0845E-FFB1-ECC1-9892-EB973813B97D}"/>
-              </a:ext>
-            </a:extLst>
-          </p:cNvPr>
-          <p:cNvPicPr>
-            <a:picLocks noChangeAspect="1"/>
-          </p:cNvPicPr>
-          <p:nvPr/>
-        </p:nvPicPr>
-        <p:blipFill>
-          <a:blip r:embed="rId3"/>
-          <a:stretch>
-            <a:fillRect/>
-          </a:stretch>
-        </p:blipFill>
-        <p:spPr>
-          <a:xfrm>
-            <a:off x="515938" y="2575849"/>
-            <a:ext cx="9707330" cy="4153480"/>
-          </a:xfrm>
-          <a:prstGeom prst="rect">
-            <a:avLst/>
-          </a:prstGeom>
-        </p:spPr>
-      </p:pic>
-    </p:spTree>
-    <p:extLst>
-      <p:ext uri="{BB962C8B-B14F-4D97-AF65-F5344CB8AC3E}">
-        <p14:creationId xmlns:p14="http://schemas.microsoft.com/office/powerpoint/2010/main" val="473838827"/>
-      </p:ext>
-    </p:extLst>
-  </p:cSld>
-  <p:clrMapOvr>
-    <a:masterClrMapping/>
-  </p:clrMapOvr>
-</p:sld>
-</file>
-
-<file path=ppt/slides/slide32.xml><?xml version="1.0" encoding="utf-8"?>
-<p:sld xmlns:a="http://schemas.openxmlformats.org/drawingml/2006/main" xmlns:r="http://schemas.openxmlformats.org/officeDocument/2006/relationships" xmlns:p="http://schemas.openxmlformats.org/presentationml/2006/main">
-  <p:cSld>
-    <p:spTree>
-      <p:nvGrpSpPr>
-        <p:cNvPr id="1" name=""/>
-        <p:cNvGrpSpPr/>
-        <p:nvPr/>
-      </p:nvGrpSpPr>
-      <p:grpSpPr>
-        <a:xfrm>
-          <a:off x="0" y="0"/>
-          <a:ext cx="0" cy="0"/>
-          <a:chOff x="0" y="0"/>
-          <a:chExt cx="0" cy="0"/>
-        </a:xfrm>
-      </p:grpSpPr>
-      <p:sp>
-        <p:nvSpPr>
-          <p:cNvPr id="3" name="Объект 2">
-            <a:extLst>
-              <a:ext uri="{FF2B5EF4-FFF2-40B4-BE49-F238E27FC236}">
-                <a16:creationId xmlns:a16="http://schemas.microsoft.com/office/drawing/2014/main" id="{AA7A992F-39CE-7546-787A-616ACDE3CF45}"/>
-              </a:ext>
-            </a:extLst>
-          </p:cNvPr>
-          <p:cNvSpPr txBox="1">
-            <a:spLocks/>
-          </p:cNvSpPr>
-          <p:nvPr/>
-        </p:nvSpPr>
-        <p:spPr>
-          <a:xfrm>
             <a:off x="515936" y="658733"/>
             <a:ext cx="11237913" cy="631735"/>
           </a:xfrm>
@@ -33916,6 +33959,379 @@
     <p:extLst>
       <p:ext uri="{BB962C8B-B14F-4D97-AF65-F5344CB8AC3E}">
         <p14:creationId xmlns:p14="http://schemas.microsoft.com/office/powerpoint/2010/main" val="2649806426"/>
+      </p:ext>
+    </p:extLst>
+  </p:cSld>
+  <p:clrMapOvr>
+    <a:masterClrMapping/>
+  </p:clrMapOvr>
+</p:sld>
+</file>
+
+<file path=ppt/slides/slide32.xml><?xml version="1.0" encoding="utf-8"?>
+<p:sld xmlns:a="http://schemas.openxmlformats.org/drawingml/2006/main" xmlns:r="http://schemas.openxmlformats.org/officeDocument/2006/relationships" xmlns:p="http://schemas.openxmlformats.org/presentationml/2006/main">
+  <p:cSld>
+    <p:spTree>
+      <p:nvGrpSpPr>
+        <p:cNvPr id="1" name=""/>
+        <p:cNvGrpSpPr/>
+        <p:nvPr/>
+      </p:nvGrpSpPr>
+      <p:grpSpPr>
+        <a:xfrm>
+          <a:off x="0" y="0"/>
+          <a:ext cx="0" cy="0"/>
+          <a:chOff x="0" y="0"/>
+          <a:chExt cx="0" cy="0"/>
+        </a:xfrm>
+      </p:grpSpPr>
+      <p:sp>
+        <p:nvSpPr>
+          <p:cNvPr id="3" name="Объект 2">
+            <a:extLst>
+              <a:ext uri="{FF2B5EF4-FFF2-40B4-BE49-F238E27FC236}">
+                <a16:creationId xmlns:a16="http://schemas.microsoft.com/office/drawing/2014/main" id="{AA7A992F-39CE-7546-787A-616ACDE3CF45}"/>
+              </a:ext>
+            </a:extLst>
+          </p:cNvPr>
+          <p:cNvSpPr txBox="1">
+            <a:spLocks/>
+          </p:cNvSpPr>
+          <p:nvPr/>
+        </p:nvSpPr>
+        <p:spPr>
+          <a:xfrm>
+            <a:off x="515936" y="658732"/>
+            <a:ext cx="11237913" cy="1789193"/>
+          </a:xfrm>
+          <a:prstGeom prst="rect">
+            <a:avLst/>
+          </a:prstGeom>
+          <a:solidFill>
+            <a:srgbClr val="171717"/>
+          </a:solidFill>
+        </p:spPr>
+        <p:txBody>
+          <a:bodyPr vert="horz" lIns="91440" tIns="45720" rIns="91440" bIns="45720" rtlCol="0">
+            <a:normAutofit/>
+          </a:bodyPr>
+          <a:lstStyle>
+            <a:lvl1pPr marL="228600" indent="-228600" algn="l" defTabSz="914400" rtl="0" eaLnBrk="1" latinLnBrk="0" hangingPunct="1">
+              <a:lnSpc>
+                <a:spcPct val="90000"/>
+              </a:lnSpc>
+              <a:spcBef>
+                <a:spcPts val="1000"/>
+              </a:spcBef>
+              <a:buFont typeface="Arial" panose="020B0604020202020204" pitchFamily="34" charset="0"/>
+              <a:buChar char="•"/>
+              <a:defRPr sz="1600" kern="1200">
+                <a:solidFill>
+                  <a:schemeClr val="tx1"/>
+                </a:solidFill>
+                <a:latin typeface="Arial" panose="020B0604020202020204" pitchFamily="34" charset="0"/>
+                <a:ea typeface="+mn-ea"/>
+                <a:cs typeface="Arial" panose="020B0604020202020204" pitchFamily="34" charset="0"/>
+              </a:defRPr>
+            </a:lvl1pPr>
+            <a:lvl2pPr marL="685800" indent="-228600" algn="l" defTabSz="914400" rtl="0" eaLnBrk="1" latinLnBrk="0" hangingPunct="1">
+              <a:lnSpc>
+                <a:spcPct val="90000"/>
+              </a:lnSpc>
+              <a:spcBef>
+                <a:spcPts val="500"/>
+              </a:spcBef>
+              <a:buFont typeface="Arial" panose="020B0604020202020204" pitchFamily="34" charset="0"/>
+              <a:buChar char="•"/>
+              <a:defRPr sz="1600" kern="1200">
+                <a:solidFill>
+                  <a:schemeClr val="tx1"/>
+                </a:solidFill>
+                <a:latin typeface="Arial" panose="020B0604020202020204" pitchFamily="34" charset="0"/>
+                <a:ea typeface="+mn-ea"/>
+                <a:cs typeface="Arial" panose="020B0604020202020204" pitchFamily="34" charset="0"/>
+              </a:defRPr>
+            </a:lvl2pPr>
+            <a:lvl3pPr marL="1143000" indent="-228600" algn="l" defTabSz="914400" rtl="0" eaLnBrk="1" latinLnBrk="0" hangingPunct="1">
+              <a:lnSpc>
+                <a:spcPct val="90000"/>
+              </a:lnSpc>
+              <a:spcBef>
+                <a:spcPts val="500"/>
+              </a:spcBef>
+              <a:buFont typeface="Arial" panose="020B0604020202020204" pitchFamily="34" charset="0"/>
+              <a:buChar char="•"/>
+              <a:defRPr sz="1600" kern="1200">
+                <a:solidFill>
+                  <a:schemeClr val="tx1"/>
+                </a:solidFill>
+                <a:latin typeface="Arial" panose="020B0604020202020204" pitchFamily="34" charset="0"/>
+                <a:ea typeface="+mn-ea"/>
+                <a:cs typeface="Arial" panose="020B0604020202020204" pitchFamily="34" charset="0"/>
+              </a:defRPr>
+            </a:lvl3pPr>
+            <a:lvl4pPr marL="1600200" indent="-228600" algn="l" defTabSz="914400" rtl="0" eaLnBrk="1" latinLnBrk="0" hangingPunct="1">
+              <a:lnSpc>
+                <a:spcPct val="90000"/>
+              </a:lnSpc>
+              <a:spcBef>
+                <a:spcPts val="500"/>
+              </a:spcBef>
+              <a:buFont typeface="Arial" panose="020B0604020202020204" pitchFamily="34" charset="0"/>
+              <a:buChar char="•"/>
+              <a:defRPr sz="1400" kern="1200">
+                <a:solidFill>
+                  <a:schemeClr val="tx1"/>
+                </a:solidFill>
+                <a:latin typeface="Arial" panose="020B0604020202020204" pitchFamily="34" charset="0"/>
+                <a:ea typeface="+mn-ea"/>
+                <a:cs typeface="Arial" panose="020B0604020202020204" pitchFamily="34" charset="0"/>
+              </a:defRPr>
+            </a:lvl4pPr>
+            <a:lvl5pPr marL="2057400" indent="-228600" algn="l" defTabSz="914400" rtl="0" eaLnBrk="1" latinLnBrk="0" hangingPunct="1">
+              <a:lnSpc>
+                <a:spcPct val="90000"/>
+              </a:lnSpc>
+              <a:spcBef>
+                <a:spcPts val="500"/>
+              </a:spcBef>
+              <a:buFont typeface="Arial" panose="020B0604020202020204" pitchFamily="34" charset="0"/>
+              <a:buChar char="•"/>
+              <a:defRPr sz="1400" kern="1200">
+                <a:solidFill>
+                  <a:schemeClr val="tx1"/>
+                </a:solidFill>
+                <a:latin typeface="Arial" panose="020B0604020202020204" pitchFamily="34" charset="0"/>
+                <a:ea typeface="+mn-ea"/>
+                <a:cs typeface="Arial" panose="020B0604020202020204" pitchFamily="34" charset="0"/>
+              </a:defRPr>
+            </a:lvl5pPr>
+            <a:lvl6pPr marL="2514600" indent="-228600" algn="l" defTabSz="914400" rtl="0" eaLnBrk="1" latinLnBrk="0" hangingPunct="1">
+              <a:lnSpc>
+                <a:spcPct val="90000"/>
+              </a:lnSpc>
+              <a:spcBef>
+                <a:spcPts val="500"/>
+              </a:spcBef>
+              <a:buFont typeface="Arial" panose="020B0604020202020204" pitchFamily="34" charset="0"/>
+              <a:buChar char="•"/>
+              <a:defRPr sz="1800" kern="1200">
+                <a:solidFill>
+                  <a:schemeClr val="tx1"/>
+                </a:solidFill>
+                <a:latin typeface="+mn-lt"/>
+                <a:ea typeface="+mn-ea"/>
+                <a:cs typeface="+mn-cs"/>
+              </a:defRPr>
+            </a:lvl6pPr>
+            <a:lvl7pPr marL="2971800" indent="-228600" algn="l" defTabSz="914400" rtl="0" eaLnBrk="1" latinLnBrk="0" hangingPunct="1">
+              <a:lnSpc>
+                <a:spcPct val="90000"/>
+              </a:lnSpc>
+              <a:spcBef>
+                <a:spcPts val="500"/>
+              </a:spcBef>
+              <a:buFont typeface="Arial" panose="020B0604020202020204" pitchFamily="34" charset="0"/>
+              <a:buChar char="•"/>
+              <a:defRPr sz="1800" kern="1200">
+                <a:solidFill>
+                  <a:schemeClr val="tx1"/>
+                </a:solidFill>
+                <a:latin typeface="+mn-lt"/>
+                <a:ea typeface="+mn-ea"/>
+                <a:cs typeface="+mn-cs"/>
+              </a:defRPr>
+            </a:lvl7pPr>
+            <a:lvl8pPr marL="3429000" indent="-228600" algn="l" defTabSz="914400" rtl="0" eaLnBrk="1" latinLnBrk="0" hangingPunct="1">
+              <a:lnSpc>
+                <a:spcPct val="90000"/>
+              </a:lnSpc>
+              <a:spcBef>
+                <a:spcPts val="500"/>
+              </a:spcBef>
+              <a:buFont typeface="Arial" panose="020B0604020202020204" pitchFamily="34" charset="0"/>
+              <a:buChar char="•"/>
+              <a:defRPr sz="1800" kern="1200">
+                <a:solidFill>
+                  <a:schemeClr val="tx1"/>
+                </a:solidFill>
+                <a:latin typeface="+mn-lt"/>
+                <a:ea typeface="+mn-ea"/>
+                <a:cs typeface="+mn-cs"/>
+              </a:defRPr>
+            </a:lvl8pPr>
+            <a:lvl9pPr marL="3886200" indent="-228600" algn="l" defTabSz="914400" rtl="0" eaLnBrk="1" latinLnBrk="0" hangingPunct="1">
+              <a:lnSpc>
+                <a:spcPct val="90000"/>
+              </a:lnSpc>
+              <a:spcBef>
+                <a:spcPts val="500"/>
+              </a:spcBef>
+              <a:buFont typeface="Arial" panose="020B0604020202020204" pitchFamily="34" charset="0"/>
+              <a:buChar char="•"/>
+              <a:defRPr sz="1800" kern="1200">
+                <a:solidFill>
+                  <a:schemeClr val="tx1"/>
+                </a:solidFill>
+                <a:latin typeface="+mn-lt"/>
+                <a:ea typeface="+mn-ea"/>
+                <a:cs typeface="+mn-cs"/>
+              </a:defRPr>
+            </a:lvl9pPr>
+          </a:lstStyle>
+          <a:p>
+            <a:pPr marL="0" indent="0" algn="l">
+              <a:buNone/>
+            </a:pPr>
+            <a:r>
+              <a:rPr lang="ru-RU" dirty="0">
+                <a:solidFill>
+                  <a:srgbClr val="BC5CFF"/>
+                </a:solidFill>
+                <a:latin typeface="DeepSeek-CJK-patch"/>
+              </a:rPr>
+              <a:t>Оптимизированная блокировка </a:t>
+            </a:r>
+            <a:r>
+              <a:rPr lang="ru-RU" dirty="0">
+                <a:solidFill>
+                  <a:srgbClr val="F8FAFF"/>
+                </a:solidFill>
+                <a:latin typeface="DeepSeek-CJK-patch"/>
+              </a:rPr>
+              <a:t>для сценариев "частое чтение / редкая запись".</a:t>
+            </a:r>
+          </a:p>
+          <a:p>
+            <a:pPr marL="0" indent="0" algn="l">
+              <a:buNone/>
+            </a:pPr>
+            <a:r>
+              <a:rPr lang="ru-RU" dirty="0">
+                <a:solidFill>
+                  <a:srgbClr val="F8FAFF"/>
+                </a:solidFill>
+                <a:latin typeface="DeepSeek-CJK-patch"/>
+              </a:rPr>
+              <a:t>Принцип работы:</a:t>
+            </a:r>
+          </a:p>
+          <a:p>
+            <a:r>
+              <a:rPr lang="ru-RU" dirty="0">
+                <a:solidFill>
+                  <a:srgbClr val="F8FAFF"/>
+                </a:solidFill>
+                <a:latin typeface="DeepSeek-CJK-patch"/>
+              </a:rPr>
+              <a:t>Множество потоков могут одновременно читать</a:t>
+            </a:r>
+          </a:p>
+          <a:p>
+            <a:r>
+              <a:rPr lang="ru-RU" dirty="0">
+                <a:solidFill>
+                  <a:srgbClr val="F8FAFF"/>
+                </a:solidFill>
+                <a:latin typeface="DeepSeek-CJK-patch"/>
+              </a:rPr>
+              <a:t>Только один поток может писать</a:t>
+            </a:r>
+          </a:p>
+          <a:p>
+            <a:r>
+              <a:rPr lang="ru-RU" dirty="0">
+                <a:solidFill>
+                  <a:srgbClr val="F8FAFF"/>
+                </a:solidFill>
+                <a:latin typeface="DeepSeek-CJK-patch"/>
+              </a:rPr>
+              <a:t>При записи все читающие блокируются</a:t>
+            </a:r>
+          </a:p>
+        </p:txBody>
+      </p:sp>
+      <p:sp>
+        <p:nvSpPr>
+          <p:cNvPr id="2" name="Заголовок 1">
+            <a:extLst>
+              <a:ext uri="{FF2B5EF4-FFF2-40B4-BE49-F238E27FC236}">
+                <a16:creationId xmlns:a16="http://schemas.microsoft.com/office/drawing/2014/main" id="{D512759A-0B65-D482-9DA8-554DC7367F7D}"/>
+              </a:ext>
+            </a:extLst>
+          </p:cNvPr>
+          <p:cNvSpPr>
+            <a:spLocks noGrp="1"/>
+          </p:cNvSpPr>
+          <p:nvPr>
+            <p:ph type="title"/>
+          </p:nvPr>
+        </p:nvSpPr>
+        <p:spPr/>
+        <p:txBody>
+          <a:bodyPr>
+            <a:normAutofit/>
+          </a:bodyPr>
+          <a:lstStyle/>
+          <a:p>
+            <a:r>
+              <a:rPr lang="en-US" b="1" i="0" dirty="0" err="1">
+                <a:solidFill>
+                  <a:srgbClr val="F8FAFF"/>
+                </a:solidFill>
+                <a:effectLst/>
+                <a:latin typeface="DeepSeek-CJK-patch"/>
+              </a:rPr>
+              <a:t>ReentrantReadWriteLock</a:t>
+            </a:r>
+            <a:r>
+              <a:rPr lang="en-US" b="1" i="0" dirty="0">
+                <a:solidFill>
+                  <a:srgbClr val="F8FAFF"/>
+                </a:solidFill>
+                <a:effectLst/>
+                <a:latin typeface="DeepSeek-CJK-patch"/>
+              </a:rPr>
+              <a:t> </a:t>
+            </a:r>
+            <a:endParaRPr lang="ru-RU" dirty="0"/>
+          </a:p>
+        </p:txBody>
+      </p:sp>
+      <p:pic>
+        <p:nvPicPr>
+          <p:cNvPr id="5" name="Рисунок 4">
+            <a:extLst>
+              <a:ext uri="{FF2B5EF4-FFF2-40B4-BE49-F238E27FC236}">
+                <a16:creationId xmlns:a16="http://schemas.microsoft.com/office/drawing/2014/main" id="{98A0845E-FFB1-ECC1-9892-EB973813B97D}"/>
+              </a:ext>
+            </a:extLst>
+          </p:cNvPr>
+          <p:cNvPicPr>
+            <a:picLocks noChangeAspect="1"/>
+          </p:cNvPicPr>
+          <p:nvPr/>
+        </p:nvPicPr>
+        <p:blipFill>
+          <a:blip r:embed="rId3"/>
+          <a:stretch>
+            <a:fillRect/>
+          </a:stretch>
+        </p:blipFill>
+        <p:spPr>
+          <a:xfrm>
+            <a:off x="515938" y="2575849"/>
+            <a:ext cx="9707330" cy="4153480"/>
+          </a:xfrm>
+          <a:prstGeom prst="rect">
+            <a:avLst/>
+          </a:prstGeom>
+        </p:spPr>
+      </p:pic>
+    </p:spTree>
+    <p:extLst>
+      <p:ext uri="{BB962C8B-B14F-4D97-AF65-F5344CB8AC3E}">
+        <p14:creationId xmlns:p14="http://schemas.microsoft.com/office/powerpoint/2010/main" val="473838827"/>
       </p:ext>
     </p:extLst>
   </p:cSld>
